--- a/Final_Report.pptx
+++ b/Final_Report.pptx
@@ -13,6 +13,13 @@
     <p:sldId id="260" r:id="rId7"/>
     <p:sldId id="262" r:id="rId8"/>
     <p:sldId id="263" r:id="rId9"/>
+    <p:sldId id="267" r:id="rId10"/>
+    <p:sldId id="273" r:id="rId11"/>
+    <p:sldId id="268" r:id="rId12"/>
+    <p:sldId id="274" r:id="rId13"/>
+    <p:sldId id="269" r:id="rId14"/>
+    <p:sldId id="275" r:id="rId15"/>
+    <p:sldId id="276" r:id="rId16"/>
   </p:sldIdLst>
   <p:sldSz cx="12192000" cy="6858000"/>
   <p:notesSz cx="6858000" cy="9144000"/>
@@ -111,6 +118,11 @@
       </a:defRPr>
     </a:lvl9pPr>
   </p:defaultTextStyle>
+  <p:extLst>
+    <p:ext uri="{EFAFB233-063F-42B5-8137-9DF3F51BA10A}">
+      <p15:sldGuideLst xmlns:p15="http://schemas.microsoft.com/office/powerpoint/2012/main"/>
+    </p:ext>
+  </p:extLst>
 </p:presentation>
 </file>
 
@@ -633,7 +645,7 @@
                 </a:pPr>
                 <a:r>
                   <a:rPr lang="en-ID" sz="1400" baseline="0"/>
-                  <a:t>Country Name</a:t>
+                  <a:t>Location</a:t>
                 </a:r>
               </a:p>
             </c:rich>
@@ -12725,7 +12737,7 @@
           <a:p>
             <a:fld id="{1317306F-2162-4CB2-8E68-07BC2E5B7AA3}" type="datetimeFigureOut">
               <a:rPr lang="en-ID" smtClean="0"/>
-              <a:t>31/05/2023</a:t>
+              <a:t>03/06/2023</a:t>
             </a:fld>
             <a:endParaRPr lang="en-ID"/>
           </a:p>
@@ -12925,7 +12937,7 @@
           <a:p>
             <a:fld id="{1317306F-2162-4CB2-8E68-07BC2E5B7AA3}" type="datetimeFigureOut">
               <a:rPr lang="en-ID" smtClean="0"/>
-              <a:t>31/05/2023</a:t>
+              <a:t>03/06/2023</a:t>
             </a:fld>
             <a:endParaRPr lang="en-ID"/>
           </a:p>
@@ -13135,7 +13147,7 @@
           <a:p>
             <a:fld id="{1317306F-2162-4CB2-8E68-07BC2E5B7AA3}" type="datetimeFigureOut">
               <a:rPr lang="en-ID" smtClean="0"/>
-              <a:t>31/05/2023</a:t>
+              <a:t>03/06/2023</a:t>
             </a:fld>
             <a:endParaRPr lang="en-ID"/>
           </a:p>
@@ -13335,7 +13347,7 @@
           <a:p>
             <a:fld id="{1317306F-2162-4CB2-8E68-07BC2E5B7AA3}" type="datetimeFigureOut">
               <a:rPr lang="en-ID" smtClean="0"/>
-              <a:t>31/05/2023</a:t>
+              <a:t>03/06/2023</a:t>
             </a:fld>
             <a:endParaRPr lang="en-ID"/>
           </a:p>
@@ -13611,7 +13623,7 @@
           <a:p>
             <a:fld id="{1317306F-2162-4CB2-8E68-07BC2E5B7AA3}" type="datetimeFigureOut">
               <a:rPr lang="en-ID" smtClean="0"/>
-              <a:t>31/05/2023</a:t>
+              <a:t>03/06/2023</a:t>
             </a:fld>
             <a:endParaRPr lang="en-ID"/>
           </a:p>
@@ -13879,7 +13891,7 @@
           <a:p>
             <a:fld id="{1317306F-2162-4CB2-8E68-07BC2E5B7AA3}" type="datetimeFigureOut">
               <a:rPr lang="en-ID" smtClean="0"/>
-              <a:t>31/05/2023</a:t>
+              <a:t>03/06/2023</a:t>
             </a:fld>
             <a:endParaRPr lang="en-ID"/>
           </a:p>
@@ -14294,7 +14306,7 @@
           <a:p>
             <a:fld id="{1317306F-2162-4CB2-8E68-07BC2E5B7AA3}" type="datetimeFigureOut">
               <a:rPr lang="en-ID" smtClean="0"/>
-              <a:t>31/05/2023</a:t>
+              <a:t>03/06/2023</a:t>
             </a:fld>
             <a:endParaRPr lang="en-ID"/>
           </a:p>
@@ -14436,7 +14448,7 @@
           <a:p>
             <a:fld id="{1317306F-2162-4CB2-8E68-07BC2E5B7AA3}" type="datetimeFigureOut">
               <a:rPr lang="en-ID" smtClean="0"/>
-              <a:t>31/05/2023</a:t>
+              <a:t>03/06/2023</a:t>
             </a:fld>
             <a:endParaRPr lang="en-ID"/>
           </a:p>
@@ -14549,7 +14561,7 @@
           <a:p>
             <a:fld id="{1317306F-2162-4CB2-8E68-07BC2E5B7AA3}" type="datetimeFigureOut">
               <a:rPr lang="en-ID" smtClean="0"/>
-              <a:t>31/05/2023</a:t>
+              <a:t>03/06/2023</a:t>
             </a:fld>
             <a:endParaRPr lang="en-ID"/>
           </a:p>
@@ -14862,7 +14874,7 @@
           <a:p>
             <a:fld id="{1317306F-2162-4CB2-8E68-07BC2E5B7AA3}" type="datetimeFigureOut">
               <a:rPr lang="en-ID" smtClean="0"/>
-              <a:t>31/05/2023</a:t>
+              <a:t>03/06/2023</a:t>
             </a:fld>
             <a:endParaRPr lang="en-ID"/>
           </a:p>
@@ -15151,7 +15163,7 @@
           <a:p>
             <a:fld id="{1317306F-2162-4CB2-8E68-07BC2E5B7AA3}" type="datetimeFigureOut">
               <a:rPr lang="en-ID" smtClean="0"/>
-              <a:t>31/05/2023</a:t>
+              <a:t>03/06/2023</a:t>
             </a:fld>
             <a:endParaRPr lang="en-ID"/>
           </a:p>
@@ -15394,7 +15406,7 @@
           <a:p>
             <a:fld id="{1317306F-2162-4CB2-8E68-07BC2E5B7AA3}" type="datetimeFigureOut">
               <a:rPr lang="en-ID" smtClean="0"/>
-              <a:t>31/05/2023</a:t>
+              <a:t>03/06/2023</a:t>
             </a:fld>
             <a:endParaRPr lang="en-ID"/>
           </a:p>
@@ -15889,6 +15901,588 @@
 </p:sld>
 </file>
 
+<file path=ppt/slides/slide10.xml><?xml version="1.0" encoding="utf-8"?>
+<p:sld xmlns:a="http://schemas.openxmlformats.org/drawingml/2006/main" xmlns:r="http://schemas.openxmlformats.org/officeDocument/2006/relationships" xmlns:p="http://schemas.openxmlformats.org/presentationml/2006/main">
+  <p:cSld>
+    <p:spTree>
+      <p:nvGrpSpPr>
+        <p:cNvPr id="1" name=""/>
+        <p:cNvGrpSpPr/>
+        <p:nvPr/>
+      </p:nvGrpSpPr>
+      <p:grpSpPr>
+        <a:xfrm>
+          <a:off x="0" y="0"/>
+          <a:ext cx="0" cy="0"/>
+          <a:chOff x="0" y="0"/>
+          <a:chExt cx="0" cy="0"/>
+        </a:xfrm>
+      </p:grpSpPr>
+      <p:sp>
+        <p:nvSpPr>
+          <p:cNvPr id="2" name="Title 1">
+            <a:extLst>
+              <a:ext uri="{FF2B5EF4-FFF2-40B4-BE49-F238E27FC236}">
+                <a16:creationId xmlns:a16="http://schemas.microsoft.com/office/drawing/2014/main" id="{018D9AEB-6590-489D-860B-AA83BF80255C}"/>
+              </a:ext>
+            </a:extLst>
+          </p:cNvPr>
+          <p:cNvSpPr>
+            <a:spLocks noGrp="1"/>
+          </p:cNvSpPr>
+          <p:nvPr>
+            <p:ph type="title"/>
+          </p:nvPr>
+        </p:nvSpPr>
+        <p:spPr/>
+        <p:txBody>
+          <a:bodyPr/>
+          <a:lstStyle/>
+          <a:p>
+            <a:r>
+              <a:rPr lang="en-US"/>
+              <a:t>What happened on that occurrence?</a:t>
+            </a:r>
+            <a:endParaRPr lang="en-ID"/>
+          </a:p>
+        </p:txBody>
+      </p:sp>
+      <p:sp>
+        <p:nvSpPr>
+          <p:cNvPr id="3" name="Content Placeholder 2">
+            <a:extLst>
+              <a:ext uri="{FF2B5EF4-FFF2-40B4-BE49-F238E27FC236}">
+                <a16:creationId xmlns:a16="http://schemas.microsoft.com/office/drawing/2014/main" id="{81E82F54-382A-41CD-B39C-F9D5EFF32300}"/>
+              </a:ext>
+            </a:extLst>
+          </p:cNvPr>
+          <p:cNvSpPr>
+            <a:spLocks noGrp="1"/>
+          </p:cNvSpPr>
+          <p:nvPr>
+            <p:ph idx="1"/>
+          </p:nvPr>
+        </p:nvSpPr>
+        <p:spPr/>
+        <p:txBody>
+          <a:bodyPr/>
+          <a:lstStyle/>
+          <a:p>
+            <a:endParaRPr lang="en-ID"/>
+          </a:p>
+        </p:txBody>
+      </p:sp>
+    </p:spTree>
+    <p:extLst>
+      <p:ext uri="{BB962C8B-B14F-4D97-AF65-F5344CB8AC3E}">
+        <p14:creationId xmlns:p14="http://schemas.microsoft.com/office/powerpoint/2010/main" val="399712669"/>
+      </p:ext>
+    </p:extLst>
+  </p:cSld>
+  <p:clrMapOvr>
+    <a:masterClrMapping/>
+  </p:clrMapOvr>
+</p:sld>
+</file>
+
+<file path=ppt/slides/slide11.xml><?xml version="1.0" encoding="utf-8"?>
+<p:sld xmlns:a="http://schemas.openxmlformats.org/drawingml/2006/main" xmlns:r="http://schemas.openxmlformats.org/officeDocument/2006/relationships" xmlns:p="http://schemas.openxmlformats.org/presentationml/2006/main">
+  <p:cSld>
+    <p:spTree>
+      <p:nvGrpSpPr>
+        <p:cNvPr id="1" name=""/>
+        <p:cNvGrpSpPr/>
+        <p:nvPr/>
+      </p:nvGrpSpPr>
+      <p:grpSpPr>
+        <a:xfrm>
+          <a:off x="0" y="0"/>
+          <a:ext cx="0" cy="0"/>
+          <a:chOff x="0" y="0"/>
+          <a:chExt cx="0" cy="0"/>
+        </a:xfrm>
+      </p:grpSpPr>
+      <p:sp>
+        <p:nvSpPr>
+          <p:cNvPr id="2" name="Title 1">
+            <a:extLst>
+              <a:ext uri="{FF2B5EF4-FFF2-40B4-BE49-F238E27FC236}">
+                <a16:creationId xmlns:a16="http://schemas.microsoft.com/office/drawing/2014/main" id="{7F728F6B-73DA-4526-AD35-8DF57D726D78}"/>
+              </a:ext>
+            </a:extLst>
+          </p:cNvPr>
+          <p:cNvSpPr>
+            <a:spLocks noGrp="1"/>
+          </p:cNvSpPr>
+          <p:nvPr>
+            <p:ph type="title"/>
+          </p:nvPr>
+        </p:nvSpPr>
+        <p:spPr/>
+        <p:txBody>
+          <a:bodyPr/>
+          <a:lstStyle/>
+          <a:p>
+            <a:pPr algn="ctr"/>
+            <a:r>
+              <a:rPr lang="en-US"/>
+              <a:t>2021 COVID on Phillipines and Vietnam</a:t>
+            </a:r>
+            <a:endParaRPr lang="en-ID"/>
+          </a:p>
+        </p:txBody>
+      </p:sp>
+      <p:pic>
+        <p:nvPicPr>
+          <p:cNvPr id="7" name="Picture 6">
+            <a:extLst>
+              <a:ext uri="{FF2B5EF4-FFF2-40B4-BE49-F238E27FC236}">
+                <a16:creationId xmlns:a16="http://schemas.microsoft.com/office/drawing/2014/main" id="{D45A2FFA-FD5B-438D-80FD-91A691618B19}"/>
+              </a:ext>
+            </a:extLst>
+          </p:cNvPr>
+          <p:cNvPicPr>
+            <a:picLocks noChangeAspect="1"/>
+          </p:cNvPicPr>
+          <p:nvPr/>
+        </p:nvPicPr>
+        <p:blipFill>
+          <a:blip r:embed="rId2"/>
+          <a:stretch>
+            <a:fillRect/>
+          </a:stretch>
+        </p:blipFill>
+        <p:spPr>
+          <a:xfrm>
+            <a:off x="509256" y="1539502"/>
+            <a:ext cx="5778056" cy="4810125"/>
+          </a:xfrm>
+          <a:prstGeom prst="rect">
+            <a:avLst/>
+          </a:prstGeom>
+        </p:spPr>
+      </p:pic>
+      <p:pic>
+        <p:nvPicPr>
+          <p:cNvPr id="9" name="Picture 8">
+            <a:extLst>
+              <a:ext uri="{FF2B5EF4-FFF2-40B4-BE49-F238E27FC236}">
+                <a16:creationId xmlns:a16="http://schemas.microsoft.com/office/drawing/2014/main" id="{F841F33F-6A2C-4F8B-857E-BB91D63FB52E}"/>
+              </a:ext>
+            </a:extLst>
+          </p:cNvPr>
+          <p:cNvPicPr>
+            <a:picLocks noChangeAspect="1"/>
+          </p:cNvPicPr>
+          <p:nvPr/>
+        </p:nvPicPr>
+        <p:blipFill>
+          <a:blip r:embed="rId3"/>
+          <a:stretch>
+            <a:fillRect/>
+          </a:stretch>
+        </p:blipFill>
+        <p:spPr>
+          <a:xfrm>
+            <a:off x="6167336" y="1515083"/>
+            <a:ext cx="5692201" cy="5010150"/>
+          </a:xfrm>
+          <a:prstGeom prst="rect">
+            <a:avLst/>
+          </a:prstGeom>
+        </p:spPr>
+      </p:pic>
+    </p:spTree>
+    <p:extLst>
+      <p:ext uri="{BB962C8B-B14F-4D97-AF65-F5344CB8AC3E}">
+        <p14:creationId xmlns:p14="http://schemas.microsoft.com/office/powerpoint/2010/main" val="441151633"/>
+      </p:ext>
+    </p:extLst>
+  </p:cSld>
+  <p:clrMapOvr>
+    <a:masterClrMapping/>
+  </p:clrMapOvr>
+</p:sld>
+</file>
+
+<file path=ppt/slides/slide12.xml><?xml version="1.0" encoding="utf-8"?>
+<p:sld xmlns:a="http://schemas.openxmlformats.org/drawingml/2006/main" xmlns:r="http://schemas.openxmlformats.org/officeDocument/2006/relationships" xmlns:p="http://schemas.openxmlformats.org/presentationml/2006/main">
+  <p:cSld>
+    <p:spTree>
+      <p:nvGrpSpPr>
+        <p:cNvPr id="1" name=""/>
+        <p:cNvGrpSpPr/>
+        <p:nvPr/>
+      </p:nvGrpSpPr>
+      <p:grpSpPr>
+        <a:xfrm>
+          <a:off x="0" y="0"/>
+          <a:ext cx="0" cy="0"/>
+          <a:chOff x="0" y="0"/>
+          <a:chExt cx="0" cy="0"/>
+        </a:xfrm>
+      </p:grpSpPr>
+      <p:sp>
+        <p:nvSpPr>
+          <p:cNvPr id="2" name="Title 1">
+            <a:extLst>
+              <a:ext uri="{FF2B5EF4-FFF2-40B4-BE49-F238E27FC236}">
+                <a16:creationId xmlns:a16="http://schemas.microsoft.com/office/drawing/2014/main" id="{018D9AEB-6590-489D-860B-AA83BF80255C}"/>
+              </a:ext>
+            </a:extLst>
+          </p:cNvPr>
+          <p:cNvSpPr>
+            <a:spLocks noGrp="1"/>
+          </p:cNvSpPr>
+          <p:nvPr>
+            <p:ph type="title"/>
+          </p:nvPr>
+        </p:nvSpPr>
+        <p:spPr/>
+        <p:txBody>
+          <a:bodyPr/>
+          <a:lstStyle/>
+          <a:p>
+            <a:r>
+              <a:rPr lang="en-US"/>
+              <a:t>What happened on that occurrence?</a:t>
+            </a:r>
+            <a:endParaRPr lang="en-ID"/>
+          </a:p>
+        </p:txBody>
+      </p:sp>
+      <p:sp>
+        <p:nvSpPr>
+          <p:cNvPr id="3" name="Content Placeholder 2">
+            <a:extLst>
+              <a:ext uri="{FF2B5EF4-FFF2-40B4-BE49-F238E27FC236}">
+                <a16:creationId xmlns:a16="http://schemas.microsoft.com/office/drawing/2014/main" id="{81E82F54-382A-41CD-B39C-F9D5EFF32300}"/>
+              </a:ext>
+            </a:extLst>
+          </p:cNvPr>
+          <p:cNvSpPr>
+            <a:spLocks noGrp="1"/>
+          </p:cNvSpPr>
+          <p:nvPr>
+            <p:ph idx="1"/>
+          </p:nvPr>
+        </p:nvSpPr>
+        <p:spPr/>
+        <p:txBody>
+          <a:bodyPr/>
+          <a:lstStyle/>
+          <a:p>
+            <a:endParaRPr lang="en-ID"/>
+          </a:p>
+        </p:txBody>
+      </p:sp>
+    </p:spTree>
+    <p:extLst>
+      <p:ext uri="{BB962C8B-B14F-4D97-AF65-F5344CB8AC3E}">
+        <p14:creationId xmlns:p14="http://schemas.microsoft.com/office/powerpoint/2010/main" val="901589127"/>
+      </p:ext>
+    </p:extLst>
+  </p:cSld>
+  <p:clrMapOvr>
+    <a:masterClrMapping/>
+  </p:clrMapOvr>
+</p:sld>
+</file>
+
+<file path=ppt/slides/slide13.xml><?xml version="1.0" encoding="utf-8"?>
+<p:sld xmlns:a="http://schemas.openxmlformats.org/drawingml/2006/main" xmlns:r="http://schemas.openxmlformats.org/officeDocument/2006/relationships" xmlns:p="http://schemas.openxmlformats.org/presentationml/2006/main">
+  <p:cSld>
+    <p:spTree>
+      <p:nvGrpSpPr>
+        <p:cNvPr id="1" name=""/>
+        <p:cNvGrpSpPr/>
+        <p:nvPr/>
+      </p:nvGrpSpPr>
+      <p:grpSpPr>
+        <a:xfrm>
+          <a:off x="0" y="0"/>
+          <a:ext cx="0" cy="0"/>
+          <a:chOff x="0" y="0"/>
+          <a:chExt cx="0" cy="0"/>
+        </a:xfrm>
+      </p:grpSpPr>
+      <p:sp>
+        <p:nvSpPr>
+          <p:cNvPr id="4" name="Title 1">
+            <a:extLst>
+              <a:ext uri="{FF2B5EF4-FFF2-40B4-BE49-F238E27FC236}">
+                <a16:creationId xmlns:a16="http://schemas.microsoft.com/office/drawing/2014/main" id="{887024BE-00CB-4ADB-AEF1-890B2C483D6A}"/>
+              </a:ext>
+            </a:extLst>
+          </p:cNvPr>
+          <p:cNvSpPr>
+            <a:spLocks noGrp="1"/>
+          </p:cNvSpPr>
+          <p:nvPr>
+            <p:ph type="title"/>
+          </p:nvPr>
+        </p:nvSpPr>
+        <p:spPr>
+          <a:xfrm>
+            <a:off x="838200" y="277576"/>
+            <a:ext cx="10515600" cy="1325563"/>
+          </a:xfrm>
+        </p:spPr>
+        <p:txBody>
+          <a:bodyPr/>
+          <a:lstStyle/>
+          <a:p>
+            <a:pPr algn="ctr"/>
+            <a:r>
+              <a:rPr lang="en-US"/>
+              <a:t>2022 COVID on Phillipines and Vietnam</a:t>
+            </a:r>
+            <a:endParaRPr lang="en-ID"/>
+          </a:p>
+        </p:txBody>
+      </p:sp>
+      <p:pic>
+        <p:nvPicPr>
+          <p:cNvPr id="6" name="Picture 5">
+            <a:extLst>
+              <a:ext uri="{FF2B5EF4-FFF2-40B4-BE49-F238E27FC236}">
+                <a16:creationId xmlns:a16="http://schemas.microsoft.com/office/drawing/2014/main" id="{5678364F-3000-41B9-8913-CE5277E185B1}"/>
+              </a:ext>
+            </a:extLst>
+          </p:cNvPr>
+          <p:cNvPicPr>
+            <a:picLocks noChangeAspect="1"/>
+          </p:cNvPicPr>
+          <p:nvPr/>
+        </p:nvPicPr>
+        <p:blipFill>
+          <a:blip r:embed="rId2"/>
+          <a:stretch>
+            <a:fillRect/>
+          </a:stretch>
+        </p:blipFill>
+        <p:spPr>
+          <a:xfrm>
+            <a:off x="381060" y="1501860"/>
+            <a:ext cx="5714940" cy="4962525"/>
+          </a:xfrm>
+          <a:prstGeom prst="rect">
+            <a:avLst/>
+          </a:prstGeom>
+        </p:spPr>
+      </p:pic>
+      <p:pic>
+        <p:nvPicPr>
+          <p:cNvPr id="8" name="Picture 7">
+            <a:extLst>
+              <a:ext uri="{FF2B5EF4-FFF2-40B4-BE49-F238E27FC236}">
+                <a16:creationId xmlns:a16="http://schemas.microsoft.com/office/drawing/2014/main" id="{387C2BAE-1779-422E-AD7A-11815EFA96E4}"/>
+              </a:ext>
+            </a:extLst>
+          </p:cNvPr>
+          <p:cNvPicPr>
+            <a:picLocks noChangeAspect="1"/>
+          </p:cNvPicPr>
+          <p:nvPr/>
+        </p:nvPicPr>
+        <p:blipFill>
+          <a:blip r:embed="rId3"/>
+          <a:stretch>
+            <a:fillRect/>
+          </a:stretch>
+        </p:blipFill>
+        <p:spPr>
+          <a:xfrm>
+            <a:off x="6096000" y="1409295"/>
+            <a:ext cx="5776202" cy="4914900"/>
+          </a:xfrm>
+          <a:prstGeom prst="rect">
+            <a:avLst/>
+          </a:prstGeom>
+        </p:spPr>
+      </p:pic>
+    </p:spTree>
+    <p:extLst>
+      <p:ext uri="{BB962C8B-B14F-4D97-AF65-F5344CB8AC3E}">
+        <p14:creationId xmlns:p14="http://schemas.microsoft.com/office/powerpoint/2010/main" val="3064653809"/>
+      </p:ext>
+    </p:extLst>
+  </p:cSld>
+  <p:clrMapOvr>
+    <a:masterClrMapping/>
+  </p:clrMapOvr>
+</p:sld>
+</file>
+
+<file path=ppt/slides/slide14.xml><?xml version="1.0" encoding="utf-8"?>
+<p:sld xmlns:a="http://schemas.openxmlformats.org/drawingml/2006/main" xmlns:r="http://schemas.openxmlformats.org/officeDocument/2006/relationships" xmlns:p="http://schemas.openxmlformats.org/presentationml/2006/main">
+  <p:cSld>
+    <p:spTree>
+      <p:nvGrpSpPr>
+        <p:cNvPr id="1" name=""/>
+        <p:cNvGrpSpPr/>
+        <p:nvPr/>
+      </p:nvGrpSpPr>
+      <p:grpSpPr>
+        <a:xfrm>
+          <a:off x="0" y="0"/>
+          <a:ext cx="0" cy="0"/>
+          <a:chOff x="0" y="0"/>
+          <a:chExt cx="0" cy="0"/>
+        </a:xfrm>
+      </p:grpSpPr>
+      <p:sp>
+        <p:nvSpPr>
+          <p:cNvPr id="2" name="Title 1">
+            <a:extLst>
+              <a:ext uri="{FF2B5EF4-FFF2-40B4-BE49-F238E27FC236}">
+                <a16:creationId xmlns:a16="http://schemas.microsoft.com/office/drawing/2014/main" id="{018D9AEB-6590-489D-860B-AA83BF80255C}"/>
+              </a:ext>
+            </a:extLst>
+          </p:cNvPr>
+          <p:cNvSpPr>
+            <a:spLocks noGrp="1"/>
+          </p:cNvSpPr>
+          <p:nvPr>
+            <p:ph type="title"/>
+          </p:nvPr>
+        </p:nvSpPr>
+        <p:spPr/>
+        <p:txBody>
+          <a:bodyPr/>
+          <a:lstStyle/>
+          <a:p>
+            <a:r>
+              <a:rPr lang="en-US"/>
+              <a:t>What happened on that occurrence?</a:t>
+            </a:r>
+            <a:endParaRPr lang="en-ID"/>
+          </a:p>
+        </p:txBody>
+      </p:sp>
+      <p:sp>
+        <p:nvSpPr>
+          <p:cNvPr id="3" name="Content Placeholder 2">
+            <a:extLst>
+              <a:ext uri="{FF2B5EF4-FFF2-40B4-BE49-F238E27FC236}">
+                <a16:creationId xmlns:a16="http://schemas.microsoft.com/office/drawing/2014/main" id="{81E82F54-382A-41CD-B39C-F9D5EFF32300}"/>
+              </a:ext>
+            </a:extLst>
+          </p:cNvPr>
+          <p:cNvSpPr>
+            <a:spLocks noGrp="1"/>
+          </p:cNvSpPr>
+          <p:nvPr>
+            <p:ph idx="1"/>
+          </p:nvPr>
+        </p:nvSpPr>
+        <p:spPr/>
+        <p:txBody>
+          <a:bodyPr/>
+          <a:lstStyle/>
+          <a:p>
+            <a:endParaRPr lang="en-ID"/>
+          </a:p>
+        </p:txBody>
+      </p:sp>
+    </p:spTree>
+    <p:extLst>
+      <p:ext uri="{BB962C8B-B14F-4D97-AF65-F5344CB8AC3E}">
+        <p14:creationId xmlns:p14="http://schemas.microsoft.com/office/powerpoint/2010/main" val="3031748083"/>
+      </p:ext>
+    </p:extLst>
+  </p:cSld>
+  <p:clrMapOvr>
+    <a:masterClrMapping/>
+  </p:clrMapOvr>
+</p:sld>
+</file>
+
+<file path=ppt/slides/slide15.xml><?xml version="1.0" encoding="utf-8"?>
+<p:sld xmlns:a="http://schemas.openxmlformats.org/drawingml/2006/main" xmlns:r="http://schemas.openxmlformats.org/officeDocument/2006/relationships" xmlns:p="http://schemas.openxmlformats.org/presentationml/2006/main">
+  <p:cSld>
+    <p:spTree>
+      <p:nvGrpSpPr>
+        <p:cNvPr id="1" name=""/>
+        <p:cNvGrpSpPr/>
+        <p:nvPr/>
+      </p:nvGrpSpPr>
+      <p:grpSpPr>
+        <a:xfrm>
+          <a:off x="0" y="0"/>
+          <a:ext cx="0" cy="0"/>
+          <a:chOff x="0" y="0"/>
+          <a:chExt cx="0" cy="0"/>
+        </a:xfrm>
+      </p:grpSpPr>
+      <p:sp>
+        <p:nvSpPr>
+          <p:cNvPr id="2" name="Title 1">
+            <a:extLst>
+              <a:ext uri="{FF2B5EF4-FFF2-40B4-BE49-F238E27FC236}">
+                <a16:creationId xmlns:a16="http://schemas.microsoft.com/office/drawing/2014/main" id="{78C77D1E-A763-4D21-B356-592C5303282D}"/>
+              </a:ext>
+            </a:extLst>
+          </p:cNvPr>
+          <p:cNvSpPr>
+            <a:spLocks noGrp="1"/>
+          </p:cNvSpPr>
+          <p:nvPr>
+            <p:ph type="title"/>
+          </p:nvPr>
+        </p:nvSpPr>
+        <p:spPr/>
+        <p:txBody>
+          <a:bodyPr/>
+          <a:lstStyle/>
+          <a:p>
+            <a:pPr algn="ctr"/>
+            <a:r>
+              <a:rPr lang="en-US"/>
+              <a:t>Conclusion</a:t>
+            </a:r>
+            <a:endParaRPr lang="en-ID"/>
+          </a:p>
+        </p:txBody>
+      </p:sp>
+      <p:sp>
+        <p:nvSpPr>
+          <p:cNvPr id="3" name="Content Placeholder 2">
+            <a:extLst>
+              <a:ext uri="{FF2B5EF4-FFF2-40B4-BE49-F238E27FC236}">
+                <a16:creationId xmlns:a16="http://schemas.microsoft.com/office/drawing/2014/main" id="{172B35EC-4E84-49F2-9786-243C80803D27}"/>
+              </a:ext>
+            </a:extLst>
+          </p:cNvPr>
+          <p:cNvSpPr>
+            <a:spLocks noGrp="1"/>
+          </p:cNvSpPr>
+          <p:nvPr>
+            <p:ph idx="1"/>
+          </p:nvPr>
+        </p:nvSpPr>
+        <p:spPr/>
+        <p:txBody>
+          <a:bodyPr/>
+          <a:lstStyle/>
+          <a:p>
+            <a:endParaRPr lang="en-ID"/>
+          </a:p>
+        </p:txBody>
+      </p:sp>
+    </p:spTree>
+    <p:extLst>
+      <p:ext uri="{BB962C8B-B14F-4D97-AF65-F5344CB8AC3E}">
+        <p14:creationId xmlns:p14="http://schemas.microsoft.com/office/powerpoint/2010/main" val="571181124"/>
+      </p:ext>
+    </p:extLst>
+  </p:cSld>
+  <p:clrMapOvr>
+    <a:masterClrMapping/>
+  </p:clrMapOvr>
+</p:sld>
+</file>
+
 <file path=ppt/slides/slide2.xml><?xml version="1.0" encoding="utf-8"?>
 <p:sld xmlns:a="http://schemas.openxmlformats.org/drawingml/2006/main" xmlns:r="http://schemas.openxmlformats.org/officeDocument/2006/relationships" xmlns:p="http://schemas.openxmlformats.org/presentationml/2006/main">
   <p:cSld>
@@ -16025,12 +16619,9 @@
             <a:pPr algn="ctr"/>
             <a:r>
               <a:rPr lang="en-US"/>
-              <a:t>W</a:t>
+              <a:t>Get to know things</a:t>
             </a:r>
-            <a:r>
-              <a:rPr lang="en-ID"/>
-              <a:t>hat is it?</a:t>
-            </a:r>
+            <a:endParaRPr lang="en-ID"/>
           </a:p>
         </p:txBody>
       </p:sp>
@@ -16057,27 +16648,39 @@
           <a:p>
             <a:r>
               <a:rPr lang="en-US"/>
-              <a:t>GDP</a:t>
+              <a:t>Gross Domestic Product (GDP)</a:t>
             </a:r>
           </a:p>
           <a:p>
-            <a:pPr marL="0" indent="0">
+            <a:pPr marL="0" indent="0" algn="just">
               <a:buNone/>
             </a:pPr>
             <a:r>
-              <a:rPr lang="en-US"/>
+              <a:rPr lang="en-US">
+                <a:solidFill>
+                  <a:srgbClr val="111111"/>
+                </a:solidFill>
+                <a:latin typeface="Roboto" pitchFamily="2" charset="0"/>
+              </a:rPr>
               <a:t>	</a:t>
             </a:r>
             <a:r>
-              <a:rPr lang="en-ID" b="0" i="0">
+              <a:rPr lang="en-US" b="0" i="0">
                 <a:solidFill>
                   <a:srgbClr val="111111"/>
                 </a:solidFill>
                 <a:effectLst/>
                 <a:latin typeface="Roboto" pitchFamily="2" charset="0"/>
               </a:rPr>
-              <a:t>Gross Domestic Product</a:t>
+              <a:t>Measurement of the market value of all the final goods and services produced in a specific time period by a country or countries.</a:t>
             </a:r>
+            <a:endParaRPr lang="en-ID" b="0" i="0">
+              <a:solidFill>
+                <a:srgbClr val="111111"/>
+              </a:solidFill>
+              <a:effectLst/>
+              <a:latin typeface="Roboto" pitchFamily="2" charset="0"/>
+            </a:endParaRPr>
           </a:p>
           <a:p>
             <a:pPr marL="0" indent="0">
@@ -16098,7 +16701,7 @@
                 </a:solidFill>
                 <a:latin typeface="Roboto" pitchFamily="2" charset="0"/>
               </a:rPr>
-              <a:t>HDI</a:t>
+              <a:t>Human Development Index (HDI)</a:t>
             </a:r>
           </a:p>
           <a:p>
@@ -16112,8 +16715,24 @@
                 </a:solidFill>
                 <a:latin typeface="Roboto" pitchFamily="2" charset="0"/>
               </a:rPr>
-              <a:t>	Human Development Index</a:t>
+              <a:t>	</a:t>
             </a:r>
+            <a:r>
+              <a:rPr lang="en-US" b="0" i="0">
+                <a:solidFill>
+                  <a:srgbClr val="111111"/>
+                </a:solidFill>
+                <a:effectLst/>
+                <a:latin typeface="Roboto" pitchFamily="2" charset="0"/>
+              </a:rPr>
+              <a:t> Measurement to capture three key dimensions of human development ( a long and healthy life, access to knowledge, and a decent standard of living).</a:t>
+            </a:r>
+            <a:endParaRPr lang="en-ID">
+              <a:solidFill>
+                <a:srgbClr val="111111"/>
+              </a:solidFill>
+              <a:latin typeface="Roboto" pitchFamily="2" charset="0"/>
+            </a:endParaRPr>
           </a:p>
         </p:txBody>
       </p:sp>
@@ -17039,7 +17658,7 @@
         </p:nvGrpSpPr>
         <p:grpSpPr>
           <a:xfrm>
-            <a:off x="231399" y="257873"/>
+            <a:off x="1739187" y="423243"/>
             <a:ext cx="8853877" cy="4079637"/>
             <a:chOff x="1037378" y="241095"/>
             <a:chExt cx="9799731" cy="4515462"/>
@@ -17347,7 +17966,7 @@
         </p:nvGrpSpPr>
         <p:grpSpPr>
           <a:xfrm>
-            <a:off x="134224" y="437507"/>
+            <a:off x="1875475" y="408324"/>
             <a:ext cx="8229599" cy="3841508"/>
             <a:chOff x="1803633" y="412339"/>
             <a:chExt cx="8266113" cy="4277107"/>
@@ -17677,13 +18296,13 @@
           <p:nvPr>
             <p:extLst>
               <p:ext uri="{D42A27DB-BD31-4B8C-83A1-F6EECF244321}">
-                <p14:modId xmlns:p14="http://schemas.microsoft.com/office/powerpoint/2010/main" val="2518148349"/>
+                <p14:modId xmlns:p14="http://schemas.microsoft.com/office/powerpoint/2010/main" val="2743153222"/>
               </p:ext>
             </p:extLst>
           </p:nvPr>
         </p:nvGraphicFramePr>
         <p:xfrm>
-          <a:off x="267046" y="291093"/>
+          <a:off x="1852654" y="330003"/>
           <a:ext cx="8338184" cy="3388639"/>
         </p:xfrm>
         <a:graphic>
@@ -17938,6 +18557,152 @@
     <p:extLst>
       <p:ext uri="{BB962C8B-B14F-4D97-AF65-F5344CB8AC3E}">
         <p14:creationId xmlns:p14="http://schemas.microsoft.com/office/powerpoint/2010/main" val="3838068971"/>
+      </p:ext>
+    </p:extLst>
+  </p:cSld>
+  <p:clrMapOvr>
+    <a:masterClrMapping/>
+  </p:clrMapOvr>
+</p:sld>
+</file>
+
+<file path=ppt/slides/slide9.xml><?xml version="1.0" encoding="utf-8"?>
+<p:sld xmlns:a="http://schemas.openxmlformats.org/drawingml/2006/main" xmlns:r="http://schemas.openxmlformats.org/officeDocument/2006/relationships" xmlns:p="http://schemas.openxmlformats.org/presentationml/2006/main">
+  <p:cSld>
+    <p:spTree>
+      <p:nvGrpSpPr>
+        <p:cNvPr id="1" name=""/>
+        <p:cNvGrpSpPr/>
+        <p:nvPr/>
+      </p:nvGrpSpPr>
+      <p:grpSpPr>
+        <a:xfrm>
+          <a:off x="0" y="0"/>
+          <a:ext cx="0" cy="0"/>
+          <a:chOff x="0" y="0"/>
+          <a:chExt cx="0" cy="0"/>
+        </a:xfrm>
+      </p:grpSpPr>
+      <p:pic>
+        <p:nvPicPr>
+          <p:cNvPr id="9" name="Picture 8">
+            <a:extLst>
+              <a:ext uri="{FF2B5EF4-FFF2-40B4-BE49-F238E27FC236}">
+                <a16:creationId xmlns:a16="http://schemas.microsoft.com/office/drawing/2014/main" id="{3615F1ED-B6B3-4066-BBAF-181E41F710B9}"/>
+              </a:ext>
+            </a:extLst>
+          </p:cNvPr>
+          <p:cNvPicPr>
+            <a:picLocks noChangeAspect="1"/>
+          </p:cNvPicPr>
+          <p:nvPr/>
+        </p:nvPicPr>
+        <p:blipFill>
+          <a:blip r:embed="rId2"/>
+          <a:stretch>
+            <a:fillRect/>
+          </a:stretch>
+        </p:blipFill>
+        <p:spPr>
+          <a:xfrm>
+            <a:off x="635277" y="1571188"/>
+            <a:ext cx="5352239" cy="4564172"/>
+          </a:xfrm>
+          <a:prstGeom prst="rect">
+            <a:avLst/>
+          </a:prstGeom>
+        </p:spPr>
+      </p:pic>
+      <p:pic>
+        <p:nvPicPr>
+          <p:cNvPr id="11" name="Picture 10">
+            <a:extLst>
+              <a:ext uri="{FF2B5EF4-FFF2-40B4-BE49-F238E27FC236}">
+                <a16:creationId xmlns:a16="http://schemas.microsoft.com/office/drawing/2014/main" id="{627317C2-B0DA-4243-AC2A-0ECDD04408DA}"/>
+              </a:ext>
+            </a:extLst>
+          </p:cNvPr>
+          <p:cNvPicPr>
+            <a:picLocks noChangeAspect="1"/>
+          </p:cNvPicPr>
+          <p:nvPr/>
+        </p:nvPicPr>
+        <p:blipFill>
+          <a:blip r:embed="rId3"/>
+          <a:stretch>
+            <a:fillRect/>
+          </a:stretch>
+        </p:blipFill>
+        <p:spPr>
+          <a:xfrm>
+            <a:off x="6096000" y="1571188"/>
+            <a:ext cx="5676232" cy="4564172"/>
+          </a:xfrm>
+          <a:prstGeom prst="rect">
+            <a:avLst/>
+          </a:prstGeom>
+        </p:spPr>
+      </p:pic>
+      <p:sp>
+        <p:nvSpPr>
+          <p:cNvPr id="14" name="Title 1">
+            <a:extLst>
+              <a:ext uri="{FF2B5EF4-FFF2-40B4-BE49-F238E27FC236}">
+                <a16:creationId xmlns:a16="http://schemas.microsoft.com/office/drawing/2014/main" id="{C4773BBB-9EB7-4E60-917A-C4DFB8126422}"/>
+              </a:ext>
+            </a:extLst>
+          </p:cNvPr>
+          <p:cNvSpPr txBox="1">
+            <a:spLocks/>
+          </p:cNvSpPr>
+          <p:nvPr/>
+        </p:nvSpPr>
+        <p:spPr>
+          <a:xfrm>
+            <a:off x="783958" y="342427"/>
+            <a:ext cx="10515600" cy="1325563"/>
+          </a:xfrm>
+          <a:prstGeom prst="rect">
+            <a:avLst/>
+          </a:prstGeom>
+        </p:spPr>
+        <p:txBody>
+          <a:bodyPr vert="horz" lIns="91440" tIns="45720" rIns="91440" bIns="45720" rtlCol="0" anchor="ctr">
+            <a:normAutofit/>
+          </a:bodyPr>
+          <a:lstStyle>
+            <a:lvl1pPr algn="l" defTabSz="914400" rtl="0" eaLnBrk="1" latinLnBrk="0" hangingPunct="1">
+              <a:lnSpc>
+                <a:spcPct val="90000"/>
+              </a:lnSpc>
+              <a:spcBef>
+                <a:spcPct val="0"/>
+              </a:spcBef>
+              <a:buNone/>
+              <a:defRPr sz="4400" kern="1200">
+                <a:solidFill>
+                  <a:schemeClr val="tx1"/>
+                </a:solidFill>
+                <a:latin typeface="+mj-lt"/>
+                <a:ea typeface="+mj-ea"/>
+                <a:cs typeface="+mj-cs"/>
+              </a:defRPr>
+            </a:lvl1pPr>
+          </a:lstStyle>
+          <a:p>
+            <a:pPr algn="ctr"/>
+            <a:r>
+              <a:rPr lang="en-US"/>
+              <a:t>2020 COVID on Phillipines and Vietnam</a:t>
+            </a:r>
+            <a:endParaRPr lang="en-ID"/>
+          </a:p>
+        </p:txBody>
+      </p:sp>
+    </p:spTree>
+    <p:extLst>
+      <p:ext uri="{BB962C8B-B14F-4D97-AF65-F5344CB8AC3E}">
+        <p14:creationId xmlns:p14="http://schemas.microsoft.com/office/powerpoint/2010/main" val="397256904"/>
       </p:ext>
     </p:extLst>
   </p:cSld>

--- a/Final_Report.pptx
+++ b/Final_Report.pptx
@@ -6,20 +6,25 @@
   </p:sldMasterIdLst>
   <p:sldIdLst>
     <p:sldId id="256" r:id="rId2"/>
-    <p:sldId id="258" r:id="rId3"/>
-    <p:sldId id="261" r:id="rId4"/>
-    <p:sldId id="257" r:id="rId5"/>
-    <p:sldId id="259" r:id="rId6"/>
-    <p:sldId id="260" r:id="rId7"/>
-    <p:sldId id="262" r:id="rId8"/>
-    <p:sldId id="263" r:id="rId9"/>
-    <p:sldId id="267" r:id="rId10"/>
-    <p:sldId id="273" r:id="rId11"/>
-    <p:sldId id="268" r:id="rId12"/>
-    <p:sldId id="274" r:id="rId13"/>
-    <p:sldId id="269" r:id="rId14"/>
-    <p:sldId id="275" r:id="rId15"/>
-    <p:sldId id="276" r:id="rId16"/>
+    <p:sldId id="280" r:id="rId3"/>
+    <p:sldId id="258" r:id="rId4"/>
+    <p:sldId id="261" r:id="rId5"/>
+    <p:sldId id="257" r:id="rId6"/>
+    <p:sldId id="278" r:id="rId7"/>
+    <p:sldId id="259" r:id="rId8"/>
+    <p:sldId id="279" r:id="rId9"/>
+    <p:sldId id="260" r:id="rId10"/>
+    <p:sldId id="277" r:id="rId11"/>
+    <p:sldId id="262" r:id="rId12"/>
+    <p:sldId id="263" r:id="rId13"/>
+    <p:sldId id="267" r:id="rId14"/>
+    <p:sldId id="282" r:id="rId15"/>
+    <p:sldId id="268" r:id="rId16"/>
+    <p:sldId id="283" r:id="rId17"/>
+    <p:sldId id="269" r:id="rId18"/>
+    <p:sldId id="284" r:id="rId19"/>
+    <p:sldId id="276" r:id="rId20"/>
+    <p:sldId id="281" r:id="rId21"/>
   </p:sldIdLst>
   <p:sldSz cx="12192000" cy="6858000"/>
   <p:notesSz cx="6858000" cy="9144000"/>
@@ -892,656 +897,6 @@
     </mc:Fallback>
   </mc:AlternateContent>
   <c:pivotSource>
-    <c:name>[Excell_Dashboard.xlsx]Pivot!PivotTable2</c:name>
-    <c:fmtId val="3"/>
-  </c:pivotSource>
-  <c:chart>
-    <c:title>
-      <c:tx>
-        <c:rich>
-          <a:bodyPr rot="0" spcFirstLastPara="1" vertOverflow="ellipsis" vert="horz" wrap="square" anchor="ctr" anchorCtr="1"/>
-          <a:lstStyle/>
-          <a:p>
-            <a:pPr>
-              <a:defRPr sz="1600" b="0" i="0" u="none" strike="noStrike" kern="1200" spc="0" baseline="0">
-                <a:solidFill>
-                  <a:schemeClr val="tx1">
-                    <a:lumMod val="65000"/>
-                    <a:lumOff val="35000"/>
-                  </a:schemeClr>
-                </a:solidFill>
-                <a:latin typeface="+mn-lt"/>
-                <a:ea typeface="+mn-ea"/>
-                <a:cs typeface="+mn-cs"/>
-              </a:defRPr>
-            </a:pPr>
-            <a:r>
-              <a:rPr lang="en-ID" sz="1600" b="0" i="0" u="none" strike="noStrike" baseline="0">
-                <a:effectLst/>
-              </a:rPr>
-              <a:t>GDP</a:t>
-            </a:r>
-            <a:endParaRPr lang="en-US" sz="1600" baseline="0"/>
-          </a:p>
-        </c:rich>
-      </c:tx>
-      <c:layout>
-        <c:manualLayout>
-          <c:xMode val="edge"/>
-          <c:yMode val="edge"/>
-          <c:x val="0.51129467283159369"/>
-          <c:y val="3.2407407407407406E-2"/>
-        </c:manualLayout>
-      </c:layout>
-      <c:overlay val="0"/>
-      <c:spPr>
-        <a:noFill/>
-        <a:ln>
-          <a:noFill/>
-        </a:ln>
-        <a:effectLst/>
-      </c:spPr>
-      <c:txPr>
-        <a:bodyPr rot="0" spcFirstLastPara="1" vertOverflow="ellipsis" vert="horz" wrap="square" anchor="ctr" anchorCtr="1"/>
-        <a:lstStyle/>
-        <a:p>
-          <a:pPr>
-            <a:defRPr sz="1600" b="0" i="0" u="none" strike="noStrike" kern="1200" spc="0" baseline="0">
-              <a:solidFill>
-                <a:schemeClr val="tx1">
-                  <a:lumMod val="65000"/>
-                  <a:lumOff val="35000"/>
-                </a:schemeClr>
-              </a:solidFill>
-              <a:latin typeface="+mn-lt"/>
-              <a:ea typeface="+mn-ea"/>
-              <a:cs typeface="+mn-cs"/>
-            </a:defRPr>
-          </a:pPr>
-          <a:endParaRPr lang="en-US"/>
-        </a:p>
-      </c:txPr>
-    </c:title>
-    <c:autoTitleDeleted val="0"/>
-    <c:pivotFmts>
-      <c:pivotFmt>
-        <c:idx val="0"/>
-        <c:spPr>
-          <a:solidFill>
-            <a:schemeClr val="accent6">
-              <a:lumMod val="60000"/>
-              <a:lumOff val="40000"/>
-            </a:schemeClr>
-          </a:solidFill>
-          <a:ln>
-            <a:noFill/>
-          </a:ln>
-          <a:effectLst/>
-        </c:spPr>
-        <c:marker>
-          <c:symbol val="none"/>
-        </c:marker>
-        <c:dLbl>
-          <c:idx val="0"/>
-          <c:spPr>
-            <a:noFill/>
-            <a:ln>
-              <a:noFill/>
-            </a:ln>
-            <a:effectLst/>
-          </c:spPr>
-          <c:txPr>
-            <a:bodyPr rot="0" spcFirstLastPara="1" vertOverflow="ellipsis" vert="horz" wrap="square" lIns="38100" tIns="19050" rIns="38100" bIns="19050" anchor="ctr" anchorCtr="1">
-              <a:spAutoFit/>
-            </a:bodyPr>
-            <a:lstStyle/>
-            <a:p>
-              <a:pPr>
-                <a:defRPr sz="900" b="0" i="0" u="none" strike="noStrike" kern="1200" baseline="0">
-                  <a:solidFill>
-                    <a:schemeClr val="accent6">
-                      <a:lumMod val="75000"/>
-                    </a:schemeClr>
-                  </a:solidFill>
-                  <a:latin typeface="+mn-lt"/>
-                  <a:ea typeface="+mn-ea"/>
-                  <a:cs typeface="+mn-cs"/>
-                </a:defRPr>
-              </a:pPr>
-              <a:endParaRPr lang="en-US"/>
-            </a:p>
-          </c:txPr>
-          <c:dLblPos val="outEnd"/>
-          <c:showLegendKey val="0"/>
-          <c:showVal val="1"/>
-          <c:showCatName val="0"/>
-          <c:showSerName val="0"/>
-          <c:showPercent val="0"/>
-          <c:showBubbleSize val="0"/>
-          <c:extLst>
-            <c:ext xmlns:c15="http://schemas.microsoft.com/office/drawing/2012/chart" uri="{CE6537A1-D6FC-4f65-9D91-7224C49458BB}"/>
-          </c:extLst>
-        </c:dLbl>
-      </c:pivotFmt>
-      <c:pivotFmt>
-        <c:idx val="1"/>
-        <c:spPr>
-          <a:solidFill>
-            <a:schemeClr val="accent6">
-              <a:lumMod val="60000"/>
-              <a:lumOff val="40000"/>
-            </a:schemeClr>
-          </a:solidFill>
-          <a:ln>
-            <a:noFill/>
-          </a:ln>
-          <a:effectLst/>
-        </c:spPr>
-        <c:marker>
-          <c:symbol val="none"/>
-        </c:marker>
-        <c:dLbl>
-          <c:idx val="0"/>
-          <c:spPr>
-            <a:noFill/>
-            <a:ln>
-              <a:noFill/>
-            </a:ln>
-            <a:effectLst/>
-          </c:spPr>
-          <c:txPr>
-            <a:bodyPr rot="0" spcFirstLastPara="1" vertOverflow="ellipsis" vert="horz" wrap="square" lIns="38100" tIns="19050" rIns="38100" bIns="19050" anchor="ctr" anchorCtr="1">
-              <a:spAutoFit/>
-            </a:bodyPr>
-            <a:lstStyle/>
-            <a:p>
-              <a:pPr>
-                <a:defRPr sz="900" b="0" i="0" u="none" strike="noStrike" kern="1200" baseline="0">
-                  <a:solidFill>
-                    <a:schemeClr val="accent6">
-                      <a:lumMod val="75000"/>
-                    </a:schemeClr>
-                  </a:solidFill>
-                  <a:latin typeface="+mn-lt"/>
-                  <a:ea typeface="+mn-ea"/>
-                  <a:cs typeface="+mn-cs"/>
-                </a:defRPr>
-              </a:pPr>
-              <a:endParaRPr lang="en-US"/>
-            </a:p>
-          </c:txPr>
-          <c:dLblPos val="outEnd"/>
-          <c:showLegendKey val="0"/>
-          <c:showVal val="1"/>
-          <c:showCatName val="0"/>
-          <c:showSerName val="0"/>
-          <c:showPercent val="0"/>
-          <c:showBubbleSize val="0"/>
-          <c:extLst>
-            <c:ext xmlns:c15="http://schemas.microsoft.com/office/drawing/2012/chart" uri="{CE6537A1-D6FC-4f65-9D91-7224C49458BB}"/>
-          </c:extLst>
-        </c:dLbl>
-      </c:pivotFmt>
-      <c:pivotFmt>
-        <c:idx val="2"/>
-        <c:spPr>
-          <a:solidFill>
-            <a:schemeClr val="accent6">
-              <a:lumMod val="60000"/>
-              <a:lumOff val="40000"/>
-            </a:schemeClr>
-          </a:solidFill>
-          <a:ln>
-            <a:noFill/>
-          </a:ln>
-          <a:effectLst/>
-        </c:spPr>
-        <c:marker>
-          <c:symbol val="none"/>
-        </c:marker>
-        <c:dLbl>
-          <c:idx val="0"/>
-          <c:spPr>
-            <a:noFill/>
-            <a:ln>
-              <a:noFill/>
-            </a:ln>
-            <a:effectLst/>
-          </c:spPr>
-          <c:txPr>
-            <a:bodyPr rot="0" spcFirstLastPara="1" vertOverflow="ellipsis" vert="horz" wrap="square" lIns="38100" tIns="19050" rIns="38100" bIns="19050" anchor="ctr" anchorCtr="1">
-              <a:spAutoFit/>
-            </a:bodyPr>
-            <a:lstStyle/>
-            <a:p>
-              <a:pPr>
-                <a:defRPr sz="900" b="0" i="0" u="none" strike="noStrike" kern="1200" baseline="0">
-                  <a:solidFill>
-                    <a:schemeClr val="accent6">
-                      <a:lumMod val="75000"/>
-                    </a:schemeClr>
-                  </a:solidFill>
-                  <a:latin typeface="+mn-lt"/>
-                  <a:ea typeface="+mn-ea"/>
-                  <a:cs typeface="+mn-cs"/>
-                </a:defRPr>
-              </a:pPr>
-              <a:endParaRPr lang="en-US"/>
-            </a:p>
-          </c:txPr>
-          <c:dLblPos val="outEnd"/>
-          <c:showLegendKey val="0"/>
-          <c:showVal val="1"/>
-          <c:showCatName val="0"/>
-          <c:showSerName val="0"/>
-          <c:showPercent val="0"/>
-          <c:showBubbleSize val="0"/>
-          <c:extLst>
-            <c:ext xmlns:c15="http://schemas.microsoft.com/office/drawing/2012/chart" uri="{CE6537A1-D6FC-4f65-9D91-7224C49458BB}"/>
-          </c:extLst>
-        </c:dLbl>
-      </c:pivotFmt>
-    </c:pivotFmts>
-    <c:plotArea>
-      <c:layout/>
-      <c:barChart>
-        <c:barDir val="col"/>
-        <c:grouping val="clustered"/>
-        <c:varyColors val="0"/>
-        <c:ser>
-          <c:idx val="0"/>
-          <c:order val="0"/>
-          <c:tx>
-            <c:strRef>
-              <c:f>Pivot!$F$2</c:f>
-              <c:strCache>
-                <c:ptCount val="1"/>
-                <c:pt idx="0">
-                  <c:v>Total</c:v>
-                </c:pt>
-              </c:strCache>
-            </c:strRef>
-          </c:tx>
-          <c:spPr>
-            <a:solidFill>
-              <a:schemeClr val="accent6">
-                <a:lumMod val="60000"/>
-                <a:lumOff val="40000"/>
-              </a:schemeClr>
-            </a:solidFill>
-            <a:ln>
-              <a:noFill/>
-            </a:ln>
-            <a:effectLst/>
-          </c:spPr>
-          <c:invertIfNegative val="0"/>
-          <c:dLbls>
-            <c:spPr>
-              <a:noFill/>
-              <a:ln>
-                <a:noFill/>
-              </a:ln>
-              <a:effectLst/>
-            </c:spPr>
-            <c:txPr>
-              <a:bodyPr rot="0" spcFirstLastPara="1" vertOverflow="ellipsis" vert="horz" wrap="square" lIns="38100" tIns="19050" rIns="38100" bIns="19050" anchor="ctr" anchorCtr="1">
-                <a:spAutoFit/>
-              </a:bodyPr>
-              <a:lstStyle/>
-              <a:p>
-                <a:pPr>
-                  <a:defRPr sz="1400" b="0" i="0" u="none" strike="noStrike" kern="1200" baseline="0">
-                    <a:solidFill>
-                      <a:schemeClr val="accent6">
-                        <a:lumMod val="75000"/>
-                      </a:schemeClr>
-                    </a:solidFill>
-                    <a:latin typeface="+mn-lt"/>
-                    <a:ea typeface="+mn-ea"/>
-                    <a:cs typeface="+mn-cs"/>
-                  </a:defRPr>
-                </a:pPr>
-                <a:endParaRPr lang="en-US"/>
-              </a:p>
-            </c:txPr>
-            <c:dLblPos val="outEnd"/>
-            <c:showLegendKey val="0"/>
-            <c:showVal val="1"/>
-            <c:showCatName val="0"/>
-            <c:showSerName val="0"/>
-            <c:showPercent val="0"/>
-            <c:showBubbleSize val="0"/>
-            <c:showLeaderLines val="0"/>
-            <c:extLst>
-              <c:ext xmlns:c15="http://schemas.microsoft.com/office/drawing/2012/chart" uri="{CE6537A1-D6FC-4f65-9D91-7224C49458BB}">
-                <c15:showLeaderLines val="1"/>
-                <c15:leaderLines>
-                  <c:spPr>
-                    <a:ln w="9525" cap="flat" cmpd="sng" algn="ctr">
-                      <a:solidFill>
-                        <a:schemeClr val="tx1">
-                          <a:lumMod val="35000"/>
-                          <a:lumOff val="65000"/>
-                        </a:schemeClr>
-                      </a:solidFill>
-                      <a:round/>
-                    </a:ln>
-                    <a:effectLst/>
-                  </c:spPr>
-                </c15:leaderLines>
-              </c:ext>
-            </c:extLst>
-          </c:dLbls>
-          <c:cat>
-            <c:strRef>
-              <c:f>Pivot!$E$3:$E$5</c:f>
-              <c:strCache>
-                <c:ptCount val="2"/>
-                <c:pt idx="0">
-                  <c:v>Philippines</c:v>
-                </c:pt>
-                <c:pt idx="1">
-                  <c:v>Vietnam</c:v>
-                </c:pt>
-              </c:strCache>
-            </c:strRef>
-          </c:cat>
-          <c:val>
-            <c:numRef>
-              <c:f>Pivot!$F$3:$F$5</c:f>
-              <c:numCache>
-                <c:formatCode>0</c:formatCode>
-                <c:ptCount val="2"/>
-                <c:pt idx="0">
-                  <c:v>7599188</c:v>
-                </c:pt>
-                <c:pt idx="1">
-                  <c:v>6171884</c:v>
-                </c:pt>
-              </c:numCache>
-            </c:numRef>
-          </c:val>
-          <c:extLst>
-            <c:ext xmlns:c16="http://schemas.microsoft.com/office/drawing/2014/chart" uri="{C3380CC4-5D6E-409C-BE32-E72D297353CC}">
-              <c16:uniqueId val="{00000000-46EA-40E2-B119-8803D5489376}"/>
-            </c:ext>
-          </c:extLst>
-        </c:ser>
-        <c:dLbls>
-          <c:dLblPos val="outEnd"/>
-          <c:showLegendKey val="0"/>
-          <c:showVal val="1"/>
-          <c:showCatName val="0"/>
-          <c:showSerName val="0"/>
-          <c:showPercent val="0"/>
-          <c:showBubbleSize val="0"/>
-        </c:dLbls>
-        <c:gapWidth val="219"/>
-        <c:overlap val="-27"/>
-        <c:axId val="398222392"/>
-        <c:axId val="398224360"/>
-      </c:barChart>
-      <c:catAx>
-        <c:axId val="398222392"/>
-        <c:scaling>
-          <c:orientation val="minMax"/>
-        </c:scaling>
-        <c:delete val="0"/>
-        <c:axPos val="b"/>
-        <c:title>
-          <c:tx>
-            <c:rich>
-              <a:bodyPr rot="0" spcFirstLastPara="1" vertOverflow="ellipsis" vert="horz" wrap="square" anchor="ctr" anchorCtr="1"/>
-              <a:lstStyle/>
-              <a:p>
-                <a:pPr>
-                  <a:defRPr sz="1400" b="0" i="0" u="none" strike="noStrike" kern="1200" baseline="0">
-                    <a:solidFill>
-                      <a:schemeClr val="tx1">
-                        <a:lumMod val="65000"/>
-                        <a:lumOff val="35000"/>
-                      </a:schemeClr>
-                    </a:solidFill>
-                    <a:latin typeface="+mn-lt"/>
-                    <a:ea typeface="+mn-ea"/>
-                    <a:cs typeface="+mn-cs"/>
-                  </a:defRPr>
-                </a:pPr>
-                <a:r>
-                  <a:rPr lang="en-ID" sz="1400"/>
-                  <a:t>Country Name</a:t>
-                </a:r>
-              </a:p>
-            </c:rich>
-          </c:tx>
-          <c:overlay val="0"/>
-          <c:spPr>
-            <a:noFill/>
-            <a:ln>
-              <a:noFill/>
-            </a:ln>
-            <a:effectLst/>
-          </c:spPr>
-          <c:txPr>
-            <a:bodyPr rot="0" spcFirstLastPara="1" vertOverflow="ellipsis" vert="horz" wrap="square" anchor="ctr" anchorCtr="1"/>
-            <a:lstStyle/>
-            <a:p>
-              <a:pPr>
-                <a:defRPr sz="1400" b="0" i="0" u="none" strike="noStrike" kern="1200" baseline="0">
-                  <a:solidFill>
-                    <a:schemeClr val="tx1">
-                      <a:lumMod val="65000"/>
-                      <a:lumOff val="35000"/>
-                    </a:schemeClr>
-                  </a:solidFill>
-                  <a:latin typeface="+mn-lt"/>
-                  <a:ea typeface="+mn-ea"/>
-                  <a:cs typeface="+mn-cs"/>
-                </a:defRPr>
-              </a:pPr>
-              <a:endParaRPr lang="en-US"/>
-            </a:p>
-          </c:txPr>
-        </c:title>
-        <c:numFmt formatCode="General" sourceLinked="1"/>
-        <c:majorTickMark val="none"/>
-        <c:minorTickMark val="none"/>
-        <c:tickLblPos val="nextTo"/>
-        <c:spPr>
-          <a:noFill/>
-          <a:ln w="9525" cap="flat" cmpd="sng" algn="ctr">
-            <a:solidFill>
-              <a:schemeClr val="tx1"/>
-            </a:solidFill>
-            <a:round/>
-          </a:ln>
-          <a:effectLst/>
-        </c:spPr>
-        <c:txPr>
-          <a:bodyPr rot="-60000000" spcFirstLastPara="1" vertOverflow="ellipsis" vert="horz" wrap="square" anchor="ctr" anchorCtr="1"/>
-          <a:lstStyle/>
-          <a:p>
-            <a:pPr>
-              <a:defRPr sz="1200" b="0" i="0" u="none" strike="noStrike" kern="1200" baseline="0">
-                <a:solidFill>
-                  <a:schemeClr val="tx1">
-                    <a:lumMod val="65000"/>
-                    <a:lumOff val="35000"/>
-                  </a:schemeClr>
-                </a:solidFill>
-                <a:latin typeface="+mn-lt"/>
-                <a:ea typeface="+mn-ea"/>
-                <a:cs typeface="+mn-cs"/>
-              </a:defRPr>
-            </a:pPr>
-            <a:endParaRPr lang="en-US"/>
-          </a:p>
-        </c:txPr>
-        <c:crossAx val="398224360"/>
-        <c:crosses val="autoZero"/>
-        <c:auto val="1"/>
-        <c:lblAlgn val="ctr"/>
-        <c:lblOffset val="100"/>
-        <c:noMultiLvlLbl val="0"/>
-      </c:catAx>
-      <c:valAx>
-        <c:axId val="398224360"/>
-        <c:scaling>
-          <c:orientation val="minMax"/>
-          <c:max val="10000000"/>
-        </c:scaling>
-        <c:delete val="0"/>
-        <c:axPos val="l"/>
-        <c:numFmt formatCode="0" sourceLinked="1"/>
-        <c:majorTickMark val="none"/>
-        <c:minorTickMark val="none"/>
-        <c:tickLblPos val="nextTo"/>
-        <c:spPr>
-          <a:noFill/>
-          <a:ln>
-            <a:noFill/>
-          </a:ln>
-          <a:effectLst/>
-        </c:spPr>
-        <c:txPr>
-          <a:bodyPr rot="-60000000" spcFirstLastPara="1" vertOverflow="ellipsis" vert="horz" wrap="square" anchor="ctr" anchorCtr="1"/>
-          <a:lstStyle/>
-          <a:p>
-            <a:pPr>
-              <a:defRPr sz="1200" b="0" i="0" u="none" strike="noStrike" kern="1200" baseline="0">
-                <a:solidFill>
-                  <a:schemeClr val="tx1">
-                    <a:lumMod val="65000"/>
-                    <a:lumOff val="35000"/>
-                  </a:schemeClr>
-                </a:solidFill>
-                <a:latin typeface="+mn-lt"/>
-                <a:ea typeface="+mn-ea"/>
-                <a:cs typeface="+mn-cs"/>
-              </a:defRPr>
-            </a:pPr>
-            <a:endParaRPr lang="en-US"/>
-          </a:p>
-        </c:txPr>
-        <c:crossAx val="398222392"/>
-        <c:crosses val="autoZero"/>
-        <c:crossBetween val="between"/>
-        <c:majorUnit val="2000000"/>
-        <c:dispUnits>
-          <c:builtInUnit val="millions"/>
-          <c:dispUnitsLbl>
-            <c:layout>
-              <c:manualLayout>
-                <c:xMode val="edge"/>
-                <c:yMode val="edge"/>
-                <c:x val="2.4994795484404822E-2"/>
-                <c:y val="0.39340350877192981"/>
-              </c:manualLayout>
-            </c:layout>
-            <c:spPr>
-              <a:noFill/>
-              <a:ln>
-                <a:noFill/>
-              </a:ln>
-              <a:effectLst/>
-            </c:spPr>
-            <c:txPr>
-              <a:bodyPr rot="-5400000" spcFirstLastPara="1" vertOverflow="ellipsis" vert="horz" wrap="square" anchor="ctr" anchorCtr="1"/>
-              <a:lstStyle/>
-              <a:p>
-                <a:pPr>
-                  <a:defRPr sz="1400" b="0" i="0" u="none" strike="noStrike" kern="1200" baseline="0">
-                    <a:solidFill>
-                      <a:schemeClr val="tx1">
-                        <a:lumMod val="65000"/>
-                        <a:lumOff val="35000"/>
-                      </a:schemeClr>
-                    </a:solidFill>
-                    <a:latin typeface="+mn-lt"/>
-                    <a:ea typeface="+mn-ea"/>
-                    <a:cs typeface="+mn-cs"/>
-                  </a:defRPr>
-                </a:pPr>
-                <a:endParaRPr lang="en-US"/>
-              </a:p>
-            </c:txPr>
-          </c:dispUnitsLbl>
-        </c:dispUnits>
-      </c:valAx>
-      <c:spPr>
-        <a:noFill/>
-        <a:ln>
-          <a:solidFill>
-            <a:schemeClr val="tx1"/>
-          </a:solidFill>
-        </a:ln>
-        <a:effectLst/>
-      </c:spPr>
-    </c:plotArea>
-    <c:plotVisOnly val="1"/>
-    <c:dispBlanksAs val="gap"/>
-    <c:extLst>
-      <c:ext xmlns:c16r3="http://schemas.microsoft.com/office/drawing/2017/03/chart" uri="{56B9EC1D-385E-4148-901F-78D8002777C0}">
-        <c16r3:dataDisplayOptions16>
-          <c16r3:dispNaAsBlank val="1"/>
-        </c16r3:dataDisplayOptions16>
-      </c:ext>
-    </c:extLst>
-    <c:showDLblsOverMax val="0"/>
-  </c:chart>
-  <c:spPr>
-    <a:solidFill>
-      <a:schemeClr val="bg1"/>
-    </a:solidFill>
-    <a:ln>
-      <a:noFill/>
-    </a:ln>
-    <a:effectLst/>
-  </c:spPr>
-  <c:txPr>
-    <a:bodyPr/>
-    <a:lstStyle/>
-    <a:p>
-      <a:pPr>
-        <a:defRPr/>
-      </a:pPr>
-      <a:endParaRPr lang="en-US"/>
-    </a:p>
-  </c:txPr>
-  <c:externalData r:id="rId3">
-    <c:autoUpdate val="0"/>
-  </c:externalData>
-  <c:extLst>
-    <c:ext xmlns:c14="http://schemas.microsoft.com/office/drawing/2007/8/2/chart" uri="{781A3756-C4B2-4CAC-9D66-4F8BD8637D16}">
-      <c14:pivotOptions>
-        <c14:dropZoneFilter val="1"/>
-        <c14:dropZoneCategories val="1"/>
-        <c14:dropZoneData val="1"/>
-      </c14:pivotOptions>
-    </c:ext>
-    <c:ext xmlns:c16="http://schemas.microsoft.com/office/drawing/2014/chart" uri="{E28EC0CA-F0BB-4C9C-879D-F8772B89E7AC}">
-      <c16:pivotOptions16>
-        <c16:showExpandCollapseFieldButtons val="1"/>
-      </c16:pivotOptions16>
-    </c:ext>
-  </c:extLst>
-</c:chartSpace>
-</file>
-
-<file path=ppt/charts/chart3.xml><?xml version="1.0" encoding="utf-8"?>
-<c:chartSpace xmlns:c="http://schemas.openxmlformats.org/drawingml/2006/chart" xmlns:a="http://schemas.openxmlformats.org/drawingml/2006/main" xmlns:r="http://schemas.openxmlformats.org/officeDocument/2006/relationships" xmlns:c16r2="http://schemas.microsoft.com/office/drawing/2015/06/chart">
-  <c:date1904 val="0"/>
-  <c:lang val="en-US"/>
-  <c:roundedCorners val="0"/>
-  <mc:AlternateContent xmlns:mc="http://schemas.openxmlformats.org/markup-compatibility/2006">
-    <mc:Choice xmlns:c14="http://schemas.microsoft.com/office/drawing/2007/8/2/chart" Requires="c14">
-      <c14:style val="102"/>
-    </mc:Choice>
-    <mc:Fallback>
-      <c:style val="2"/>
-    </mc:Fallback>
-  </mc:AlternateContent>
-  <c:pivotSource>
     <c:name>[Excell_Dashboard.xlsx]Pivot!PivotTable3</c:name>
     <c:fmtId val="3"/>
   </c:pivotSource>
@@ -2149,7 +1504,7 @@
 </c:chartSpace>
 </file>
 
-<file path=ppt/charts/chart4.xml><?xml version="1.0" encoding="utf-8"?>
+<file path=ppt/charts/chart3.xml><?xml version="1.0" encoding="utf-8"?>
 <c:chartSpace xmlns:c="http://schemas.openxmlformats.org/drawingml/2006/chart" xmlns:a="http://schemas.openxmlformats.org/drawingml/2006/main" xmlns:r="http://schemas.openxmlformats.org/officeDocument/2006/relationships" xmlns:c16r2="http://schemas.microsoft.com/office/drawing/2015/06/chart">
   <c:date1904 val="0"/>
   <c:lang val="en-US"/>
@@ -2802,46 +2157,6 @@
 </file>
 
 <file path=ppt/charts/colors3.xml><?xml version="1.0" encoding="utf-8"?>
-<cs:colorStyle xmlns:cs="http://schemas.microsoft.com/office/drawing/2012/chartStyle" xmlns:a="http://schemas.openxmlformats.org/drawingml/2006/main" meth="cycle" id="10">
-  <a:schemeClr val="accent1"/>
-  <a:schemeClr val="accent2"/>
-  <a:schemeClr val="accent3"/>
-  <a:schemeClr val="accent4"/>
-  <a:schemeClr val="accent5"/>
-  <a:schemeClr val="accent6"/>
-  <cs:variation/>
-  <cs:variation>
-    <a:lumMod val="60000"/>
-  </cs:variation>
-  <cs:variation>
-    <a:lumMod val="80000"/>
-    <a:lumOff val="20000"/>
-  </cs:variation>
-  <cs:variation>
-    <a:lumMod val="80000"/>
-  </cs:variation>
-  <cs:variation>
-    <a:lumMod val="60000"/>
-    <a:lumOff val="40000"/>
-  </cs:variation>
-  <cs:variation>
-    <a:lumMod val="50000"/>
-  </cs:variation>
-  <cs:variation>
-    <a:lumMod val="70000"/>
-    <a:lumOff val="30000"/>
-  </cs:variation>
-  <cs:variation>
-    <a:lumMod val="70000"/>
-  </cs:variation>
-  <cs:variation>
-    <a:lumMod val="50000"/>
-    <a:lumOff val="50000"/>
-  </cs:variation>
-</cs:colorStyle>
-</file>
-
-<file path=ppt/charts/colors4.xml><?xml version="1.0" encoding="utf-8"?>
 <cs:colorStyle xmlns:cs="http://schemas.microsoft.com/office/drawing/2012/chartStyle" xmlns:a="http://schemas.openxmlformats.org/drawingml/2006/main" meth="cycle" id="10">
   <a:schemeClr val="accent1"/>
   <a:schemeClr val="accent2"/>
@@ -3888,509 +3203,6 @@
 </file>
 
 <file path=ppt/charts/style3.xml><?xml version="1.0" encoding="utf-8"?>
-<cs:chartStyle xmlns:cs="http://schemas.microsoft.com/office/drawing/2012/chartStyle" xmlns:a="http://schemas.openxmlformats.org/drawingml/2006/main" id="201">
-  <cs:axisTitle>
-    <cs:lnRef idx="0"/>
-    <cs:fillRef idx="0"/>
-    <cs:effectRef idx="0"/>
-    <cs:fontRef idx="minor">
-      <a:schemeClr val="tx1">
-        <a:lumMod val="65000"/>
-        <a:lumOff val="35000"/>
-      </a:schemeClr>
-    </cs:fontRef>
-    <cs:defRPr sz="1000" kern="1200"/>
-  </cs:axisTitle>
-  <cs:categoryAxis>
-    <cs:lnRef idx="0"/>
-    <cs:fillRef idx="0"/>
-    <cs:effectRef idx="0"/>
-    <cs:fontRef idx="minor">
-      <a:schemeClr val="tx1">
-        <a:lumMod val="65000"/>
-        <a:lumOff val="35000"/>
-      </a:schemeClr>
-    </cs:fontRef>
-    <cs:spPr>
-      <a:ln w="9525" cap="flat" cmpd="sng" algn="ctr">
-        <a:solidFill>
-          <a:schemeClr val="tx1">
-            <a:lumMod val="15000"/>
-            <a:lumOff val="85000"/>
-          </a:schemeClr>
-        </a:solidFill>
-        <a:round/>
-      </a:ln>
-    </cs:spPr>
-    <cs:defRPr sz="900" kern="1200"/>
-  </cs:categoryAxis>
-  <cs:chartArea mods="allowNoFillOverride allowNoLineOverride">
-    <cs:lnRef idx="0"/>
-    <cs:fillRef idx="0"/>
-    <cs:effectRef idx="0"/>
-    <cs:fontRef idx="minor">
-      <a:schemeClr val="tx1"/>
-    </cs:fontRef>
-    <cs:spPr>
-      <a:solidFill>
-        <a:schemeClr val="bg1"/>
-      </a:solidFill>
-      <a:ln w="9525" cap="flat" cmpd="sng" algn="ctr">
-        <a:solidFill>
-          <a:schemeClr val="tx1">
-            <a:lumMod val="15000"/>
-            <a:lumOff val="85000"/>
-          </a:schemeClr>
-        </a:solidFill>
-        <a:round/>
-      </a:ln>
-    </cs:spPr>
-    <cs:defRPr sz="1000" kern="1200"/>
-  </cs:chartArea>
-  <cs:dataLabel>
-    <cs:lnRef idx="0"/>
-    <cs:fillRef idx="0"/>
-    <cs:effectRef idx="0"/>
-    <cs:fontRef idx="minor">
-      <a:schemeClr val="tx1">
-        <a:lumMod val="75000"/>
-        <a:lumOff val="25000"/>
-      </a:schemeClr>
-    </cs:fontRef>
-    <cs:defRPr sz="900" kern="1200"/>
-  </cs:dataLabel>
-  <cs:dataLabelCallout>
-    <cs:lnRef idx="0"/>
-    <cs:fillRef idx="0"/>
-    <cs:effectRef idx="0"/>
-    <cs:fontRef idx="minor">
-      <a:schemeClr val="dk1">
-        <a:lumMod val="65000"/>
-        <a:lumOff val="35000"/>
-      </a:schemeClr>
-    </cs:fontRef>
-    <cs:spPr>
-      <a:solidFill>
-        <a:schemeClr val="lt1"/>
-      </a:solidFill>
-      <a:ln>
-        <a:solidFill>
-          <a:schemeClr val="dk1">
-            <a:lumMod val="25000"/>
-            <a:lumOff val="75000"/>
-          </a:schemeClr>
-        </a:solidFill>
-      </a:ln>
-    </cs:spPr>
-    <cs:defRPr sz="900" kern="1200"/>
-    <cs:bodyPr rot="0" spcFirstLastPara="1" vertOverflow="clip" horzOverflow="clip" vert="horz" wrap="square" lIns="36576" tIns="18288" rIns="36576" bIns="18288" anchor="ctr" anchorCtr="1">
-      <a:spAutoFit/>
-    </cs:bodyPr>
-  </cs:dataLabelCallout>
-  <cs:dataPoint>
-    <cs:lnRef idx="0"/>
-    <cs:fillRef idx="1">
-      <cs:styleClr val="auto"/>
-    </cs:fillRef>
-    <cs:effectRef idx="0"/>
-    <cs:fontRef idx="minor">
-      <a:schemeClr val="tx1"/>
-    </cs:fontRef>
-  </cs:dataPoint>
-  <cs:dataPoint3D>
-    <cs:lnRef idx="0"/>
-    <cs:fillRef idx="1">
-      <cs:styleClr val="auto"/>
-    </cs:fillRef>
-    <cs:effectRef idx="0"/>
-    <cs:fontRef idx="minor">
-      <a:schemeClr val="tx1"/>
-    </cs:fontRef>
-  </cs:dataPoint3D>
-  <cs:dataPointLine>
-    <cs:lnRef idx="0">
-      <cs:styleClr val="auto"/>
-    </cs:lnRef>
-    <cs:fillRef idx="1"/>
-    <cs:effectRef idx="0"/>
-    <cs:fontRef idx="minor">
-      <a:schemeClr val="tx1"/>
-    </cs:fontRef>
-    <cs:spPr>
-      <a:ln w="28575" cap="rnd">
-        <a:solidFill>
-          <a:schemeClr val="phClr"/>
-        </a:solidFill>
-        <a:round/>
-      </a:ln>
-    </cs:spPr>
-  </cs:dataPointLine>
-  <cs:dataPointMarker>
-    <cs:lnRef idx="0">
-      <cs:styleClr val="auto"/>
-    </cs:lnRef>
-    <cs:fillRef idx="1">
-      <cs:styleClr val="auto"/>
-    </cs:fillRef>
-    <cs:effectRef idx="0"/>
-    <cs:fontRef idx="minor">
-      <a:schemeClr val="tx1"/>
-    </cs:fontRef>
-    <cs:spPr>
-      <a:ln w="9525">
-        <a:solidFill>
-          <a:schemeClr val="phClr"/>
-        </a:solidFill>
-      </a:ln>
-    </cs:spPr>
-  </cs:dataPointMarker>
-  <cs:dataPointMarkerLayout symbol="circle" size="5"/>
-  <cs:dataPointWireframe>
-    <cs:lnRef idx="0">
-      <cs:styleClr val="auto"/>
-    </cs:lnRef>
-    <cs:fillRef idx="1"/>
-    <cs:effectRef idx="0"/>
-    <cs:fontRef idx="minor">
-      <a:schemeClr val="tx1"/>
-    </cs:fontRef>
-    <cs:spPr>
-      <a:ln w="9525" cap="rnd">
-        <a:solidFill>
-          <a:schemeClr val="phClr"/>
-        </a:solidFill>
-        <a:round/>
-      </a:ln>
-    </cs:spPr>
-  </cs:dataPointWireframe>
-  <cs:dataTable>
-    <cs:lnRef idx="0"/>
-    <cs:fillRef idx="0"/>
-    <cs:effectRef idx="0"/>
-    <cs:fontRef idx="minor">
-      <a:schemeClr val="tx1">
-        <a:lumMod val="65000"/>
-        <a:lumOff val="35000"/>
-      </a:schemeClr>
-    </cs:fontRef>
-    <cs:spPr>
-      <a:noFill/>
-      <a:ln w="9525" cap="flat" cmpd="sng" algn="ctr">
-        <a:solidFill>
-          <a:schemeClr val="tx1">
-            <a:lumMod val="15000"/>
-            <a:lumOff val="85000"/>
-          </a:schemeClr>
-        </a:solidFill>
-        <a:round/>
-      </a:ln>
-    </cs:spPr>
-    <cs:defRPr sz="900" kern="1200"/>
-  </cs:dataTable>
-  <cs:downBar>
-    <cs:lnRef idx="0"/>
-    <cs:fillRef idx="0"/>
-    <cs:effectRef idx="0"/>
-    <cs:fontRef idx="minor">
-      <a:schemeClr val="dk1"/>
-    </cs:fontRef>
-    <cs:spPr>
-      <a:solidFill>
-        <a:schemeClr val="dk1">
-          <a:lumMod val="65000"/>
-          <a:lumOff val="35000"/>
-        </a:schemeClr>
-      </a:solidFill>
-      <a:ln w="9525">
-        <a:solidFill>
-          <a:schemeClr val="tx1">
-            <a:lumMod val="65000"/>
-            <a:lumOff val="35000"/>
-          </a:schemeClr>
-        </a:solidFill>
-      </a:ln>
-    </cs:spPr>
-  </cs:downBar>
-  <cs:dropLine>
-    <cs:lnRef idx="0"/>
-    <cs:fillRef idx="0"/>
-    <cs:effectRef idx="0"/>
-    <cs:fontRef idx="minor">
-      <a:schemeClr val="tx1"/>
-    </cs:fontRef>
-    <cs:spPr>
-      <a:ln w="9525" cap="flat" cmpd="sng" algn="ctr">
-        <a:solidFill>
-          <a:schemeClr val="tx1">
-            <a:lumMod val="35000"/>
-            <a:lumOff val="65000"/>
-          </a:schemeClr>
-        </a:solidFill>
-        <a:round/>
-      </a:ln>
-    </cs:spPr>
-  </cs:dropLine>
-  <cs:errorBar>
-    <cs:lnRef idx="0"/>
-    <cs:fillRef idx="0"/>
-    <cs:effectRef idx="0"/>
-    <cs:fontRef idx="minor">
-      <a:schemeClr val="tx1"/>
-    </cs:fontRef>
-    <cs:spPr>
-      <a:ln w="9525" cap="flat" cmpd="sng" algn="ctr">
-        <a:solidFill>
-          <a:schemeClr val="tx1">
-            <a:lumMod val="65000"/>
-            <a:lumOff val="35000"/>
-          </a:schemeClr>
-        </a:solidFill>
-        <a:round/>
-      </a:ln>
-    </cs:spPr>
-  </cs:errorBar>
-  <cs:floor>
-    <cs:lnRef idx="0"/>
-    <cs:fillRef idx="0"/>
-    <cs:effectRef idx="0"/>
-    <cs:fontRef idx="minor">
-      <a:schemeClr val="tx1"/>
-    </cs:fontRef>
-    <cs:spPr>
-      <a:noFill/>
-      <a:ln>
-        <a:noFill/>
-      </a:ln>
-    </cs:spPr>
-  </cs:floor>
-  <cs:gridlineMajor>
-    <cs:lnRef idx="0"/>
-    <cs:fillRef idx="0"/>
-    <cs:effectRef idx="0"/>
-    <cs:fontRef idx="minor">
-      <a:schemeClr val="tx1"/>
-    </cs:fontRef>
-    <cs:spPr>
-      <a:ln w="9525" cap="flat" cmpd="sng" algn="ctr">
-        <a:solidFill>
-          <a:schemeClr val="tx1">
-            <a:lumMod val="15000"/>
-            <a:lumOff val="85000"/>
-          </a:schemeClr>
-        </a:solidFill>
-        <a:round/>
-      </a:ln>
-    </cs:spPr>
-  </cs:gridlineMajor>
-  <cs:gridlineMinor>
-    <cs:lnRef idx="0"/>
-    <cs:fillRef idx="0"/>
-    <cs:effectRef idx="0"/>
-    <cs:fontRef idx="minor">
-      <a:schemeClr val="tx1"/>
-    </cs:fontRef>
-    <cs:spPr>
-      <a:ln w="9525" cap="flat" cmpd="sng" algn="ctr">
-        <a:solidFill>
-          <a:schemeClr val="tx1">
-            <a:lumMod val="5000"/>
-            <a:lumOff val="95000"/>
-          </a:schemeClr>
-        </a:solidFill>
-        <a:round/>
-      </a:ln>
-    </cs:spPr>
-  </cs:gridlineMinor>
-  <cs:hiLoLine>
-    <cs:lnRef idx="0"/>
-    <cs:fillRef idx="0"/>
-    <cs:effectRef idx="0"/>
-    <cs:fontRef idx="minor">
-      <a:schemeClr val="tx1"/>
-    </cs:fontRef>
-    <cs:spPr>
-      <a:ln w="9525" cap="flat" cmpd="sng" algn="ctr">
-        <a:solidFill>
-          <a:schemeClr val="tx1">
-            <a:lumMod val="75000"/>
-            <a:lumOff val="25000"/>
-          </a:schemeClr>
-        </a:solidFill>
-        <a:round/>
-      </a:ln>
-    </cs:spPr>
-  </cs:hiLoLine>
-  <cs:leaderLine>
-    <cs:lnRef idx="0"/>
-    <cs:fillRef idx="0"/>
-    <cs:effectRef idx="0"/>
-    <cs:fontRef idx="minor">
-      <a:schemeClr val="tx1"/>
-    </cs:fontRef>
-    <cs:spPr>
-      <a:ln w="9525" cap="flat" cmpd="sng" algn="ctr">
-        <a:solidFill>
-          <a:schemeClr val="tx1">
-            <a:lumMod val="35000"/>
-            <a:lumOff val="65000"/>
-          </a:schemeClr>
-        </a:solidFill>
-        <a:round/>
-      </a:ln>
-    </cs:spPr>
-  </cs:leaderLine>
-  <cs:legend>
-    <cs:lnRef idx="0"/>
-    <cs:fillRef idx="0"/>
-    <cs:effectRef idx="0"/>
-    <cs:fontRef idx="minor">
-      <a:schemeClr val="tx1">
-        <a:lumMod val="65000"/>
-        <a:lumOff val="35000"/>
-      </a:schemeClr>
-    </cs:fontRef>
-    <cs:defRPr sz="900" kern="1200"/>
-  </cs:legend>
-  <cs:plotArea mods="allowNoFillOverride allowNoLineOverride">
-    <cs:lnRef idx="0"/>
-    <cs:fillRef idx="0"/>
-    <cs:effectRef idx="0"/>
-    <cs:fontRef idx="minor">
-      <a:schemeClr val="tx1"/>
-    </cs:fontRef>
-  </cs:plotArea>
-  <cs:plotArea3D mods="allowNoFillOverride allowNoLineOverride">
-    <cs:lnRef idx="0"/>
-    <cs:fillRef idx="0"/>
-    <cs:effectRef idx="0"/>
-    <cs:fontRef idx="minor">
-      <a:schemeClr val="tx1"/>
-    </cs:fontRef>
-  </cs:plotArea3D>
-  <cs:seriesAxis>
-    <cs:lnRef idx="0"/>
-    <cs:fillRef idx="0"/>
-    <cs:effectRef idx="0"/>
-    <cs:fontRef idx="minor">
-      <a:schemeClr val="tx1">
-        <a:lumMod val="65000"/>
-        <a:lumOff val="35000"/>
-      </a:schemeClr>
-    </cs:fontRef>
-    <cs:defRPr sz="900" kern="1200"/>
-  </cs:seriesAxis>
-  <cs:seriesLine>
-    <cs:lnRef idx="0"/>
-    <cs:fillRef idx="0"/>
-    <cs:effectRef idx="0"/>
-    <cs:fontRef idx="minor">
-      <a:schemeClr val="tx1"/>
-    </cs:fontRef>
-    <cs:spPr>
-      <a:ln w="9525" cap="flat" cmpd="sng" algn="ctr">
-        <a:solidFill>
-          <a:schemeClr val="tx1">
-            <a:lumMod val="35000"/>
-            <a:lumOff val="65000"/>
-          </a:schemeClr>
-        </a:solidFill>
-        <a:round/>
-      </a:ln>
-    </cs:spPr>
-  </cs:seriesLine>
-  <cs:title>
-    <cs:lnRef idx="0"/>
-    <cs:fillRef idx="0"/>
-    <cs:effectRef idx="0"/>
-    <cs:fontRef idx="minor">
-      <a:schemeClr val="tx1">
-        <a:lumMod val="65000"/>
-        <a:lumOff val="35000"/>
-      </a:schemeClr>
-    </cs:fontRef>
-    <cs:defRPr sz="1400" b="0" kern="1200" spc="0" baseline="0"/>
-  </cs:title>
-  <cs:trendline>
-    <cs:lnRef idx="0">
-      <cs:styleClr val="auto"/>
-    </cs:lnRef>
-    <cs:fillRef idx="0"/>
-    <cs:effectRef idx="0"/>
-    <cs:fontRef idx="minor">
-      <a:schemeClr val="tx1"/>
-    </cs:fontRef>
-    <cs:spPr>
-      <a:ln w="19050" cap="rnd">
-        <a:solidFill>
-          <a:schemeClr val="phClr"/>
-        </a:solidFill>
-        <a:prstDash val="sysDot"/>
-      </a:ln>
-    </cs:spPr>
-  </cs:trendline>
-  <cs:trendlineLabel>
-    <cs:lnRef idx="0"/>
-    <cs:fillRef idx="0"/>
-    <cs:effectRef idx="0"/>
-    <cs:fontRef idx="minor">
-      <a:schemeClr val="tx1">
-        <a:lumMod val="65000"/>
-        <a:lumOff val="35000"/>
-      </a:schemeClr>
-    </cs:fontRef>
-    <cs:defRPr sz="900" kern="1200"/>
-  </cs:trendlineLabel>
-  <cs:upBar>
-    <cs:lnRef idx="0"/>
-    <cs:fillRef idx="0"/>
-    <cs:effectRef idx="0"/>
-    <cs:fontRef idx="minor">
-      <a:schemeClr val="dk1"/>
-    </cs:fontRef>
-    <cs:spPr>
-      <a:solidFill>
-        <a:schemeClr val="lt1"/>
-      </a:solidFill>
-      <a:ln w="9525">
-        <a:solidFill>
-          <a:schemeClr val="tx1">
-            <a:lumMod val="15000"/>
-            <a:lumOff val="85000"/>
-          </a:schemeClr>
-        </a:solidFill>
-      </a:ln>
-    </cs:spPr>
-  </cs:upBar>
-  <cs:valueAxis>
-    <cs:lnRef idx="0"/>
-    <cs:fillRef idx="0"/>
-    <cs:effectRef idx="0"/>
-    <cs:fontRef idx="minor">
-      <a:schemeClr val="tx1">
-        <a:lumMod val="65000"/>
-        <a:lumOff val="35000"/>
-      </a:schemeClr>
-    </cs:fontRef>
-    <cs:defRPr sz="900" kern="1200"/>
-  </cs:valueAxis>
-  <cs:wall>
-    <cs:lnRef idx="0"/>
-    <cs:fillRef idx="0"/>
-    <cs:effectRef idx="0"/>
-    <cs:fontRef idx="minor">
-      <a:schemeClr val="tx1"/>
-    </cs:fontRef>
-    <cs:spPr>
-      <a:noFill/>
-      <a:ln>
-        <a:noFill/>
-      </a:ln>
-    </cs:spPr>
-  </cs:wall>
-</cs:chartStyle>
-</file>
-
-<file path=ppt/charts/style4.xml><?xml version="1.0" encoding="utf-8"?>
 <cs:chartStyle xmlns:cs="http://schemas.microsoft.com/office/drawing/2012/chartStyle" xmlns:a="http://schemas.openxmlformats.org/drawingml/2006/main" id="201">
   <cs:axisTitle>
     <cs:lnRef idx="0"/>
@@ -12737,7 +11549,7 @@
           <a:p>
             <a:fld id="{1317306F-2162-4CB2-8E68-07BC2E5B7AA3}" type="datetimeFigureOut">
               <a:rPr lang="en-ID" smtClean="0"/>
-              <a:t>03/06/2023</a:t>
+              <a:t>04/06/2023</a:t>
             </a:fld>
             <a:endParaRPr lang="en-ID"/>
           </a:p>
@@ -12937,7 +11749,7 @@
           <a:p>
             <a:fld id="{1317306F-2162-4CB2-8E68-07BC2E5B7AA3}" type="datetimeFigureOut">
               <a:rPr lang="en-ID" smtClean="0"/>
-              <a:t>03/06/2023</a:t>
+              <a:t>04/06/2023</a:t>
             </a:fld>
             <a:endParaRPr lang="en-ID"/>
           </a:p>
@@ -13147,7 +11959,7 @@
           <a:p>
             <a:fld id="{1317306F-2162-4CB2-8E68-07BC2E5B7AA3}" type="datetimeFigureOut">
               <a:rPr lang="en-ID" smtClean="0"/>
-              <a:t>03/06/2023</a:t>
+              <a:t>04/06/2023</a:t>
             </a:fld>
             <a:endParaRPr lang="en-ID"/>
           </a:p>
@@ -13347,7 +12159,7 @@
           <a:p>
             <a:fld id="{1317306F-2162-4CB2-8E68-07BC2E5B7AA3}" type="datetimeFigureOut">
               <a:rPr lang="en-ID" smtClean="0"/>
-              <a:t>03/06/2023</a:t>
+              <a:t>04/06/2023</a:t>
             </a:fld>
             <a:endParaRPr lang="en-ID"/>
           </a:p>
@@ -13623,7 +12435,7 @@
           <a:p>
             <a:fld id="{1317306F-2162-4CB2-8E68-07BC2E5B7AA3}" type="datetimeFigureOut">
               <a:rPr lang="en-ID" smtClean="0"/>
-              <a:t>03/06/2023</a:t>
+              <a:t>04/06/2023</a:t>
             </a:fld>
             <a:endParaRPr lang="en-ID"/>
           </a:p>
@@ -13891,7 +12703,7 @@
           <a:p>
             <a:fld id="{1317306F-2162-4CB2-8E68-07BC2E5B7AA3}" type="datetimeFigureOut">
               <a:rPr lang="en-ID" smtClean="0"/>
-              <a:t>03/06/2023</a:t>
+              <a:t>04/06/2023</a:t>
             </a:fld>
             <a:endParaRPr lang="en-ID"/>
           </a:p>
@@ -14306,7 +13118,7 @@
           <a:p>
             <a:fld id="{1317306F-2162-4CB2-8E68-07BC2E5B7AA3}" type="datetimeFigureOut">
               <a:rPr lang="en-ID" smtClean="0"/>
-              <a:t>03/06/2023</a:t>
+              <a:t>04/06/2023</a:t>
             </a:fld>
             <a:endParaRPr lang="en-ID"/>
           </a:p>
@@ -14448,7 +13260,7 @@
           <a:p>
             <a:fld id="{1317306F-2162-4CB2-8E68-07BC2E5B7AA3}" type="datetimeFigureOut">
               <a:rPr lang="en-ID" smtClean="0"/>
-              <a:t>03/06/2023</a:t>
+              <a:t>04/06/2023</a:t>
             </a:fld>
             <a:endParaRPr lang="en-ID"/>
           </a:p>
@@ -14561,7 +13373,7 @@
           <a:p>
             <a:fld id="{1317306F-2162-4CB2-8E68-07BC2E5B7AA3}" type="datetimeFigureOut">
               <a:rPr lang="en-ID" smtClean="0"/>
-              <a:t>03/06/2023</a:t>
+              <a:t>04/06/2023</a:t>
             </a:fld>
             <a:endParaRPr lang="en-ID"/>
           </a:p>
@@ -14874,7 +13686,7 @@
           <a:p>
             <a:fld id="{1317306F-2162-4CB2-8E68-07BC2E5B7AA3}" type="datetimeFigureOut">
               <a:rPr lang="en-ID" smtClean="0"/>
-              <a:t>03/06/2023</a:t>
+              <a:t>04/06/2023</a:t>
             </a:fld>
             <a:endParaRPr lang="en-ID"/>
           </a:p>
@@ -15163,7 +13975,7 @@
           <a:p>
             <a:fld id="{1317306F-2162-4CB2-8E68-07BC2E5B7AA3}" type="datetimeFigureOut">
               <a:rPr lang="en-ID" smtClean="0"/>
-              <a:t>03/06/2023</a:t>
+              <a:t>04/06/2023</a:t>
             </a:fld>
             <a:endParaRPr lang="en-ID"/>
           </a:p>
@@ -15406,7 +14218,7 @@
           <a:p>
             <a:fld id="{1317306F-2162-4CB2-8E68-07BC2E5B7AA3}" type="datetimeFigureOut">
               <a:rPr lang="en-ID" smtClean="0"/>
-              <a:t>03/06/2023</a:t>
+              <a:t>04/06/2023</a:t>
             </a:fld>
             <a:endParaRPr lang="en-ID"/>
           </a:p>
@@ -15918,12 +14730,676 @@
           <a:chExt cx="0" cy="0"/>
         </a:xfrm>
       </p:grpSpPr>
+      <p:pic>
+        <p:nvPicPr>
+          <p:cNvPr id="6" name="Picture 5">
+            <a:extLst>
+              <a:ext uri="{FF2B5EF4-FFF2-40B4-BE49-F238E27FC236}">
+                <a16:creationId xmlns:a16="http://schemas.microsoft.com/office/drawing/2014/main" id="{4D71732D-2252-4213-82AB-1E68379A7996}"/>
+              </a:ext>
+            </a:extLst>
+          </p:cNvPr>
+          <p:cNvPicPr>
+            <a:picLocks noChangeAspect="1"/>
+          </p:cNvPicPr>
+          <p:nvPr/>
+        </p:nvPicPr>
+        <p:blipFill>
+          <a:blip r:embed="rId2"/>
+          <a:stretch>
+            <a:fillRect/>
+          </a:stretch>
+        </p:blipFill>
+        <p:spPr>
+          <a:xfrm>
+            <a:off x="1832357" y="156333"/>
+            <a:ext cx="8527285" cy="4656691"/>
+          </a:xfrm>
+          <a:prstGeom prst="rect">
+            <a:avLst/>
+          </a:prstGeom>
+        </p:spPr>
+      </p:pic>
+    </p:spTree>
+    <p:extLst>
+      <p:ext uri="{BB962C8B-B14F-4D97-AF65-F5344CB8AC3E}">
+        <p14:creationId xmlns:p14="http://schemas.microsoft.com/office/powerpoint/2010/main" val="2457316622"/>
+      </p:ext>
+    </p:extLst>
+  </p:cSld>
+  <p:clrMapOvr>
+    <a:masterClrMapping/>
+  </p:clrMapOvr>
+</p:sld>
+</file>
+
+<file path=ppt/slides/slide11.xml><?xml version="1.0" encoding="utf-8"?>
+<p:sld xmlns:a="http://schemas.openxmlformats.org/drawingml/2006/main" xmlns:r="http://schemas.openxmlformats.org/officeDocument/2006/relationships" xmlns:p="http://schemas.openxmlformats.org/presentationml/2006/main">
+  <p:cSld>
+    <p:spTree>
+      <p:nvGrpSpPr>
+        <p:cNvPr id="1" name=""/>
+        <p:cNvGrpSpPr/>
+        <p:nvPr/>
+      </p:nvGrpSpPr>
+      <p:grpSpPr>
+        <a:xfrm>
+          <a:off x="0" y="0"/>
+          <a:ext cx="0" cy="0"/>
+          <a:chOff x="0" y="0"/>
+          <a:chExt cx="0" cy="0"/>
+        </a:xfrm>
+      </p:grpSpPr>
+      <p:graphicFrame>
+        <p:nvGraphicFramePr>
+          <p:cNvPr id="4" name="Chart 3">
+            <a:extLst>
+              <a:ext uri="{FF2B5EF4-FFF2-40B4-BE49-F238E27FC236}">
+                <a16:creationId xmlns:a16="http://schemas.microsoft.com/office/drawing/2014/main" id="{2D47C221-CAFD-482F-B2B0-E9F1757531D7}"/>
+              </a:ext>
+            </a:extLst>
+          </p:cNvPr>
+          <p:cNvGraphicFramePr>
+            <a:graphicFrameLocks/>
+          </p:cNvGraphicFramePr>
+          <p:nvPr>
+            <p:extLst>
+              <p:ext uri="{D42A27DB-BD31-4B8C-83A1-F6EECF244321}">
+                <p14:modId xmlns:p14="http://schemas.microsoft.com/office/powerpoint/2010/main" val="382579126"/>
+              </p:ext>
+            </p:extLst>
+          </p:nvPr>
+        </p:nvGraphicFramePr>
+        <p:xfrm>
+          <a:off x="1724679" y="1395405"/>
+          <a:ext cx="8742641" cy="3688324"/>
+        </p:xfrm>
+        <a:graphic>
+          <a:graphicData uri="http://schemas.openxmlformats.org/drawingml/2006/chart">
+            <c:chart xmlns:c="http://schemas.openxmlformats.org/drawingml/2006/chart" xmlns:r="http://schemas.openxmlformats.org/officeDocument/2006/relationships" r:id="rId2"/>
+          </a:graphicData>
+        </a:graphic>
+      </p:graphicFrame>
+    </p:spTree>
+    <p:extLst>
+      <p:ext uri="{BB962C8B-B14F-4D97-AF65-F5344CB8AC3E}">
+        <p14:creationId xmlns:p14="http://schemas.microsoft.com/office/powerpoint/2010/main" val="1040284984"/>
+      </p:ext>
+    </p:extLst>
+  </p:cSld>
+  <p:clrMapOvr>
+    <a:masterClrMapping/>
+  </p:clrMapOvr>
+</p:sld>
+</file>
+
+<file path=ppt/slides/slide12.xml><?xml version="1.0" encoding="utf-8"?>
+<p:sld xmlns:a="http://schemas.openxmlformats.org/drawingml/2006/main" xmlns:r="http://schemas.openxmlformats.org/officeDocument/2006/relationships" xmlns:p="http://schemas.openxmlformats.org/presentationml/2006/main">
+  <p:cSld>
+    <p:spTree>
+      <p:nvGrpSpPr>
+        <p:cNvPr id="1" name=""/>
+        <p:cNvGrpSpPr/>
+        <p:nvPr/>
+      </p:nvGrpSpPr>
+      <p:grpSpPr>
+        <a:xfrm>
+          <a:off x="0" y="0"/>
+          <a:ext cx="0" cy="0"/>
+          <a:chOff x="0" y="0"/>
+          <a:chExt cx="0" cy="0"/>
+        </a:xfrm>
+      </p:grpSpPr>
       <p:sp>
         <p:nvSpPr>
           <p:cNvPr id="2" name="Title 1">
             <a:extLst>
               <a:ext uri="{FF2B5EF4-FFF2-40B4-BE49-F238E27FC236}">
-                <a16:creationId xmlns:a16="http://schemas.microsoft.com/office/drawing/2014/main" id="{018D9AEB-6590-489D-860B-AA83BF80255C}"/>
+                <a16:creationId xmlns:a16="http://schemas.microsoft.com/office/drawing/2014/main" id="{D9CA8B9F-93D2-4144-839E-C736E59B4869}"/>
+              </a:ext>
+            </a:extLst>
+          </p:cNvPr>
+          <p:cNvSpPr>
+            <a:spLocks noGrp="1"/>
+          </p:cNvSpPr>
+          <p:nvPr>
+            <p:ph type="title"/>
+          </p:nvPr>
+        </p:nvSpPr>
+        <p:spPr>
+          <a:xfrm>
+            <a:off x="838200" y="0"/>
+            <a:ext cx="10515600" cy="1325563"/>
+          </a:xfrm>
+        </p:spPr>
+        <p:txBody>
+          <a:bodyPr/>
+          <a:lstStyle/>
+          <a:p>
+            <a:pPr algn="ctr"/>
+            <a:r>
+              <a:rPr lang="en-US"/>
+              <a:t>Vietnam and Phillipines quick recap</a:t>
+            </a:r>
+            <a:endParaRPr lang="en-ID"/>
+          </a:p>
+        </p:txBody>
+      </p:sp>
+      <p:pic>
+        <p:nvPicPr>
+          <p:cNvPr id="7" name="Picture 6">
+            <a:extLst>
+              <a:ext uri="{FF2B5EF4-FFF2-40B4-BE49-F238E27FC236}">
+                <a16:creationId xmlns:a16="http://schemas.microsoft.com/office/drawing/2014/main" id="{143CF8AE-CD0F-4955-A995-60EAB7BBE52A}"/>
+              </a:ext>
+            </a:extLst>
+          </p:cNvPr>
+          <p:cNvPicPr>
+            <a:picLocks noChangeAspect="1"/>
+          </p:cNvPicPr>
+          <p:nvPr/>
+        </p:nvPicPr>
+        <p:blipFill>
+          <a:blip r:embed="rId2"/>
+          <a:stretch>
+            <a:fillRect/>
+          </a:stretch>
+        </p:blipFill>
+        <p:spPr>
+          <a:xfrm>
+            <a:off x="2044430" y="1325563"/>
+            <a:ext cx="3442322" cy="2621554"/>
+          </a:xfrm>
+          <a:prstGeom prst="rect">
+            <a:avLst/>
+          </a:prstGeom>
+        </p:spPr>
+      </p:pic>
+      <p:graphicFrame>
+        <p:nvGraphicFramePr>
+          <p:cNvPr id="9" name="Chart 8">
+            <a:extLst>
+              <a:ext uri="{FF2B5EF4-FFF2-40B4-BE49-F238E27FC236}">
+                <a16:creationId xmlns:a16="http://schemas.microsoft.com/office/drawing/2014/main" id="{03E10238-AC9A-49FF-B0B9-0B8AB0C539BF}"/>
+              </a:ext>
+            </a:extLst>
+          </p:cNvPr>
+          <p:cNvGraphicFramePr>
+            <a:graphicFrameLocks/>
+          </p:cNvGraphicFramePr>
+          <p:nvPr>
+            <p:extLst>
+              <p:ext uri="{D42A27DB-BD31-4B8C-83A1-F6EECF244321}">
+                <p14:modId xmlns:p14="http://schemas.microsoft.com/office/powerpoint/2010/main" val="2027035674"/>
+              </p:ext>
+            </p:extLst>
+          </p:nvPr>
+        </p:nvGraphicFramePr>
+        <p:xfrm>
+          <a:off x="6080760" y="4002933"/>
+          <a:ext cx="4922520" cy="2743200"/>
+        </p:xfrm>
+        <a:graphic>
+          <a:graphicData uri="http://schemas.openxmlformats.org/drawingml/2006/chart">
+            <c:chart xmlns:c="http://schemas.openxmlformats.org/drawingml/2006/chart" xmlns:r="http://schemas.openxmlformats.org/officeDocument/2006/relationships" r:id="rId3"/>
+          </a:graphicData>
+        </a:graphic>
+      </p:graphicFrame>
+      <p:grpSp>
+        <p:nvGrpSpPr>
+          <p:cNvPr id="13" name="Group 12">
+            <a:extLst>
+              <a:ext uri="{FF2B5EF4-FFF2-40B4-BE49-F238E27FC236}">
+                <a16:creationId xmlns:a16="http://schemas.microsoft.com/office/drawing/2014/main" id="{0B8F7D50-E7D1-4C10-8EA9-515C5681C5EE}"/>
+              </a:ext>
+            </a:extLst>
+          </p:cNvPr>
+          <p:cNvGrpSpPr/>
+          <p:nvPr/>
+        </p:nvGrpSpPr>
+        <p:grpSpPr>
+          <a:xfrm>
+            <a:off x="6080760" y="1203917"/>
+            <a:ext cx="4922520" cy="2743200"/>
+            <a:chOff x="6080760" y="1203917"/>
+            <a:chExt cx="4922520" cy="2743200"/>
+          </a:xfrm>
+        </p:grpSpPr>
+        <p:graphicFrame>
+          <p:nvGraphicFramePr>
+            <p:cNvPr id="10" name="Chart 9">
+              <a:extLst>
+                <a:ext uri="{FF2B5EF4-FFF2-40B4-BE49-F238E27FC236}">
+                  <a16:creationId xmlns:a16="http://schemas.microsoft.com/office/drawing/2014/main" id="{33ADC2F8-E399-48AD-BF9E-5142FED6938B}"/>
+                </a:ext>
+              </a:extLst>
+            </p:cNvPr>
+            <p:cNvGraphicFramePr>
+              <a:graphicFrameLocks/>
+            </p:cNvGraphicFramePr>
+            <p:nvPr>
+              <p:extLst>
+                <p:ext uri="{D42A27DB-BD31-4B8C-83A1-F6EECF244321}">
+                  <p14:modId xmlns:p14="http://schemas.microsoft.com/office/powerpoint/2010/main" val="2813553969"/>
+                </p:ext>
+              </p:extLst>
+            </p:nvPr>
+          </p:nvGraphicFramePr>
+          <p:xfrm>
+            <a:off x="6080760" y="1203917"/>
+            <a:ext cx="4922520" cy="2743200"/>
+          </p:xfrm>
+          <a:graphic>
+            <a:graphicData uri="http://schemas.openxmlformats.org/drawingml/2006/chart">
+              <c:chart xmlns:c="http://schemas.openxmlformats.org/drawingml/2006/chart" xmlns:r="http://schemas.openxmlformats.org/officeDocument/2006/relationships" r:id="rId4"/>
+            </a:graphicData>
+          </a:graphic>
+        </p:graphicFrame>
+        <p:sp>
+          <p:nvSpPr>
+            <p:cNvPr id="12" name="TextBox 11">
+              <a:extLst>
+                <a:ext uri="{FF2B5EF4-FFF2-40B4-BE49-F238E27FC236}">
+                  <a16:creationId xmlns:a16="http://schemas.microsoft.com/office/drawing/2014/main" id="{432A9642-AE23-496B-8839-E2F6D03E7883}"/>
+                </a:ext>
+              </a:extLst>
+            </p:cNvPr>
+            <p:cNvSpPr txBox="1"/>
+            <p:nvPr/>
+          </p:nvSpPr>
+          <p:spPr>
+            <a:xfrm>
+              <a:off x="9649840" y="3565187"/>
+              <a:ext cx="802464" cy="307777"/>
+            </a:xfrm>
+            <a:prstGeom prst="rect">
+              <a:avLst/>
+            </a:prstGeom>
+            <a:noFill/>
+          </p:spPr>
+          <p:txBody>
+            <a:bodyPr wrap="none" rtlCol="0">
+              <a:spAutoFit/>
+            </a:bodyPr>
+            <a:lstStyle/>
+            <a:p>
+              <a:r>
+                <a:rPr lang="en-US" sz="1400"/>
+                <a:t>Vietnam</a:t>
+              </a:r>
+              <a:endParaRPr lang="en-ID" sz="1400"/>
+            </a:p>
+          </p:txBody>
+        </p:sp>
+      </p:grpSp>
+      <p:pic>
+        <p:nvPicPr>
+          <p:cNvPr id="4" name="Picture 3">
+            <a:extLst>
+              <a:ext uri="{FF2B5EF4-FFF2-40B4-BE49-F238E27FC236}">
+                <a16:creationId xmlns:a16="http://schemas.microsoft.com/office/drawing/2014/main" id="{081A2C7E-D2EF-4D52-A708-3DE2977A68E2}"/>
+              </a:ext>
+            </a:extLst>
+          </p:cNvPr>
+          <p:cNvPicPr>
+            <a:picLocks noChangeAspect="1"/>
+          </p:cNvPicPr>
+          <p:nvPr/>
+        </p:nvPicPr>
+        <p:blipFill>
+          <a:blip r:embed="rId5"/>
+          <a:stretch>
+            <a:fillRect/>
+          </a:stretch>
+        </p:blipFill>
+        <p:spPr>
+          <a:xfrm>
+            <a:off x="1642538" y="4786905"/>
+            <a:ext cx="3990975" cy="971550"/>
+          </a:xfrm>
+          <a:prstGeom prst="rect">
+            <a:avLst/>
+          </a:prstGeom>
+        </p:spPr>
+      </p:pic>
+    </p:spTree>
+    <p:extLst>
+      <p:ext uri="{BB962C8B-B14F-4D97-AF65-F5344CB8AC3E}">
+        <p14:creationId xmlns:p14="http://schemas.microsoft.com/office/powerpoint/2010/main" val="3838068971"/>
+      </p:ext>
+    </p:extLst>
+  </p:cSld>
+  <p:clrMapOvr>
+    <a:masterClrMapping/>
+  </p:clrMapOvr>
+</p:sld>
+</file>
+
+<file path=ppt/slides/slide13.xml><?xml version="1.0" encoding="utf-8"?>
+<p:sld xmlns:a="http://schemas.openxmlformats.org/drawingml/2006/main" xmlns:r="http://schemas.openxmlformats.org/officeDocument/2006/relationships" xmlns:p="http://schemas.openxmlformats.org/presentationml/2006/main">
+  <p:cSld>
+    <p:spTree>
+      <p:nvGrpSpPr>
+        <p:cNvPr id="1" name=""/>
+        <p:cNvGrpSpPr/>
+        <p:nvPr/>
+      </p:nvGrpSpPr>
+      <p:grpSpPr>
+        <a:xfrm>
+          <a:off x="0" y="0"/>
+          <a:ext cx="0" cy="0"/>
+          <a:chOff x="0" y="0"/>
+          <a:chExt cx="0" cy="0"/>
+        </a:xfrm>
+      </p:grpSpPr>
+      <p:pic>
+        <p:nvPicPr>
+          <p:cNvPr id="9" name="Picture 8">
+            <a:extLst>
+              <a:ext uri="{FF2B5EF4-FFF2-40B4-BE49-F238E27FC236}">
+                <a16:creationId xmlns:a16="http://schemas.microsoft.com/office/drawing/2014/main" id="{3615F1ED-B6B3-4066-BBAF-181E41F710B9}"/>
+              </a:ext>
+            </a:extLst>
+          </p:cNvPr>
+          <p:cNvPicPr>
+            <a:picLocks noChangeAspect="1"/>
+          </p:cNvPicPr>
+          <p:nvPr/>
+        </p:nvPicPr>
+        <p:blipFill>
+          <a:blip r:embed="rId2"/>
+          <a:stretch>
+            <a:fillRect/>
+          </a:stretch>
+        </p:blipFill>
+        <p:spPr>
+          <a:xfrm>
+            <a:off x="635277" y="1571188"/>
+            <a:ext cx="5352239" cy="4564172"/>
+          </a:xfrm>
+          <a:prstGeom prst="rect">
+            <a:avLst/>
+          </a:prstGeom>
+        </p:spPr>
+      </p:pic>
+      <p:pic>
+        <p:nvPicPr>
+          <p:cNvPr id="11" name="Picture 10">
+            <a:extLst>
+              <a:ext uri="{FF2B5EF4-FFF2-40B4-BE49-F238E27FC236}">
+                <a16:creationId xmlns:a16="http://schemas.microsoft.com/office/drawing/2014/main" id="{627317C2-B0DA-4243-AC2A-0ECDD04408DA}"/>
+              </a:ext>
+            </a:extLst>
+          </p:cNvPr>
+          <p:cNvPicPr>
+            <a:picLocks noChangeAspect="1"/>
+          </p:cNvPicPr>
+          <p:nvPr/>
+        </p:nvPicPr>
+        <p:blipFill>
+          <a:blip r:embed="rId3"/>
+          <a:stretch>
+            <a:fillRect/>
+          </a:stretch>
+        </p:blipFill>
+        <p:spPr>
+          <a:xfrm>
+            <a:off x="6096000" y="1571188"/>
+            <a:ext cx="5676232" cy="4564172"/>
+          </a:xfrm>
+          <a:prstGeom prst="rect">
+            <a:avLst/>
+          </a:prstGeom>
+        </p:spPr>
+      </p:pic>
+      <p:sp>
+        <p:nvSpPr>
+          <p:cNvPr id="14" name="Title 1">
+            <a:extLst>
+              <a:ext uri="{FF2B5EF4-FFF2-40B4-BE49-F238E27FC236}">
+                <a16:creationId xmlns:a16="http://schemas.microsoft.com/office/drawing/2014/main" id="{C4773BBB-9EB7-4E60-917A-C4DFB8126422}"/>
+              </a:ext>
+            </a:extLst>
+          </p:cNvPr>
+          <p:cNvSpPr txBox="1">
+            <a:spLocks/>
+          </p:cNvSpPr>
+          <p:nvPr/>
+        </p:nvSpPr>
+        <p:spPr>
+          <a:xfrm>
+            <a:off x="783958" y="342427"/>
+            <a:ext cx="10515600" cy="1325563"/>
+          </a:xfrm>
+          <a:prstGeom prst="rect">
+            <a:avLst/>
+          </a:prstGeom>
+        </p:spPr>
+        <p:txBody>
+          <a:bodyPr vert="horz" lIns="91440" tIns="45720" rIns="91440" bIns="45720" rtlCol="0" anchor="ctr">
+            <a:normAutofit/>
+          </a:bodyPr>
+          <a:lstStyle>
+            <a:lvl1pPr algn="l" defTabSz="914400" rtl="0" eaLnBrk="1" latinLnBrk="0" hangingPunct="1">
+              <a:lnSpc>
+                <a:spcPct val="90000"/>
+              </a:lnSpc>
+              <a:spcBef>
+                <a:spcPct val="0"/>
+              </a:spcBef>
+              <a:buNone/>
+              <a:defRPr sz="4400" kern="1200">
+                <a:solidFill>
+                  <a:schemeClr val="tx1"/>
+                </a:solidFill>
+                <a:latin typeface="+mj-lt"/>
+                <a:ea typeface="+mj-ea"/>
+                <a:cs typeface="+mj-cs"/>
+              </a:defRPr>
+            </a:lvl1pPr>
+          </a:lstStyle>
+          <a:p>
+            <a:pPr algn="ctr"/>
+            <a:r>
+              <a:rPr lang="en-US"/>
+              <a:t>2020 COVID on Phillipines and Vietnam</a:t>
+            </a:r>
+            <a:endParaRPr lang="en-ID"/>
+          </a:p>
+        </p:txBody>
+      </p:sp>
+      <p:sp>
+        <p:nvSpPr>
+          <p:cNvPr id="2" name="Rectangle 1">
+            <a:extLst>
+              <a:ext uri="{FF2B5EF4-FFF2-40B4-BE49-F238E27FC236}">
+                <a16:creationId xmlns:a16="http://schemas.microsoft.com/office/drawing/2014/main" id="{51545AE4-DD5E-474D-8391-05ED90ABC639}"/>
+              </a:ext>
+            </a:extLst>
+          </p:cNvPr>
+          <p:cNvSpPr/>
+          <p:nvPr/>
+        </p:nvSpPr>
+        <p:spPr>
+          <a:xfrm>
+            <a:off x="9034943" y="4144161"/>
+            <a:ext cx="1342239" cy="1719744"/>
+          </a:xfrm>
+          <a:prstGeom prst="rect">
+            <a:avLst/>
+          </a:prstGeom>
+          <a:noFill/>
+          <a:ln>
+            <a:solidFill>
+              <a:schemeClr val="accent2"/>
+            </a:solidFill>
+          </a:ln>
+        </p:spPr>
+        <p:style>
+          <a:lnRef idx="2">
+            <a:schemeClr val="accent1">
+              <a:shade val="50000"/>
+            </a:schemeClr>
+          </a:lnRef>
+          <a:fillRef idx="1">
+            <a:schemeClr val="accent1"/>
+          </a:fillRef>
+          <a:effectRef idx="0">
+            <a:schemeClr val="accent1"/>
+          </a:effectRef>
+          <a:fontRef idx="minor">
+            <a:schemeClr val="lt1"/>
+          </a:fontRef>
+        </p:style>
+        <p:txBody>
+          <a:bodyPr rtlCol="0" anchor="ctr"/>
+          <a:lstStyle/>
+          <a:p>
+            <a:pPr algn="ctr"/>
+            <a:endParaRPr lang="en-ID"/>
+          </a:p>
+        </p:txBody>
+      </p:sp>
+      <p:sp>
+        <p:nvSpPr>
+          <p:cNvPr id="6" name="Rectangle 5">
+            <a:extLst>
+              <a:ext uri="{FF2B5EF4-FFF2-40B4-BE49-F238E27FC236}">
+                <a16:creationId xmlns:a16="http://schemas.microsoft.com/office/drawing/2014/main" id="{F2D19002-6D4C-4117-B3D2-D60A0F3B081E}"/>
+              </a:ext>
+            </a:extLst>
+          </p:cNvPr>
+          <p:cNvSpPr/>
+          <p:nvPr/>
+        </p:nvSpPr>
+        <p:spPr>
+          <a:xfrm>
+            <a:off x="6434356" y="4144161"/>
+            <a:ext cx="1669410" cy="1719744"/>
+          </a:xfrm>
+          <a:prstGeom prst="rect">
+            <a:avLst/>
+          </a:prstGeom>
+          <a:noFill/>
+          <a:ln>
+            <a:solidFill>
+              <a:srgbClr val="FF0000"/>
+            </a:solidFill>
+          </a:ln>
+        </p:spPr>
+        <p:style>
+          <a:lnRef idx="2">
+            <a:schemeClr val="accent1">
+              <a:shade val="50000"/>
+            </a:schemeClr>
+          </a:lnRef>
+          <a:fillRef idx="1">
+            <a:schemeClr val="accent1"/>
+          </a:fillRef>
+          <a:effectRef idx="0">
+            <a:schemeClr val="accent1"/>
+          </a:effectRef>
+          <a:fontRef idx="minor">
+            <a:schemeClr val="lt1"/>
+          </a:fontRef>
+        </p:style>
+        <p:txBody>
+          <a:bodyPr rtlCol="0" anchor="ctr"/>
+          <a:lstStyle/>
+          <a:p>
+            <a:pPr algn="ctr"/>
+            <a:endParaRPr lang="en-ID"/>
+          </a:p>
+        </p:txBody>
+      </p:sp>
+      <p:sp>
+        <p:nvSpPr>
+          <p:cNvPr id="7" name="Rectangle 6">
+            <a:extLst>
+              <a:ext uri="{FF2B5EF4-FFF2-40B4-BE49-F238E27FC236}">
+                <a16:creationId xmlns:a16="http://schemas.microsoft.com/office/drawing/2014/main" id="{E095F7E5-0003-40C6-8F74-8B7D390363E4}"/>
+              </a:ext>
+            </a:extLst>
+          </p:cNvPr>
+          <p:cNvSpPr/>
+          <p:nvPr/>
+        </p:nvSpPr>
+        <p:spPr>
+          <a:xfrm>
+            <a:off x="3021435" y="1813420"/>
+            <a:ext cx="1231783" cy="1743512"/>
+          </a:xfrm>
+          <a:prstGeom prst="rect">
+            <a:avLst/>
+          </a:prstGeom>
+          <a:noFill/>
+          <a:ln>
+            <a:solidFill>
+              <a:schemeClr val="accent1"/>
+            </a:solidFill>
+          </a:ln>
+        </p:spPr>
+        <p:style>
+          <a:lnRef idx="2">
+            <a:schemeClr val="accent1">
+              <a:shade val="50000"/>
+            </a:schemeClr>
+          </a:lnRef>
+          <a:fillRef idx="1">
+            <a:schemeClr val="accent1"/>
+          </a:fillRef>
+          <a:effectRef idx="0">
+            <a:schemeClr val="accent1"/>
+          </a:effectRef>
+          <a:fontRef idx="minor">
+            <a:schemeClr val="lt1"/>
+          </a:fontRef>
+        </p:style>
+        <p:txBody>
+          <a:bodyPr rtlCol="0" anchor="ctr"/>
+          <a:lstStyle/>
+          <a:p>
+            <a:pPr algn="ctr"/>
+            <a:endParaRPr lang="en-ID"/>
+          </a:p>
+        </p:txBody>
+      </p:sp>
+    </p:spTree>
+    <p:extLst>
+      <p:ext uri="{BB962C8B-B14F-4D97-AF65-F5344CB8AC3E}">
+        <p14:creationId xmlns:p14="http://schemas.microsoft.com/office/powerpoint/2010/main" val="397256904"/>
+      </p:ext>
+    </p:extLst>
+  </p:cSld>
+  <p:clrMapOvr>
+    <a:masterClrMapping/>
+  </p:clrMapOvr>
+</p:sld>
+</file>
+
+<file path=ppt/slides/slide14.xml><?xml version="1.0" encoding="utf-8"?>
+<p:sld xmlns:a="http://schemas.openxmlformats.org/drawingml/2006/main" xmlns:r="http://schemas.openxmlformats.org/officeDocument/2006/relationships" xmlns:p="http://schemas.openxmlformats.org/presentationml/2006/main">
+  <p:cSld>
+    <p:spTree>
+      <p:nvGrpSpPr>
+        <p:cNvPr id="1" name=""/>
+        <p:cNvGrpSpPr/>
+        <p:nvPr/>
+      </p:nvGrpSpPr>
+      <p:grpSpPr>
+        <a:xfrm>
+          <a:off x="0" y="0"/>
+          <a:ext cx="0" cy="0"/>
+          <a:chOff x="0" y="0"/>
+          <a:chExt cx="0" cy="0"/>
+        </a:xfrm>
+      </p:grpSpPr>
+      <p:sp>
+        <p:nvSpPr>
+          <p:cNvPr id="2" name="Title 1">
+            <a:extLst>
+              <a:ext uri="{FF2B5EF4-FFF2-40B4-BE49-F238E27FC236}">
+                <a16:creationId xmlns:a16="http://schemas.microsoft.com/office/drawing/2014/main" id="{2B3D92DA-11A4-4366-826C-666842B94A0E}"/>
               </a:ext>
             </a:extLst>
           </p:cNvPr>
@@ -15941,7 +15417,7 @@
           <a:p>
             <a:r>
               <a:rPr lang="en-US"/>
-              <a:t>What happened on that occurrence?</a:t>
+              <a:t>What happened on that month?</a:t>
             </a:r>
             <a:endParaRPr lang="en-ID"/>
           </a:p>
@@ -15952,7 +15428,7 @@
           <p:cNvPr id="3" name="Content Placeholder 2">
             <a:extLst>
               <a:ext uri="{FF2B5EF4-FFF2-40B4-BE49-F238E27FC236}">
-                <a16:creationId xmlns:a16="http://schemas.microsoft.com/office/drawing/2014/main" id="{81E82F54-382A-41CD-B39C-F9D5EFF32300}"/>
+                <a16:creationId xmlns:a16="http://schemas.microsoft.com/office/drawing/2014/main" id="{2B908E89-8ABD-49AC-8759-959C326E0DCC}"/>
               </a:ext>
             </a:extLst>
           </p:cNvPr>
@@ -15963,10 +15439,57 @@
             <p:ph idx="1"/>
           </p:nvPr>
         </p:nvSpPr>
-        <p:spPr/>
+        <p:spPr>
+          <a:xfrm>
+            <a:off x="838200" y="2261852"/>
+            <a:ext cx="10515600" cy="3492996"/>
+          </a:xfrm>
+        </p:spPr>
         <p:txBody>
-          <a:bodyPr/>
+          <a:bodyPr>
+            <a:normAutofit/>
+          </a:bodyPr>
           <a:lstStyle/>
+          <a:p>
+            <a:pPr marL="0" indent="0">
+              <a:buNone/>
+            </a:pPr>
+            <a:r>
+              <a:rPr lang="en-US" sz="3200"/>
+              <a:t>Phillipine</a:t>
+            </a:r>
+          </a:p>
+          <a:p>
+            <a:r>
+              <a:rPr lang="en-US"/>
+              <a:t>August, The Philippine Genome Center (PGC) had detected a new variant of the SARS-CoV-2 virus originating in the Philippines.</a:t>
+            </a:r>
+          </a:p>
+          <a:p>
+            <a:endParaRPr lang="en-US"/>
+          </a:p>
+          <a:p>
+            <a:pPr marL="0" indent="0">
+              <a:buNone/>
+            </a:pPr>
+            <a:r>
+              <a:rPr lang="en-US" sz="3200"/>
+              <a:t>Vietnam</a:t>
+            </a:r>
+          </a:p>
+          <a:p>
+            <a:r>
+              <a:rPr lang="en-US" b="0" i="0">
+                <a:solidFill>
+                  <a:srgbClr val="202122"/>
+                </a:solidFill>
+                <a:effectLst/>
+                <a:latin typeface="Arial" panose="020B0604020202020204" pitchFamily="34" charset="0"/>
+              </a:rPr>
+              <a:t>July, The epicenter was in Da Nang, with the source of infection purported to be from Hospital C in the city.</a:t>
+            </a:r>
+            <a:endParaRPr lang="en-US"/>
+          </a:p>
           <a:p>
             <a:endParaRPr lang="en-ID"/>
           </a:p>
@@ -15975,7 +15498,7 @@
     </p:spTree>
     <p:extLst>
       <p:ext uri="{BB962C8B-B14F-4D97-AF65-F5344CB8AC3E}">
-        <p14:creationId xmlns:p14="http://schemas.microsoft.com/office/powerpoint/2010/main" val="399712669"/>
+        <p14:creationId xmlns:p14="http://schemas.microsoft.com/office/powerpoint/2010/main" val="450349894"/>
       </p:ext>
     </p:extLst>
   </p:cSld>
@@ -15985,7 +15508,7 @@
 </p:sld>
 </file>
 
-<file path=ppt/slides/slide11.xml><?xml version="1.0" encoding="utf-8"?>
+<file path=ppt/slides/slide15.xml><?xml version="1.0" encoding="utf-8"?>
 <p:sld xmlns:a="http://schemas.openxmlformats.org/drawingml/2006/main" xmlns:r="http://schemas.openxmlformats.org/officeDocument/2006/relationships" xmlns:p="http://schemas.openxmlformats.org/presentationml/2006/main">
   <p:cSld>
     <p:spTree>
@@ -16092,6 +15615,58 @@
           </a:prstGeom>
         </p:spPr>
       </p:pic>
+      <p:sp>
+        <p:nvSpPr>
+          <p:cNvPr id="5" name="Rectangle 4">
+            <a:extLst>
+              <a:ext uri="{FF2B5EF4-FFF2-40B4-BE49-F238E27FC236}">
+                <a16:creationId xmlns:a16="http://schemas.microsoft.com/office/drawing/2014/main" id="{91704E7E-EE4C-4141-97E3-4E536B28E621}"/>
+              </a:ext>
+            </a:extLst>
+          </p:cNvPr>
+          <p:cNvSpPr/>
+          <p:nvPr/>
+        </p:nvSpPr>
+        <p:spPr>
+          <a:xfrm>
+            <a:off x="3582099" y="1813420"/>
+            <a:ext cx="1216404" cy="1827402"/>
+          </a:xfrm>
+          <a:prstGeom prst="rect">
+            <a:avLst/>
+          </a:prstGeom>
+          <a:noFill/>
+          <a:ln>
+            <a:solidFill>
+              <a:srgbClr val="FF0000"/>
+            </a:solidFill>
+          </a:ln>
+        </p:spPr>
+        <p:style>
+          <a:lnRef idx="2">
+            <a:schemeClr val="accent1">
+              <a:shade val="50000"/>
+            </a:schemeClr>
+          </a:lnRef>
+          <a:fillRef idx="1">
+            <a:schemeClr val="accent1"/>
+          </a:fillRef>
+          <a:effectRef idx="0">
+            <a:schemeClr val="accent1"/>
+          </a:effectRef>
+          <a:fontRef idx="minor">
+            <a:schemeClr val="lt1"/>
+          </a:fontRef>
+        </p:style>
+        <p:txBody>
+          <a:bodyPr rtlCol="0" anchor="ctr"/>
+          <a:lstStyle/>
+          <a:p>
+            <a:pPr algn="ctr"/>
+            <a:endParaRPr lang="en-ID"/>
+          </a:p>
+        </p:txBody>
+      </p:sp>
     </p:spTree>
     <p:extLst>
       <p:ext uri="{BB962C8B-B14F-4D97-AF65-F5344CB8AC3E}">
@@ -16105,7 +15680,7 @@
 </p:sld>
 </file>
 
-<file path=ppt/slides/slide12.xml><?xml version="1.0" encoding="utf-8"?>
+<file path=ppt/slides/slide16.xml><?xml version="1.0" encoding="utf-8"?>
 <p:sld xmlns:a="http://schemas.openxmlformats.org/drawingml/2006/main" xmlns:r="http://schemas.openxmlformats.org/officeDocument/2006/relationships" xmlns:p="http://schemas.openxmlformats.org/presentationml/2006/main">
   <p:cSld>
     <p:spTree>
@@ -16127,7 +15702,7 @@
           <p:cNvPr id="2" name="Title 1">
             <a:extLst>
               <a:ext uri="{FF2B5EF4-FFF2-40B4-BE49-F238E27FC236}">
-                <a16:creationId xmlns:a16="http://schemas.microsoft.com/office/drawing/2014/main" id="{018D9AEB-6590-489D-860B-AA83BF80255C}"/>
+                <a16:creationId xmlns:a16="http://schemas.microsoft.com/office/drawing/2014/main" id="{B5220B06-F6AB-49BB-BAF1-786159277661}"/>
               </a:ext>
             </a:extLst>
           </p:cNvPr>
@@ -16145,7 +15720,7 @@
           <a:p>
             <a:r>
               <a:rPr lang="en-US"/>
-              <a:t>What happened on that occurrence?</a:t>
+              <a:t>What happened on that month?</a:t>
             </a:r>
             <a:endParaRPr lang="en-ID"/>
           </a:p>
@@ -16156,7 +15731,7 @@
           <p:cNvPr id="3" name="Content Placeholder 2">
             <a:extLst>
               <a:ext uri="{FF2B5EF4-FFF2-40B4-BE49-F238E27FC236}">
-                <a16:creationId xmlns:a16="http://schemas.microsoft.com/office/drawing/2014/main" id="{81E82F54-382A-41CD-B39C-F9D5EFF32300}"/>
+                <a16:creationId xmlns:a16="http://schemas.microsoft.com/office/drawing/2014/main" id="{98F33FB2-D652-4B5F-A5CA-C3E438F1D8C1}"/>
               </a:ext>
             </a:extLst>
           </p:cNvPr>
@@ -16179,7 +15754,7 @@
     </p:spTree>
     <p:extLst>
       <p:ext uri="{BB962C8B-B14F-4D97-AF65-F5344CB8AC3E}">
-        <p14:creationId xmlns:p14="http://schemas.microsoft.com/office/powerpoint/2010/main" val="901589127"/>
+        <p14:creationId xmlns:p14="http://schemas.microsoft.com/office/powerpoint/2010/main" val="3826698866"/>
       </p:ext>
     </p:extLst>
   </p:cSld>
@@ -16189,7 +15764,7 @@
 </p:sld>
 </file>
 
-<file path=ppt/slides/slide13.xml><?xml version="1.0" encoding="utf-8"?>
+<file path=ppt/slides/slide17.xml><?xml version="1.0" encoding="utf-8"?>
 <p:sld xmlns:a="http://schemas.openxmlformats.org/drawingml/2006/main" xmlns:r="http://schemas.openxmlformats.org/officeDocument/2006/relationships" xmlns:p="http://schemas.openxmlformats.org/presentationml/2006/main">
   <p:cSld>
     <p:spTree>
@@ -16301,6 +15876,58 @@
           </a:prstGeom>
         </p:spPr>
       </p:pic>
+      <p:sp>
+        <p:nvSpPr>
+          <p:cNvPr id="5" name="Rectangle 4">
+            <a:extLst>
+              <a:ext uri="{FF2B5EF4-FFF2-40B4-BE49-F238E27FC236}">
+                <a16:creationId xmlns:a16="http://schemas.microsoft.com/office/drawing/2014/main" id="{E250F386-673D-45F5-AFE0-E66F0504A19E}"/>
+              </a:ext>
+            </a:extLst>
+          </p:cNvPr>
+          <p:cNvSpPr/>
+          <p:nvPr/>
+        </p:nvSpPr>
+        <p:spPr>
+          <a:xfrm>
+            <a:off x="838200" y="1837188"/>
+            <a:ext cx="1267437" cy="1921080"/>
+          </a:xfrm>
+          <a:prstGeom prst="rect">
+            <a:avLst/>
+          </a:prstGeom>
+          <a:noFill/>
+          <a:ln>
+            <a:solidFill>
+              <a:schemeClr val="accent2"/>
+            </a:solidFill>
+          </a:ln>
+        </p:spPr>
+        <p:style>
+          <a:lnRef idx="2">
+            <a:schemeClr val="accent1">
+              <a:shade val="50000"/>
+            </a:schemeClr>
+          </a:lnRef>
+          <a:fillRef idx="1">
+            <a:schemeClr val="accent1"/>
+          </a:fillRef>
+          <a:effectRef idx="0">
+            <a:schemeClr val="accent1"/>
+          </a:effectRef>
+          <a:fontRef idx="minor">
+            <a:schemeClr val="lt1"/>
+          </a:fontRef>
+        </p:style>
+        <p:txBody>
+          <a:bodyPr rtlCol="0" anchor="ctr"/>
+          <a:lstStyle/>
+          <a:p>
+            <a:pPr algn="ctr"/>
+            <a:endParaRPr lang="en-ID"/>
+          </a:p>
+        </p:txBody>
+      </p:sp>
     </p:spTree>
     <p:extLst>
       <p:ext uri="{BB962C8B-B14F-4D97-AF65-F5344CB8AC3E}">
@@ -16314,7 +15941,7 @@
 </p:sld>
 </file>
 
-<file path=ppt/slides/slide14.xml><?xml version="1.0" encoding="utf-8"?>
+<file path=ppt/slides/slide18.xml><?xml version="1.0" encoding="utf-8"?>
 <p:sld xmlns:a="http://schemas.openxmlformats.org/drawingml/2006/main" xmlns:r="http://schemas.openxmlformats.org/officeDocument/2006/relationships" xmlns:p="http://schemas.openxmlformats.org/presentationml/2006/main">
   <p:cSld>
     <p:spTree>
@@ -16336,7 +15963,7 @@
           <p:cNvPr id="2" name="Title 1">
             <a:extLst>
               <a:ext uri="{FF2B5EF4-FFF2-40B4-BE49-F238E27FC236}">
-                <a16:creationId xmlns:a16="http://schemas.microsoft.com/office/drawing/2014/main" id="{018D9AEB-6590-489D-860B-AA83BF80255C}"/>
+                <a16:creationId xmlns:a16="http://schemas.microsoft.com/office/drawing/2014/main" id="{481BFAB1-052E-45D6-87E6-AAE049313DF4}"/>
               </a:ext>
             </a:extLst>
           </p:cNvPr>
@@ -16354,7 +15981,7 @@
           <a:p>
             <a:r>
               <a:rPr lang="en-US"/>
-              <a:t>What happened on that occurrence?</a:t>
+              <a:t>What happened on that month?</a:t>
             </a:r>
             <a:endParaRPr lang="en-ID"/>
           </a:p>
@@ -16365,7 +15992,7 @@
           <p:cNvPr id="3" name="Content Placeholder 2">
             <a:extLst>
               <a:ext uri="{FF2B5EF4-FFF2-40B4-BE49-F238E27FC236}">
-                <a16:creationId xmlns:a16="http://schemas.microsoft.com/office/drawing/2014/main" id="{81E82F54-382A-41CD-B39C-F9D5EFF32300}"/>
+                <a16:creationId xmlns:a16="http://schemas.microsoft.com/office/drawing/2014/main" id="{4121D116-C64F-445E-B0F3-D30A6E328403}"/>
               </a:ext>
             </a:extLst>
           </p:cNvPr>
@@ -16388,7 +16015,7 @@
     </p:spTree>
     <p:extLst>
       <p:ext uri="{BB962C8B-B14F-4D97-AF65-F5344CB8AC3E}">
-        <p14:creationId xmlns:p14="http://schemas.microsoft.com/office/powerpoint/2010/main" val="3031748083"/>
+        <p14:creationId xmlns:p14="http://schemas.microsoft.com/office/powerpoint/2010/main" val="3757590915"/>
       </p:ext>
     </p:extLst>
   </p:cSld>
@@ -16398,7 +16025,7 @@
 </p:sld>
 </file>
 
-<file path=ppt/slides/slide15.xml><?xml version="1.0" encoding="utf-8"?>
+<file path=ppt/slides/slide19.xml><?xml version="1.0" encoding="utf-8"?>
 <p:sld xmlns:a="http://schemas.openxmlformats.org/drawingml/2006/main" xmlns:r="http://schemas.openxmlformats.org/officeDocument/2006/relationships" xmlns:p="http://schemas.openxmlformats.org/presentationml/2006/main">
   <p:cSld>
     <p:spTree>
@@ -16500,6 +16127,388 @@
           <a:chExt cx="0" cy="0"/>
         </a:xfrm>
       </p:grpSpPr>
+      <p:sp>
+        <p:nvSpPr>
+          <p:cNvPr id="2" name="Title 1">
+            <a:extLst>
+              <a:ext uri="{FF2B5EF4-FFF2-40B4-BE49-F238E27FC236}">
+                <a16:creationId xmlns:a16="http://schemas.microsoft.com/office/drawing/2014/main" id="{78C77D1E-A763-4D21-B356-592C5303282D}"/>
+              </a:ext>
+            </a:extLst>
+          </p:cNvPr>
+          <p:cNvSpPr>
+            <a:spLocks noGrp="1"/>
+          </p:cNvSpPr>
+          <p:nvPr>
+            <p:ph type="title"/>
+          </p:nvPr>
+        </p:nvSpPr>
+        <p:spPr/>
+        <p:txBody>
+          <a:bodyPr/>
+          <a:lstStyle/>
+          <a:p>
+            <a:pPr algn="ctr"/>
+            <a:r>
+              <a:rPr lang="en-US"/>
+              <a:t>Conclusion</a:t>
+            </a:r>
+            <a:endParaRPr lang="en-ID"/>
+          </a:p>
+        </p:txBody>
+      </p:sp>
+      <p:sp>
+        <p:nvSpPr>
+          <p:cNvPr id="3" name="Content Placeholder 2">
+            <a:extLst>
+              <a:ext uri="{FF2B5EF4-FFF2-40B4-BE49-F238E27FC236}">
+                <a16:creationId xmlns:a16="http://schemas.microsoft.com/office/drawing/2014/main" id="{172B35EC-4E84-49F2-9786-243C80803D27}"/>
+              </a:ext>
+            </a:extLst>
+          </p:cNvPr>
+          <p:cNvSpPr>
+            <a:spLocks noGrp="1"/>
+          </p:cNvSpPr>
+          <p:nvPr>
+            <p:ph idx="1"/>
+          </p:nvPr>
+        </p:nvSpPr>
+        <p:spPr/>
+        <p:txBody>
+          <a:bodyPr/>
+          <a:lstStyle/>
+          <a:p>
+            <a:endParaRPr lang="en-ID"/>
+          </a:p>
+        </p:txBody>
+      </p:sp>
+    </p:spTree>
+    <p:extLst>
+      <p:ext uri="{BB962C8B-B14F-4D97-AF65-F5344CB8AC3E}">
+        <p14:creationId xmlns:p14="http://schemas.microsoft.com/office/powerpoint/2010/main" val="57022281"/>
+      </p:ext>
+    </p:extLst>
+  </p:cSld>
+  <p:clrMapOvr>
+    <a:masterClrMapping/>
+  </p:clrMapOvr>
+</p:sld>
+</file>
+
+<file path=ppt/slides/slide20.xml><?xml version="1.0" encoding="utf-8"?>
+<p:sld xmlns:a="http://schemas.openxmlformats.org/drawingml/2006/main" xmlns:r="http://schemas.openxmlformats.org/officeDocument/2006/relationships" xmlns:p="http://schemas.openxmlformats.org/presentationml/2006/main">
+  <p:cSld>
+    <p:spTree>
+      <p:nvGrpSpPr>
+        <p:cNvPr id="1" name=""/>
+        <p:cNvGrpSpPr/>
+        <p:nvPr/>
+      </p:nvGrpSpPr>
+      <p:grpSpPr>
+        <a:xfrm>
+          <a:off x="0" y="0"/>
+          <a:ext cx="0" cy="0"/>
+          <a:chOff x="0" y="0"/>
+          <a:chExt cx="0" cy="0"/>
+        </a:xfrm>
+      </p:grpSpPr>
+      <p:sp>
+        <p:nvSpPr>
+          <p:cNvPr id="2" name="Title 1">
+            <a:extLst>
+              <a:ext uri="{FF2B5EF4-FFF2-40B4-BE49-F238E27FC236}">
+                <a16:creationId xmlns:a16="http://schemas.microsoft.com/office/drawing/2014/main" id="{CBDC71C0-B80B-4AA5-957E-9440FB6BFA31}"/>
+              </a:ext>
+            </a:extLst>
+          </p:cNvPr>
+          <p:cNvSpPr>
+            <a:spLocks noGrp="1"/>
+          </p:cNvSpPr>
+          <p:nvPr>
+            <p:ph type="title"/>
+          </p:nvPr>
+        </p:nvSpPr>
+        <p:spPr/>
+        <p:txBody>
+          <a:bodyPr/>
+          <a:lstStyle/>
+          <a:p>
+            <a:r>
+              <a:rPr lang="en-US"/>
+              <a:t>Data Source</a:t>
+            </a:r>
+            <a:endParaRPr lang="en-ID"/>
+          </a:p>
+        </p:txBody>
+      </p:sp>
+      <p:sp>
+        <p:nvSpPr>
+          <p:cNvPr id="5" name="TextBox 4">
+            <a:extLst>
+              <a:ext uri="{FF2B5EF4-FFF2-40B4-BE49-F238E27FC236}">
+                <a16:creationId xmlns:a16="http://schemas.microsoft.com/office/drawing/2014/main" id="{DAFEDB6B-CA80-49A0-96F3-ABD1BBBF1598}"/>
+              </a:ext>
+            </a:extLst>
+          </p:cNvPr>
+          <p:cNvSpPr txBox="1"/>
+          <p:nvPr/>
+        </p:nvSpPr>
+        <p:spPr>
+          <a:xfrm>
+            <a:off x="838200" y="2906208"/>
+            <a:ext cx="4044193" cy="1046440"/>
+          </a:xfrm>
+          <a:prstGeom prst="rect">
+            <a:avLst/>
+          </a:prstGeom>
+          <a:noFill/>
+        </p:spPr>
+        <p:txBody>
+          <a:bodyPr wrap="square">
+            <a:spAutoFit/>
+          </a:bodyPr>
+          <a:lstStyle/>
+          <a:p>
+            <a:r>
+              <a:rPr lang="en-ID" sz="2400">
+                <a:solidFill>
+                  <a:srgbClr val="111111"/>
+                </a:solidFill>
+                <a:latin typeface="Roboto" pitchFamily="2" charset="0"/>
+              </a:rPr>
+              <a:t>Gross Domestic Product</a:t>
+            </a:r>
+          </a:p>
+          <a:p>
+            <a:pPr marL="0" indent="0">
+              <a:buNone/>
+            </a:pPr>
+            <a:r>
+              <a:rPr lang="en-ID">
+                <a:solidFill>
+                  <a:srgbClr val="111111"/>
+                </a:solidFill>
+                <a:latin typeface="Roboto" pitchFamily="2" charset="0"/>
+              </a:rPr>
+              <a:t>	</a:t>
+            </a:r>
+            <a:r>
+              <a:rPr lang="en-ID" sz="2000">
+                <a:solidFill>
+                  <a:schemeClr val="bg2">
+                    <a:lumMod val="50000"/>
+                  </a:schemeClr>
+                </a:solidFill>
+                <a:latin typeface="Roboto" pitchFamily="2" charset="0"/>
+              </a:rPr>
+              <a:t>The World Bank </a:t>
+            </a:r>
+          </a:p>
+          <a:p>
+            <a:pPr marL="0" indent="0">
+              <a:buNone/>
+            </a:pPr>
+            <a:r>
+              <a:rPr lang="en-ID">
+                <a:solidFill>
+                  <a:srgbClr val="111111"/>
+                </a:solidFill>
+                <a:latin typeface="Roboto" pitchFamily="2" charset="0"/>
+              </a:rPr>
+              <a:t>		data.worldbank.org</a:t>
+            </a:r>
+          </a:p>
+        </p:txBody>
+      </p:sp>
+      <p:sp>
+        <p:nvSpPr>
+          <p:cNvPr id="7" name="TextBox 6">
+            <a:extLst>
+              <a:ext uri="{FF2B5EF4-FFF2-40B4-BE49-F238E27FC236}">
+                <a16:creationId xmlns:a16="http://schemas.microsoft.com/office/drawing/2014/main" id="{EDC0C3BA-80C4-48E6-8877-9E6FA43A147D}"/>
+              </a:ext>
+            </a:extLst>
+          </p:cNvPr>
+          <p:cNvSpPr txBox="1"/>
+          <p:nvPr/>
+        </p:nvSpPr>
+        <p:spPr>
+          <a:xfrm>
+            <a:off x="838200" y="3888107"/>
+            <a:ext cx="3935136" cy="1046440"/>
+          </a:xfrm>
+          <a:prstGeom prst="rect">
+            <a:avLst/>
+          </a:prstGeom>
+          <a:noFill/>
+        </p:spPr>
+        <p:txBody>
+          <a:bodyPr wrap="square">
+            <a:spAutoFit/>
+          </a:bodyPr>
+          <a:lstStyle/>
+          <a:p>
+            <a:r>
+              <a:rPr lang="en-ID" sz="2400">
+                <a:solidFill>
+                  <a:srgbClr val="111111"/>
+                </a:solidFill>
+                <a:latin typeface="Roboto" pitchFamily="2" charset="0"/>
+              </a:rPr>
+              <a:t>COVID Data</a:t>
+            </a:r>
+          </a:p>
+          <a:p>
+            <a:pPr marL="0" indent="0">
+              <a:buNone/>
+            </a:pPr>
+            <a:r>
+              <a:rPr lang="en-ID"/>
+              <a:t>	</a:t>
+            </a:r>
+            <a:r>
+              <a:rPr lang="en-ID" sz="2000">
+                <a:solidFill>
+                  <a:schemeClr val="bg2">
+                    <a:lumMod val="50000"/>
+                  </a:schemeClr>
+                </a:solidFill>
+              </a:rPr>
+              <a:t>Our Wold In Data </a:t>
+            </a:r>
+          </a:p>
+          <a:p>
+            <a:pPr marL="0" indent="0">
+              <a:buNone/>
+            </a:pPr>
+            <a:r>
+              <a:rPr lang="en-ID"/>
+              <a:t>		ourworldindata.org</a:t>
+            </a:r>
+          </a:p>
+        </p:txBody>
+      </p:sp>
+      <p:sp>
+        <p:nvSpPr>
+          <p:cNvPr id="11" name="TextBox 10">
+            <a:extLst>
+              <a:ext uri="{FF2B5EF4-FFF2-40B4-BE49-F238E27FC236}">
+                <a16:creationId xmlns:a16="http://schemas.microsoft.com/office/drawing/2014/main" id="{950AFFED-D024-47D1-B32C-4CAB1AB0DE9F}"/>
+              </a:ext>
+            </a:extLst>
+          </p:cNvPr>
+          <p:cNvSpPr txBox="1"/>
+          <p:nvPr/>
+        </p:nvSpPr>
+        <p:spPr>
+          <a:xfrm>
+            <a:off x="838200" y="1828990"/>
+            <a:ext cx="9488648" cy="1077218"/>
+          </a:xfrm>
+          <a:prstGeom prst="rect">
+            <a:avLst/>
+          </a:prstGeom>
+          <a:noFill/>
+        </p:spPr>
+        <p:txBody>
+          <a:bodyPr wrap="square">
+            <a:spAutoFit/>
+          </a:bodyPr>
+          <a:lstStyle/>
+          <a:p>
+            <a:r>
+              <a:rPr lang="en-ID" sz="2400" b="0" i="0">
+                <a:solidFill>
+                  <a:srgbClr val="111111"/>
+                </a:solidFill>
+                <a:effectLst/>
+                <a:latin typeface="Roboto" pitchFamily="2" charset="0"/>
+              </a:rPr>
+              <a:t>Human Development Index</a:t>
+            </a:r>
+          </a:p>
+          <a:p>
+            <a:pPr marL="0" indent="0">
+              <a:buNone/>
+            </a:pPr>
+            <a:r>
+              <a:rPr lang="en-ID" b="0" i="0">
+                <a:solidFill>
+                  <a:schemeClr val="bg2">
+                    <a:lumMod val="50000"/>
+                  </a:schemeClr>
+                </a:solidFill>
+                <a:effectLst/>
+                <a:latin typeface="Roboto" pitchFamily="2" charset="0"/>
+              </a:rPr>
+              <a:t>	</a:t>
+            </a:r>
+            <a:r>
+              <a:rPr lang="en-ID" sz="2000" b="0" i="0">
+                <a:solidFill>
+                  <a:schemeClr val="bg2">
+                    <a:lumMod val="50000"/>
+                  </a:schemeClr>
+                </a:solidFill>
+                <a:effectLst/>
+                <a:latin typeface="Roboto" pitchFamily="2" charset="0"/>
+              </a:rPr>
+              <a:t>United Nations Development Programme , Human Development Report 	</a:t>
+            </a:r>
+            <a:r>
+              <a:rPr lang="en-ID" b="0" i="0">
+                <a:solidFill>
+                  <a:schemeClr val="bg2">
+                    <a:lumMod val="50000"/>
+                  </a:schemeClr>
+                </a:solidFill>
+                <a:effectLst/>
+                <a:latin typeface="Roboto" pitchFamily="2" charset="0"/>
+              </a:rPr>
+              <a:t>		</a:t>
+            </a:r>
+            <a:r>
+              <a:rPr lang="en-ID">
+                <a:solidFill>
+                  <a:srgbClr val="111111"/>
+                </a:solidFill>
+                <a:latin typeface="Roboto" pitchFamily="2" charset="0"/>
+              </a:rPr>
+              <a:t>hdr.undp.org</a:t>
+            </a:r>
+          </a:p>
+        </p:txBody>
+      </p:sp>
+    </p:spTree>
+    <p:extLst>
+      <p:ext uri="{BB962C8B-B14F-4D97-AF65-F5344CB8AC3E}">
+        <p14:creationId xmlns:p14="http://schemas.microsoft.com/office/powerpoint/2010/main" val="2635108057"/>
+      </p:ext>
+    </p:extLst>
+  </p:cSld>
+  <p:clrMapOvr>
+    <a:masterClrMapping/>
+  </p:clrMapOvr>
+</p:sld>
+</file>
+
+<file path=ppt/slides/slide3.xml><?xml version="1.0" encoding="utf-8"?>
+<p:sld xmlns:a="http://schemas.openxmlformats.org/drawingml/2006/main" xmlns:r="http://schemas.openxmlformats.org/officeDocument/2006/relationships" xmlns:p="http://schemas.openxmlformats.org/presentationml/2006/main">
+  <p:cSld>
+    <p:spTree>
+      <p:nvGrpSpPr>
+        <p:cNvPr id="1" name=""/>
+        <p:cNvGrpSpPr/>
+        <p:nvPr/>
+      </p:nvGrpSpPr>
+      <p:grpSpPr>
+        <a:xfrm>
+          <a:off x="0" y="0"/>
+          <a:ext cx="0" cy="0"/>
+          <a:chOff x="0" y="0"/>
+          <a:chExt cx="0" cy="0"/>
+        </a:xfrm>
+      </p:grpSpPr>
       <p:pic>
         <p:nvPicPr>
           <p:cNvPr id="7" name="Picture 6">
@@ -16522,8 +16531,8 @@
         </p:blipFill>
         <p:spPr>
           <a:xfrm>
-            <a:off x="838200" y="1690688"/>
-            <a:ext cx="5496609" cy="4567872"/>
+            <a:off x="527808" y="1615187"/>
+            <a:ext cx="5671656" cy="4713342"/>
           </a:xfrm>
           <a:prstGeom prst="rect">
             <a:avLst/>
@@ -16548,7 +16557,7 @@
         </p:nvSpPr>
         <p:spPr>
           <a:xfrm>
-            <a:off x="838200" y="365125"/>
+            <a:off x="838200" y="175090"/>
             <a:ext cx="10515600" cy="1325563"/>
           </a:xfrm>
         </p:spPr>
@@ -16565,6 +16574,200 @@
           </a:p>
         </p:txBody>
       </p:sp>
+      <p:sp>
+        <p:nvSpPr>
+          <p:cNvPr id="2" name="TextBox 1">
+            <a:extLst>
+              <a:ext uri="{FF2B5EF4-FFF2-40B4-BE49-F238E27FC236}">
+                <a16:creationId xmlns:a16="http://schemas.microsoft.com/office/drawing/2014/main" id="{378527D6-75A2-4D9F-92BB-44D2FF952BB6}"/>
+              </a:ext>
+            </a:extLst>
+          </p:cNvPr>
+          <p:cNvSpPr txBox="1"/>
+          <p:nvPr/>
+        </p:nvSpPr>
+        <p:spPr>
+          <a:xfrm>
+            <a:off x="6509856" y="1615187"/>
+            <a:ext cx="1308756" cy="584775"/>
+          </a:xfrm>
+          <a:prstGeom prst="rect">
+            <a:avLst/>
+          </a:prstGeom>
+          <a:noFill/>
+        </p:spPr>
+        <p:txBody>
+          <a:bodyPr wrap="none" rtlCol="0">
+            <a:spAutoFit/>
+          </a:bodyPr>
+          <a:lstStyle/>
+          <a:p>
+            <a:r>
+              <a:rPr lang="en-US" sz="3200"/>
+              <a:t>ASEAN</a:t>
+            </a:r>
+            <a:endParaRPr lang="en-ID"/>
+          </a:p>
+        </p:txBody>
+      </p:sp>
+      <p:sp>
+        <p:nvSpPr>
+          <p:cNvPr id="6" name="TextBox 5">
+            <a:extLst>
+              <a:ext uri="{FF2B5EF4-FFF2-40B4-BE49-F238E27FC236}">
+                <a16:creationId xmlns:a16="http://schemas.microsoft.com/office/drawing/2014/main" id="{4AC9C13F-F002-4B03-A017-DF4AD3B69D10}"/>
+              </a:ext>
+            </a:extLst>
+          </p:cNvPr>
+          <p:cNvSpPr txBox="1"/>
+          <p:nvPr/>
+        </p:nvSpPr>
+        <p:spPr>
+          <a:xfrm>
+            <a:off x="6509856" y="2082516"/>
+            <a:ext cx="4169329" cy="369332"/>
+          </a:xfrm>
+          <a:prstGeom prst="rect">
+            <a:avLst/>
+          </a:prstGeom>
+          <a:noFill/>
+        </p:spPr>
+        <p:txBody>
+          <a:bodyPr wrap="square">
+            <a:spAutoFit/>
+          </a:bodyPr>
+          <a:lstStyle/>
+          <a:p>
+            <a:r>
+              <a:rPr lang="en-US" i="1">
+                <a:solidFill>
+                  <a:schemeClr val="bg1">
+                    <a:lumMod val="50000"/>
+                  </a:schemeClr>
+                </a:solidFill>
+                <a:effectLst/>
+                <a:latin typeface="Arial" panose="020B0604020202020204" pitchFamily="34" charset="0"/>
+              </a:rPr>
+              <a:t>Association of Southeast Asian Nations</a:t>
+            </a:r>
+            <a:endParaRPr lang="en-ID" i="1">
+              <a:solidFill>
+                <a:schemeClr val="bg1">
+                  <a:lumMod val="50000"/>
+                </a:schemeClr>
+              </a:solidFill>
+            </a:endParaRPr>
+          </a:p>
+        </p:txBody>
+      </p:sp>
+      <p:sp>
+        <p:nvSpPr>
+          <p:cNvPr id="4" name="TextBox 3">
+            <a:extLst>
+              <a:ext uri="{FF2B5EF4-FFF2-40B4-BE49-F238E27FC236}">
+                <a16:creationId xmlns:a16="http://schemas.microsoft.com/office/drawing/2014/main" id="{D4F7FAE9-E26F-45AE-B1B0-376749B71FB9}"/>
+              </a:ext>
+            </a:extLst>
+          </p:cNvPr>
+          <p:cNvSpPr txBox="1"/>
+          <p:nvPr/>
+        </p:nvSpPr>
+        <p:spPr>
+          <a:xfrm>
+            <a:off x="6509856" y="3353228"/>
+            <a:ext cx="4794309" cy="2585323"/>
+          </a:xfrm>
+          <a:prstGeom prst="rect">
+            <a:avLst/>
+          </a:prstGeom>
+          <a:noFill/>
+        </p:spPr>
+        <p:txBody>
+          <a:bodyPr wrap="square" rtlCol="0">
+            <a:spAutoFit/>
+          </a:bodyPr>
+          <a:lstStyle/>
+          <a:p>
+            <a:pPr marL="285750" indent="-285750" algn="just">
+              <a:buFont typeface="Arial" panose="020B0604020202020204" pitchFamily="34" charset="0"/>
+              <a:buChar char="•"/>
+            </a:pPr>
+            <a:r>
+              <a:rPr lang="en-US" b="0" i="0">
+                <a:solidFill>
+                  <a:srgbClr val="202122"/>
+                </a:solidFill>
+                <a:effectLst/>
+                <a:latin typeface="Arial" panose="020B0604020202020204" pitchFamily="34" charset="0"/>
+              </a:rPr>
+              <a:t>accelerate economic growth, social progress and cultural development in the region</a:t>
+            </a:r>
+          </a:p>
+          <a:p>
+            <a:pPr algn="just"/>
+            <a:endParaRPr lang="en-US" b="0" i="0">
+              <a:solidFill>
+                <a:srgbClr val="202122"/>
+              </a:solidFill>
+              <a:effectLst/>
+              <a:latin typeface="Arial" panose="020B0604020202020204" pitchFamily="34" charset="0"/>
+            </a:endParaRPr>
+          </a:p>
+          <a:p>
+            <a:pPr marL="285750" indent="-285750" algn="just">
+              <a:buFont typeface="Arial" panose="020B0604020202020204" pitchFamily="34" charset="0"/>
+              <a:buChar char="•"/>
+            </a:pPr>
+            <a:r>
+              <a:rPr lang="en-US" b="0" i="0">
+                <a:solidFill>
+                  <a:srgbClr val="202122"/>
+                </a:solidFill>
+                <a:effectLst/>
+                <a:latin typeface="Arial" panose="020B0604020202020204" pitchFamily="34" charset="0"/>
+              </a:rPr>
+              <a:t>promote regional peace and stability through abiding respect for justice and the rule of law in the relationship among countries in the region and adherence to the principles of the United Nation Charter</a:t>
+            </a:r>
+            <a:endParaRPr lang="en-ID" u="sng"/>
+          </a:p>
+        </p:txBody>
+      </p:sp>
+      <p:sp>
+        <p:nvSpPr>
+          <p:cNvPr id="9" name="TextBox 8">
+            <a:extLst>
+              <a:ext uri="{FF2B5EF4-FFF2-40B4-BE49-F238E27FC236}">
+                <a16:creationId xmlns:a16="http://schemas.microsoft.com/office/drawing/2014/main" id="{CE37D8AB-E803-4E19-9D3E-E5D2313BEEEA}"/>
+              </a:ext>
+            </a:extLst>
+          </p:cNvPr>
+          <p:cNvSpPr txBox="1"/>
+          <p:nvPr/>
+        </p:nvSpPr>
+        <p:spPr>
+          <a:xfrm>
+            <a:off x="6509856" y="2777029"/>
+            <a:ext cx="3185167" cy="461665"/>
+          </a:xfrm>
+          <a:prstGeom prst="rect">
+            <a:avLst/>
+          </a:prstGeom>
+          <a:noFill/>
+        </p:spPr>
+        <p:txBody>
+          <a:bodyPr wrap="none" rtlCol="0">
+            <a:spAutoFit/>
+          </a:bodyPr>
+          <a:lstStyle/>
+          <a:p>
+            <a:r>
+              <a:rPr lang="en-US" sz="2400"/>
+              <a:t>What are the objective?</a:t>
+            </a:r>
+            <a:endParaRPr lang="en-ID" sz="1400"/>
+          </a:p>
+        </p:txBody>
+      </p:sp>
     </p:spTree>
     <p:extLst>
       <p:ext uri="{BB962C8B-B14F-4D97-AF65-F5344CB8AC3E}">
@@ -16578,7 +16781,7 @@
 </p:sld>
 </file>
 
-<file path=ppt/slides/slide3.xml><?xml version="1.0" encoding="utf-8"?>
+<file path=ppt/slides/slide4.xml><?xml version="1.0" encoding="utf-8"?>
 <p:sld xmlns:a="http://schemas.openxmlformats.org/drawingml/2006/main" xmlns:r="http://schemas.openxmlformats.org/officeDocument/2006/relationships" xmlns:p="http://schemas.openxmlformats.org/presentationml/2006/main">
   <p:cSld>
     <p:spTree>
@@ -16627,112 +16830,259 @@
       </p:sp>
       <p:sp>
         <p:nvSpPr>
-          <p:cNvPr id="3" name="Content Placeholder 2">
+          <p:cNvPr id="4" name="TextBox 3">
             <a:extLst>
               <a:ext uri="{FF2B5EF4-FFF2-40B4-BE49-F238E27FC236}">
-                <a16:creationId xmlns:a16="http://schemas.microsoft.com/office/drawing/2014/main" id="{870A8EF9-5D4F-4AB9-97A0-F2BFB0391DB3}"/>
+                <a16:creationId xmlns:a16="http://schemas.microsoft.com/office/drawing/2014/main" id="{41DD14BE-1047-4C9C-9686-5D8127128268}"/>
               </a:ext>
             </a:extLst>
           </p:cNvPr>
-          <p:cNvSpPr>
-            <a:spLocks noGrp="1"/>
-          </p:cNvSpPr>
-          <p:nvPr>
-            <p:ph idx="1"/>
-          </p:nvPr>
+          <p:cNvSpPr txBox="1"/>
+          <p:nvPr/>
         </p:nvSpPr>
-        <p:spPr/>
+        <p:spPr>
+          <a:xfrm>
+            <a:off x="901116" y="1774578"/>
+            <a:ext cx="909223" cy="584775"/>
+          </a:xfrm>
+          <a:prstGeom prst="rect">
+            <a:avLst/>
+          </a:prstGeom>
+          <a:noFill/>
+        </p:spPr>
         <p:txBody>
-          <a:bodyPr/>
+          <a:bodyPr wrap="none" rtlCol="0">
+            <a:spAutoFit/>
+          </a:bodyPr>
           <a:lstStyle/>
           <a:p>
             <a:r>
-              <a:rPr lang="en-US"/>
-              <a:t>Gross Domestic Product (GDP)</a:t>
+              <a:rPr lang="en-US" sz="3200"/>
+              <a:t>GDP</a:t>
             </a:r>
+            <a:endParaRPr lang="en-ID"/>
           </a:p>
+        </p:txBody>
+      </p:sp>
+      <p:sp>
+        <p:nvSpPr>
+          <p:cNvPr id="5" name="TextBox 4">
+            <a:extLst>
+              <a:ext uri="{FF2B5EF4-FFF2-40B4-BE49-F238E27FC236}">
+                <a16:creationId xmlns:a16="http://schemas.microsoft.com/office/drawing/2014/main" id="{2F2945D0-8DBB-4AB7-B5B4-2C114D37C2A6}"/>
+              </a:ext>
+            </a:extLst>
+          </p:cNvPr>
+          <p:cNvSpPr txBox="1"/>
+          <p:nvPr/>
+        </p:nvSpPr>
+        <p:spPr>
+          <a:xfrm>
+            <a:off x="901116" y="2241907"/>
+            <a:ext cx="4169329" cy="369332"/>
+          </a:xfrm>
+          <a:prstGeom prst="rect">
+            <a:avLst/>
+          </a:prstGeom>
+          <a:noFill/>
+        </p:spPr>
+        <p:txBody>
+          <a:bodyPr wrap="square">
+            <a:spAutoFit/>
+          </a:bodyPr>
+          <a:lstStyle/>
           <a:p>
-            <a:pPr marL="0" indent="0" algn="just">
-              <a:buNone/>
-            </a:pPr>
             <a:r>
-              <a:rPr lang="en-US">
+              <a:rPr lang="en-US" i="1">
                 <a:solidFill>
-                  <a:srgbClr val="111111"/>
+                  <a:schemeClr val="bg1">
+                    <a:lumMod val="50000"/>
+                  </a:schemeClr>
                 </a:solidFill>
-                <a:latin typeface="Roboto" pitchFamily="2" charset="0"/>
+                <a:effectLst/>
+                <a:latin typeface="Arial" panose="020B0604020202020204" pitchFamily="34" charset="0"/>
               </a:rPr>
-              <a:t>	</a:t>
+              <a:t>Gross Domestic Product</a:t>
             </a:r>
+            <a:endParaRPr lang="en-ID" i="1">
+              <a:solidFill>
+                <a:schemeClr val="bg1">
+                  <a:lumMod val="50000"/>
+                </a:schemeClr>
+              </a:solidFill>
+            </a:endParaRPr>
+          </a:p>
+        </p:txBody>
+      </p:sp>
+      <p:sp>
+        <p:nvSpPr>
+          <p:cNvPr id="6" name="TextBox 5">
+            <a:extLst>
+              <a:ext uri="{FF2B5EF4-FFF2-40B4-BE49-F238E27FC236}">
+                <a16:creationId xmlns:a16="http://schemas.microsoft.com/office/drawing/2014/main" id="{22D7140B-8DD8-4381-8389-6A019F3E2F6F}"/>
+              </a:ext>
+            </a:extLst>
+          </p:cNvPr>
+          <p:cNvSpPr txBox="1"/>
+          <p:nvPr/>
+        </p:nvSpPr>
+        <p:spPr>
+          <a:xfrm>
+            <a:off x="5861109" y="4133283"/>
+            <a:ext cx="798617" cy="584775"/>
+          </a:xfrm>
+          <a:prstGeom prst="rect">
+            <a:avLst/>
+          </a:prstGeom>
+          <a:noFill/>
+        </p:spPr>
+        <p:txBody>
+          <a:bodyPr wrap="none" rtlCol="0">
+            <a:spAutoFit/>
+          </a:bodyPr>
+          <a:lstStyle/>
+          <a:p>
             <a:r>
-              <a:rPr lang="en-US" b="0" i="0">
+              <a:rPr lang="en-US" sz="3200"/>
+              <a:t>HDI</a:t>
+            </a:r>
+            <a:endParaRPr lang="en-ID"/>
+          </a:p>
+        </p:txBody>
+      </p:sp>
+      <p:sp>
+        <p:nvSpPr>
+          <p:cNvPr id="7" name="TextBox 6">
+            <a:extLst>
+              <a:ext uri="{FF2B5EF4-FFF2-40B4-BE49-F238E27FC236}">
+                <a16:creationId xmlns:a16="http://schemas.microsoft.com/office/drawing/2014/main" id="{3F7D833B-9AFA-4298-8484-8EFB76CDB4AD}"/>
+              </a:ext>
+            </a:extLst>
+          </p:cNvPr>
+          <p:cNvSpPr txBox="1"/>
+          <p:nvPr/>
+        </p:nvSpPr>
+        <p:spPr>
+          <a:xfrm>
+            <a:off x="5861109" y="4600612"/>
+            <a:ext cx="4169329" cy="369332"/>
+          </a:xfrm>
+          <a:prstGeom prst="rect">
+            <a:avLst/>
+          </a:prstGeom>
+          <a:noFill/>
+        </p:spPr>
+        <p:txBody>
+          <a:bodyPr wrap="square">
+            <a:spAutoFit/>
+          </a:bodyPr>
+          <a:lstStyle/>
+          <a:p>
+            <a:r>
+              <a:rPr lang="en-US" i="1">
+                <a:solidFill>
+                  <a:schemeClr val="bg1">
+                    <a:lumMod val="50000"/>
+                  </a:schemeClr>
+                </a:solidFill>
+                <a:effectLst/>
+                <a:latin typeface="Arial" panose="020B0604020202020204" pitchFamily="34" charset="0"/>
+              </a:rPr>
+              <a:t>Human Development Index</a:t>
+            </a:r>
+            <a:endParaRPr lang="en-ID" i="1">
+              <a:solidFill>
+                <a:schemeClr val="bg1">
+                  <a:lumMod val="50000"/>
+                </a:schemeClr>
+              </a:solidFill>
+            </a:endParaRPr>
+          </a:p>
+        </p:txBody>
+      </p:sp>
+      <p:sp>
+        <p:nvSpPr>
+          <p:cNvPr id="8" name="TextBox 7">
+            <a:extLst>
+              <a:ext uri="{FF2B5EF4-FFF2-40B4-BE49-F238E27FC236}">
+                <a16:creationId xmlns:a16="http://schemas.microsoft.com/office/drawing/2014/main" id="{0781F61D-788B-437D-8761-EB426C7019D6}"/>
+              </a:ext>
+            </a:extLst>
+          </p:cNvPr>
+          <p:cNvSpPr txBox="1"/>
+          <p:nvPr/>
+        </p:nvSpPr>
+        <p:spPr>
+          <a:xfrm>
+            <a:off x="838199" y="2642040"/>
+            <a:ext cx="5629713" cy="923330"/>
+          </a:xfrm>
+          <a:prstGeom prst="rect">
+            <a:avLst/>
+          </a:prstGeom>
+          <a:noFill/>
+        </p:spPr>
+        <p:txBody>
+          <a:bodyPr wrap="square" rtlCol="0">
+            <a:spAutoFit/>
+          </a:bodyPr>
+          <a:lstStyle/>
+          <a:p>
+            <a:pPr algn="just"/>
+            <a:r>
+              <a:rPr lang="en-US" sz="1800" b="0" i="0">
                 <a:solidFill>
                   <a:srgbClr val="111111"/>
                 </a:solidFill>
                 <a:effectLst/>
                 <a:latin typeface="Roboto" pitchFamily="2" charset="0"/>
               </a:rPr>
-              <a:t>Measurement of the market value of all the final goods and services produced in a specific time period by a country or countries.</a:t>
+              <a:t>	Measurement of the market value of all the final goods and services produced in a specific time period by a country or countries</a:t>
             </a:r>
-            <a:endParaRPr lang="en-ID" b="0" i="0">
-              <a:solidFill>
-                <a:srgbClr val="111111"/>
-              </a:solidFill>
-              <a:effectLst/>
-              <a:latin typeface="Roboto" pitchFamily="2" charset="0"/>
-            </a:endParaRPr>
+            <a:endParaRPr lang="en-ID" u="sng"/>
           </a:p>
+        </p:txBody>
+      </p:sp>
+      <p:sp>
+        <p:nvSpPr>
+          <p:cNvPr id="9" name="TextBox 8">
+            <a:extLst>
+              <a:ext uri="{FF2B5EF4-FFF2-40B4-BE49-F238E27FC236}">
+                <a16:creationId xmlns:a16="http://schemas.microsoft.com/office/drawing/2014/main" id="{E290377B-1872-415A-8129-9B212740F759}"/>
+              </a:ext>
+            </a:extLst>
+          </p:cNvPr>
+          <p:cNvSpPr txBox="1"/>
+          <p:nvPr/>
+        </p:nvSpPr>
+        <p:spPr>
+          <a:xfrm>
+            <a:off x="5760467" y="4975608"/>
+            <a:ext cx="5969480" cy="923330"/>
+          </a:xfrm>
+          <a:prstGeom prst="rect">
+            <a:avLst/>
+          </a:prstGeom>
+          <a:noFill/>
+        </p:spPr>
+        <p:txBody>
+          <a:bodyPr wrap="square" rtlCol="0">
+            <a:spAutoFit/>
+          </a:bodyPr>
+          <a:lstStyle/>
           <a:p>
-            <a:pPr marL="0" indent="0">
-              <a:buNone/>
-            </a:pPr>
-            <a:endParaRPr lang="en-ID">
-              <a:solidFill>
-                <a:srgbClr val="111111"/>
-              </a:solidFill>
-              <a:latin typeface="Roboto" pitchFamily="2" charset="0"/>
-            </a:endParaRPr>
-          </a:p>
-          <a:p>
+            <a:pPr algn="just"/>
             <a:r>
-              <a:rPr lang="en-ID">
-                <a:solidFill>
-                  <a:srgbClr val="111111"/>
-                </a:solidFill>
-                <a:latin typeface="Roboto" pitchFamily="2" charset="0"/>
-              </a:rPr>
-              <a:t>Human Development Index (HDI)</a:t>
-            </a:r>
-          </a:p>
-          <a:p>
-            <a:pPr marL="0" indent="0">
-              <a:buNone/>
-            </a:pPr>
-            <a:r>
-              <a:rPr lang="en-ID">
-                <a:solidFill>
-                  <a:srgbClr val="111111"/>
-                </a:solidFill>
-                <a:latin typeface="Roboto" pitchFamily="2" charset="0"/>
-              </a:rPr>
-              <a:t>	</a:t>
-            </a:r>
-            <a:r>
-              <a:rPr lang="en-US" b="0" i="0">
+              <a:rPr lang="en-US" sz="1800" b="0" i="0">
                 <a:solidFill>
                   <a:srgbClr val="111111"/>
                 </a:solidFill>
                 <a:effectLst/>
                 <a:latin typeface="Roboto" pitchFamily="2" charset="0"/>
               </a:rPr>
-              <a:t> Measurement to capture three key dimensions of human development ( a long and healthy life, access to knowledge, and a decent standard of living).</a:t>
+              <a:t>	 Measurement to capture three key dimensions of human development ( a long and healthy life, access to knowledge, and a decent standard of living).</a:t>
             </a:r>
-            <a:endParaRPr lang="en-ID">
-              <a:solidFill>
-                <a:srgbClr val="111111"/>
-              </a:solidFill>
-              <a:latin typeface="Roboto" pitchFamily="2" charset="0"/>
-            </a:endParaRPr>
+            <a:endParaRPr lang="en-ID" u="sng"/>
           </a:p>
         </p:txBody>
       </p:sp>
@@ -16749,7 +17099,7 @@
 </p:sld>
 </file>
 
-<file path=ppt/slides/slide4.xml><?xml version="1.0" encoding="utf-8"?>
+<file path=ppt/slides/slide5.xml><?xml version="1.0" encoding="utf-8"?>
 <p:sld xmlns:a="http://schemas.openxmlformats.org/drawingml/2006/main" xmlns:r="http://schemas.openxmlformats.org/officeDocument/2006/relationships" xmlns:p="http://schemas.openxmlformats.org/presentationml/2006/main">
   <p:cSld>
     <p:spTree>
@@ -16788,7 +17138,7 @@
         </p:blipFill>
         <p:spPr>
           <a:xfrm>
-            <a:off x="5958133" y="2350289"/>
+            <a:off x="5991689" y="2744572"/>
             <a:ext cx="5610094" cy="3485769"/>
           </a:xfrm>
           <a:prstGeom prst="rect">
@@ -16814,13 +17164,13 @@
           <p:nvPr>
             <p:extLst>
               <p:ext uri="{D42A27DB-BD31-4B8C-83A1-F6EECF244321}">
-                <p14:modId xmlns:p14="http://schemas.microsoft.com/office/powerpoint/2010/main" val="1523371035"/>
+                <p14:modId xmlns:p14="http://schemas.microsoft.com/office/powerpoint/2010/main" val="252916089"/>
               </p:ext>
             </p:extLst>
           </p:nvPr>
         </p:nvGraphicFramePr>
         <p:xfrm>
-          <a:off x="5924575" y="1163841"/>
+          <a:off x="5958131" y="1558124"/>
           <a:ext cx="2814536" cy="1082288"/>
         </p:xfrm>
         <a:graphic>
@@ -16917,7 +17267,7 @@
                         <a:rPr lang="en-ID" sz="3600" u="none" strike="noStrike">
                           <a:effectLst/>
                         </a:rPr>
-                        <a:t>&gt;600 Million</a:t>
+                        <a:t>&gt;650 Million</a:t>
                       </a:r>
                       <a:endParaRPr lang="en-ID" sz="3600" b="0" i="0" u="none" strike="noStrike">
                         <a:solidFill>
@@ -16993,13 +17343,13 @@
           <p:nvPr>
             <p:extLst>
               <p:ext uri="{D42A27DB-BD31-4B8C-83A1-F6EECF244321}">
-                <p14:modId xmlns:p14="http://schemas.microsoft.com/office/powerpoint/2010/main" val="1229549299"/>
+                <p14:modId xmlns:p14="http://schemas.microsoft.com/office/powerpoint/2010/main" val="439813603"/>
               </p:ext>
             </p:extLst>
           </p:nvPr>
         </p:nvGraphicFramePr>
         <p:xfrm>
-          <a:off x="8720133" y="1163841"/>
+          <a:off x="8753689" y="1558124"/>
           <a:ext cx="2814536" cy="1082288"/>
         </p:xfrm>
         <a:graphic>
@@ -17171,7 +17521,7 @@
         </p:nvGrpSpPr>
         <p:grpSpPr>
           <a:xfrm>
-            <a:off x="-315804" y="552926"/>
+            <a:off x="-282248" y="947209"/>
             <a:ext cx="6240379" cy="5655628"/>
             <a:chOff x="-315804" y="552926"/>
             <a:chExt cx="6240379" cy="5655628"/>
@@ -17614,6 +17964,41 @@
           </p:cxnSp>
         </p:grpSp>
       </p:grpSp>
+      <p:sp>
+        <p:nvSpPr>
+          <p:cNvPr id="19" name="Title 1">
+            <a:extLst>
+              <a:ext uri="{FF2B5EF4-FFF2-40B4-BE49-F238E27FC236}">
+                <a16:creationId xmlns:a16="http://schemas.microsoft.com/office/drawing/2014/main" id="{8DD8B177-9AF5-41D6-9B8B-D87BC8005D21}"/>
+              </a:ext>
+            </a:extLst>
+          </p:cNvPr>
+          <p:cNvSpPr>
+            <a:spLocks noGrp="1"/>
+          </p:cNvSpPr>
+          <p:nvPr>
+            <p:ph type="title"/>
+          </p:nvPr>
+        </p:nvSpPr>
+        <p:spPr>
+          <a:xfrm>
+            <a:off x="838200" y="-7841"/>
+            <a:ext cx="10515600" cy="1325563"/>
+          </a:xfrm>
+        </p:spPr>
+        <p:txBody>
+          <a:bodyPr/>
+          <a:lstStyle/>
+          <a:p>
+            <a:pPr algn="ctr"/>
+            <a:r>
+              <a:rPr lang="en-US"/>
+              <a:t>Get to know more about ASEAN</a:t>
+            </a:r>
+            <a:endParaRPr lang="en-ID"/>
+          </a:p>
+        </p:txBody>
+      </p:sp>
     </p:spTree>
     <p:extLst>
       <p:ext uri="{BB962C8B-B14F-4D97-AF65-F5344CB8AC3E}">
@@ -17627,7 +18012,1610 @@
 </p:sld>
 </file>
 
-<file path=ppt/slides/slide5.xml><?xml version="1.0" encoding="utf-8"?>
+<file path=ppt/slides/slide6.xml><?xml version="1.0" encoding="utf-8"?>
+<p:sld xmlns:a="http://schemas.openxmlformats.org/drawingml/2006/main" xmlns:r="http://schemas.openxmlformats.org/officeDocument/2006/relationships" xmlns:p="http://schemas.openxmlformats.org/presentationml/2006/main">
+  <p:cSld>
+    <p:spTree>
+      <p:nvGrpSpPr>
+        <p:cNvPr id="1" name=""/>
+        <p:cNvGrpSpPr/>
+        <p:nvPr/>
+      </p:nvGrpSpPr>
+      <p:grpSpPr>
+        <a:xfrm>
+          <a:off x="0" y="0"/>
+          <a:ext cx="0" cy="0"/>
+          <a:chOff x="0" y="0"/>
+          <a:chExt cx="0" cy="0"/>
+        </a:xfrm>
+      </p:grpSpPr>
+      <p:pic>
+        <p:nvPicPr>
+          <p:cNvPr id="5" name="Picture 4">
+            <a:extLst>
+              <a:ext uri="{FF2B5EF4-FFF2-40B4-BE49-F238E27FC236}">
+                <a16:creationId xmlns:a16="http://schemas.microsoft.com/office/drawing/2014/main" id="{53FCBD86-15B0-414D-AD84-0F4C96B7641D}"/>
+              </a:ext>
+            </a:extLst>
+          </p:cNvPr>
+          <p:cNvPicPr>
+            <a:picLocks noChangeAspect="1"/>
+          </p:cNvPicPr>
+          <p:nvPr/>
+        </p:nvPicPr>
+        <p:blipFill>
+          <a:blip r:embed="rId2"/>
+          <a:stretch>
+            <a:fillRect/>
+          </a:stretch>
+        </p:blipFill>
+        <p:spPr>
+          <a:xfrm>
+            <a:off x="2396655" y="316623"/>
+            <a:ext cx="7398690" cy="3860654"/>
+          </a:xfrm>
+          <a:prstGeom prst="rect">
+            <a:avLst/>
+          </a:prstGeom>
+        </p:spPr>
+      </p:pic>
+      <p:graphicFrame>
+        <p:nvGraphicFramePr>
+          <p:cNvPr id="7" name="Table 6">
+            <a:extLst>
+              <a:ext uri="{FF2B5EF4-FFF2-40B4-BE49-F238E27FC236}">
+                <a16:creationId xmlns:a16="http://schemas.microsoft.com/office/drawing/2014/main" id="{CEE7FBCA-AEFF-4C1F-8338-3E0F6A8D1916}"/>
+              </a:ext>
+            </a:extLst>
+          </p:cNvPr>
+          <p:cNvGraphicFramePr>
+            <a:graphicFrameLocks noGrp="1"/>
+          </p:cNvGraphicFramePr>
+          <p:nvPr>
+            <p:extLst>
+              <p:ext uri="{D42A27DB-BD31-4B8C-83A1-F6EECF244321}">
+                <p14:modId xmlns:p14="http://schemas.microsoft.com/office/powerpoint/2010/main" val="4174415312"/>
+              </p:ext>
+            </p:extLst>
+          </p:nvPr>
+        </p:nvGraphicFramePr>
+        <p:xfrm>
+          <a:off x="4384646" y="4177277"/>
+          <a:ext cx="3422708" cy="2430780"/>
+        </p:xfrm>
+        <a:graphic>
+          <a:graphicData uri="http://schemas.openxmlformats.org/drawingml/2006/table">
+            <a:tbl>
+              <a:tblPr>
+                <a:tableStyleId>{5C22544A-7EE6-4342-B048-85BDC9FD1C3A}</a:tableStyleId>
+              </a:tblPr>
+              <a:tblGrid>
+                <a:gridCol w="1724007">
+                  <a:extLst>
+                    <a:ext uri="{9D8B030D-6E8A-4147-A177-3AD203B41FA5}">
+                      <a16:colId xmlns:a16="http://schemas.microsoft.com/office/drawing/2014/main" val="2492362124"/>
+                    </a:ext>
+                  </a:extLst>
+                </a:gridCol>
+                <a:gridCol w="1698701">
+                  <a:extLst>
+                    <a:ext uri="{9D8B030D-6E8A-4147-A177-3AD203B41FA5}">
+                      <a16:colId xmlns:a16="http://schemas.microsoft.com/office/drawing/2014/main" val="2143225333"/>
+                    </a:ext>
+                  </a:extLst>
+                </a:gridCol>
+              </a:tblGrid>
+              <a:tr h="182880">
+                <a:tc>
+                  <a:txBody>
+                    <a:bodyPr/>
+                    <a:lstStyle/>
+                    <a:p>
+                      <a:pPr algn="l" fontAlgn="b"/>
+                      <a:r>
+                        <a:rPr lang="en-ID" sz="1400" u="none" strike="noStrike">
+                          <a:effectLst/>
+                        </a:rPr>
+                        <a:t>Country</a:t>
+                      </a:r>
+                      <a:endParaRPr lang="en-ID" sz="1400" b="0" i="0" u="none" strike="noStrike">
+                        <a:solidFill>
+                          <a:srgbClr val="000000"/>
+                        </a:solidFill>
+                        <a:effectLst/>
+                        <a:latin typeface="Calibri" panose="020F0502020204030204" pitchFamily="34" charset="0"/>
+                      </a:endParaRPr>
+                    </a:p>
+                  </a:txBody>
+                  <a:tcPr marL="7620" marR="7620" marT="7620" marB="0" anchor="b">
+                    <a:lnL w="12700" cap="flat" cmpd="sng" algn="ctr">
+                      <a:solidFill>
+                        <a:schemeClr val="tx1"/>
+                      </a:solidFill>
+                      <a:prstDash val="solid"/>
+                      <a:round/>
+                      <a:headEnd type="none" w="med" len="med"/>
+                      <a:tailEnd type="none" w="med" len="med"/>
+                    </a:lnL>
+                    <a:lnR w="12700" cap="flat" cmpd="sng" algn="ctr">
+                      <a:solidFill>
+                        <a:schemeClr val="tx1"/>
+                      </a:solidFill>
+                      <a:prstDash val="solid"/>
+                      <a:round/>
+                      <a:headEnd type="none" w="med" len="med"/>
+                      <a:tailEnd type="none" w="med" len="med"/>
+                    </a:lnR>
+                    <a:lnT w="12700" cap="flat" cmpd="sng" algn="ctr">
+                      <a:solidFill>
+                        <a:schemeClr val="tx1"/>
+                      </a:solidFill>
+                      <a:prstDash val="solid"/>
+                      <a:round/>
+                      <a:headEnd type="none" w="med" len="med"/>
+                      <a:tailEnd type="none" w="med" len="med"/>
+                    </a:lnT>
+                    <a:lnB w="12700" cap="flat" cmpd="sng" algn="ctr">
+                      <a:solidFill>
+                        <a:schemeClr val="tx1"/>
+                      </a:solidFill>
+                      <a:prstDash val="solid"/>
+                      <a:round/>
+                      <a:headEnd type="none" w="med" len="med"/>
+                      <a:tailEnd type="none" w="med" len="med"/>
+                    </a:lnB>
+                    <a:solidFill>
+                      <a:schemeClr val="accent6">
+                        <a:lumMod val="40000"/>
+                        <a:lumOff val="60000"/>
+                      </a:schemeClr>
+                    </a:solidFill>
+                  </a:tcPr>
+                </a:tc>
+                <a:tc>
+                  <a:txBody>
+                    <a:bodyPr/>
+                    <a:lstStyle/>
+                    <a:p>
+                      <a:pPr algn="l" fontAlgn="b"/>
+                      <a:r>
+                        <a:rPr lang="en-ID" sz="1400" u="none" strike="noStrike">
+                          <a:effectLst/>
+                        </a:rPr>
+                        <a:t>Income_Group</a:t>
+                      </a:r>
+                      <a:endParaRPr lang="en-ID" sz="1400" b="0" i="0" u="none" strike="noStrike">
+                        <a:solidFill>
+                          <a:srgbClr val="000000"/>
+                        </a:solidFill>
+                        <a:effectLst/>
+                        <a:latin typeface="Calibri" panose="020F0502020204030204" pitchFamily="34" charset="0"/>
+                      </a:endParaRPr>
+                    </a:p>
+                  </a:txBody>
+                  <a:tcPr marL="7620" marR="7620" marT="7620" marB="0" anchor="b">
+                    <a:lnL w="12700" cap="flat" cmpd="sng" algn="ctr">
+                      <a:solidFill>
+                        <a:schemeClr val="tx1"/>
+                      </a:solidFill>
+                      <a:prstDash val="solid"/>
+                      <a:round/>
+                      <a:headEnd type="none" w="med" len="med"/>
+                      <a:tailEnd type="none" w="med" len="med"/>
+                    </a:lnL>
+                    <a:lnR w="12700" cap="flat" cmpd="sng" algn="ctr">
+                      <a:solidFill>
+                        <a:schemeClr val="tx1"/>
+                      </a:solidFill>
+                      <a:prstDash val="solid"/>
+                      <a:round/>
+                      <a:headEnd type="none" w="med" len="med"/>
+                      <a:tailEnd type="none" w="med" len="med"/>
+                    </a:lnR>
+                    <a:lnT w="12700" cap="flat" cmpd="sng" algn="ctr">
+                      <a:solidFill>
+                        <a:schemeClr val="tx1"/>
+                      </a:solidFill>
+                      <a:prstDash val="solid"/>
+                      <a:round/>
+                      <a:headEnd type="none" w="med" len="med"/>
+                      <a:tailEnd type="none" w="med" len="med"/>
+                    </a:lnT>
+                    <a:lnB w="12700" cap="flat" cmpd="sng" algn="ctr">
+                      <a:solidFill>
+                        <a:schemeClr val="tx1"/>
+                      </a:solidFill>
+                      <a:prstDash val="solid"/>
+                      <a:round/>
+                      <a:headEnd type="none" w="med" len="med"/>
+                      <a:tailEnd type="none" w="med" len="med"/>
+                    </a:lnB>
+                    <a:solidFill>
+                      <a:schemeClr val="accent6">
+                        <a:lumMod val="40000"/>
+                        <a:lumOff val="60000"/>
+                      </a:schemeClr>
+                    </a:solidFill>
+                  </a:tcPr>
+                </a:tc>
+                <a:extLst>
+                  <a:ext uri="{0D108BD9-81ED-4DB2-BD59-A6C34878D82A}">
+                    <a16:rowId xmlns:a16="http://schemas.microsoft.com/office/drawing/2014/main" val="2108294971"/>
+                  </a:ext>
+                </a:extLst>
+              </a:tr>
+              <a:tr h="182880">
+                <a:tc>
+                  <a:txBody>
+                    <a:bodyPr/>
+                    <a:lstStyle/>
+                    <a:p>
+                      <a:pPr algn="l" fontAlgn="b"/>
+                      <a:r>
+                        <a:rPr lang="en-ID" sz="1400" u="none" strike="noStrike">
+                          <a:effectLst/>
+                        </a:rPr>
+                        <a:t>Brunei</a:t>
+                      </a:r>
+                      <a:endParaRPr lang="en-ID" sz="1400" b="0" i="0" u="none" strike="noStrike">
+                        <a:solidFill>
+                          <a:srgbClr val="000000"/>
+                        </a:solidFill>
+                        <a:effectLst/>
+                        <a:latin typeface="Calibri" panose="020F0502020204030204" pitchFamily="34" charset="0"/>
+                      </a:endParaRPr>
+                    </a:p>
+                  </a:txBody>
+                  <a:tcPr marL="7620" marR="7620" marT="7620" marB="0" anchor="b">
+                    <a:lnL w="12700" cap="flat" cmpd="sng" algn="ctr">
+                      <a:solidFill>
+                        <a:schemeClr val="tx1"/>
+                      </a:solidFill>
+                      <a:prstDash val="solid"/>
+                      <a:round/>
+                      <a:headEnd type="none" w="med" len="med"/>
+                      <a:tailEnd type="none" w="med" len="med"/>
+                    </a:lnL>
+                    <a:lnR w="12700" cap="flat" cmpd="sng" algn="ctr">
+                      <a:solidFill>
+                        <a:schemeClr val="tx1"/>
+                      </a:solidFill>
+                      <a:prstDash val="solid"/>
+                      <a:round/>
+                      <a:headEnd type="none" w="med" len="med"/>
+                      <a:tailEnd type="none" w="med" len="med"/>
+                    </a:lnR>
+                    <a:lnT w="12700" cap="flat" cmpd="sng" algn="ctr">
+                      <a:solidFill>
+                        <a:schemeClr val="tx1"/>
+                      </a:solidFill>
+                      <a:prstDash val="solid"/>
+                      <a:round/>
+                      <a:headEnd type="none" w="med" len="med"/>
+                      <a:tailEnd type="none" w="med" len="med"/>
+                    </a:lnT>
+                    <a:lnB w="12700" cap="flat" cmpd="sng" algn="ctr">
+                      <a:solidFill>
+                        <a:schemeClr val="tx1"/>
+                      </a:solidFill>
+                      <a:prstDash val="solid"/>
+                      <a:round/>
+                      <a:headEnd type="none" w="med" len="med"/>
+                      <a:tailEnd type="none" w="med" len="med"/>
+                    </a:lnB>
+                    <a:solidFill>
+                      <a:schemeClr val="accent5">
+                        <a:lumMod val="40000"/>
+                        <a:lumOff val="60000"/>
+                      </a:schemeClr>
+                    </a:solidFill>
+                  </a:tcPr>
+                </a:tc>
+                <a:tc>
+                  <a:txBody>
+                    <a:bodyPr/>
+                    <a:lstStyle/>
+                    <a:p>
+                      <a:pPr algn="l" fontAlgn="b"/>
+                      <a:r>
+                        <a:rPr lang="en-ID" sz="1400" u="none" strike="noStrike">
+                          <a:effectLst/>
+                        </a:rPr>
+                        <a:t>High income</a:t>
+                      </a:r>
+                      <a:endParaRPr lang="en-ID" sz="1400" b="0" i="0" u="none" strike="noStrike">
+                        <a:solidFill>
+                          <a:srgbClr val="000000"/>
+                        </a:solidFill>
+                        <a:effectLst/>
+                        <a:latin typeface="Calibri" panose="020F0502020204030204" pitchFamily="34" charset="0"/>
+                      </a:endParaRPr>
+                    </a:p>
+                  </a:txBody>
+                  <a:tcPr marL="7620" marR="7620" marT="7620" marB="0" anchor="b">
+                    <a:lnL w="12700" cap="flat" cmpd="sng" algn="ctr">
+                      <a:solidFill>
+                        <a:schemeClr val="tx1"/>
+                      </a:solidFill>
+                      <a:prstDash val="solid"/>
+                      <a:round/>
+                      <a:headEnd type="none" w="med" len="med"/>
+                      <a:tailEnd type="none" w="med" len="med"/>
+                    </a:lnL>
+                    <a:lnR w="12700" cap="flat" cmpd="sng" algn="ctr">
+                      <a:solidFill>
+                        <a:schemeClr val="tx1"/>
+                      </a:solidFill>
+                      <a:prstDash val="solid"/>
+                      <a:round/>
+                      <a:headEnd type="none" w="med" len="med"/>
+                      <a:tailEnd type="none" w="med" len="med"/>
+                    </a:lnR>
+                    <a:lnT w="12700" cap="flat" cmpd="sng" algn="ctr">
+                      <a:solidFill>
+                        <a:schemeClr val="tx1"/>
+                      </a:solidFill>
+                      <a:prstDash val="solid"/>
+                      <a:round/>
+                      <a:headEnd type="none" w="med" len="med"/>
+                      <a:tailEnd type="none" w="med" len="med"/>
+                    </a:lnT>
+                    <a:lnB w="12700" cap="flat" cmpd="sng" algn="ctr">
+                      <a:solidFill>
+                        <a:schemeClr val="tx1"/>
+                      </a:solidFill>
+                      <a:prstDash val="solid"/>
+                      <a:round/>
+                      <a:headEnd type="none" w="med" len="med"/>
+                      <a:tailEnd type="none" w="med" len="med"/>
+                    </a:lnB>
+                    <a:solidFill>
+                      <a:schemeClr val="accent5">
+                        <a:lumMod val="40000"/>
+                        <a:lumOff val="60000"/>
+                      </a:schemeClr>
+                    </a:solidFill>
+                  </a:tcPr>
+                </a:tc>
+                <a:extLst>
+                  <a:ext uri="{0D108BD9-81ED-4DB2-BD59-A6C34878D82A}">
+                    <a16:rowId xmlns:a16="http://schemas.microsoft.com/office/drawing/2014/main" val="793700329"/>
+                  </a:ext>
+                </a:extLst>
+              </a:tr>
+              <a:tr h="182880">
+                <a:tc>
+                  <a:txBody>
+                    <a:bodyPr/>
+                    <a:lstStyle/>
+                    <a:p>
+                      <a:pPr algn="l" fontAlgn="b"/>
+                      <a:r>
+                        <a:rPr lang="en-ID" sz="1400" u="none" strike="noStrike">
+                          <a:effectLst/>
+                        </a:rPr>
+                        <a:t>Indonesia</a:t>
+                      </a:r>
+                      <a:endParaRPr lang="en-ID" sz="1400" b="0" i="0" u="none" strike="noStrike">
+                        <a:solidFill>
+                          <a:srgbClr val="000000"/>
+                        </a:solidFill>
+                        <a:effectLst/>
+                        <a:latin typeface="Calibri" panose="020F0502020204030204" pitchFamily="34" charset="0"/>
+                      </a:endParaRPr>
+                    </a:p>
+                  </a:txBody>
+                  <a:tcPr marL="7620" marR="7620" marT="7620" marB="0" anchor="b">
+                    <a:lnL w="12700" cap="flat" cmpd="sng" algn="ctr">
+                      <a:solidFill>
+                        <a:schemeClr val="tx1"/>
+                      </a:solidFill>
+                      <a:prstDash val="solid"/>
+                      <a:round/>
+                      <a:headEnd type="none" w="med" len="med"/>
+                      <a:tailEnd type="none" w="med" len="med"/>
+                    </a:lnL>
+                    <a:lnR w="12700" cap="flat" cmpd="sng" algn="ctr">
+                      <a:solidFill>
+                        <a:schemeClr val="tx1"/>
+                      </a:solidFill>
+                      <a:prstDash val="solid"/>
+                      <a:round/>
+                      <a:headEnd type="none" w="med" len="med"/>
+                      <a:tailEnd type="none" w="med" len="med"/>
+                    </a:lnR>
+                    <a:lnT w="12700" cap="flat" cmpd="sng" algn="ctr">
+                      <a:solidFill>
+                        <a:schemeClr val="tx1"/>
+                      </a:solidFill>
+                      <a:prstDash val="solid"/>
+                      <a:round/>
+                      <a:headEnd type="none" w="med" len="med"/>
+                      <a:tailEnd type="none" w="med" len="med"/>
+                    </a:lnT>
+                    <a:lnB w="12700" cap="flat" cmpd="sng" algn="ctr">
+                      <a:solidFill>
+                        <a:schemeClr val="tx1"/>
+                      </a:solidFill>
+                      <a:prstDash val="solid"/>
+                      <a:round/>
+                      <a:headEnd type="none" w="med" len="med"/>
+                      <a:tailEnd type="none" w="med" len="med"/>
+                    </a:lnB>
+                    <a:solidFill>
+                      <a:schemeClr val="bg1"/>
+                    </a:solidFill>
+                  </a:tcPr>
+                </a:tc>
+                <a:tc>
+                  <a:txBody>
+                    <a:bodyPr/>
+                    <a:lstStyle/>
+                    <a:p>
+                      <a:pPr algn="l" fontAlgn="b"/>
+                      <a:r>
+                        <a:rPr lang="en-ID" sz="1400" u="none" strike="noStrike">
+                          <a:effectLst/>
+                        </a:rPr>
+                        <a:t>Lower middle income</a:t>
+                      </a:r>
+                      <a:endParaRPr lang="en-ID" sz="1400" b="0" i="0" u="none" strike="noStrike">
+                        <a:solidFill>
+                          <a:srgbClr val="000000"/>
+                        </a:solidFill>
+                        <a:effectLst/>
+                        <a:latin typeface="Calibri" panose="020F0502020204030204" pitchFamily="34" charset="0"/>
+                      </a:endParaRPr>
+                    </a:p>
+                  </a:txBody>
+                  <a:tcPr marL="7620" marR="7620" marT="7620" marB="0" anchor="b">
+                    <a:lnL w="12700" cap="flat" cmpd="sng" algn="ctr">
+                      <a:solidFill>
+                        <a:schemeClr val="tx1"/>
+                      </a:solidFill>
+                      <a:prstDash val="solid"/>
+                      <a:round/>
+                      <a:headEnd type="none" w="med" len="med"/>
+                      <a:tailEnd type="none" w="med" len="med"/>
+                    </a:lnL>
+                    <a:lnR w="12700" cap="flat" cmpd="sng" algn="ctr">
+                      <a:solidFill>
+                        <a:schemeClr val="tx1"/>
+                      </a:solidFill>
+                      <a:prstDash val="solid"/>
+                      <a:round/>
+                      <a:headEnd type="none" w="med" len="med"/>
+                      <a:tailEnd type="none" w="med" len="med"/>
+                    </a:lnR>
+                    <a:lnT w="12700" cap="flat" cmpd="sng" algn="ctr">
+                      <a:solidFill>
+                        <a:schemeClr val="tx1"/>
+                      </a:solidFill>
+                      <a:prstDash val="solid"/>
+                      <a:round/>
+                      <a:headEnd type="none" w="med" len="med"/>
+                      <a:tailEnd type="none" w="med" len="med"/>
+                    </a:lnT>
+                    <a:lnB w="12700" cap="flat" cmpd="sng" algn="ctr">
+                      <a:solidFill>
+                        <a:schemeClr val="tx1"/>
+                      </a:solidFill>
+                      <a:prstDash val="solid"/>
+                      <a:round/>
+                      <a:headEnd type="none" w="med" len="med"/>
+                      <a:tailEnd type="none" w="med" len="med"/>
+                    </a:lnB>
+                    <a:solidFill>
+                      <a:schemeClr val="bg1"/>
+                    </a:solidFill>
+                  </a:tcPr>
+                </a:tc>
+                <a:extLst>
+                  <a:ext uri="{0D108BD9-81ED-4DB2-BD59-A6C34878D82A}">
+                    <a16:rowId xmlns:a16="http://schemas.microsoft.com/office/drawing/2014/main" val="2760506834"/>
+                  </a:ext>
+                </a:extLst>
+              </a:tr>
+              <a:tr h="182880">
+                <a:tc>
+                  <a:txBody>
+                    <a:bodyPr/>
+                    <a:lstStyle/>
+                    <a:p>
+                      <a:pPr algn="l" fontAlgn="b"/>
+                      <a:r>
+                        <a:rPr lang="en-ID" sz="1400" u="none" strike="noStrike">
+                          <a:effectLst/>
+                        </a:rPr>
+                        <a:t>Cambodia</a:t>
+                      </a:r>
+                      <a:endParaRPr lang="en-ID" sz="1400" b="0" i="0" u="none" strike="noStrike">
+                        <a:solidFill>
+                          <a:srgbClr val="000000"/>
+                        </a:solidFill>
+                        <a:effectLst/>
+                        <a:latin typeface="Calibri" panose="020F0502020204030204" pitchFamily="34" charset="0"/>
+                      </a:endParaRPr>
+                    </a:p>
+                  </a:txBody>
+                  <a:tcPr marL="7620" marR="7620" marT="7620" marB="0" anchor="b">
+                    <a:lnL w="12700" cap="flat" cmpd="sng" algn="ctr">
+                      <a:solidFill>
+                        <a:schemeClr val="tx1"/>
+                      </a:solidFill>
+                      <a:prstDash val="solid"/>
+                      <a:round/>
+                      <a:headEnd type="none" w="med" len="med"/>
+                      <a:tailEnd type="none" w="med" len="med"/>
+                    </a:lnL>
+                    <a:lnR w="12700" cap="flat" cmpd="sng" algn="ctr">
+                      <a:solidFill>
+                        <a:schemeClr val="tx1"/>
+                      </a:solidFill>
+                      <a:prstDash val="solid"/>
+                      <a:round/>
+                      <a:headEnd type="none" w="med" len="med"/>
+                      <a:tailEnd type="none" w="med" len="med"/>
+                    </a:lnR>
+                    <a:lnT w="12700" cap="flat" cmpd="sng" algn="ctr">
+                      <a:solidFill>
+                        <a:schemeClr val="tx1"/>
+                      </a:solidFill>
+                      <a:prstDash val="solid"/>
+                      <a:round/>
+                      <a:headEnd type="none" w="med" len="med"/>
+                      <a:tailEnd type="none" w="med" len="med"/>
+                    </a:lnT>
+                    <a:lnB w="12700" cap="flat" cmpd="sng" algn="ctr">
+                      <a:solidFill>
+                        <a:schemeClr val="tx1"/>
+                      </a:solidFill>
+                      <a:prstDash val="solid"/>
+                      <a:round/>
+                      <a:headEnd type="none" w="med" len="med"/>
+                      <a:tailEnd type="none" w="med" len="med"/>
+                    </a:lnB>
+                    <a:solidFill>
+                      <a:schemeClr val="bg1"/>
+                    </a:solidFill>
+                  </a:tcPr>
+                </a:tc>
+                <a:tc>
+                  <a:txBody>
+                    <a:bodyPr/>
+                    <a:lstStyle/>
+                    <a:p>
+                      <a:pPr algn="l" fontAlgn="b"/>
+                      <a:r>
+                        <a:rPr lang="en-ID" sz="1400" u="none" strike="noStrike">
+                          <a:effectLst/>
+                        </a:rPr>
+                        <a:t>Lower middle income</a:t>
+                      </a:r>
+                      <a:endParaRPr lang="en-ID" sz="1400" b="0" i="0" u="none" strike="noStrike">
+                        <a:solidFill>
+                          <a:srgbClr val="000000"/>
+                        </a:solidFill>
+                        <a:effectLst/>
+                        <a:latin typeface="Calibri" panose="020F0502020204030204" pitchFamily="34" charset="0"/>
+                      </a:endParaRPr>
+                    </a:p>
+                  </a:txBody>
+                  <a:tcPr marL="7620" marR="7620" marT="7620" marB="0" anchor="b">
+                    <a:lnL w="12700" cap="flat" cmpd="sng" algn="ctr">
+                      <a:solidFill>
+                        <a:schemeClr val="tx1"/>
+                      </a:solidFill>
+                      <a:prstDash val="solid"/>
+                      <a:round/>
+                      <a:headEnd type="none" w="med" len="med"/>
+                      <a:tailEnd type="none" w="med" len="med"/>
+                    </a:lnL>
+                    <a:lnR w="12700" cap="flat" cmpd="sng" algn="ctr">
+                      <a:solidFill>
+                        <a:schemeClr val="tx1"/>
+                      </a:solidFill>
+                      <a:prstDash val="solid"/>
+                      <a:round/>
+                      <a:headEnd type="none" w="med" len="med"/>
+                      <a:tailEnd type="none" w="med" len="med"/>
+                    </a:lnR>
+                    <a:lnT w="12700" cap="flat" cmpd="sng" algn="ctr">
+                      <a:solidFill>
+                        <a:schemeClr val="tx1"/>
+                      </a:solidFill>
+                      <a:prstDash val="solid"/>
+                      <a:round/>
+                      <a:headEnd type="none" w="med" len="med"/>
+                      <a:tailEnd type="none" w="med" len="med"/>
+                    </a:lnT>
+                    <a:lnB w="12700" cap="flat" cmpd="sng" algn="ctr">
+                      <a:solidFill>
+                        <a:schemeClr val="tx1"/>
+                      </a:solidFill>
+                      <a:prstDash val="solid"/>
+                      <a:round/>
+                      <a:headEnd type="none" w="med" len="med"/>
+                      <a:tailEnd type="none" w="med" len="med"/>
+                    </a:lnB>
+                    <a:solidFill>
+                      <a:schemeClr val="bg1"/>
+                    </a:solidFill>
+                  </a:tcPr>
+                </a:tc>
+                <a:extLst>
+                  <a:ext uri="{0D108BD9-81ED-4DB2-BD59-A6C34878D82A}">
+                    <a16:rowId xmlns:a16="http://schemas.microsoft.com/office/drawing/2014/main" val="1700031910"/>
+                  </a:ext>
+                </a:extLst>
+              </a:tr>
+              <a:tr h="182880">
+                <a:tc>
+                  <a:txBody>
+                    <a:bodyPr/>
+                    <a:lstStyle/>
+                    <a:p>
+                      <a:pPr algn="l" fontAlgn="b"/>
+                      <a:r>
+                        <a:rPr lang="en-ID" sz="1400" u="none" strike="noStrike">
+                          <a:effectLst/>
+                        </a:rPr>
+                        <a:t>Laos</a:t>
+                      </a:r>
+                      <a:endParaRPr lang="en-ID" sz="1400" b="0" i="0" u="none" strike="noStrike">
+                        <a:solidFill>
+                          <a:srgbClr val="000000"/>
+                        </a:solidFill>
+                        <a:effectLst/>
+                        <a:latin typeface="Calibri" panose="020F0502020204030204" pitchFamily="34" charset="0"/>
+                      </a:endParaRPr>
+                    </a:p>
+                  </a:txBody>
+                  <a:tcPr marL="7620" marR="7620" marT="7620" marB="0" anchor="b">
+                    <a:lnL w="12700" cap="flat" cmpd="sng" algn="ctr">
+                      <a:solidFill>
+                        <a:schemeClr val="tx1"/>
+                      </a:solidFill>
+                      <a:prstDash val="solid"/>
+                      <a:round/>
+                      <a:headEnd type="none" w="med" len="med"/>
+                      <a:tailEnd type="none" w="med" len="med"/>
+                    </a:lnL>
+                    <a:lnR w="12700" cap="flat" cmpd="sng" algn="ctr">
+                      <a:solidFill>
+                        <a:schemeClr val="tx1"/>
+                      </a:solidFill>
+                      <a:prstDash val="solid"/>
+                      <a:round/>
+                      <a:headEnd type="none" w="med" len="med"/>
+                      <a:tailEnd type="none" w="med" len="med"/>
+                    </a:lnR>
+                    <a:lnT w="12700" cap="flat" cmpd="sng" algn="ctr">
+                      <a:solidFill>
+                        <a:schemeClr val="tx1"/>
+                      </a:solidFill>
+                      <a:prstDash val="solid"/>
+                      <a:round/>
+                      <a:headEnd type="none" w="med" len="med"/>
+                      <a:tailEnd type="none" w="med" len="med"/>
+                    </a:lnT>
+                    <a:lnB w="12700" cap="flat" cmpd="sng" algn="ctr">
+                      <a:solidFill>
+                        <a:schemeClr val="tx1"/>
+                      </a:solidFill>
+                      <a:prstDash val="solid"/>
+                      <a:round/>
+                      <a:headEnd type="none" w="med" len="med"/>
+                      <a:tailEnd type="none" w="med" len="med"/>
+                    </a:lnB>
+                    <a:solidFill>
+                      <a:schemeClr val="bg1"/>
+                    </a:solidFill>
+                  </a:tcPr>
+                </a:tc>
+                <a:tc>
+                  <a:txBody>
+                    <a:bodyPr/>
+                    <a:lstStyle/>
+                    <a:p>
+                      <a:pPr algn="l" fontAlgn="b"/>
+                      <a:r>
+                        <a:rPr lang="en-ID" sz="1400" u="none" strike="noStrike">
+                          <a:effectLst/>
+                        </a:rPr>
+                        <a:t>Lower middle income</a:t>
+                      </a:r>
+                      <a:endParaRPr lang="en-ID" sz="1400" b="0" i="0" u="none" strike="noStrike">
+                        <a:solidFill>
+                          <a:srgbClr val="000000"/>
+                        </a:solidFill>
+                        <a:effectLst/>
+                        <a:latin typeface="Calibri" panose="020F0502020204030204" pitchFamily="34" charset="0"/>
+                      </a:endParaRPr>
+                    </a:p>
+                  </a:txBody>
+                  <a:tcPr marL="7620" marR="7620" marT="7620" marB="0" anchor="b">
+                    <a:lnL w="12700" cap="flat" cmpd="sng" algn="ctr">
+                      <a:solidFill>
+                        <a:schemeClr val="tx1"/>
+                      </a:solidFill>
+                      <a:prstDash val="solid"/>
+                      <a:round/>
+                      <a:headEnd type="none" w="med" len="med"/>
+                      <a:tailEnd type="none" w="med" len="med"/>
+                    </a:lnL>
+                    <a:lnR w="12700" cap="flat" cmpd="sng" algn="ctr">
+                      <a:solidFill>
+                        <a:schemeClr val="tx1"/>
+                      </a:solidFill>
+                      <a:prstDash val="solid"/>
+                      <a:round/>
+                      <a:headEnd type="none" w="med" len="med"/>
+                      <a:tailEnd type="none" w="med" len="med"/>
+                    </a:lnR>
+                    <a:lnT w="12700" cap="flat" cmpd="sng" algn="ctr">
+                      <a:solidFill>
+                        <a:schemeClr val="tx1"/>
+                      </a:solidFill>
+                      <a:prstDash val="solid"/>
+                      <a:round/>
+                      <a:headEnd type="none" w="med" len="med"/>
+                      <a:tailEnd type="none" w="med" len="med"/>
+                    </a:lnT>
+                    <a:lnB w="12700" cap="flat" cmpd="sng" algn="ctr">
+                      <a:solidFill>
+                        <a:schemeClr val="tx1"/>
+                      </a:solidFill>
+                      <a:prstDash val="solid"/>
+                      <a:round/>
+                      <a:headEnd type="none" w="med" len="med"/>
+                      <a:tailEnd type="none" w="med" len="med"/>
+                    </a:lnB>
+                    <a:solidFill>
+                      <a:schemeClr val="bg1"/>
+                    </a:solidFill>
+                  </a:tcPr>
+                </a:tc>
+                <a:extLst>
+                  <a:ext uri="{0D108BD9-81ED-4DB2-BD59-A6C34878D82A}">
+                    <a16:rowId xmlns:a16="http://schemas.microsoft.com/office/drawing/2014/main" val="4077975655"/>
+                  </a:ext>
+                </a:extLst>
+              </a:tr>
+              <a:tr h="182880">
+                <a:tc>
+                  <a:txBody>
+                    <a:bodyPr/>
+                    <a:lstStyle/>
+                    <a:p>
+                      <a:pPr algn="l" fontAlgn="b"/>
+                      <a:r>
+                        <a:rPr lang="en-ID" sz="1400" u="none" strike="noStrike">
+                          <a:effectLst/>
+                        </a:rPr>
+                        <a:t>Myanmar</a:t>
+                      </a:r>
+                      <a:endParaRPr lang="en-ID" sz="1400" b="0" i="0" u="none" strike="noStrike">
+                        <a:solidFill>
+                          <a:srgbClr val="000000"/>
+                        </a:solidFill>
+                        <a:effectLst/>
+                        <a:latin typeface="Calibri" panose="020F0502020204030204" pitchFamily="34" charset="0"/>
+                      </a:endParaRPr>
+                    </a:p>
+                  </a:txBody>
+                  <a:tcPr marL="7620" marR="7620" marT="7620" marB="0" anchor="b">
+                    <a:lnL w="12700" cap="flat" cmpd="sng" algn="ctr">
+                      <a:solidFill>
+                        <a:schemeClr val="tx1"/>
+                      </a:solidFill>
+                      <a:prstDash val="solid"/>
+                      <a:round/>
+                      <a:headEnd type="none" w="med" len="med"/>
+                      <a:tailEnd type="none" w="med" len="med"/>
+                    </a:lnL>
+                    <a:lnR w="12700" cap="flat" cmpd="sng" algn="ctr">
+                      <a:solidFill>
+                        <a:schemeClr val="tx1"/>
+                      </a:solidFill>
+                      <a:prstDash val="solid"/>
+                      <a:round/>
+                      <a:headEnd type="none" w="med" len="med"/>
+                      <a:tailEnd type="none" w="med" len="med"/>
+                    </a:lnR>
+                    <a:lnT w="12700" cap="flat" cmpd="sng" algn="ctr">
+                      <a:solidFill>
+                        <a:schemeClr val="tx1"/>
+                      </a:solidFill>
+                      <a:prstDash val="solid"/>
+                      <a:round/>
+                      <a:headEnd type="none" w="med" len="med"/>
+                      <a:tailEnd type="none" w="med" len="med"/>
+                    </a:lnT>
+                    <a:lnB w="12700" cap="flat" cmpd="sng" algn="ctr">
+                      <a:solidFill>
+                        <a:schemeClr val="tx1"/>
+                      </a:solidFill>
+                      <a:prstDash val="solid"/>
+                      <a:round/>
+                      <a:headEnd type="none" w="med" len="med"/>
+                      <a:tailEnd type="none" w="med" len="med"/>
+                    </a:lnB>
+                    <a:solidFill>
+                      <a:schemeClr val="bg1"/>
+                    </a:solidFill>
+                  </a:tcPr>
+                </a:tc>
+                <a:tc>
+                  <a:txBody>
+                    <a:bodyPr/>
+                    <a:lstStyle/>
+                    <a:p>
+                      <a:pPr algn="l" fontAlgn="b"/>
+                      <a:r>
+                        <a:rPr lang="en-ID" sz="1400" u="none" strike="noStrike">
+                          <a:effectLst/>
+                        </a:rPr>
+                        <a:t>Lower middle income</a:t>
+                      </a:r>
+                      <a:endParaRPr lang="en-ID" sz="1400" b="0" i="0" u="none" strike="noStrike">
+                        <a:solidFill>
+                          <a:srgbClr val="000000"/>
+                        </a:solidFill>
+                        <a:effectLst/>
+                        <a:latin typeface="Calibri" panose="020F0502020204030204" pitchFamily="34" charset="0"/>
+                      </a:endParaRPr>
+                    </a:p>
+                  </a:txBody>
+                  <a:tcPr marL="7620" marR="7620" marT="7620" marB="0" anchor="b">
+                    <a:lnL w="12700" cap="flat" cmpd="sng" algn="ctr">
+                      <a:solidFill>
+                        <a:schemeClr val="tx1"/>
+                      </a:solidFill>
+                      <a:prstDash val="solid"/>
+                      <a:round/>
+                      <a:headEnd type="none" w="med" len="med"/>
+                      <a:tailEnd type="none" w="med" len="med"/>
+                    </a:lnL>
+                    <a:lnR w="12700" cap="flat" cmpd="sng" algn="ctr">
+                      <a:solidFill>
+                        <a:schemeClr val="tx1"/>
+                      </a:solidFill>
+                      <a:prstDash val="solid"/>
+                      <a:round/>
+                      <a:headEnd type="none" w="med" len="med"/>
+                      <a:tailEnd type="none" w="med" len="med"/>
+                    </a:lnR>
+                    <a:lnT w="12700" cap="flat" cmpd="sng" algn="ctr">
+                      <a:solidFill>
+                        <a:schemeClr val="tx1"/>
+                      </a:solidFill>
+                      <a:prstDash val="solid"/>
+                      <a:round/>
+                      <a:headEnd type="none" w="med" len="med"/>
+                      <a:tailEnd type="none" w="med" len="med"/>
+                    </a:lnT>
+                    <a:lnB w="12700" cap="flat" cmpd="sng" algn="ctr">
+                      <a:solidFill>
+                        <a:schemeClr val="tx1"/>
+                      </a:solidFill>
+                      <a:prstDash val="solid"/>
+                      <a:round/>
+                      <a:headEnd type="none" w="med" len="med"/>
+                      <a:tailEnd type="none" w="med" len="med"/>
+                    </a:lnB>
+                    <a:solidFill>
+                      <a:schemeClr val="bg1"/>
+                    </a:solidFill>
+                  </a:tcPr>
+                </a:tc>
+                <a:extLst>
+                  <a:ext uri="{0D108BD9-81ED-4DB2-BD59-A6C34878D82A}">
+                    <a16:rowId xmlns:a16="http://schemas.microsoft.com/office/drawing/2014/main" val="3242264793"/>
+                  </a:ext>
+                </a:extLst>
+              </a:tr>
+              <a:tr h="182880">
+                <a:tc>
+                  <a:txBody>
+                    <a:bodyPr/>
+                    <a:lstStyle/>
+                    <a:p>
+                      <a:pPr algn="l" fontAlgn="b"/>
+                      <a:r>
+                        <a:rPr lang="en-ID" sz="1400" u="none" strike="noStrike">
+                          <a:effectLst/>
+                        </a:rPr>
+                        <a:t>Malaysia</a:t>
+                      </a:r>
+                      <a:endParaRPr lang="en-ID" sz="1400" b="0" i="0" u="none" strike="noStrike">
+                        <a:solidFill>
+                          <a:srgbClr val="000000"/>
+                        </a:solidFill>
+                        <a:effectLst/>
+                        <a:latin typeface="Calibri" panose="020F0502020204030204" pitchFamily="34" charset="0"/>
+                      </a:endParaRPr>
+                    </a:p>
+                  </a:txBody>
+                  <a:tcPr marL="7620" marR="7620" marT="7620" marB="0" anchor="b">
+                    <a:lnL w="12700" cap="flat" cmpd="sng" algn="ctr">
+                      <a:solidFill>
+                        <a:schemeClr val="tx1"/>
+                      </a:solidFill>
+                      <a:prstDash val="solid"/>
+                      <a:round/>
+                      <a:headEnd type="none" w="med" len="med"/>
+                      <a:tailEnd type="none" w="med" len="med"/>
+                    </a:lnL>
+                    <a:lnR w="12700" cap="flat" cmpd="sng" algn="ctr">
+                      <a:solidFill>
+                        <a:schemeClr val="tx1"/>
+                      </a:solidFill>
+                      <a:prstDash val="solid"/>
+                      <a:round/>
+                      <a:headEnd type="none" w="med" len="med"/>
+                      <a:tailEnd type="none" w="med" len="med"/>
+                    </a:lnR>
+                    <a:lnT w="12700" cap="flat" cmpd="sng" algn="ctr">
+                      <a:solidFill>
+                        <a:schemeClr val="tx1"/>
+                      </a:solidFill>
+                      <a:prstDash val="solid"/>
+                      <a:round/>
+                      <a:headEnd type="none" w="med" len="med"/>
+                      <a:tailEnd type="none" w="med" len="med"/>
+                    </a:lnT>
+                    <a:lnB w="12700" cap="flat" cmpd="sng" algn="ctr">
+                      <a:solidFill>
+                        <a:schemeClr val="tx1"/>
+                      </a:solidFill>
+                      <a:prstDash val="solid"/>
+                      <a:round/>
+                      <a:headEnd type="none" w="med" len="med"/>
+                      <a:tailEnd type="none" w="med" len="med"/>
+                    </a:lnB>
+                    <a:solidFill>
+                      <a:schemeClr val="accent5">
+                        <a:lumMod val="20000"/>
+                        <a:lumOff val="80000"/>
+                      </a:schemeClr>
+                    </a:solidFill>
+                  </a:tcPr>
+                </a:tc>
+                <a:tc>
+                  <a:txBody>
+                    <a:bodyPr/>
+                    <a:lstStyle/>
+                    <a:p>
+                      <a:pPr algn="l" fontAlgn="b"/>
+                      <a:r>
+                        <a:rPr lang="en-ID" sz="1400" u="none" strike="noStrike">
+                          <a:effectLst/>
+                        </a:rPr>
+                        <a:t>Upper middle income</a:t>
+                      </a:r>
+                      <a:endParaRPr lang="en-ID" sz="1400" b="0" i="0" u="none" strike="noStrike">
+                        <a:solidFill>
+                          <a:srgbClr val="000000"/>
+                        </a:solidFill>
+                        <a:effectLst/>
+                        <a:latin typeface="Calibri" panose="020F0502020204030204" pitchFamily="34" charset="0"/>
+                      </a:endParaRPr>
+                    </a:p>
+                  </a:txBody>
+                  <a:tcPr marL="7620" marR="7620" marT="7620" marB="0" anchor="b">
+                    <a:lnL w="12700" cap="flat" cmpd="sng" algn="ctr">
+                      <a:solidFill>
+                        <a:schemeClr val="tx1"/>
+                      </a:solidFill>
+                      <a:prstDash val="solid"/>
+                      <a:round/>
+                      <a:headEnd type="none" w="med" len="med"/>
+                      <a:tailEnd type="none" w="med" len="med"/>
+                    </a:lnL>
+                    <a:lnR w="12700" cap="flat" cmpd="sng" algn="ctr">
+                      <a:solidFill>
+                        <a:schemeClr val="tx1"/>
+                      </a:solidFill>
+                      <a:prstDash val="solid"/>
+                      <a:round/>
+                      <a:headEnd type="none" w="med" len="med"/>
+                      <a:tailEnd type="none" w="med" len="med"/>
+                    </a:lnR>
+                    <a:lnT w="12700" cap="flat" cmpd="sng" algn="ctr">
+                      <a:solidFill>
+                        <a:schemeClr val="tx1"/>
+                      </a:solidFill>
+                      <a:prstDash val="solid"/>
+                      <a:round/>
+                      <a:headEnd type="none" w="med" len="med"/>
+                      <a:tailEnd type="none" w="med" len="med"/>
+                    </a:lnT>
+                    <a:lnB w="12700" cap="flat" cmpd="sng" algn="ctr">
+                      <a:solidFill>
+                        <a:schemeClr val="tx1"/>
+                      </a:solidFill>
+                      <a:prstDash val="solid"/>
+                      <a:round/>
+                      <a:headEnd type="none" w="med" len="med"/>
+                      <a:tailEnd type="none" w="med" len="med"/>
+                    </a:lnB>
+                    <a:solidFill>
+                      <a:schemeClr val="accent5">
+                        <a:lumMod val="20000"/>
+                        <a:lumOff val="80000"/>
+                      </a:schemeClr>
+                    </a:solidFill>
+                  </a:tcPr>
+                </a:tc>
+                <a:extLst>
+                  <a:ext uri="{0D108BD9-81ED-4DB2-BD59-A6C34878D82A}">
+                    <a16:rowId xmlns:a16="http://schemas.microsoft.com/office/drawing/2014/main" val="2138931422"/>
+                  </a:ext>
+                </a:extLst>
+              </a:tr>
+              <a:tr h="182880">
+                <a:tc>
+                  <a:txBody>
+                    <a:bodyPr/>
+                    <a:lstStyle/>
+                    <a:p>
+                      <a:pPr algn="l" fontAlgn="b"/>
+                      <a:r>
+                        <a:rPr lang="en-ID" sz="1400" u="none" strike="noStrike">
+                          <a:effectLst/>
+                        </a:rPr>
+                        <a:t>Philippines</a:t>
+                      </a:r>
+                      <a:endParaRPr lang="en-ID" sz="1400" b="0" i="0" u="none" strike="noStrike">
+                        <a:solidFill>
+                          <a:srgbClr val="000000"/>
+                        </a:solidFill>
+                        <a:effectLst/>
+                        <a:latin typeface="Calibri" panose="020F0502020204030204" pitchFamily="34" charset="0"/>
+                      </a:endParaRPr>
+                    </a:p>
+                  </a:txBody>
+                  <a:tcPr marL="7620" marR="7620" marT="7620" marB="0" anchor="b">
+                    <a:lnL w="12700" cap="flat" cmpd="sng" algn="ctr">
+                      <a:solidFill>
+                        <a:schemeClr val="tx1"/>
+                      </a:solidFill>
+                      <a:prstDash val="solid"/>
+                      <a:round/>
+                      <a:headEnd type="none" w="med" len="med"/>
+                      <a:tailEnd type="none" w="med" len="med"/>
+                    </a:lnL>
+                    <a:lnR w="12700" cap="flat" cmpd="sng" algn="ctr">
+                      <a:solidFill>
+                        <a:schemeClr val="tx1"/>
+                      </a:solidFill>
+                      <a:prstDash val="solid"/>
+                      <a:round/>
+                      <a:headEnd type="none" w="med" len="med"/>
+                      <a:tailEnd type="none" w="med" len="med"/>
+                    </a:lnR>
+                    <a:lnT w="12700" cap="flat" cmpd="sng" algn="ctr">
+                      <a:solidFill>
+                        <a:schemeClr val="tx1"/>
+                      </a:solidFill>
+                      <a:prstDash val="solid"/>
+                      <a:round/>
+                      <a:headEnd type="none" w="med" len="med"/>
+                      <a:tailEnd type="none" w="med" len="med"/>
+                    </a:lnT>
+                    <a:lnB w="12700" cap="flat" cmpd="sng" algn="ctr">
+                      <a:solidFill>
+                        <a:schemeClr val="tx1"/>
+                      </a:solidFill>
+                      <a:prstDash val="solid"/>
+                      <a:round/>
+                      <a:headEnd type="none" w="med" len="med"/>
+                      <a:tailEnd type="none" w="med" len="med"/>
+                    </a:lnB>
+                    <a:solidFill>
+                      <a:schemeClr val="bg1"/>
+                    </a:solidFill>
+                  </a:tcPr>
+                </a:tc>
+                <a:tc>
+                  <a:txBody>
+                    <a:bodyPr/>
+                    <a:lstStyle/>
+                    <a:p>
+                      <a:pPr algn="l" fontAlgn="b"/>
+                      <a:r>
+                        <a:rPr lang="en-ID" sz="1400" u="none" strike="noStrike">
+                          <a:effectLst/>
+                        </a:rPr>
+                        <a:t>Lower middle income</a:t>
+                      </a:r>
+                      <a:endParaRPr lang="en-ID" sz="1400" b="0" i="0" u="none" strike="noStrike">
+                        <a:solidFill>
+                          <a:srgbClr val="000000"/>
+                        </a:solidFill>
+                        <a:effectLst/>
+                        <a:latin typeface="Calibri" panose="020F0502020204030204" pitchFamily="34" charset="0"/>
+                      </a:endParaRPr>
+                    </a:p>
+                  </a:txBody>
+                  <a:tcPr marL="7620" marR="7620" marT="7620" marB="0" anchor="b">
+                    <a:lnL w="12700" cap="flat" cmpd="sng" algn="ctr">
+                      <a:solidFill>
+                        <a:schemeClr val="tx1"/>
+                      </a:solidFill>
+                      <a:prstDash val="solid"/>
+                      <a:round/>
+                      <a:headEnd type="none" w="med" len="med"/>
+                      <a:tailEnd type="none" w="med" len="med"/>
+                    </a:lnL>
+                    <a:lnR w="12700" cap="flat" cmpd="sng" algn="ctr">
+                      <a:solidFill>
+                        <a:schemeClr val="tx1"/>
+                      </a:solidFill>
+                      <a:prstDash val="solid"/>
+                      <a:round/>
+                      <a:headEnd type="none" w="med" len="med"/>
+                      <a:tailEnd type="none" w="med" len="med"/>
+                    </a:lnR>
+                    <a:lnT w="12700" cap="flat" cmpd="sng" algn="ctr">
+                      <a:solidFill>
+                        <a:schemeClr val="tx1"/>
+                      </a:solidFill>
+                      <a:prstDash val="solid"/>
+                      <a:round/>
+                      <a:headEnd type="none" w="med" len="med"/>
+                      <a:tailEnd type="none" w="med" len="med"/>
+                    </a:lnT>
+                    <a:lnB w="12700" cap="flat" cmpd="sng" algn="ctr">
+                      <a:solidFill>
+                        <a:schemeClr val="tx1"/>
+                      </a:solidFill>
+                      <a:prstDash val="solid"/>
+                      <a:round/>
+                      <a:headEnd type="none" w="med" len="med"/>
+                      <a:tailEnd type="none" w="med" len="med"/>
+                    </a:lnB>
+                    <a:solidFill>
+                      <a:schemeClr val="bg1"/>
+                    </a:solidFill>
+                  </a:tcPr>
+                </a:tc>
+                <a:extLst>
+                  <a:ext uri="{0D108BD9-81ED-4DB2-BD59-A6C34878D82A}">
+                    <a16:rowId xmlns:a16="http://schemas.microsoft.com/office/drawing/2014/main" val="4003872036"/>
+                  </a:ext>
+                </a:extLst>
+              </a:tr>
+              <a:tr h="182880">
+                <a:tc>
+                  <a:txBody>
+                    <a:bodyPr/>
+                    <a:lstStyle/>
+                    <a:p>
+                      <a:pPr algn="l" fontAlgn="b"/>
+                      <a:r>
+                        <a:rPr lang="en-ID" sz="1400" u="none" strike="noStrike">
+                          <a:effectLst/>
+                        </a:rPr>
+                        <a:t>Singapore</a:t>
+                      </a:r>
+                      <a:endParaRPr lang="en-ID" sz="1400" b="0" i="0" u="none" strike="noStrike">
+                        <a:solidFill>
+                          <a:srgbClr val="000000"/>
+                        </a:solidFill>
+                        <a:effectLst/>
+                        <a:latin typeface="Calibri" panose="020F0502020204030204" pitchFamily="34" charset="0"/>
+                      </a:endParaRPr>
+                    </a:p>
+                  </a:txBody>
+                  <a:tcPr marL="7620" marR="7620" marT="7620" marB="0" anchor="b">
+                    <a:lnL w="12700" cap="flat" cmpd="sng" algn="ctr">
+                      <a:solidFill>
+                        <a:schemeClr val="tx1"/>
+                      </a:solidFill>
+                      <a:prstDash val="solid"/>
+                      <a:round/>
+                      <a:headEnd type="none" w="med" len="med"/>
+                      <a:tailEnd type="none" w="med" len="med"/>
+                    </a:lnL>
+                    <a:lnR w="12700" cap="flat" cmpd="sng" algn="ctr">
+                      <a:solidFill>
+                        <a:schemeClr val="tx1"/>
+                      </a:solidFill>
+                      <a:prstDash val="solid"/>
+                      <a:round/>
+                      <a:headEnd type="none" w="med" len="med"/>
+                      <a:tailEnd type="none" w="med" len="med"/>
+                    </a:lnR>
+                    <a:lnT w="12700" cap="flat" cmpd="sng" algn="ctr">
+                      <a:solidFill>
+                        <a:schemeClr val="tx1"/>
+                      </a:solidFill>
+                      <a:prstDash val="solid"/>
+                      <a:round/>
+                      <a:headEnd type="none" w="med" len="med"/>
+                      <a:tailEnd type="none" w="med" len="med"/>
+                    </a:lnT>
+                    <a:lnB w="12700" cap="flat" cmpd="sng" algn="ctr">
+                      <a:solidFill>
+                        <a:schemeClr val="tx1"/>
+                      </a:solidFill>
+                      <a:prstDash val="solid"/>
+                      <a:round/>
+                      <a:headEnd type="none" w="med" len="med"/>
+                      <a:tailEnd type="none" w="med" len="med"/>
+                    </a:lnB>
+                    <a:solidFill>
+                      <a:schemeClr val="accent5">
+                        <a:lumMod val="40000"/>
+                        <a:lumOff val="60000"/>
+                      </a:schemeClr>
+                    </a:solidFill>
+                  </a:tcPr>
+                </a:tc>
+                <a:tc>
+                  <a:txBody>
+                    <a:bodyPr/>
+                    <a:lstStyle/>
+                    <a:p>
+                      <a:pPr algn="l" fontAlgn="b"/>
+                      <a:r>
+                        <a:rPr lang="en-ID" sz="1400" u="none" strike="noStrike">
+                          <a:effectLst/>
+                        </a:rPr>
+                        <a:t>High income</a:t>
+                      </a:r>
+                      <a:endParaRPr lang="en-ID" sz="1400" b="0" i="0" u="none" strike="noStrike">
+                        <a:solidFill>
+                          <a:srgbClr val="000000"/>
+                        </a:solidFill>
+                        <a:effectLst/>
+                        <a:latin typeface="Calibri" panose="020F0502020204030204" pitchFamily="34" charset="0"/>
+                      </a:endParaRPr>
+                    </a:p>
+                  </a:txBody>
+                  <a:tcPr marL="7620" marR="7620" marT="7620" marB="0" anchor="b">
+                    <a:lnL w="12700" cap="flat" cmpd="sng" algn="ctr">
+                      <a:solidFill>
+                        <a:schemeClr val="tx1"/>
+                      </a:solidFill>
+                      <a:prstDash val="solid"/>
+                      <a:round/>
+                      <a:headEnd type="none" w="med" len="med"/>
+                      <a:tailEnd type="none" w="med" len="med"/>
+                    </a:lnL>
+                    <a:lnR w="12700" cap="flat" cmpd="sng" algn="ctr">
+                      <a:solidFill>
+                        <a:schemeClr val="tx1"/>
+                      </a:solidFill>
+                      <a:prstDash val="solid"/>
+                      <a:round/>
+                      <a:headEnd type="none" w="med" len="med"/>
+                      <a:tailEnd type="none" w="med" len="med"/>
+                    </a:lnR>
+                    <a:lnT w="12700" cap="flat" cmpd="sng" algn="ctr">
+                      <a:solidFill>
+                        <a:schemeClr val="tx1"/>
+                      </a:solidFill>
+                      <a:prstDash val="solid"/>
+                      <a:round/>
+                      <a:headEnd type="none" w="med" len="med"/>
+                      <a:tailEnd type="none" w="med" len="med"/>
+                    </a:lnT>
+                    <a:lnB w="12700" cap="flat" cmpd="sng" algn="ctr">
+                      <a:solidFill>
+                        <a:schemeClr val="tx1"/>
+                      </a:solidFill>
+                      <a:prstDash val="solid"/>
+                      <a:round/>
+                      <a:headEnd type="none" w="med" len="med"/>
+                      <a:tailEnd type="none" w="med" len="med"/>
+                    </a:lnB>
+                    <a:solidFill>
+                      <a:schemeClr val="accent5">
+                        <a:lumMod val="40000"/>
+                        <a:lumOff val="60000"/>
+                      </a:schemeClr>
+                    </a:solidFill>
+                  </a:tcPr>
+                </a:tc>
+                <a:extLst>
+                  <a:ext uri="{0D108BD9-81ED-4DB2-BD59-A6C34878D82A}">
+                    <a16:rowId xmlns:a16="http://schemas.microsoft.com/office/drawing/2014/main" val="2020420142"/>
+                  </a:ext>
+                </a:extLst>
+              </a:tr>
+              <a:tr h="182880">
+                <a:tc>
+                  <a:txBody>
+                    <a:bodyPr/>
+                    <a:lstStyle/>
+                    <a:p>
+                      <a:pPr algn="l" fontAlgn="b"/>
+                      <a:r>
+                        <a:rPr lang="en-ID" sz="1400" u="none" strike="noStrike">
+                          <a:effectLst/>
+                        </a:rPr>
+                        <a:t>Thailand</a:t>
+                      </a:r>
+                      <a:endParaRPr lang="en-ID" sz="1400" b="0" i="0" u="none" strike="noStrike">
+                        <a:solidFill>
+                          <a:srgbClr val="000000"/>
+                        </a:solidFill>
+                        <a:effectLst/>
+                        <a:latin typeface="Calibri" panose="020F0502020204030204" pitchFamily="34" charset="0"/>
+                      </a:endParaRPr>
+                    </a:p>
+                  </a:txBody>
+                  <a:tcPr marL="7620" marR="7620" marT="7620" marB="0" anchor="b">
+                    <a:lnL w="12700" cap="flat" cmpd="sng" algn="ctr">
+                      <a:solidFill>
+                        <a:schemeClr val="tx1"/>
+                      </a:solidFill>
+                      <a:prstDash val="solid"/>
+                      <a:round/>
+                      <a:headEnd type="none" w="med" len="med"/>
+                      <a:tailEnd type="none" w="med" len="med"/>
+                    </a:lnL>
+                    <a:lnR w="12700" cap="flat" cmpd="sng" algn="ctr">
+                      <a:solidFill>
+                        <a:schemeClr val="tx1"/>
+                      </a:solidFill>
+                      <a:prstDash val="solid"/>
+                      <a:round/>
+                      <a:headEnd type="none" w="med" len="med"/>
+                      <a:tailEnd type="none" w="med" len="med"/>
+                    </a:lnR>
+                    <a:lnT w="12700" cap="flat" cmpd="sng" algn="ctr">
+                      <a:solidFill>
+                        <a:schemeClr val="tx1"/>
+                      </a:solidFill>
+                      <a:prstDash val="solid"/>
+                      <a:round/>
+                      <a:headEnd type="none" w="med" len="med"/>
+                      <a:tailEnd type="none" w="med" len="med"/>
+                    </a:lnT>
+                    <a:lnB w="12700" cap="flat" cmpd="sng" algn="ctr">
+                      <a:solidFill>
+                        <a:schemeClr val="tx1"/>
+                      </a:solidFill>
+                      <a:prstDash val="solid"/>
+                      <a:round/>
+                      <a:headEnd type="none" w="med" len="med"/>
+                      <a:tailEnd type="none" w="med" len="med"/>
+                    </a:lnB>
+                    <a:solidFill>
+                      <a:schemeClr val="accent5">
+                        <a:lumMod val="20000"/>
+                        <a:lumOff val="80000"/>
+                      </a:schemeClr>
+                    </a:solidFill>
+                  </a:tcPr>
+                </a:tc>
+                <a:tc>
+                  <a:txBody>
+                    <a:bodyPr/>
+                    <a:lstStyle/>
+                    <a:p>
+                      <a:pPr algn="l" fontAlgn="b"/>
+                      <a:r>
+                        <a:rPr lang="en-ID" sz="1400" u="none" strike="noStrike">
+                          <a:effectLst/>
+                        </a:rPr>
+                        <a:t>Upper middle income</a:t>
+                      </a:r>
+                      <a:endParaRPr lang="en-ID" sz="1400" b="0" i="0" u="none" strike="noStrike">
+                        <a:solidFill>
+                          <a:srgbClr val="000000"/>
+                        </a:solidFill>
+                        <a:effectLst/>
+                        <a:latin typeface="Calibri" panose="020F0502020204030204" pitchFamily="34" charset="0"/>
+                      </a:endParaRPr>
+                    </a:p>
+                  </a:txBody>
+                  <a:tcPr marL="7620" marR="7620" marT="7620" marB="0" anchor="b">
+                    <a:lnL w="12700" cap="flat" cmpd="sng" algn="ctr">
+                      <a:solidFill>
+                        <a:schemeClr val="tx1"/>
+                      </a:solidFill>
+                      <a:prstDash val="solid"/>
+                      <a:round/>
+                      <a:headEnd type="none" w="med" len="med"/>
+                      <a:tailEnd type="none" w="med" len="med"/>
+                    </a:lnL>
+                    <a:lnR w="12700" cap="flat" cmpd="sng" algn="ctr">
+                      <a:solidFill>
+                        <a:schemeClr val="tx1"/>
+                      </a:solidFill>
+                      <a:prstDash val="solid"/>
+                      <a:round/>
+                      <a:headEnd type="none" w="med" len="med"/>
+                      <a:tailEnd type="none" w="med" len="med"/>
+                    </a:lnR>
+                    <a:lnT w="12700" cap="flat" cmpd="sng" algn="ctr">
+                      <a:solidFill>
+                        <a:schemeClr val="tx1"/>
+                      </a:solidFill>
+                      <a:prstDash val="solid"/>
+                      <a:round/>
+                      <a:headEnd type="none" w="med" len="med"/>
+                      <a:tailEnd type="none" w="med" len="med"/>
+                    </a:lnT>
+                    <a:lnB w="12700" cap="flat" cmpd="sng" algn="ctr">
+                      <a:solidFill>
+                        <a:schemeClr val="tx1"/>
+                      </a:solidFill>
+                      <a:prstDash val="solid"/>
+                      <a:round/>
+                      <a:headEnd type="none" w="med" len="med"/>
+                      <a:tailEnd type="none" w="med" len="med"/>
+                    </a:lnB>
+                    <a:solidFill>
+                      <a:schemeClr val="accent5">
+                        <a:lumMod val="20000"/>
+                        <a:lumOff val="80000"/>
+                      </a:schemeClr>
+                    </a:solidFill>
+                  </a:tcPr>
+                </a:tc>
+                <a:extLst>
+                  <a:ext uri="{0D108BD9-81ED-4DB2-BD59-A6C34878D82A}">
+                    <a16:rowId xmlns:a16="http://schemas.microsoft.com/office/drawing/2014/main" val="232381073"/>
+                  </a:ext>
+                </a:extLst>
+              </a:tr>
+              <a:tr h="182880">
+                <a:tc>
+                  <a:txBody>
+                    <a:bodyPr/>
+                    <a:lstStyle/>
+                    <a:p>
+                      <a:pPr algn="l" fontAlgn="b"/>
+                      <a:r>
+                        <a:rPr lang="en-ID" sz="1400" u="none" strike="noStrike">
+                          <a:effectLst/>
+                        </a:rPr>
+                        <a:t>Vietnam</a:t>
+                      </a:r>
+                      <a:endParaRPr lang="en-ID" sz="1400" b="0" i="0" u="none" strike="noStrike">
+                        <a:solidFill>
+                          <a:srgbClr val="000000"/>
+                        </a:solidFill>
+                        <a:effectLst/>
+                        <a:latin typeface="Calibri" panose="020F0502020204030204" pitchFamily="34" charset="0"/>
+                      </a:endParaRPr>
+                    </a:p>
+                  </a:txBody>
+                  <a:tcPr marL="7620" marR="7620" marT="7620" marB="0" anchor="b">
+                    <a:lnL w="12700" cap="flat" cmpd="sng" algn="ctr">
+                      <a:solidFill>
+                        <a:schemeClr val="tx1"/>
+                      </a:solidFill>
+                      <a:prstDash val="solid"/>
+                      <a:round/>
+                      <a:headEnd type="none" w="med" len="med"/>
+                      <a:tailEnd type="none" w="med" len="med"/>
+                    </a:lnL>
+                    <a:lnR w="12700" cap="flat" cmpd="sng" algn="ctr">
+                      <a:solidFill>
+                        <a:schemeClr val="tx1"/>
+                      </a:solidFill>
+                      <a:prstDash val="solid"/>
+                      <a:round/>
+                      <a:headEnd type="none" w="med" len="med"/>
+                      <a:tailEnd type="none" w="med" len="med"/>
+                    </a:lnR>
+                    <a:lnT w="12700" cap="flat" cmpd="sng" algn="ctr">
+                      <a:solidFill>
+                        <a:schemeClr val="tx1"/>
+                      </a:solidFill>
+                      <a:prstDash val="solid"/>
+                      <a:round/>
+                      <a:headEnd type="none" w="med" len="med"/>
+                      <a:tailEnd type="none" w="med" len="med"/>
+                    </a:lnT>
+                    <a:lnB w="12700" cap="flat" cmpd="sng" algn="ctr">
+                      <a:solidFill>
+                        <a:schemeClr val="tx1"/>
+                      </a:solidFill>
+                      <a:prstDash val="solid"/>
+                      <a:round/>
+                      <a:headEnd type="none" w="med" len="med"/>
+                      <a:tailEnd type="none" w="med" len="med"/>
+                    </a:lnB>
+                    <a:solidFill>
+                      <a:schemeClr val="bg1"/>
+                    </a:solidFill>
+                  </a:tcPr>
+                </a:tc>
+                <a:tc>
+                  <a:txBody>
+                    <a:bodyPr/>
+                    <a:lstStyle/>
+                    <a:p>
+                      <a:pPr algn="l" fontAlgn="b"/>
+                      <a:r>
+                        <a:rPr lang="en-ID" sz="1400" u="none" strike="noStrike">
+                          <a:effectLst/>
+                        </a:rPr>
+                        <a:t>Lower middle income</a:t>
+                      </a:r>
+                      <a:endParaRPr lang="en-ID" sz="1400" b="0" i="0" u="none" strike="noStrike">
+                        <a:solidFill>
+                          <a:srgbClr val="000000"/>
+                        </a:solidFill>
+                        <a:effectLst/>
+                        <a:latin typeface="Calibri" panose="020F0502020204030204" pitchFamily="34" charset="0"/>
+                      </a:endParaRPr>
+                    </a:p>
+                  </a:txBody>
+                  <a:tcPr marL="7620" marR="7620" marT="7620" marB="0" anchor="b">
+                    <a:lnL w="12700" cap="flat" cmpd="sng" algn="ctr">
+                      <a:solidFill>
+                        <a:schemeClr val="tx1"/>
+                      </a:solidFill>
+                      <a:prstDash val="solid"/>
+                      <a:round/>
+                      <a:headEnd type="none" w="med" len="med"/>
+                      <a:tailEnd type="none" w="med" len="med"/>
+                    </a:lnL>
+                    <a:lnR w="12700" cap="flat" cmpd="sng" algn="ctr">
+                      <a:solidFill>
+                        <a:schemeClr val="tx1"/>
+                      </a:solidFill>
+                      <a:prstDash val="solid"/>
+                      <a:round/>
+                      <a:headEnd type="none" w="med" len="med"/>
+                      <a:tailEnd type="none" w="med" len="med"/>
+                    </a:lnR>
+                    <a:lnT w="12700" cap="flat" cmpd="sng" algn="ctr">
+                      <a:solidFill>
+                        <a:schemeClr val="tx1"/>
+                      </a:solidFill>
+                      <a:prstDash val="solid"/>
+                      <a:round/>
+                      <a:headEnd type="none" w="med" len="med"/>
+                      <a:tailEnd type="none" w="med" len="med"/>
+                    </a:lnT>
+                    <a:lnB w="12700" cap="flat" cmpd="sng" algn="ctr">
+                      <a:solidFill>
+                        <a:schemeClr val="tx1"/>
+                      </a:solidFill>
+                      <a:prstDash val="solid"/>
+                      <a:round/>
+                      <a:headEnd type="none" w="med" len="med"/>
+                      <a:tailEnd type="none" w="med" len="med"/>
+                    </a:lnB>
+                    <a:solidFill>
+                      <a:schemeClr val="bg1"/>
+                    </a:solidFill>
+                  </a:tcPr>
+                </a:tc>
+                <a:extLst>
+                  <a:ext uri="{0D108BD9-81ED-4DB2-BD59-A6C34878D82A}">
+                    <a16:rowId xmlns:a16="http://schemas.microsoft.com/office/drawing/2014/main" val="3001136808"/>
+                  </a:ext>
+                </a:extLst>
+              </a:tr>
+            </a:tbl>
+          </a:graphicData>
+        </a:graphic>
+      </p:graphicFrame>
+    </p:spTree>
+    <p:extLst>
+      <p:ext uri="{BB962C8B-B14F-4D97-AF65-F5344CB8AC3E}">
+        <p14:creationId xmlns:p14="http://schemas.microsoft.com/office/powerpoint/2010/main" val="1766589567"/>
+      </p:ext>
+    </p:extLst>
+  </p:cSld>
+  <p:clrMapOvr>
+    <a:masterClrMapping/>
+  </p:clrMapOvr>
+</p:sld>
+</file>
+
+<file path=ppt/slides/slide7.xml><?xml version="1.0" encoding="utf-8"?>
 <p:sld xmlns:a="http://schemas.openxmlformats.org/drawingml/2006/main" xmlns:r="http://schemas.openxmlformats.org/officeDocument/2006/relationships" xmlns:p="http://schemas.openxmlformats.org/presentationml/2006/main">
   <p:cSld>
     <p:spTree>
@@ -17658,8 +19646,8 @@
         </p:nvGrpSpPr>
         <p:grpSpPr>
           <a:xfrm>
-            <a:off x="1739187" y="423243"/>
-            <a:ext cx="8853877" cy="4079637"/>
+            <a:off x="2032932" y="536895"/>
+            <a:ext cx="7583996" cy="3814983"/>
             <a:chOff x="1037378" y="241095"/>
             <a:chExt cx="9799731" cy="4515462"/>
           </a:xfrm>
@@ -17922,399 +19910,1607 @@
           </p:txBody>
         </p:sp>
       </p:grpSp>
-    </p:spTree>
-    <p:extLst>
-      <p:ext uri="{BB962C8B-B14F-4D97-AF65-F5344CB8AC3E}">
-        <p14:creationId xmlns:p14="http://schemas.microsoft.com/office/powerpoint/2010/main" val="1705982963"/>
-      </p:ext>
-    </p:extLst>
-  </p:cSld>
-  <p:clrMapOvr>
-    <a:masterClrMapping/>
-  </p:clrMapOvr>
-</p:sld>
-</file>
-
-<file path=ppt/slides/slide6.xml><?xml version="1.0" encoding="utf-8"?>
-<p:sld xmlns:a="http://schemas.openxmlformats.org/drawingml/2006/main" xmlns:r="http://schemas.openxmlformats.org/officeDocument/2006/relationships" xmlns:p="http://schemas.openxmlformats.org/presentationml/2006/main">
-  <p:cSld>
-    <p:spTree>
-      <p:nvGrpSpPr>
-        <p:cNvPr id="1" name=""/>
-        <p:cNvGrpSpPr/>
-        <p:nvPr/>
-      </p:nvGrpSpPr>
-      <p:grpSpPr>
-        <a:xfrm>
-          <a:off x="0" y="0"/>
-          <a:ext cx="0" cy="0"/>
-          <a:chOff x="0" y="0"/>
-          <a:chExt cx="0" cy="0"/>
-        </a:xfrm>
-      </p:grpSpPr>
-      <p:grpSp>
-        <p:nvGrpSpPr>
-          <p:cNvPr id="15" name="Group 14">
+      <p:graphicFrame>
+        <p:nvGraphicFramePr>
+          <p:cNvPr id="10" name="Table 9">
             <a:extLst>
               <a:ext uri="{FF2B5EF4-FFF2-40B4-BE49-F238E27FC236}">
-                <a16:creationId xmlns:a16="http://schemas.microsoft.com/office/drawing/2014/main" id="{FCBF7ED4-20CE-46EE-BF43-79D6F48E47EC}"/>
-              </a:ext>
-            </a:extLst>
-          </p:cNvPr>
-          <p:cNvGrpSpPr/>
-          <p:nvPr/>
-        </p:nvGrpSpPr>
-        <p:grpSpPr>
-          <a:xfrm>
-            <a:off x="1875475" y="408324"/>
-            <a:ext cx="8229599" cy="3841508"/>
-            <a:chOff x="1803633" y="412339"/>
-            <a:chExt cx="8266113" cy="4277107"/>
-          </a:xfrm>
-        </p:grpSpPr>
-        <p:grpSp>
-          <p:nvGrpSpPr>
-            <p:cNvPr id="13" name="Group 12">
-              <a:extLst>
-                <a:ext uri="{FF2B5EF4-FFF2-40B4-BE49-F238E27FC236}">
-                  <a16:creationId xmlns:a16="http://schemas.microsoft.com/office/drawing/2014/main" id="{EAD63AE9-7E86-434B-AB62-5A4F760AF97E}"/>
-                </a:ext>
-              </a:extLst>
-            </p:cNvPr>
-            <p:cNvGrpSpPr/>
-            <p:nvPr/>
-          </p:nvGrpSpPr>
-          <p:grpSpPr>
-            <a:xfrm>
-              <a:off x="1937691" y="412339"/>
-              <a:ext cx="8132055" cy="4017018"/>
-              <a:chOff x="2029970" y="1066681"/>
-              <a:chExt cx="8132055" cy="4017018"/>
-            </a:xfrm>
-          </p:grpSpPr>
-          <p:grpSp>
-            <p:nvGrpSpPr>
-              <p:cNvPr id="10" name="Group 9">
-                <a:extLst>
-                  <a:ext uri="{FF2B5EF4-FFF2-40B4-BE49-F238E27FC236}">
-                    <a16:creationId xmlns:a16="http://schemas.microsoft.com/office/drawing/2014/main" id="{5A5EBE0A-49AB-46BB-AAEB-E708413D743F}"/>
-                  </a:ext>
-                </a:extLst>
-              </p:cNvPr>
-              <p:cNvGrpSpPr/>
-              <p:nvPr/>
-            </p:nvGrpSpPr>
-            <p:grpSpPr>
-              <a:xfrm>
-                <a:off x="2029970" y="1280184"/>
-                <a:ext cx="8132055" cy="3803515"/>
-                <a:chOff x="2029972" y="1149112"/>
-                <a:chExt cx="8132055" cy="3803515"/>
-              </a:xfrm>
-            </p:grpSpPr>
-            <p:pic>
-              <p:nvPicPr>
-                <p:cNvPr id="5" name="Picture 4">
-                  <a:extLst>
-                    <a:ext uri="{FF2B5EF4-FFF2-40B4-BE49-F238E27FC236}">
-                      <a16:creationId xmlns:a16="http://schemas.microsoft.com/office/drawing/2014/main" id="{C3EF315A-D3A1-4468-A77E-32EC3F0705E6}"/>
-                    </a:ext>
-                  </a:extLst>
-                </p:cNvPr>
-                <p:cNvPicPr>
-                  <a:picLocks noChangeAspect="1"/>
-                </p:cNvPicPr>
-                <p:nvPr/>
-              </p:nvPicPr>
-              <p:blipFill rotWithShape="1">
-                <a:blip r:embed="rId2"/>
-                <a:srcRect l="589" t="1586" r="2034" b="2468"/>
-                <a:stretch/>
-              </p:blipFill>
-              <p:spPr>
-                <a:xfrm>
-                  <a:off x="2029972" y="1149112"/>
-                  <a:ext cx="8132055" cy="3803515"/>
-                </a:xfrm>
-                <a:prstGeom prst="rect">
-                  <a:avLst/>
-                </a:prstGeom>
-              </p:spPr>
-            </p:pic>
-            <p:sp>
-              <p:nvSpPr>
-                <p:cNvPr id="6" name="Rectangle 5">
-                  <a:extLst>
-                    <a:ext uri="{FF2B5EF4-FFF2-40B4-BE49-F238E27FC236}">
-                      <a16:creationId xmlns:a16="http://schemas.microsoft.com/office/drawing/2014/main" id="{C4276FED-22B5-4D2A-A343-FE44487DDDB9}"/>
-                    </a:ext>
-                  </a:extLst>
-                </p:cNvPr>
-                <p:cNvSpPr/>
-                <p:nvPr/>
-              </p:nvSpPr>
-              <p:spPr>
-                <a:xfrm>
-                  <a:off x="2918297" y="1392304"/>
-                  <a:ext cx="7062281" cy="3151762"/>
-                </a:xfrm>
-                <a:prstGeom prst="rect">
-                  <a:avLst/>
-                </a:prstGeom>
-                <a:noFill/>
-                <a:ln>
-                  <a:solidFill>
-                    <a:schemeClr val="tx1"/>
-                  </a:solidFill>
-                </a:ln>
-              </p:spPr>
-              <p:style>
-                <a:lnRef idx="2">
-                  <a:schemeClr val="accent1">
-                    <a:shade val="50000"/>
-                  </a:schemeClr>
-                </a:lnRef>
-                <a:fillRef idx="1">
-                  <a:schemeClr val="accent1"/>
-                </a:fillRef>
-                <a:effectRef idx="0">
-                  <a:schemeClr val="accent1"/>
-                </a:effectRef>
-                <a:fontRef idx="minor">
-                  <a:schemeClr val="lt1"/>
-                </a:fontRef>
-              </p:style>
-              <p:txBody>
-                <a:bodyPr rtlCol="0" anchor="ctr"/>
-                <a:lstStyle/>
-                <a:p>
-                  <a:pPr algn="ctr"/>
-                  <a:endParaRPr lang="en-ID"/>
-                </a:p>
-              </p:txBody>
-            </p:sp>
-          </p:grpSp>
-          <p:grpSp>
-            <p:nvGrpSpPr>
-              <p:cNvPr id="12" name="Group 11">
-                <a:extLst>
-                  <a:ext uri="{FF2B5EF4-FFF2-40B4-BE49-F238E27FC236}">
-                    <a16:creationId xmlns:a16="http://schemas.microsoft.com/office/drawing/2014/main" id="{D8107C8A-D7EB-407D-A3CB-057B6AF5F037}"/>
-                  </a:ext>
-                </a:extLst>
-              </p:cNvPr>
-              <p:cNvGrpSpPr/>
-              <p:nvPr/>
-            </p:nvGrpSpPr>
-            <p:grpSpPr>
-              <a:xfrm>
-                <a:off x="4275099" y="1066681"/>
-                <a:ext cx="3641795" cy="427005"/>
-                <a:chOff x="4275101" y="871623"/>
-                <a:chExt cx="3641795" cy="427005"/>
-              </a:xfrm>
-            </p:grpSpPr>
-            <p:pic>
-              <p:nvPicPr>
-                <p:cNvPr id="9" name="Picture 8">
-                  <a:extLst>
-                    <a:ext uri="{FF2B5EF4-FFF2-40B4-BE49-F238E27FC236}">
-                      <a16:creationId xmlns:a16="http://schemas.microsoft.com/office/drawing/2014/main" id="{3B79EF56-7203-48A7-9B82-E9AA2803906B}"/>
-                    </a:ext>
-                  </a:extLst>
-                </p:cNvPr>
-                <p:cNvPicPr>
-                  <a:picLocks noChangeAspect="1"/>
-                </p:cNvPicPr>
-                <p:nvPr/>
-              </p:nvPicPr>
-              <p:blipFill>
-                <a:blip r:embed="rId3"/>
-                <a:stretch>
-                  <a:fillRect/>
-                </a:stretch>
-              </p:blipFill>
-              <p:spPr>
-                <a:xfrm>
-                  <a:off x="4275101" y="999595"/>
-                  <a:ext cx="3641795" cy="299033"/>
-                </a:xfrm>
-                <a:prstGeom prst="rect">
-                  <a:avLst/>
-                </a:prstGeom>
-              </p:spPr>
-            </p:pic>
-            <p:sp>
-              <p:nvSpPr>
-                <p:cNvPr id="11" name="Rectangle 10">
-                  <a:extLst>
-                    <a:ext uri="{FF2B5EF4-FFF2-40B4-BE49-F238E27FC236}">
-                      <a16:creationId xmlns:a16="http://schemas.microsoft.com/office/drawing/2014/main" id="{08BD8A66-685A-42DA-B6A9-83E373714B63}"/>
-                    </a:ext>
-                  </a:extLst>
-                </p:cNvPr>
-                <p:cNvSpPr/>
-                <p:nvPr/>
-              </p:nvSpPr>
-              <p:spPr>
-                <a:xfrm>
-                  <a:off x="5712903" y="871623"/>
-                  <a:ext cx="494950" cy="202168"/>
-                </a:xfrm>
-                <a:prstGeom prst="rect">
-                  <a:avLst/>
-                </a:prstGeom>
-                <a:solidFill>
-                  <a:schemeClr val="bg1"/>
-                </a:solidFill>
-                <a:ln>
-                  <a:noFill/>
-                </a:ln>
-              </p:spPr>
-              <p:style>
-                <a:lnRef idx="2">
-                  <a:schemeClr val="accent1">
-                    <a:shade val="50000"/>
-                  </a:schemeClr>
-                </a:lnRef>
-                <a:fillRef idx="1">
-                  <a:schemeClr val="accent1"/>
-                </a:fillRef>
-                <a:effectRef idx="0">
-                  <a:schemeClr val="accent1"/>
-                </a:effectRef>
-                <a:fontRef idx="minor">
-                  <a:schemeClr val="lt1"/>
-                </a:fontRef>
-              </p:style>
-              <p:txBody>
-                <a:bodyPr rtlCol="0" anchor="ctr"/>
-                <a:lstStyle/>
-                <a:p>
-                  <a:pPr algn="ctr"/>
-                  <a:endParaRPr lang="en-ID"/>
-                </a:p>
-              </p:txBody>
-            </p:sp>
-          </p:grpSp>
-        </p:grpSp>
-        <p:sp>
-          <p:nvSpPr>
-            <p:cNvPr id="14" name="Rectangle 13">
-              <a:extLst>
-                <a:ext uri="{FF2B5EF4-FFF2-40B4-BE49-F238E27FC236}">
-                  <a16:creationId xmlns:a16="http://schemas.microsoft.com/office/drawing/2014/main" id="{18114DEE-36DA-4ED6-B31F-714711D7ADAC}"/>
-                </a:ext>
-              </a:extLst>
-            </p:cNvPr>
-            <p:cNvSpPr/>
-            <p:nvPr/>
-          </p:nvSpPr>
-          <p:spPr>
-            <a:xfrm>
-              <a:off x="1803633" y="540311"/>
-              <a:ext cx="318621" cy="4149135"/>
-            </a:xfrm>
-            <a:prstGeom prst="rect">
-              <a:avLst/>
-            </a:prstGeom>
-            <a:solidFill>
-              <a:schemeClr val="bg1"/>
-            </a:solidFill>
-            <a:ln>
-              <a:noFill/>
-            </a:ln>
-          </p:spPr>
-          <p:style>
-            <a:lnRef idx="2">
-              <a:schemeClr val="accent1">
-                <a:shade val="50000"/>
-              </a:schemeClr>
-            </a:lnRef>
-            <a:fillRef idx="1">
-              <a:schemeClr val="accent1"/>
-            </a:fillRef>
-            <a:effectRef idx="0">
-              <a:schemeClr val="accent1"/>
-            </a:effectRef>
-            <a:fontRef idx="minor">
-              <a:schemeClr val="lt1"/>
-            </a:fontRef>
-          </p:style>
-          <p:txBody>
-            <a:bodyPr rtlCol="0" anchor="ctr"/>
-            <a:lstStyle/>
-            <a:p>
-              <a:pPr algn="ctr"/>
-              <a:endParaRPr lang="en-ID"/>
-            </a:p>
-          </p:txBody>
-        </p:sp>
-      </p:grpSp>
-    </p:spTree>
-    <p:extLst>
-      <p:ext uri="{BB962C8B-B14F-4D97-AF65-F5344CB8AC3E}">
-        <p14:creationId xmlns:p14="http://schemas.microsoft.com/office/powerpoint/2010/main" val="4036930394"/>
-      </p:ext>
-    </p:extLst>
-  </p:cSld>
-  <p:clrMapOvr>
-    <a:masterClrMapping/>
-  </p:clrMapOvr>
-</p:sld>
-</file>
-
-<file path=ppt/slides/slide7.xml><?xml version="1.0" encoding="utf-8"?>
-<p:sld xmlns:a="http://schemas.openxmlformats.org/drawingml/2006/main" xmlns:r="http://schemas.openxmlformats.org/officeDocument/2006/relationships" xmlns:p="http://schemas.openxmlformats.org/presentationml/2006/main">
-  <p:cSld>
-    <p:spTree>
-      <p:nvGrpSpPr>
-        <p:cNvPr id="1" name=""/>
-        <p:cNvGrpSpPr/>
-        <p:nvPr/>
-      </p:nvGrpSpPr>
-      <p:grpSpPr>
-        <a:xfrm>
-          <a:off x="0" y="0"/>
-          <a:ext cx="0" cy="0"/>
-          <a:chOff x="0" y="0"/>
-          <a:chExt cx="0" cy="0"/>
-        </a:xfrm>
-      </p:grpSpPr>
-      <p:graphicFrame>
-        <p:nvGraphicFramePr>
-          <p:cNvPr id="4" name="Chart 3">
-            <a:extLst>
-              <a:ext uri="{FF2B5EF4-FFF2-40B4-BE49-F238E27FC236}">
-                <a16:creationId xmlns:a16="http://schemas.microsoft.com/office/drawing/2014/main" id="{2D47C221-CAFD-482F-B2B0-E9F1757531D7}"/>
+                <a16:creationId xmlns:a16="http://schemas.microsoft.com/office/drawing/2014/main" id="{8DDE5E6A-DFA3-43DB-9887-62B459C776BC}"/>
               </a:ext>
             </a:extLst>
           </p:cNvPr>
           <p:cNvGraphicFramePr>
-            <a:graphicFrameLocks/>
+            <a:graphicFrameLocks noGrp="1"/>
           </p:cNvGraphicFramePr>
           <p:nvPr>
             <p:extLst>
               <p:ext uri="{D42A27DB-BD31-4B8C-83A1-F6EECF244321}">
-                <p14:modId xmlns:p14="http://schemas.microsoft.com/office/powerpoint/2010/main" val="2743153222"/>
+                <p14:modId xmlns:p14="http://schemas.microsoft.com/office/powerpoint/2010/main" val="3486127372"/>
               </p:ext>
             </p:extLst>
           </p:nvPr>
         </p:nvGraphicFramePr>
         <p:xfrm>
-          <a:off x="1852654" y="330003"/>
-          <a:ext cx="8338184" cy="3388639"/>
+          <a:off x="4054572" y="4143275"/>
+          <a:ext cx="3422708" cy="2430780"/>
         </p:xfrm>
         <a:graphic>
-          <a:graphicData uri="http://schemas.openxmlformats.org/drawingml/2006/chart">
-            <c:chart xmlns:c="http://schemas.openxmlformats.org/drawingml/2006/chart" xmlns:r="http://schemas.openxmlformats.org/officeDocument/2006/relationships" r:id="rId2"/>
+          <a:graphicData uri="http://schemas.openxmlformats.org/drawingml/2006/table">
+            <a:tbl>
+              <a:tblPr>
+                <a:tableStyleId>{5C22544A-7EE6-4342-B048-85BDC9FD1C3A}</a:tableStyleId>
+              </a:tblPr>
+              <a:tblGrid>
+                <a:gridCol w="1724007">
+                  <a:extLst>
+                    <a:ext uri="{9D8B030D-6E8A-4147-A177-3AD203B41FA5}">
+                      <a16:colId xmlns:a16="http://schemas.microsoft.com/office/drawing/2014/main" val="2492362124"/>
+                    </a:ext>
+                  </a:extLst>
+                </a:gridCol>
+                <a:gridCol w="1698701">
+                  <a:extLst>
+                    <a:ext uri="{9D8B030D-6E8A-4147-A177-3AD203B41FA5}">
+                      <a16:colId xmlns:a16="http://schemas.microsoft.com/office/drawing/2014/main" val="2143225333"/>
+                    </a:ext>
+                  </a:extLst>
+                </a:gridCol>
+              </a:tblGrid>
+              <a:tr h="182880">
+                <a:tc>
+                  <a:txBody>
+                    <a:bodyPr/>
+                    <a:lstStyle/>
+                    <a:p>
+                      <a:pPr algn="l" fontAlgn="b"/>
+                      <a:r>
+                        <a:rPr lang="en-ID" sz="1400" u="none" strike="noStrike">
+                          <a:effectLst/>
+                        </a:rPr>
+                        <a:t>Country</a:t>
+                      </a:r>
+                      <a:endParaRPr lang="en-ID" sz="1400" b="0" i="0" u="none" strike="noStrike">
+                        <a:solidFill>
+                          <a:srgbClr val="000000"/>
+                        </a:solidFill>
+                        <a:effectLst/>
+                        <a:latin typeface="Calibri" panose="020F0502020204030204" pitchFamily="34" charset="0"/>
+                      </a:endParaRPr>
+                    </a:p>
+                  </a:txBody>
+                  <a:tcPr marL="7620" marR="7620" marT="7620" marB="0" anchor="b">
+                    <a:lnL w="12700" cap="flat" cmpd="sng" algn="ctr">
+                      <a:solidFill>
+                        <a:schemeClr val="tx1"/>
+                      </a:solidFill>
+                      <a:prstDash val="solid"/>
+                      <a:round/>
+                      <a:headEnd type="none" w="med" len="med"/>
+                      <a:tailEnd type="none" w="med" len="med"/>
+                    </a:lnL>
+                    <a:lnR w="12700" cap="flat" cmpd="sng" algn="ctr">
+                      <a:solidFill>
+                        <a:schemeClr val="tx1"/>
+                      </a:solidFill>
+                      <a:prstDash val="solid"/>
+                      <a:round/>
+                      <a:headEnd type="none" w="med" len="med"/>
+                      <a:tailEnd type="none" w="med" len="med"/>
+                    </a:lnR>
+                    <a:lnT w="12700" cap="flat" cmpd="sng" algn="ctr">
+                      <a:solidFill>
+                        <a:schemeClr val="tx1"/>
+                      </a:solidFill>
+                      <a:prstDash val="solid"/>
+                      <a:round/>
+                      <a:headEnd type="none" w="med" len="med"/>
+                      <a:tailEnd type="none" w="med" len="med"/>
+                    </a:lnT>
+                    <a:lnB w="12700" cap="flat" cmpd="sng" algn="ctr">
+                      <a:solidFill>
+                        <a:schemeClr val="tx1"/>
+                      </a:solidFill>
+                      <a:prstDash val="solid"/>
+                      <a:round/>
+                      <a:headEnd type="none" w="med" len="med"/>
+                      <a:tailEnd type="none" w="med" len="med"/>
+                    </a:lnB>
+                    <a:solidFill>
+                      <a:schemeClr val="accent6">
+                        <a:lumMod val="40000"/>
+                        <a:lumOff val="60000"/>
+                      </a:schemeClr>
+                    </a:solidFill>
+                  </a:tcPr>
+                </a:tc>
+                <a:tc>
+                  <a:txBody>
+                    <a:bodyPr/>
+                    <a:lstStyle/>
+                    <a:p>
+                      <a:pPr algn="l" fontAlgn="b"/>
+                      <a:r>
+                        <a:rPr lang="en-ID" sz="1400" u="none" strike="noStrike">
+                          <a:effectLst/>
+                        </a:rPr>
+                        <a:t>Income_Group</a:t>
+                      </a:r>
+                      <a:endParaRPr lang="en-ID" sz="1400" b="0" i="0" u="none" strike="noStrike">
+                        <a:solidFill>
+                          <a:srgbClr val="000000"/>
+                        </a:solidFill>
+                        <a:effectLst/>
+                        <a:latin typeface="Calibri" panose="020F0502020204030204" pitchFamily="34" charset="0"/>
+                      </a:endParaRPr>
+                    </a:p>
+                  </a:txBody>
+                  <a:tcPr marL="7620" marR="7620" marT="7620" marB="0" anchor="b">
+                    <a:lnL w="12700" cap="flat" cmpd="sng" algn="ctr">
+                      <a:solidFill>
+                        <a:schemeClr val="tx1"/>
+                      </a:solidFill>
+                      <a:prstDash val="solid"/>
+                      <a:round/>
+                      <a:headEnd type="none" w="med" len="med"/>
+                      <a:tailEnd type="none" w="med" len="med"/>
+                    </a:lnL>
+                    <a:lnR w="12700" cap="flat" cmpd="sng" algn="ctr">
+                      <a:solidFill>
+                        <a:schemeClr val="tx1"/>
+                      </a:solidFill>
+                      <a:prstDash val="solid"/>
+                      <a:round/>
+                      <a:headEnd type="none" w="med" len="med"/>
+                      <a:tailEnd type="none" w="med" len="med"/>
+                    </a:lnR>
+                    <a:lnT w="12700" cap="flat" cmpd="sng" algn="ctr">
+                      <a:solidFill>
+                        <a:schemeClr val="tx1"/>
+                      </a:solidFill>
+                      <a:prstDash val="solid"/>
+                      <a:round/>
+                      <a:headEnd type="none" w="med" len="med"/>
+                      <a:tailEnd type="none" w="med" len="med"/>
+                    </a:lnT>
+                    <a:lnB w="12700" cap="flat" cmpd="sng" algn="ctr">
+                      <a:solidFill>
+                        <a:schemeClr val="tx1"/>
+                      </a:solidFill>
+                      <a:prstDash val="solid"/>
+                      <a:round/>
+                      <a:headEnd type="none" w="med" len="med"/>
+                      <a:tailEnd type="none" w="med" len="med"/>
+                    </a:lnB>
+                    <a:solidFill>
+                      <a:schemeClr val="accent6">
+                        <a:lumMod val="40000"/>
+                        <a:lumOff val="60000"/>
+                      </a:schemeClr>
+                    </a:solidFill>
+                  </a:tcPr>
+                </a:tc>
+                <a:extLst>
+                  <a:ext uri="{0D108BD9-81ED-4DB2-BD59-A6C34878D82A}">
+                    <a16:rowId xmlns:a16="http://schemas.microsoft.com/office/drawing/2014/main" val="2108294971"/>
+                  </a:ext>
+                </a:extLst>
+              </a:tr>
+              <a:tr h="182880">
+                <a:tc>
+                  <a:txBody>
+                    <a:bodyPr/>
+                    <a:lstStyle/>
+                    <a:p>
+                      <a:pPr algn="l" fontAlgn="b"/>
+                      <a:r>
+                        <a:rPr lang="en-ID" sz="1400" u="none" strike="noStrike">
+                          <a:effectLst/>
+                        </a:rPr>
+                        <a:t>Brunei</a:t>
+                      </a:r>
+                      <a:endParaRPr lang="en-ID" sz="1400" b="0" i="0" u="none" strike="noStrike">
+                        <a:solidFill>
+                          <a:srgbClr val="000000"/>
+                        </a:solidFill>
+                        <a:effectLst/>
+                        <a:latin typeface="Calibri" panose="020F0502020204030204" pitchFamily="34" charset="0"/>
+                      </a:endParaRPr>
+                    </a:p>
+                  </a:txBody>
+                  <a:tcPr marL="7620" marR="7620" marT="7620" marB="0" anchor="b">
+                    <a:lnL w="12700" cap="flat" cmpd="sng" algn="ctr">
+                      <a:solidFill>
+                        <a:schemeClr val="tx1"/>
+                      </a:solidFill>
+                      <a:prstDash val="solid"/>
+                      <a:round/>
+                      <a:headEnd type="none" w="med" len="med"/>
+                      <a:tailEnd type="none" w="med" len="med"/>
+                    </a:lnL>
+                    <a:lnR w="12700" cap="flat" cmpd="sng" algn="ctr">
+                      <a:solidFill>
+                        <a:schemeClr val="tx1"/>
+                      </a:solidFill>
+                      <a:prstDash val="solid"/>
+                      <a:round/>
+                      <a:headEnd type="none" w="med" len="med"/>
+                      <a:tailEnd type="none" w="med" len="med"/>
+                    </a:lnR>
+                    <a:lnT w="12700" cap="flat" cmpd="sng" algn="ctr">
+                      <a:solidFill>
+                        <a:schemeClr val="tx1"/>
+                      </a:solidFill>
+                      <a:prstDash val="solid"/>
+                      <a:round/>
+                      <a:headEnd type="none" w="med" len="med"/>
+                      <a:tailEnd type="none" w="med" len="med"/>
+                    </a:lnT>
+                    <a:lnB w="12700" cap="flat" cmpd="sng" algn="ctr">
+                      <a:solidFill>
+                        <a:schemeClr val="tx1"/>
+                      </a:solidFill>
+                      <a:prstDash val="solid"/>
+                      <a:round/>
+                      <a:headEnd type="none" w="med" len="med"/>
+                      <a:tailEnd type="none" w="med" len="med"/>
+                    </a:lnB>
+                    <a:solidFill>
+                      <a:schemeClr val="accent5">
+                        <a:lumMod val="40000"/>
+                        <a:lumOff val="60000"/>
+                      </a:schemeClr>
+                    </a:solidFill>
+                  </a:tcPr>
+                </a:tc>
+                <a:tc>
+                  <a:txBody>
+                    <a:bodyPr/>
+                    <a:lstStyle/>
+                    <a:p>
+                      <a:pPr algn="l" fontAlgn="b"/>
+                      <a:r>
+                        <a:rPr lang="en-ID" sz="1400" u="none" strike="noStrike">
+                          <a:effectLst/>
+                        </a:rPr>
+                        <a:t>High income</a:t>
+                      </a:r>
+                      <a:endParaRPr lang="en-ID" sz="1400" b="0" i="0" u="none" strike="noStrike">
+                        <a:solidFill>
+                          <a:srgbClr val="000000"/>
+                        </a:solidFill>
+                        <a:effectLst/>
+                        <a:latin typeface="Calibri" panose="020F0502020204030204" pitchFamily="34" charset="0"/>
+                      </a:endParaRPr>
+                    </a:p>
+                  </a:txBody>
+                  <a:tcPr marL="7620" marR="7620" marT="7620" marB="0" anchor="b">
+                    <a:lnL w="12700" cap="flat" cmpd="sng" algn="ctr">
+                      <a:solidFill>
+                        <a:schemeClr val="tx1"/>
+                      </a:solidFill>
+                      <a:prstDash val="solid"/>
+                      <a:round/>
+                      <a:headEnd type="none" w="med" len="med"/>
+                      <a:tailEnd type="none" w="med" len="med"/>
+                    </a:lnL>
+                    <a:lnR w="12700" cap="flat" cmpd="sng" algn="ctr">
+                      <a:solidFill>
+                        <a:schemeClr val="tx1"/>
+                      </a:solidFill>
+                      <a:prstDash val="solid"/>
+                      <a:round/>
+                      <a:headEnd type="none" w="med" len="med"/>
+                      <a:tailEnd type="none" w="med" len="med"/>
+                    </a:lnR>
+                    <a:lnT w="12700" cap="flat" cmpd="sng" algn="ctr">
+                      <a:solidFill>
+                        <a:schemeClr val="tx1"/>
+                      </a:solidFill>
+                      <a:prstDash val="solid"/>
+                      <a:round/>
+                      <a:headEnd type="none" w="med" len="med"/>
+                      <a:tailEnd type="none" w="med" len="med"/>
+                    </a:lnT>
+                    <a:lnB w="12700" cap="flat" cmpd="sng" algn="ctr">
+                      <a:solidFill>
+                        <a:schemeClr val="tx1"/>
+                      </a:solidFill>
+                      <a:prstDash val="solid"/>
+                      <a:round/>
+                      <a:headEnd type="none" w="med" len="med"/>
+                      <a:tailEnd type="none" w="med" len="med"/>
+                    </a:lnB>
+                    <a:solidFill>
+                      <a:schemeClr val="accent5">
+                        <a:lumMod val="40000"/>
+                        <a:lumOff val="60000"/>
+                      </a:schemeClr>
+                    </a:solidFill>
+                  </a:tcPr>
+                </a:tc>
+                <a:extLst>
+                  <a:ext uri="{0D108BD9-81ED-4DB2-BD59-A6C34878D82A}">
+                    <a16:rowId xmlns:a16="http://schemas.microsoft.com/office/drawing/2014/main" val="793700329"/>
+                  </a:ext>
+                </a:extLst>
+              </a:tr>
+              <a:tr h="182880">
+                <a:tc>
+                  <a:txBody>
+                    <a:bodyPr/>
+                    <a:lstStyle/>
+                    <a:p>
+                      <a:pPr algn="l" fontAlgn="b"/>
+                      <a:r>
+                        <a:rPr lang="en-ID" sz="1400" u="none" strike="noStrike">
+                          <a:effectLst/>
+                        </a:rPr>
+                        <a:t>Indonesia</a:t>
+                      </a:r>
+                      <a:endParaRPr lang="en-ID" sz="1400" b="0" i="0" u="none" strike="noStrike">
+                        <a:solidFill>
+                          <a:srgbClr val="000000"/>
+                        </a:solidFill>
+                        <a:effectLst/>
+                        <a:latin typeface="Calibri" panose="020F0502020204030204" pitchFamily="34" charset="0"/>
+                      </a:endParaRPr>
+                    </a:p>
+                  </a:txBody>
+                  <a:tcPr marL="7620" marR="7620" marT="7620" marB="0" anchor="b">
+                    <a:lnL w="12700" cap="flat" cmpd="sng" algn="ctr">
+                      <a:solidFill>
+                        <a:schemeClr val="tx1"/>
+                      </a:solidFill>
+                      <a:prstDash val="solid"/>
+                      <a:round/>
+                      <a:headEnd type="none" w="med" len="med"/>
+                      <a:tailEnd type="none" w="med" len="med"/>
+                    </a:lnL>
+                    <a:lnR w="12700" cap="flat" cmpd="sng" algn="ctr">
+                      <a:solidFill>
+                        <a:schemeClr val="tx1"/>
+                      </a:solidFill>
+                      <a:prstDash val="solid"/>
+                      <a:round/>
+                      <a:headEnd type="none" w="med" len="med"/>
+                      <a:tailEnd type="none" w="med" len="med"/>
+                    </a:lnR>
+                    <a:lnT w="12700" cap="flat" cmpd="sng" algn="ctr">
+                      <a:solidFill>
+                        <a:schemeClr val="tx1"/>
+                      </a:solidFill>
+                      <a:prstDash val="solid"/>
+                      <a:round/>
+                      <a:headEnd type="none" w="med" len="med"/>
+                      <a:tailEnd type="none" w="med" len="med"/>
+                    </a:lnT>
+                    <a:lnB w="12700" cap="flat" cmpd="sng" algn="ctr">
+                      <a:solidFill>
+                        <a:schemeClr val="tx1"/>
+                      </a:solidFill>
+                      <a:prstDash val="solid"/>
+                      <a:round/>
+                      <a:headEnd type="none" w="med" len="med"/>
+                      <a:tailEnd type="none" w="med" len="med"/>
+                    </a:lnB>
+                    <a:solidFill>
+                      <a:schemeClr val="bg1"/>
+                    </a:solidFill>
+                  </a:tcPr>
+                </a:tc>
+                <a:tc>
+                  <a:txBody>
+                    <a:bodyPr/>
+                    <a:lstStyle/>
+                    <a:p>
+                      <a:pPr algn="l" fontAlgn="b"/>
+                      <a:r>
+                        <a:rPr lang="en-ID" sz="1400" u="none" strike="noStrike">
+                          <a:effectLst/>
+                        </a:rPr>
+                        <a:t>Lower middle income</a:t>
+                      </a:r>
+                      <a:endParaRPr lang="en-ID" sz="1400" b="0" i="0" u="none" strike="noStrike">
+                        <a:solidFill>
+                          <a:srgbClr val="000000"/>
+                        </a:solidFill>
+                        <a:effectLst/>
+                        <a:latin typeface="Calibri" panose="020F0502020204030204" pitchFamily="34" charset="0"/>
+                      </a:endParaRPr>
+                    </a:p>
+                  </a:txBody>
+                  <a:tcPr marL="7620" marR="7620" marT="7620" marB="0" anchor="b">
+                    <a:lnL w="12700" cap="flat" cmpd="sng" algn="ctr">
+                      <a:solidFill>
+                        <a:schemeClr val="tx1"/>
+                      </a:solidFill>
+                      <a:prstDash val="solid"/>
+                      <a:round/>
+                      <a:headEnd type="none" w="med" len="med"/>
+                      <a:tailEnd type="none" w="med" len="med"/>
+                    </a:lnL>
+                    <a:lnR w="12700" cap="flat" cmpd="sng" algn="ctr">
+                      <a:solidFill>
+                        <a:schemeClr val="tx1"/>
+                      </a:solidFill>
+                      <a:prstDash val="solid"/>
+                      <a:round/>
+                      <a:headEnd type="none" w="med" len="med"/>
+                      <a:tailEnd type="none" w="med" len="med"/>
+                    </a:lnR>
+                    <a:lnT w="12700" cap="flat" cmpd="sng" algn="ctr">
+                      <a:solidFill>
+                        <a:schemeClr val="tx1"/>
+                      </a:solidFill>
+                      <a:prstDash val="solid"/>
+                      <a:round/>
+                      <a:headEnd type="none" w="med" len="med"/>
+                      <a:tailEnd type="none" w="med" len="med"/>
+                    </a:lnT>
+                    <a:lnB w="12700" cap="flat" cmpd="sng" algn="ctr">
+                      <a:solidFill>
+                        <a:schemeClr val="tx1"/>
+                      </a:solidFill>
+                      <a:prstDash val="solid"/>
+                      <a:round/>
+                      <a:headEnd type="none" w="med" len="med"/>
+                      <a:tailEnd type="none" w="med" len="med"/>
+                    </a:lnB>
+                    <a:solidFill>
+                      <a:schemeClr val="bg1"/>
+                    </a:solidFill>
+                  </a:tcPr>
+                </a:tc>
+                <a:extLst>
+                  <a:ext uri="{0D108BD9-81ED-4DB2-BD59-A6C34878D82A}">
+                    <a16:rowId xmlns:a16="http://schemas.microsoft.com/office/drawing/2014/main" val="2760506834"/>
+                  </a:ext>
+                </a:extLst>
+              </a:tr>
+              <a:tr h="182880">
+                <a:tc>
+                  <a:txBody>
+                    <a:bodyPr/>
+                    <a:lstStyle/>
+                    <a:p>
+                      <a:pPr algn="l" fontAlgn="b"/>
+                      <a:r>
+                        <a:rPr lang="en-ID" sz="1400" u="none" strike="noStrike">
+                          <a:effectLst/>
+                        </a:rPr>
+                        <a:t>Cambodia</a:t>
+                      </a:r>
+                      <a:endParaRPr lang="en-ID" sz="1400" b="0" i="0" u="none" strike="noStrike">
+                        <a:solidFill>
+                          <a:srgbClr val="000000"/>
+                        </a:solidFill>
+                        <a:effectLst/>
+                        <a:latin typeface="Calibri" panose="020F0502020204030204" pitchFamily="34" charset="0"/>
+                      </a:endParaRPr>
+                    </a:p>
+                  </a:txBody>
+                  <a:tcPr marL="7620" marR="7620" marT="7620" marB="0" anchor="b">
+                    <a:lnL w="12700" cap="flat" cmpd="sng" algn="ctr">
+                      <a:solidFill>
+                        <a:schemeClr val="tx1"/>
+                      </a:solidFill>
+                      <a:prstDash val="solid"/>
+                      <a:round/>
+                      <a:headEnd type="none" w="med" len="med"/>
+                      <a:tailEnd type="none" w="med" len="med"/>
+                    </a:lnL>
+                    <a:lnR w="12700" cap="flat" cmpd="sng" algn="ctr">
+                      <a:solidFill>
+                        <a:schemeClr val="tx1"/>
+                      </a:solidFill>
+                      <a:prstDash val="solid"/>
+                      <a:round/>
+                      <a:headEnd type="none" w="med" len="med"/>
+                      <a:tailEnd type="none" w="med" len="med"/>
+                    </a:lnR>
+                    <a:lnT w="12700" cap="flat" cmpd="sng" algn="ctr">
+                      <a:solidFill>
+                        <a:schemeClr val="tx1"/>
+                      </a:solidFill>
+                      <a:prstDash val="solid"/>
+                      <a:round/>
+                      <a:headEnd type="none" w="med" len="med"/>
+                      <a:tailEnd type="none" w="med" len="med"/>
+                    </a:lnT>
+                    <a:lnB w="12700" cap="flat" cmpd="sng" algn="ctr">
+                      <a:solidFill>
+                        <a:schemeClr val="tx1"/>
+                      </a:solidFill>
+                      <a:prstDash val="solid"/>
+                      <a:round/>
+                      <a:headEnd type="none" w="med" len="med"/>
+                      <a:tailEnd type="none" w="med" len="med"/>
+                    </a:lnB>
+                    <a:solidFill>
+                      <a:schemeClr val="bg1"/>
+                    </a:solidFill>
+                  </a:tcPr>
+                </a:tc>
+                <a:tc>
+                  <a:txBody>
+                    <a:bodyPr/>
+                    <a:lstStyle/>
+                    <a:p>
+                      <a:pPr algn="l" fontAlgn="b"/>
+                      <a:r>
+                        <a:rPr lang="en-ID" sz="1400" u="none" strike="noStrike">
+                          <a:effectLst/>
+                        </a:rPr>
+                        <a:t>Lower middle income</a:t>
+                      </a:r>
+                      <a:endParaRPr lang="en-ID" sz="1400" b="0" i="0" u="none" strike="noStrike">
+                        <a:solidFill>
+                          <a:srgbClr val="000000"/>
+                        </a:solidFill>
+                        <a:effectLst/>
+                        <a:latin typeface="Calibri" panose="020F0502020204030204" pitchFamily="34" charset="0"/>
+                      </a:endParaRPr>
+                    </a:p>
+                  </a:txBody>
+                  <a:tcPr marL="7620" marR="7620" marT="7620" marB="0" anchor="b">
+                    <a:lnL w="12700" cap="flat" cmpd="sng" algn="ctr">
+                      <a:solidFill>
+                        <a:schemeClr val="tx1"/>
+                      </a:solidFill>
+                      <a:prstDash val="solid"/>
+                      <a:round/>
+                      <a:headEnd type="none" w="med" len="med"/>
+                      <a:tailEnd type="none" w="med" len="med"/>
+                    </a:lnL>
+                    <a:lnR w="12700" cap="flat" cmpd="sng" algn="ctr">
+                      <a:solidFill>
+                        <a:schemeClr val="tx1"/>
+                      </a:solidFill>
+                      <a:prstDash val="solid"/>
+                      <a:round/>
+                      <a:headEnd type="none" w="med" len="med"/>
+                      <a:tailEnd type="none" w="med" len="med"/>
+                    </a:lnR>
+                    <a:lnT w="12700" cap="flat" cmpd="sng" algn="ctr">
+                      <a:solidFill>
+                        <a:schemeClr val="tx1"/>
+                      </a:solidFill>
+                      <a:prstDash val="solid"/>
+                      <a:round/>
+                      <a:headEnd type="none" w="med" len="med"/>
+                      <a:tailEnd type="none" w="med" len="med"/>
+                    </a:lnT>
+                    <a:lnB w="12700" cap="flat" cmpd="sng" algn="ctr">
+                      <a:solidFill>
+                        <a:schemeClr val="tx1"/>
+                      </a:solidFill>
+                      <a:prstDash val="solid"/>
+                      <a:round/>
+                      <a:headEnd type="none" w="med" len="med"/>
+                      <a:tailEnd type="none" w="med" len="med"/>
+                    </a:lnB>
+                    <a:solidFill>
+                      <a:schemeClr val="bg1"/>
+                    </a:solidFill>
+                  </a:tcPr>
+                </a:tc>
+                <a:extLst>
+                  <a:ext uri="{0D108BD9-81ED-4DB2-BD59-A6C34878D82A}">
+                    <a16:rowId xmlns:a16="http://schemas.microsoft.com/office/drawing/2014/main" val="1700031910"/>
+                  </a:ext>
+                </a:extLst>
+              </a:tr>
+              <a:tr h="182880">
+                <a:tc>
+                  <a:txBody>
+                    <a:bodyPr/>
+                    <a:lstStyle/>
+                    <a:p>
+                      <a:pPr algn="l" fontAlgn="b"/>
+                      <a:r>
+                        <a:rPr lang="en-ID" sz="1400" u="none" strike="noStrike">
+                          <a:effectLst/>
+                        </a:rPr>
+                        <a:t>Laos</a:t>
+                      </a:r>
+                      <a:endParaRPr lang="en-ID" sz="1400" b="0" i="0" u="none" strike="noStrike">
+                        <a:solidFill>
+                          <a:srgbClr val="000000"/>
+                        </a:solidFill>
+                        <a:effectLst/>
+                        <a:latin typeface="Calibri" panose="020F0502020204030204" pitchFamily="34" charset="0"/>
+                      </a:endParaRPr>
+                    </a:p>
+                  </a:txBody>
+                  <a:tcPr marL="7620" marR="7620" marT="7620" marB="0" anchor="b">
+                    <a:lnL w="12700" cap="flat" cmpd="sng" algn="ctr">
+                      <a:solidFill>
+                        <a:schemeClr val="tx1"/>
+                      </a:solidFill>
+                      <a:prstDash val="solid"/>
+                      <a:round/>
+                      <a:headEnd type="none" w="med" len="med"/>
+                      <a:tailEnd type="none" w="med" len="med"/>
+                    </a:lnL>
+                    <a:lnR w="12700" cap="flat" cmpd="sng" algn="ctr">
+                      <a:solidFill>
+                        <a:schemeClr val="tx1"/>
+                      </a:solidFill>
+                      <a:prstDash val="solid"/>
+                      <a:round/>
+                      <a:headEnd type="none" w="med" len="med"/>
+                      <a:tailEnd type="none" w="med" len="med"/>
+                    </a:lnR>
+                    <a:lnT w="12700" cap="flat" cmpd="sng" algn="ctr">
+                      <a:solidFill>
+                        <a:schemeClr val="tx1"/>
+                      </a:solidFill>
+                      <a:prstDash val="solid"/>
+                      <a:round/>
+                      <a:headEnd type="none" w="med" len="med"/>
+                      <a:tailEnd type="none" w="med" len="med"/>
+                    </a:lnT>
+                    <a:lnB w="12700" cap="flat" cmpd="sng" algn="ctr">
+                      <a:solidFill>
+                        <a:schemeClr val="tx1"/>
+                      </a:solidFill>
+                      <a:prstDash val="solid"/>
+                      <a:round/>
+                      <a:headEnd type="none" w="med" len="med"/>
+                      <a:tailEnd type="none" w="med" len="med"/>
+                    </a:lnB>
+                    <a:solidFill>
+                      <a:schemeClr val="bg1"/>
+                    </a:solidFill>
+                  </a:tcPr>
+                </a:tc>
+                <a:tc>
+                  <a:txBody>
+                    <a:bodyPr/>
+                    <a:lstStyle/>
+                    <a:p>
+                      <a:pPr algn="l" fontAlgn="b"/>
+                      <a:r>
+                        <a:rPr lang="en-ID" sz="1400" u="none" strike="noStrike">
+                          <a:effectLst/>
+                        </a:rPr>
+                        <a:t>Lower middle income</a:t>
+                      </a:r>
+                      <a:endParaRPr lang="en-ID" sz="1400" b="0" i="0" u="none" strike="noStrike">
+                        <a:solidFill>
+                          <a:srgbClr val="000000"/>
+                        </a:solidFill>
+                        <a:effectLst/>
+                        <a:latin typeface="Calibri" panose="020F0502020204030204" pitchFamily="34" charset="0"/>
+                      </a:endParaRPr>
+                    </a:p>
+                  </a:txBody>
+                  <a:tcPr marL="7620" marR="7620" marT="7620" marB="0" anchor="b">
+                    <a:lnL w="12700" cap="flat" cmpd="sng" algn="ctr">
+                      <a:solidFill>
+                        <a:schemeClr val="tx1"/>
+                      </a:solidFill>
+                      <a:prstDash val="solid"/>
+                      <a:round/>
+                      <a:headEnd type="none" w="med" len="med"/>
+                      <a:tailEnd type="none" w="med" len="med"/>
+                    </a:lnL>
+                    <a:lnR w="12700" cap="flat" cmpd="sng" algn="ctr">
+                      <a:solidFill>
+                        <a:schemeClr val="tx1"/>
+                      </a:solidFill>
+                      <a:prstDash val="solid"/>
+                      <a:round/>
+                      <a:headEnd type="none" w="med" len="med"/>
+                      <a:tailEnd type="none" w="med" len="med"/>
+                    </a:lnR>
+                    <a:lnT w="12700" cap="flat" cmpd="sng" algn="ctr">
+                      <a:solidFill>
+                        <a:schemeClr val="tx1"/>
+                      </a:solidFill>
+                      <a:prstDash val="solid"/>
+                      <a:round/>
+                      <a:headEnd type="none" w="med" len="med"/>
+                      <a:tailEnd type="none" w="med" len="med"/>
+                    </a:lnT>
+                    <a:lnB w="12700" cap="flat" cmpd="sng" algn="ctr">
+                      <a:solidFill>
+                        <a:schemeClr val="tx1"/>
+                      </a:solidFill>
+                      <a:prstDash val="solid"/>
+                      <a:round/>
+                      <a:headEnd type="none" w="med" len="med"/>
+                      <a:tailEnd type="none" w="med" len="med"/>
+                    </a:lnB>
+                    <a:solidFill>
+                      <a:schemeClr val="bg1"/>
+                    </a:solidFill>
+                  </a:tcPr>
+                </a:tc>
+                <a:extLst>
+                  <a:ext uri="{0D108BD9-81ED-4DB2-BD59-A6C34878D82A}">
+                    <a16:rowId xmlns:a16="http://schemas.microsoft.com/office/drawing/2014/main" val="4077975655"/>
+                  </a:ext>
+                </a:extLst>
+              </a:tr>
+              <a:tr h="182880">
+                <a:tc>
+                  <a:txBody>
+                    <a:bodyPr/>
+                    <a:lstStyle/>
+                    <a:p>
+                      <a:pPr algn="l" fontAlgn="b"/>
+                      <a:r>
+                        <a:rPr lang="en-ID" sz="1400" u="none" strike="noStrike">
+                          <a:effectLst/>
+                        </a:rPr>
+                        <a:t>Myanmar</a:t>
+                      </a:r>
+                      <a:endParaRPr lang="en-ID" sz="1400" b="0" i="0" u="none" strike="noStrike">
+                        <a:solidFill>
+                          <a:srgbClr val="000000"/>
+                        </a:solidFill>
+                        <a:effectLst/>
+                        <a:latin typeface="Calibri" panose="020F0502020204030204" pitchFamily="34" charset="0"/>
+                      </a:endParaRPr>
+                    </a:p>
+                  </a:txBody>
+                  <a:tcPr marL="7620" marR="7620" marT="7620" marB="0" anchor="b">
+                    <a:lnL w="12700" cap="flat" cmpd="sng" algn="ctr">
+                      <a:solidFill>
+                        <a:schemeClr val="tx1"/>
+                      </a:solidFill>
+                      <a:prstDash val="solid"/>
+                      <a:round/>
+                      <a:headEnd type="none" w="med" len="med"/>
+                      <a:tailEnd type="none" w="med" len="med"/>
+                    </a:lnL>
+                    <a:lnR w="12700" cap="flat" cmpd="sng" algn="ctr">
+                      <a:solidFill>
+                        <a:schemeClr val="tx1"/>
+                      </a:solidFill>
+                      <a:prstDash val="solid"/>
+                      <a:round/>
+                      <a:headEnd type="none" w="med" len="med"/>
+                      <a:tailEnd type="none" w="med" len="med"/>
+                    </a:lnR>
+                    <a:lnT w="12700" cap="flat" cmpd="sng" algn="ctr">
+                      <a:solidFill>
+                        <a:schemeClr val="tx1"/>
+                      </a:solidFill>
+                      <a:prstDash val="solid"/>
+                      <a:round/>
+                      <a:headEnd type="none" w="med" len="med"/>
+                      <a:tailEnd type="none" w="med" len="med"/>
+                    </a:lnT>
+                    <a:lnB w="12700" cap="flat" cmpd="sng" algn="ctr">
+                      <a:solidFill>
+                        <a:schemeClr val="tx1"/>
+                      </a:solidFill>
+                      <a:prstDash val="solid"/>
+                      <a:round/>
+                      <a:headEnd type="none" w="med" len="med"/>
+                      <a:tailEnd type="none" w="med" len="med"/>
+                    </a:lnB>
+                    <a:solidFill>
+                      <a:schemeClr val="bg1"/>
+                    </a:solidFill>
+                  </a:tcPr>
+                </a:tc>
+                <a:tc>
+                  <a:txBody>
+                    <a:bodyPr/>
+                    <a:lstStyle/>
+                    <a:p>
+                      <a:pPr algn="l" fontAlgn="b"/>
+                      <a:r>
+                        <a:rPr lang="en-ID" sz="1400" u="none" strike="noStrike">
+                          <a:effectLst/>
+                        </a:rPr>
+                        <a:t>Lower middle income</a:t>
+                      </a:r>
+                      <a:endParaRPr lang="en-ID" sz="1400" b="0" i="0" u="none" strike="noStrike">
+                        <a:solidFill>
+                          <a:srgbClr val="000000"/>
+                        </a:solidFill>
+                        <a:effectLst/>
+                        <a:latin typeface="Calibri" panose="020F0502020204030204" pitchFamily="34" charset="0"/>
+                      </a:endParaRPr>
+                    </a:p>
+                  </a:txBody>
+                  <a:tcPr marL="7620" marR="7620" marT="7620" marB="0" anchor="b">
+                    <a:lnL w="12700" cap="flat" cmpd="sng" algn="ctr">
+                      <a:solidFill>
+                        <a:schemeClr val="tx1"/>
+                      </a:solidFill>
+                      <a:prstDash val="solid"/>
+                      <a:round/>
+                      <a:headEnd type="none" w="med" len="med"/>
+                      <a:tailEnd type="none" w="med" len="med"/>
+                    </a:lnL>
+                    <a:lnR w="12700" cap="flat" cmpd="sng" algn="ctr">
+                      <a:solidFill>
+                        <a:schemeClr val="tx1"/>
+                      </a:solidFill>
+                      <a:prstDash val="solid"/>
+                      <a:round/>
+                      <a:headEnd type="none" w="med" len="med"/>
+                      <a:tailEnd type="none" w="med" len="med"/>
+                    </a:lnR>
+                    <a:lnT w="12700" cap="flat" cmpd="sng" algn="ctr">
+                      <a:solidFill>
+                        <a:schemeClr val="tx1"/>
+                      </a:solidFill>
+                      <a:prstDash val="solid"/>
+                      <a:round/>
+                      <a:headEnd type="none" w="med" len="med"/>
+                      <a:tailEnd type="none" w="med" len="med"/>
+                    </a:lnT>
+                    <a:lnB w="12700" cap="flat" cmpd="sng" algn="ctr">
+                      <a:solidFill>
+                        <a:schemeClr val="tx1"/>
+                      </a:solidFill>
+                      <a:prstDash val="solid"/>
+                      <a:round/>
+                      <a:headEnd type="none" w="med" len="med"/>
+                      <a:tailEnd type="none" w="med" len="med"/>
+                    </a:lnB>
+                    <a:solidFill>
+                      <a:schemeClr val="bg1"/>
+                    </a:solidFill>
+                  </a:tcPr>
+                </a:tc>
+                <a:extLst>
+                  <a:ext uri="{0D108BD9-81ED-4DB2-BD59-A6C34878D82A}">
+                    <a16:rowId xmlns:a16="http://schemas.microsoft.com/office/drawing/2014/main" val="3242264793"/>
+                  </a:ext>
+                </a:extLst>
+              </a:tr>
+              <a:tr h="182880">
+                <a:tc>
+                  <a:txBody>
+                    <a:bodyPr/>
+                    <a:lstStyle/>
+                    <a:p>
+                      <a:pPr algn="l" fontAlgn="b"/>
+                      <a:r>
+                        <a:rPr lang="en-ID" sz="1400" u="none" strike="noStrike">
+                          <a:effectLst/>
+                        </a:rPr>
+                        <a:t>Malaysia</a:t>
+                      </a:r>
+                      <a:endParaRPr lang="en-ID" sz="1400" b="0" i="0" u="none" strike="noStrike">
+                        <a:solidFill>
+                          <a:srgbClr val="000000"/>
+                        </a:solidFill>
+                        <a:effectLst/>
+                        <a:latin typeface="Calibri" panose="020F0502020204030204" pitchFamily="34" charset="0"/>
+                      </a:endParaRPr>
+                    </a:p>
+                  </a:txBody>
+                  <a:tcPr marL="7620" marR="7620" marT="7620" marB="0" anchor="b">
+                    <a:lnL w="12700" cap="flat" cmpd="sng" algn="ctr">
+                      <a:solidFill>
+                        <a:schemeClr val="tx1"/>
+                      </a:solidFill>
+                      <a:prstDash val="solid"/>
+                      <a:round/>
+                      <a:headEnd type="none" w="med" len="med"/>
+                      <a:tailEnd type="none" w="med" len="med"/>
+                    </a:lnL>
+                    <a:lnR w="12700" cap="flat" cmpd="sng" algn="ctr">
+                      <a:solidFill>
+                        <a:schemeClr val="tx1"/>
+                      </a:solidFill>
+                      <a:prstDash val="solid"/>
+                      <a:round/>
+                      <a:headEnd type="none" w="med" len="med"/>
+                      <a:tailEnd type="none" w="med" len="med"/>
+                    </a:lnR>
+                    <a:lnT w="12700" cap="flat" cmpd="sng" algn="ctr">
+                      <a:solidFill>
+                        <a:schemeClr val="tx1"/>
+                      </a:solidFill>
+                      <a:prstDash val="solid"/>
+                      <a:round/>
+                      <a:headEnd type="none" w="med" len="med"/>
+                      <a:tailEnd type="none" w="med" len="med"/>
+                    </a:lnT>
+                    <a:lnB w="12700" cap="flat" cmpd="sng" algn="ctr">
+                      <a:solidFill>
+                        <a:schemeClr val="tx1"/>
+                      </a:solidFill>
+                      <a:prstDash val="solid"/>
+                      <a:round/>
+                      <a:headEnd type="none" w="med" len="med"/>
+                      <a:tailEnd type="none" w="med" len="med"/>
+                    </a:lnB>
+                    <a:solidFill>
+                      <a:schemeClr val="accent5">
+                        <a:lumMod val="20000"/>
+                        <a:lumOff val="80000"/>
+                      </a:schemeClr>
+                    </a:solidFill>
+                  </a:tcPr>
+                </a:tc>
+                <a:tc>
+                  <a:txBody>
+                    <a:bodyPr/>
+                    <a:lstStyle/>
+                    <a:p>
+                      <a:pPr algn="l" fontAlgn="b"/>
+                      <a:r>
+                        <a:rPr lang="en-ID" sz="1400" u="none" strike="noStrike">
+                          <a:effectLst/>
+                        </a:rPr>
+                        <a:t>Upper middle income</a:t>
+                      </a:r>
+                      <a:endParaRPr lang="en-ID" sz="1400" b="0" i="0" u="none" strike="noStrike">
+                        <a:solidFill>
+                          <a:srgbClr val="000000"/>
+                        </a:solidFill>
+                        <a:effectLst/>
+                        <a:latin typeface="Calibri" panose="020F0502020204030204" pitchFamily="34" charset="0"/>
+                      </a:endParaRPr>
+                    </a:p>
+                  </a:txBody>
+                  <a:tcPr marL="7620" marR="7620" marT="7620" marB="0" anchor="b">
+                    <a:lnL w="12700" cap="flat" cmpd="sng" algn="ctr">
+                      <a:solidFill>
+                        <a:schemeClr val="tx1"/>
+                      </a:solidFill>
+                      <a:prstDash val="solid"/>
+                      <a:round/>
+                      <a:headEnd type="none" w="med" len="med"/>
+                      <a:tailEnd type="none" w="med" len="med"/>
+                    </a:lnL>
+                    <a:lnR w="12700" cap="flat" cmpd="sng" algn="ctr">
+                      <a:solidFill>
+                        <a:schemeClr val="tx1"/>
+                      </a:solidFill>
+                      <a:prstDash val="solid"/>
+                      <a:round/>
+                      <a:headEnd type="none" w="med" len="med"/>
+                      <a:tailEnd type="none" w="med" len="med"/>
+                    </a:lnR>
+                    <a:lnT w="12700" cap="flat" cmpd="sng" algn="ctr">
+                      <a:solidFill>
+                        <a:schemeClr val="tx1"/>
+                      </a:solidFill>
+                      <a:prstDash val="solid"/>
+                      <a:round/>
+                      <a:headEnd type="none" w="med" len="med"/>
+                      <a:tailEnd type="none" w="med" len="med"/>
+                    </a:lnT>
+                    <a:lnB w="12700" cap="flat" cmpd="sng" algn="ctr">
+                      <a:solidFill>
+                        <a:schemeClr val="tx1"/>
+                      </a:solidFill>
+                      <a:prstDash val="solid"/>
+                      <a:round/>
+                      <a:headEnd type="none" w="med" len="med"/>
+                      <a:tailEnd type="none" w="med" len="med"/>
+                    </a:lnB>
+                    <a:solidFill>
+                      <a:schemeClr val="accent5">
+                        <a:lumMod val="20000"/>
+                        <a:lumOff val="80000"/>
+                      </a:schemeClr>
+                    </a:solidFill>
+                  </a:tcPr>
+                </a:tc>
+                <a:extLst>
+                  <a:ext uri="{0D108BD9-81ED-4DB2-BD59-A6C34878D82A}">
+                    <a16:rowId xmlns:a16="http://schemas.microsoft.com/office/drawing/2014/main" val="2138931422"/>
+                  </a:ext>
+                </a:extLst>
+              </a:tr>
+              <a:tr h="182880">
+                <a:tc>
+                  <a:txBody>
+                    <a:bodyPr/>
+                    <a:lstStyle/>
+                    <a:p>
+                      <a:pPr algn="l" fontAlgn="b"/>
+                      <a:r>
+                        <a:rPr lang="en-ID" sz="1400" u="none" strike="noStrike">
+                          <a:effectLst/>
+                        </a:rPr>
+                        <a:t>Philippines</a:t>
+                      </a:r>
+                      <a:endParaRPr lang="en-ID" sz="1400" b="0" i="0" u="none" strike="noStrike">
+                        <a:solidFill>
+                          <a:srgbClr val="000000"/>
+                        </a:solidFill>
+                        <a:effectLst/>
+                        <a:latin typeface="Calibri" panose="020F0502020204030204" pitchFamily="34" charset="0"/>
+                      </a:endParaRPr>
+                    </a:p>
+                  </a:txBody>
+                  <a:tcPr marL="7620" marR="7620" marT="7620" marB="0" anchor="b">
+                    <a:lnL w="12700" cap="flat" cmpd="sng" algn="ctr">
+                      <a:solidFill>
+                        <a:schemeClr val="tx1"/>
+                      </a:solidFill>
+                      <a:prstDash val="solid"/>
+                      <a:round/>
+                      <a:headEnd type="none" w="med" len="med"/>
+                      <a:tailEnd type="none" w="med" len="med"/>
+                    </a:lnL>
+                    <a:lnR w="12700" cap="flat" cmpd="sng" algn="ctr">
+                      <a:solidFill>
+                        <a:schemeClr val="tx1"/>
+                      </a:solidFill>
+                      <a:prstDash val="solid"/>
+                      <a:round/>
+                      <a:headEnd type="none" w="med" len="med"/>
+                      <a:tailEnd type="none" w="med" len="med"/>
+                    </a:lnR>
+                    <a:lnT w="12700" cap="flat" cmpd="sng" algn="ctr">
+                      <a:solidFill>
+                        <a:schemeClr val="tx1"/>
+                      </a:solidFill>
+                      <a:prstDash val="solid"/>
+                      <a:round/>
+                      <a:headEnd type="none" w="med" len="med"/>
+                      <a:tailEnd type="none" w="med" len="med"/>
+                    </a:lnT>
+                    <a:lnB w="12700" cap="flat" cmpd="sng" algn="ctr">
+                      <a:solidFill>
+                        <a:schemeClr val="tx1"/>
+                      </a:solidFill>
+                      <a:prstDash val="solid"/>
+                      <a:round/>
+                      <a:headEnd type="none" w="med" len="med"/>
+                      <a:tailEnd type="none" w="med" len="med"/>
+                    </a:lnB>
+                    <a:solidFill>
+                      <a:schemeClr val="bg1"/>
+                    </a:solidFill>
+                  </a:tcPr>
+                </a:tc>
+                <a:tc>
+                  <a:txBody>
+                    <a:bodyPr/>
+                    <a:lstStyle/>
+                    <a:p>
+                      <a:pPr algn="l" fontAlgn="b"/>
+                      <a:r>
+                        <a:rPr lang="en-ID" sz="1400" u="none" strike="noStrike">
+                          <a:effectLst/>
+                        </a:rPr>
+                        <a:t>Lower middle income</a:t>
+                      </a:r>
+                      <a:endParaRPr lang="en-ID" sz="1400" b="0" i="0" u="none" strike="noStrike">
+                        <a:solidFill>
+                          <a:srgbClr val="000000"/>
+                        </a:solidFill>
+                        <a:effectLst/>
+                        <a:latin typeface="Calibri" panose="020F0502020204030204" pitchFamily="34" charset="0"/>
+                      </a:endParaRPr>
+                    </a:p>
+                  </a:txBody>
+                  <a:tcPr marL="7620" marR="7620" marT="7620" marB="0" anchor="b">
+                    <a:lnL w="12700" cap="flat" cmpd="sng" algn="ctr">
+                      <a:solidFill>
+                        <a:schemeClr val="tx1"/>
+                      </a:solidFill>
+                      <a:prstDash val="solid"/>
+                      <a:round/>
+                      <a:headEnd type="none" w="med" len="med"/>
+                      <a:tailEnd type="none" w="med" len="med"/>
+                    </a:lnL>
+                    <a:lnR w="12700" cap="flat" cmpd="sng" algn="ctr">
+                      <a:solidFill>
+                        <a:schemeClr val="tx1"/>
+                      </a:solidFill>
+                      <a:prstDash val="solid"/>
+                      <a:round/>
+                      <a:headEnd type="none" w="med" len="med"/>
+                      <a:tailEnd type="none" w="med" len="med"/>
+                    </a:lnR>
+                    <a:lnT w="12700" cap="flat" cmpd="sng" algn="ctr">
+                      <a:solidFill>
+                        <a:schemeClr val="tx1"/>
+                      </a:solidFill>
+                      <a:prstDash val="solid"/>
+                      <a:round/>
+                      <a:headEnd type="none" w="med" len="med"/>
+                      <a:tailEnd type="none" w="med" len="med"/>
+                    </a:lnT>
+                    <a:lnB w="12700" cap="flat" cmpd="sng" algn="ctr">
+                      <a:solidFill>
+                        <a:schemeClr val="tx1"/>
+                      </a:solidFill>
+                      <a:prstDash val="solid"/>
+                      <a:round/>
+                      <a:headEnd type="none" w="med" len="med"/>
+                      <a:tailEnd type="none" w="med" len="med"/>
+                    </a:lnB>
+                    <a:solidFill>
+                      <a:schemeClr val="bg1"/>
+                    </a:solidFill>
+                  </a:tcPr>
+                </a:tc>
+                <a:extLst>
+                  <a:ext uri="{0D108BD9-81ED-4DB2-BD59-A6C34878D82A}">
+                    <a16:rowId xmlns:a16="http://schemas.microsoft.com/office/drawing/2014/main" val="4003872036"/>
+                  </a:ext>
+                </a:extLst>
+              </a:tr>
+              <a:tr h="182880">
+                <a:tc>
+                  <a:txBody>
+                    <a:bodyPr/>
+                    <a:lstStyle/>
+                    <a:p>
+                      <a:pPr algn="l" fontAlgn="b"/>
+                      <a:r>
+                        <a:rPr lang="en-ID" sz="1400" u="none" strike="noStrike">
+                          <a:effectLst/>
+                        </a:rPr>
+                        <a:t>Singapore</a:t>
+                      </a:r>
+                      <a:endParaRPr lang="en-ID" sz="1400" b="0" i="0" u="none" strike="noStrike">
+                        <a:solidFill>
+                          <a:srgbClr val="000000"/>
+                        </a:solidFill>
+                        <a:effectLst/>
+                        <a:latin typeface="Calibri" panose="020F0502020204030204" pitchFamily="34" charset="0"/>
+                      </a:endParaRPr>
+                    </a:p>
+                  </a:txBody>
+                  <a:tcPr marL="7620" marR="7620" marT="7620" marB="0" anchor="b">
+                    <a:lnL w="12700" cap="flat" cmpd="sng" algn="ctr">
+                      <a:solidFill>
+                        <a:schemeClr val="tx1"/>
+                      </a:solidFill>
+                      <a:prstDash val="solid"/>
+                      <a:round/>
+                      <a:headEnd type="none" w="med" len="med"/>
+                      <a:tailEnd type="none" w="med" len="med"/>
+                    </a:lnL>
+                    <a:lnR w="12700" cap="flat" cmpd="sng" algn="ctr">
+                      <a:solidFill>
+                        <a:schemeClr val="tx1"/>
+                      </a:solidFill>
+                      <a:prstDash val="solid"/>
+                      <a:round/>
+                      <a:headEnd type="none" w="med" len="med"/>
+                      <a:tailEnd type="none" w="med" len="med"/>
+                    </a:lnR>
+                    <a:lnT w="12700" cap="flat" cmpd="sng" algn="ctr">
+                      <a:solidFill>
+                        <a:schemeClr val="tx1"/>
+                      </a:solidFill>
+                      <a:prstDash val="solid"/>
+                      <a:round/>
+                      <a:headEnd type="none" w="med" len="med"/>
+                      <a:tailEnd type="none" w="med" len="med"/>
+                    </a:lnT>
+                    <a:lnB w="12700" cap="flat" cmpd="sng" algn="ctr">
+                      <a:solidFill>
+                        <a:schemeClr val="tx1"/>
+                      </a:solidFill>
+                      <a:prstDash val="solid"/>
+                      <a:round/>
+                      <a:headEnd type="none" w="med" len="med"/>
+                      <a:tailEnd type="none" w="med" len="med"/>
+                    </a:lnB>
+                    <a:solidFill>
+                      <a:schemeClr val="accent5">
+                        <a:lumMod val="40000"/>
+                        <a:lumOff val="60000"/>
+                      </a:schemeClr>
+                    </a:solidFill>
+                  </a:tcPr>
+                </a:tc>
+                <a:tc>
+                  <a:txBody>
+                    <a:bodyPr/>
+                    <a:lstStyle/>
+                    <a:p>
+                      <a:pPr algn="l" fontAlgn="b"/>
+                      <a:r>
+                        <a:rPr lang="en-ID" sz="1400" u="none" strike="noStrike">
+                          <a:effectLst/>
+                        </a:rPr>
+                        <a:t>High income</a:t>
+                      </a:r>
+                      <a:endParaRPr lang="en-ID" sz="1400" b="0" i="0" u="none" strike="noStrike">
+                        <a:solidFill>
+                          <a:srgbClr val="000000"/>
+                        </a:solidFill>
+                        <a:effectLst/>
+                        <a:latin typeface="Calibri" panose="020F0502020204030204" pitchFamily="34" charset="0"/>
+                      </a:endParaRPr>
+                    </a:p>
+                  </a:txBody>
+                  <a:tcPr marL="7620" marR="7620" marT="7620" marB="0" anchor="b">
+                    <a:lnL w="12700" cap="flat" cmpd="sng" algn="ctr">
+                      <a:solidFill>
+                        <a:schemeClr val="tx1"/>
+                      </a:solidFill>
+                      <a:prstDash val="solid"/>
+                      <a:round/>
+                      <a:headEnd type="none" w="med" len="med"/>
+                      <a:tailEnd type="none" w="med" len="med"/>
+                    </a:lnL>
+                    <a:lnR w="12700" cap="flat" cmpd="sng" algn="ctr">
+                      <a:solidFill>
+                        <a:schemeClr val="tx1"/>
+                      </a:solidFill>
+                      <a:prstDash val="solid"/>
+                      <a:round/>
+                      <a:headEnd type="none" w="med" len="med"/>
+                      <a:tailEnd type="none" w="med" len="med"/>
+                    </a:lnR>
+                    <a:lnT w="12700" cap="flat" cmpd="sng" algn="ctr">
+                      <a:solidFill>
+                        <a:schemeClr val="tx1"/>
+                      </a:solidFill>
+                      <a:prstDash val="solid"/>
+                      <a:round/>
+                      <a:headEnd type="none" w="med" len="med"/>
+                      <a:tailEnd type="none" w="med" len="med"/>
+                    </a:lnT>
+                    <a:lnB w="12700" cap="flat" cmpd="sng" algn="ctr">
+                      <a:solidFill>
+                        <a:schemeClr val="tx1"/>
+                      </a:solidFill>
+                      <a:prstDash val="solid"/>
+                      <a:round/>
+                      <a:headEnd type="none" w="med" len="med"/>
+                      <a:tailEnd type="none" w="med" len="med"/>
+                    </a:lnB>
+                    <a:solidFill>
+                      <a:schemeClr val="accent5">
+                        <a:lumMod val="40000"/>
+                        <a:lumOff val="60000"/>
+                      </a:schemeClr>
+                    </a:solidFill>
+                  </a:tcPr>
+                </a:tc>
+                <a:extLst>
+                  <a:ext uri="{0D108BD9-81ED-4DB2-BD59-A6C34878D82A}">
+                    <a16:rowId xmlns:a16="http://schemas.microsoft.com/office/drawing/2014/main" val="2020420142"/>
+                  </a:ext>
+                </a:extLst>
+              </a:tr>
+              <a:tr h="182880">
+                <a:tc>
+                  <a:txBody>
+                    <a:bodyPr/>
+                    <a:lstStyle/>
+                    <a:p>
+                      <a:pPr algn="l" fontAlgn="b"/>
+                      <a:r>
+                        <a:rPr lang="en-ID" sz="1400" u="none" strike="noStrike">
+                          <a:effectLst/>
+                        </a:rPr>
+                        <a:t>Thailand</a:t>
+                      </a:r>
+                      <a:endParaRPr lang="en-ID" sz="1400" b="0" i="0" u="none" strike="noStrike">
+                        <a:solidFill>
+                          <a:srgbClr val="000000"/>
+                        </a:solidFill>
+                        <a:effectLst/>
+                        <a:latin typeface="Calibri" panose="020F0502020204030204" pitchFamily="34" charset="0"/>
+                      </a:endParaRPr>
+                    </a:p>
+                  </a:txBody>
+                  <a:tcPr marL="7620" marR="7620" marT="7620" marB="0" anchor="b">
+                    <a:lnL w="12700" cap="flat" cmpd="sng" algn="ctr">
+                      <a:solidFill>
+                        <a:schemeClr val="tx1"/>
+                      </a:solidFill>
+                      <a:prstDash val="solid"/>
+                      <a:round/>
+                      <a:headEnd type="none" w="med" len="med"/>
+                      <a:tailEnd type="none" w="med" len="med"/>
+                    </a:lnL>
+                    <a:lnR w="12700" cap="flat" cmpd="sng" algn="ctr">
+                      <a:solidFill>
+                        <a:schemeClr val="tx1"/>
+                      </a:solidFill>
+                      <a:prstDash val="solid"/>
+                      <a:round/>
+                      <a:headEnd type="none" w="med" len="med"/>
+                      <a:tailEnd type="none" w="med" len="med"/>
+                    </a:lnR>
+                    <a:lnT w="12700" cap="flat" cmpd="sng" algn="ctr">
+                      <a:solidFill>
+                        <a:schemeClr val="tx1"/>
+                      </a:solidFill>
+                      <a:prstDash val="solid"/>
+                      <a:round/>
+                      <a:headEnd type="none" w="med" len="med"/>
+                      <a:tailEnd type="none" w="med" len="med"/>
+                    </a:lnT>
+                    <a:lnB w="12700" cap="flat" cmpd="sng" algn="ctr">
+                      <a:solidFill>
+                        <a:schemeClr val="tx1"/>
+                      </a:solidFill>
+                      <a:prstDash val="solid"/>
+                      <a:round/>
+                      <a:headEnd type="none" w="med" len="med"/>
+                      <a:tailEnd type="none" w="med" len="med"/>
+                    </a:lnB>
+                    <a:solidFill>
+                      <a:schemeClr val="accent5">
+                        <a:lumMod val="20000"/>
+                        <a:lumOff val="80000"/>
+                      </a:schemeClr>
+                    </a:solidFill>
+                  </a:tcPr>
+                </a:tc>
+                <a:tc>
+                  <a:txBody>
+                    <a:bodyPr/>
+                    <a:lstStyle/>
+                    <a:p>
+                      <a:pPr algn="l" fontAlgn="b"/>
+                      <a:r>
+                        <a:rPr lang="en-ID" sz="1400" u="none" strike="noStrike">
+                          <a:effectLst/>
+                        </a:rPr>
+                        <a:t>Upper middle income</a:t>
+                      </a:r>
+                      <a:endParaRPr lang="en-ID" sz="1400" b="0" i="0" u="none" strike="noStrike">
+                        <a:solidFill>
+                          <a:srgbClr val="000000"/>
+                        </a:solidFill>
+                        <a:effectLst/>
+                        <a:latin typeface="Calibri" panose="020F0502020204030204" pitchFamily="34" charset="0"/>
+                      </a:endParaRPr>
+                    </a:p>
+                  </a:txBody>
+                  <a:tcPr marL="7620" marR="7620" marT="7620" marB="0" anchor="b">
+                    <a:lnL w="12700" cap="flat" cmpd="sng" algn="ctr">
+                      <a:solidFill>
+                        <a:schemeClr val="tx1"/>
+                      </a:solidFill>
+                      <a:prstDash val="solid"/>
+                      <a:round/>
+                      <a:headEnd type="none" w="med" len="med"/>
+                      <a:tailEnd type="none" w="med" len="med"/>
+                    </a:lnL>
+                    <a:lnR w="12700" cap="flat" cmpd="sng" algn="ctr">
+                      <a:solidFill>
+                        <a:schemeClr val="tx1"/>
+                      </a:solidFill>
+                      <a:prstDash val="solid"/>
+                      <a:round/>
+                      <a:headEnd type="none" w="med" len="med"/>
+                      <a:tailEnd type="none" w="med" len="med"/>
+                    </a:lnR>
+                    <a:lnT w="12700" cap="flat" cmpd="sng" algn="ctr">
+                      <a:solidFill>
+                        <a:schemeClr val="tx1"/>
+                      </a:solidFill>
+                      <a:prstDash val="solid"/>
+                      <a:round/>
+                      <a:headEnd type="none" w="med" len="med"/>
+                      <a:tailEnd type="none" w="med" len="med"/>
+                    </a:lnT>
+                    <a:lnB w="12700" cap="flat" cmpd="sng" algn="ctr">
+                      <a:solidFill>
+                        <a:schemeClr val="tx1"/>
+                      </a:solidFill>
+                      <a:prstDash val="solid"/>
+                      <a:round/>
+                      <a:headEnd type="none" w="med" len="med"/>
+                      <a:tailEnd type="none" w="med" len="med"/>
+                    </a:lnB>
+                    <a:solidFill>
+                      <a:schemeClr val="accent5">
+                        <a:lumMod val="20000"/>
+                        <a:lumOff val="80000"/>
+                      </a:schemeClr>
+                    </a:solidFill>
+                  </a:tcPr>
+                </a:tc>
+                <a:extLst>
+                  <a:ext uri="{0D108BD9-81ED-4DB2-BD59-A6C34878D82A}">
+                    <a16:rowId xmlns:a16="http://schemas.microsoft.com/office/drawing/2014/main" val="232381073"/>
+                  </a:ext>
+                </a:extLst>
+              </a:tr>
+              <a:tr h="182880">
+                <a:tc>
+                  <a:txBody>
+                    <a:bodyPr/>
+                    <a:lstStyle/>
+                    <a:p>
+                      <a:pPr algn="l" fontAlgn="b"/>
+                      <a:r>
+                        <a:rPr lang="en-ID" sz="1400" u="none" strike="noStrike">
+                          <a:effectLst/>
+                        </a:rPr>
+                        <a:t>Vietnam</a:t>
+                      </a:r>
+                      <a:endParaRPr lang="en-ID" sz="1400" b="0" i="0" u="none" strike="noStrike">
+                        <a:solidFill>
+                          <a:srgbClr val="000000"/>
+                        </a:solidFill>
+                        <a:effectLst/>
+                        <a:latin typeface="Calibri" panose="020F0502020204030204" pitchFamily="34" charset="0"/>
+                      </a:endParaRPr>
+                    </a:p>
+                  </a:txBody>
+                  <a:tcPr marL="7620" marR="7620" marT="7620" marB="0" anchor="b">
+                    <a:lnL w="12700" cap="flat" cmpd="sng" algn="ctr">
+                      <a:solidFill>
+                        <a:schemeClr val="tx1"/>
+                      </a:solidFill>
+                      <a:prstDash val="solid"/>
+                      <a:round/>
+                      <a:headEnd type="none" w="med" len="med"/>
+                      <a:tailEnd type="none" w="med" len="med"/>
+                    </a:lnL>
+                    <a:lnR w="12700" cap="flat" cmpd="sng" algn="ctr">
+                      <a:solidFill>
+                        <a:schemeClr val="tx1"/>
+                      </a:solidFill>
+                      <a:prstDash val="solid"/>
+                      <a:round/>
+                      <a:headEnd type="none" w="med" len="med"/>
+                      <a:tailEnd type="none" w="med" len="med"/>
+                    </a:lnR>
+                    <a:lnT w="12700" cap="flat" cmpd="sng" algn="ctr">
+                      <a:solidFill>
+                        <a:schemeClr val="tx1"/>
+                      </a:solidFill>
+                      <a:prstDash val="solid"/>
+                      <a:round/>
+                      <a:headEnd type="none" w="med" len="med"/>
+                      <a:tailEnd type="none" w="med" len="med"/>
+                    </a:lnT>
+                    <a:lnB w="12700" cap="flat" cmpd="sng" algn="ctr">
+                      <a:solidFill>
+                        <a:schemeClr val="tx1"/>
+                      </a:solidFill>
+                      <a:prstDash val="solid"/>
+                      <a:round/>
+                      <a:headEnd type="none" w="med" len="med"/>
+                      <a:tailEnd type="none" w="med" len="med"/>
+                    </a:lnB>
+                    <a:solidFill>
+                      <a:schemeClr val="bg1"/>
+                    </a:solidFill>
+                  </a:tcPr>
+                </a:tc>
+                <a:tc>
+                  <a:txBody>
+                    <a:bodyPr/>
+                    <a:lstStyle/>
+                    <a:p>
+                      <a:pPr algn="l" fontAlgn="b"/>
+                      <a:r>
+                        <a:rPr lang="en-ID" sz="1400" u="none" strike="noStrike">
+                          <a:effectLst/>
+                        </a:rPr>
+                        <a:t>Lower middle income</a:t>
+                      </a:r>
+                      <a:endParaRPr lang="en-ID" sz="1400" b="0" i="0" u="none" strike="noStrike">
+                        <a:solidFill>
+                          <a:srgbClr val="000000"/>
+                        </a:solidFill>
+                        <a:effectLst/>
+                        <a:latin typeface="Calibri" panose="020F0502020204030204" pitchFamily="34" charset="0"/>
+                      </a:endParaRPr>
+                    </a:p>
+                  </a:txBody>
+                  <a:tcPr marL="7620" marR="7620" marT="7620" marB="0" anchor="b">
+                    <a:lnL w="12700" cap="flat" cmpd="sng" algn="ctr">
+                      <a:solidFill>
+                        <a:schemeClr val="tx1"/>
+                      </a:solidFill>
+                      <a:prstDash val="solid"/>
+                      <a:round/>
+                      <a:headEnd type="none" w="med" len="med"/>
+                      <a:tailEnd type="none" w="med" len="med"/>
+                    </a:lnL>
+                    <a:lnR w="12700" cap="flat" cmpd="sng" algn="ctr">
+                      <a:solidFill>
+                        <a:schemeClr val="tx1"/>
+                      </a:solidFill>
+                      <a:prstDash val="solid"/>
+                      <a:round/>
+                      <a:headEnd type="none" w="med" len="med"/>
+                      <a:tailEnd type="none" w="med" len="med"/>
+                    </a:lnR>
+                    <a:lnT w="12700" cap="flat" cmpd="sng" algn="ctr">
+                      <a:solidFill>
+                        <a:schemeClr val="tx1"/>
+                      </a:solidFill>
+                      <a:prstDash val="solid"/>
+                      <a:round/>
+                      <a:headEnd type="none" w="med" len="med"/>
+                      <a:tailEnd type="none" w="med" len="med"/>
+                    </a:lnT>
+                    <a:lnB w="12700" cap="flat" cmpd="sng" algn="ctr">
+                      <a:solidFill>
+                        <a:schemeClr val="tx1"/>
+                      </a:solidFill>
+                      <a:prstDash val="solid"/>
+                      <a:round/>
+                      <a:headEnd type="none" w="med" len="med"/>
+                      <a:tailEnd type="none" w="med" len="med"/>
+                    </a:lnB>
+                    <a:solidFill>
+                      <a:schemeClr val="bg1"/>
+                    </a:solidFill>
+                  </a:tcPr>
+                </a:tc>
+                <a:extLst>
+                  <a:ext uri="{0D108BD9-81ED-4DB2-BD59-A6C34878D82A}">
+                    <a16:rowId xmlns:a16="http://schemas.microsoft.com/office/drawing/2014/main" val="3001136808"/>
+                  </a:ext>
+                </a:extLst>
+              </a:tr>
+            </a:tbl>
           </a:graphicData>
         </a:graphic>
       </p:graphicFrame>
+      <p:sp>
+        <p:nvSpPr>
+          <p:cNvPr id="2" name="Rectangle 1">
+            <a:extLst>
+              <a:ext uri="{FF2B5EF4-FFF2-40B4-BE49-F238E27FC236}">
+                <a16:creationId xmlns:a16="http://schemas.microsoft.com/office/drawing/2014/main" id="{805AAB60-52FB-4BA2-9E5B-39A157E48C8C}"/>
+              </a:ext>
+            </a:extLst>
+          </p:cNvPr>
+          <p:cNvSpPr/>
+          <p:nvPr/>
+        </p:nvSpPr>
+        <p:spPr>
+          <a:xfrm>
+            <a:off x="5091593" y="558391"/>
+            <a:ext cx="864590" cy="276258"/>
+          </a:xfrm>
+          <a:prstGeom prst="rect">
+            <a:avLst/>
+          </a:prstGeom>
+          <a:solidFill>
+            <a:schemeClr val="bg1"/>
+          </a:solidFill>
+          <a:ln>
+            <a:solidFill>
+              <a:schemeClr val="bg1"/>
+            </a:solidFill>
+          </a:ln>
+        </p:spPr>
+        <p:style>
+          <a:lnRef idx="2">
+            <a:schemeClr val="accent1">
+              <a:shade val="50000"/>
+            </a:schemeClr>
+          </a:lnRef>
+          <a:fillRef idx="1">
+            <a:schemeClr val="accent1"/>
+          </a:fillRef>
+          <a:effectRef idx="0">
+            <a:schemeClr val="accent1"/>
+          </a:effectRef>
+          <a:fontRef idx="minor">
+            <a:schemeClr val="lt1"/>
+          </a:fontRef>
+        </p:style>
+        <p:txBody>
+          <a:bodyPr rtlCol="0" anchor="ctr"/>
+          <a:lstStyle/>
+          <a:p>
+            <a:pPr algn="ctr"/>
+            <a:endParaRPr lang="en-ID"/>
+          </a:p>
+        </p:txBody>
+      </p:sp>
     </p:spTree>
     <p:extLst>
       <p:ext uri="{BB962C8B-B14F-4D97-AF65-F5344CB8AC3E}">
-        <p14:creationId xmlns:p14="http://schemas.microsoft.com/office/powerpoint/2010/main" val="1040284984"/>
+        <p14:creationId xmlns:p14="http://schemas.microsoft.com/office/powerpoint/2010/main" val="1705982963"/>
       </p:ext>
     </p:extLst>
   </p:cSld>
@@ -18341,47 +21537,12 @@
           <a:chExt cx="0" cy="0"/>
         </a:xfrm>
       </p:grpSpPr>
-      <p:sp>
-        <p:nvSpPr>
-          <p:cNvPr id="2" name="Title 1">
+      <p:pic>
+        <p:nvPicPr>
+          <p:cNvPr id="5" name="Picture 4">
             <a:extLst>
               <a:ext uri="{FF2B5EF4-FFF2-40B4-BE49-F238E27FC236}">
-                <a16:creationId xmlns:a16="http://schemas.microsoft.com/office/drawing/2014/main" id="{D9CA8B9F-93D2-4144-839E-C736E59B4869}"/>
-              </a:ext>
-            </a:extLst>
-          </p:cNvPr>
-          <p:cNvSpPr>
-            <a:spLocks noGrp="1"/>
-          </p:cNvSpPr>
-          <p:nvPr>
-            <p:ph type="title"/>
-          </p:nvPr>
-        </p:nvSpPr>
-        <p:spPr>
-          <a:xfrm>
-            <a:off x="838200" y="0"/>
-            <a:ext cx="10515600" cy="1325563"/>
-          </a:xfrm>
-        </p:spPr>
-        <p:txBody>
-          <a:bodyPr/>
-          <a:lstStyle/>
-          <a:p>
-            <a:pPr algn="ctr"/>
-            <a:r>
-              <a:rPr lang="en-US"/>
-              <a:t>Vietnam and Phillipines quick recap</a:t>
-            </a:r>
-            <a:endParaRPr lang="en-ID"/>
-          </a:p>
-        </p:txBody>
-      </p:sp>
-      <p:pic>
-        <p:nvPicPr>
-          <p:cNvPr id="7" name="Picture 6">
-            <a:extLst>
-              <a:ext uri="{FF2B5EF4-FFF2-40B4-BE49-F238E27FC236}">
-                <a16:creationId xmlns:a16="http://schemas.microsoft.com/office/drawing/2014/main" id="{143CF8AE-CD0F-4955-A995-60EAB7BBE52A}"/>
+                <a16:creationId xmlns:a16="http://schemas.microsoft.com/office/drawing/2014/main" id="{FF1F9328-93A1-4586-8B82-C59107E81CDC}"/>
               </a:ext>
             </a:extLst>
           </p:cNvPr>
@@ -18398,8 +21559,8 @@
         </p:blipFill>
         <p:spPr>
           <a:xfrm>
-            <a:off x="2044430" y="1325563"/>
-            <a:ext cx="3442322" cy="2621554"/>
+            <a:off x="1971675" y="100667"/>
+            <a:ext cx="8248650" cy="4248150"/>
           </a:xfrm>
           <a:prstGeom prst="rect">
             <a:avLst/>
@@ -18408,155 +21569,1551 @@
       </p:pic>
       <p:graphicFrame>
         <p:nvGraphicFramePr>
-          <p:cNvPr id="8" name="Chart 7">
+          <p:cNvPr id="6" name="Table 5">
             <a:extLst>
               <a:ext uri="{FF2B5EF4-FFF2-40B4-BE49-F238E27FC236}">
-                <a16:creationId xmlns:a16="http://schemas.microsoft.com/office/drawing/2014/main" id="{46CC494D-87B2-4429-98F4-AF5677A55C05}"/>
+                <a16:creationId xmlns:a16="http://schemas.microsoft.com/office/drawing/2014/main" id="{425DDD0C-13A1-4073-B71A-787EE4DB21EB}"/>
               </a:ext>
             </a:extLst>
           </p:cNvPr>
           <p:cNvGraphicFramePr>
-            <a:graphicFrameLocks/>
+            <a:graphicFrameLocks noGrp="1"/>
           </p:cNvGraphicFramePr>
           <p:nvPr>
             <p:extLst>
               <p:ext uri="{D42A27DB-BD31-4B8C-83A1-F6EECF244321}">
-                <p14:modId xmlns:p14="http://schemas.microsoft.com/office/powerpoint/2010/main" val="324231500"/>
+                <p14:modId xmlns:p14="http://schemas.microsoft.com/office/powerpoint/2010/main" val="160951430"/>
               </p:ext>
             </p:extLst>
           </p:nvPr>
         </p:nvGraphicFramePr>
         <p:xfrm>
-          <a:off x="838200" y="4002933"/>
-          <a:ext cx="5242560" cy="2743200"/>
+          <a:off x="4236441" y="4248150"/>
+          <a:ext cx="3422708" cy="2430780"/>
         </p:xfrm>
         <a:graphic>
-          <a:graphicData uri="http://schemas.openxmlformats.org/drawingml/2006/chart">
-            <c:chart xmlns:c="http://schemas.openxmlformats.org/drawingml/2006/chart" xmlns:r="http://schemas.openxmlformats.org/officeDocument/2006/relationships" r:id="rId3"/>
+          <a:graphicData uri="http://schemas.openxmlformats.org/drawingml/2006/table">
+            <a:tbl>
+              <a:tblPr>
+                <a:tableStyleId>{5C22544A-7EE6-4342-B048-85BDC9FD1C3A}</a:tableStyleId>
+              </a:tblPr>
+              <a:tblGrid>
+                <a:gridCol w="1724007">
+                  <a:extLst>
+                    <a:ext uri="{9D8B030D-6E8A-4147-A177-3AD203B41FA5}">
+                      <a16:colId xmlns:a16="http://schemas.microsoft.com/office/drawing/2014/main" val="2492362124"/>
+                    </a:ext>
+                  </a:extLst>
+                </a:gridCol>
+                <a:gridCol w="1698701">
+                  <a:extLst>
+                    <a:ext uri="{9D8B030D-6E8A-4147-A177-3AD203B41FA5}">
+                      <a16:colId xmlns:a16="http://schemas.microsoft.com/office/drawing/2014/main" val="2143225333"/>
+                    </a:ext>
+                  </a:extLst>
+                </a:gridCol>
+              </a:tblGrid>
+              <a:tr h="182880">
+                <a:tc>
+                  <a:txBody>
+                    <a:bodyPr/>
+                    <a:lstStyle/>
+                    <a:p>
+                      <a:pPr algn="l" fontAlgn="b"/>
+                      <a:r>
+                        <a:rPr lang="en-ID" sz="1400" u="none" strike="noStrike">
+                          <a:effectLst/>
+                        </a:rPr>
+                        <a:t>Country</a:t>
+                      </a:r>
+                      <a:endParaRPr lang="en-ID" sz="1400" b="0" i="0" u="none" strike="noStrike">
+                        <a:solidFill>
+                          <a:srgbClr val="000000"/>
+                        </a:solidFill>
+                        <a:effectLst/>
+                        <a:latin typeface="Calibri" panose="020F0502020204030204" pitchFamily="34" charset="0"/>
+                      </a:endParaRPr>
+                    </a:p>
+                  </a:txBody>
+                  <a:tcPr marL="7620" marR="7620" marT="7620" marB="0" anchor="b">
+                    <a:lnL w="12700" cap="flat" cmpd="sng" algn="ctr">
+                      <a:solidFill>
+                        <a:schemeClr val="tx1"/>
+                      </a:solidFill>
+                      <a:prstDash val="solid"/>
+                      <a:round/>
+                      <a:headEnd type="none" w="med" len="med"/>
+                      <a:tailEnd type="none" w="med" len="med"/>
+                    </a:lnL>
+                    <a:lnR w="12700" cap="flat" cmpd="sng" algn="ctr">
+                      <a:solidFill>
+                        <a:schemeClr val="tx1"/>
+                      </a:solidFill>
+                      <a:prstDash val="solid"/>
+                      <a:round/>
+                      <a:headEnd type="none" w="med" len="med"/>
+                      <a:tailEnd type="none" w="med" len="med"/>
+                    </a:lnR>
+                    <a:lnT w="12700" cap="flat" cmpd="sng" algn="ctr">
+                      <a:solidFill>
+                        <a:schemeClr val="tx1"/>
+                      </a:solidFill>
+                      <a:prstDash val="solid"/>
+                      <a:round/>
+                      <a:headEnd type="none" w="med" len="med"/>
+                      <a:tailEnd type="none" w="med" len="med"/>
+                    </a:lnT>
+                    <a:lnB w="12700" cap="flat" cmpd="sng" algn="ctr">
+                      <a:solidFill>
+                        <a:schemeClr val="tx1"/>
+                      </a:solidFill>
+                      <a:prstDash val="solid"/>
+                      <a:round/>
+                      <a:headEnd type="none" w="med" len="med"/>
+                      <a:tailEnd type="none" w="med" len="med"/>
+                    </a:lnB>
+                    <a:solidFill>
+                      <a:schemeClr val="accent6">
+                        <a:lumMod val="40000"/>
+                        <a:lumOff val="60000"/>
+                      </a:schemeClr>
+                    </a:solidFill>
+                  </a:tcPr>
+                </a:tc>
+                <a:tc>
+                  <a:txBody>
+                    <a:bodyPr/>
+                    <a:lstStyle/>
+                    <a:p>
+                      <a:pPr algn="l" fontAlgn="b"/>
+                      <a:r>
+                        <a:rPr lang="en-ID" sz="1400" u="none" strike="noStrike">
+                          <a:effectLst/>
+                        </a:rPr>
+                        <a:t>Income_Group</a:t>
+                      </a:r>
+                      <a:endParaRPr lang="en-ID" sz="1400" b="0" i="0" u="none" strike="noStrike">
+                        <a:solidFill>
+                          <a:srgbClr val="000000"/>
+                        </a:solidFill>
+                        <a:effectLst/>
+                        <a:latin typeface="Calibri" panose="020F0502020204030204" pitchFamily="34" charset="0"/>
+                      </a:endParaRPr>
+                    </a:p>
+                  </a:txBody>
+                  <a:tcPr marL="7620" marR="7620" marT="7620" marB="0" anchor="b">
+                    <a:lnL w="12700" cap="flat" cmpd="sng" algn="ctr">
+                      <a:solidFill>
+                        <a:schemeClr val="tx1"/>
+                      </a:solidFill>
+                      <a:prstDash val="solid"/>
+                      <a:round/>
+                      <a:headEnd type="none" w="med" len="med"/>
+                      <a:tailEnd type="none" w="med" len="med"/>
+                    </a:lnL>
+                    <a:lnR w="12700" cap="flat" cmpd="sng" algn="ctr">
+                      <a:solidFill>
+                        <a:schemeClr val="tx1"/>
+                      </a:solidFill>
+                      <a:prstDash val="solid"/>
+                      <a:round/>
+                      <a:headEnd type="none" w="med" len="med"/>
+                      <a:tailEnd type="none" w="med" len="med"/>
+                    </a:lnR>
+                    <a:lnT w="12700" cap="flat" cmpd="sng" algn="ctr">
+                      <a:solidFill>
+                        <a:schemeClr val="tx1"/>
+                      </a:solidFill>
+                      <a:prstDash val="solid"/>
+                      <a:round/>
+                      <a:headEnd type="none" w="med" len="med"/>
+                      <a:tailEnd type="none" w="med" len="med"/>
+                    </a:lnT>
+                    <a:lnB w="12700" cap="flat" cmpd="sng" algn="ctr">
+                      <a:solidFill>
+                        <a:schemeClr val="tx1"/>
+                      </a:solidFill>
+                      <a:prstDash val="solid"/>
+                      <a:round/>
+                      <a:headEnd type="none" w="med" len="med"/>
+                      <a:tailEnd type="none" w="med" len="med"/>
+                    </a:lnB>
+                    <a:solidFill>
+                      <a:schemeClr val="accent6">
+                        <a:lumMod val="40000"/>
+                        <a:lumOff val="60000"/>
+                      </a:schemeClr>
+                    </a:solidFill>
+                  </a:tcPr>
+                </a:tc>
+                <a:extLst>
+                  <a:ext uri="{0D108BD9-81ED-4DB2-BD59-A6C34878D82A}">
+                    <a16:rowId xmlns:a16="http://schemas.microsoft.com/office/drawing/2014/main" val="2108294971"/>
+                  </a:ext>
+                </a:extLst>
+              </a:tr>
+              <a:tr h="182880">
+                <a:tc>
+                  <a:txBody>
+                    <a:bodyPr/>
+                    <a:lstStyle/>
+                    <a:p>
+                      <a:pPr algn="l" fontAlgn="b"/>
+                      <a:r>
+                        <a:rPr lang="en-ID" sz="1400" u="none" strike="noStrike">
+                          <a:effectLst/>
+                        </a:rPr>
+                        <a:t>Brunei</a:t>
+                      </a:r>
+                      <a:endParaRPr lang="en-ID" sz="1400" b="0" i="0" u="none" strike="noStrike">
+                        <a:solidFill>
+                          <a:srgbClr val="000000"/>
+                        </a:solidFill>
+                        <a:effectLst/>
+                        <a:latin typeface="Calibri" panose="020F0502020204030204" pitchFamily="34" charset="0"/>
+                      </a:endParaRPr>
+                    </a:p>
+                  </a:txBody>
+                  <a:tcPr marL="7620" marR="7620" marT="7620" marB="0" anchor="b">
+                    <a:lnL w="12700" cap="flat" cmpd="sng" algn="ctr">
+                      <a:solidFill>
+                        <a:schemeClr val="tx1"/>
+                      </a:solidFill>
+                      <a:prstDash val="solid"/>
+                      <a:round/>
+                      <a:headEnd type="none" w="med" len="med"/>
+                      <a:tailEnd type="none" w="med" len="med"/>
+                    </a:lnL>
+                    <a:lnR w="12700" cap="flat" cmpd="sng" algn="ctr">
+                      <a:solidFill>
+                        <a:schemeClr val="tx1"/>
+                      </a:solidFill>
+                      <a:prstDash val="solid"/>
+                      <a:round/>
+                      <a:headEnd type="none" w="med" len="med"/>
+                      <a:tailEnd type="none" w="med" len="med"/>
+                    </a:lnR>
+                    <a:lnT w="12700" cap="flat" cmpd="sng" algn="ctr">
+                      <a:solidFill>
+                        <a:schemeClr val="tx1"/>
+                      </a:solidFill>
+                      <a:prstDash val="solid"/>
+                      <a:round/>
+                      <a:headEnd type="none" w="med" len="med"/>
+                      <a:tailEnd type="none" w="med" len="med"/>
+                    </a:lnT>
+                    <a:lnB w="12700" cap="flat" cmpd="sng" algn="ctr">
+                      <a:solidFill>
+                        <a:schemeClr val="tx1"/>
+                      </a:solidFill>
+                      <a:prstDash val="solid"/>
+                      <a:round/>
+                      <a:headEnd type="none" w="med" len="med"/>
+                      <a:tailEnd type="none" w="med" len="med"/>
+                    </a:lnB>
+                    <a:solidFill>
+                      <a:schemeClr val="accent5">
+                        <a:lumMod val="40000"/>
+                        <a:lumOff val="60000"/>
+                      </a:schemeClr>
+                    </a:solidFill>
+                  </a:tcPr>
+                </a:tc>
+                <a:tc>
+                  <a:txBody>
+                    <a:bodyPr/>
+                    <a:lstStyle/>
+                    <a:p>
+                      <a:pPr algn="l" fontAlgn="b"/>
+                      <a:r>
+                        <a:rPr lang="en-ID" sz="1400" u="none" strike="noStrike">
+                          <a:effectLst/>
+                        </a:rPr>
+                        <a:t>High income</a:t>
+                      </a:r>
+                      <a:endParaRPr lang="en-ID" sz="1400" b="0" i="0" u="none" strike="noStrike">
+                        <a:solidFill>
+                          <a:srgbClr val="000000"/>
+                        </a:solidFill>
+                        <a:effectLst/>
+                        <a:latin typeface="Calibri" panose="020F0502020204030204" pitchFamily="34" charset="0"/>
+                      </a:endParaRPr>
+                    </a:p>
+                  </a:txBody>
+                  <a:tcPr marL="7620" marR="7620" marT="7620" marB="0" anchor="b">
+                    <a:lnL w="12700" cap="flat" cmpd="sng" algn="ctr">
+                      <a:solidFill>
+                        <a:schemeClr val="tx1"/>
+                      </a:solidFill>
+                      <a:prstDash val="solid"/>
+                      <a:round/>
+                      <a:headEnd type="none" w="med" len="med"/>
+                      <a:tailEnd type="none" w="med" len="med"/>
+                    </a:lnL>
+                    <a:lnR w="12700" cap="flat" cmpd="sng" algn="ctr">
+                      <a:solidFill>
+                        <a:schemeClr val="tx1"/>
+                      </a:solidFill>
+                      <a:prstDash val="solid"/>
+                      <a:round/>
+                      <a:headEnd type="none" w="med" len="med"/>
+                      <a:tailEnd type="none" w="med" len="med"/>
+                    </a:lnR>
+                    <a:lnT w="12700" cap="flat" cmpd="sng" algn="ctr">
+                      <a:solidFill>
+                        <a:schemeClr val="tx1"/>
+                      </a:solidFill>
+                      <a:prstDash val="solid"/>
+                      <a:round/>
+                      <a:headEnd type="none" w="med" len="med"/>
+                      <a:tailEnd type="none" w="med" len="med"/>
+                    </a:lnT>
+                    <a:lnB w="12700" cap="flat" cmpd="sng" algn="ctr">
+                      <a:solidFill>
+                        <a:schemeClr val="tx1"/>
+                      </a:solidFill>
+                      <a:prstDash val="solid"/>
+                      <a:round/>
+                      <a:headEnd type="none" w="med" len="med"/>
+                      <a:tailEnd type="none" w="med" len="med"/>
+                    </a:lnB>
+                    <a:solidFill>
+                      <a:schemeClr val="accent5">
+                        <a:lumMod val="40000"/>
+                        <a:lumOff val="60000"/>
+                      </a:schemeClr>
+                    </a:solidFill>
+                  </a:tcPr>
+                </a:tc>
+                <a:extLst>
+                  <a:ext uri="{0D108BD9-81ED-4DB2-BD59-A6C34878D82A}">
+                    <a16:rowId xmlns:a16="http://schemas.microsoft.com/office/drawing/2014/main" val="793700329"/>
+                  </a:ext>
+                </a:extLst>
+              </a:tr>
+              <a:tr h="182880">
+                <a:tc>
+                  <a:txBody>
+                    <a:bodyPr/>
+                    <a:lstStyle/>
+                    <a:p>
+                      <a:pPr algn="l" fontAlgn="b"/>
+                      <a:r>
+                        <a:rPr lang="en-ID" sz="1400" u="none" strike="noStrike">
+                          <a:effectLst/>
+                        </a:rPr>
+                        <a:t>Indonesia</a:t>
+                      </a:r>
+                      <a:endParaRPr lang="en-ID" sz="1400" b="0" i="0" u="none" strike="noStrike">
+                        <a:solidFill>
+                          <a:srgbClr val="000000"/>
+                        </a:solidFill>
+                        <a:effectLst/>
+                        <a:latin typeface="Calibri" panose="020F0502020204030204" pitchFamily="34" charset="0"/>
+                      </a:endParaRPr>
+                    </a:p>
+                  </a:txBody>
+                  <a:tcPr marL="7620" marR="7620" marT="7620" marB="0" anchor="b">
+                    <a:lnL w="12700" cap="flat" cmpd="sng" algn="ctr">
+                      <a:solidFill>
+                        <a:schemeClr val="tx1"/>
+                      </a:solidFill>
+                      <a:prstDash val="solid"/>
+                      <a:round/>
+                      <a:headEnd type="none" w="med" len="med"/>
+                      <a:tailEnd type="none" w="med" len="med"/>
+                    </a:lnL>
+                    <a:lnR w="12700" cap="flat" cmpd="sng" algn="ctr">
+                      <a:solidFill>
+                        <a:schemeClr val="tx1"/>
+                      </a:solidFill>
+                      <a:prstDash val="solid"/>
+                      <a:round/>
+                      <a:headEnd type="none" w="med" len="med"/>
+                      <a:tailEnd type="none" w="med" len="med"/>
+                    </a:lnR>
+                    <a:lnT w="12700" cap="flat" cmpd="sng" algn="ctr">
+                      <a:solidFill>
+                        <a:schemeClr val="tx1"/>
+                      </a:solidFill>
+                      <a:prstDash val="solid"/>
+                      <a:round/>
+                      <a:headEnd type="none" w="med" len="med"/>
+                      <a:tailEnd type="none" w="med" len="med"/>
+                    </a:lnT>
+                    <a:lnB w="12700" cap="flat" cmpd="sng" algn="ctr">
+                      <a:solidFill>
+                        <a:schemeClr val="tx1"/>
+                      </a:solidFill>
+                      <a:prstDash val="solid"/>
+                      <a:round/>
+                      <a:headEnd type="none" w="med" len="med"/>
+                      <a:tailEnd type="none" w="med" len="med"/>
+                    </a:lnB>
+                    <a:solidFill>
+                      <a:schemeClr val="bg1"/>
+                    </a:solidFill>
+                  </a:tcPr>
+                </a:tc>
+                <a:tc>
+                  <a:txBody>
+                    <a:bodyPr/>
+                    <a:lstStyle/>
+                    <a:p>
+                      <a:pPr algn="l" fontAlgn="b"/>
+                      <a:r>
+                        <a:rPr lang="en-ID" sz="1400" u="none" strike="noStrike">
+                          <a:effectLst/>
+                        </a:rPr>
+                        <a:t>Lower middle income</a:t>
+                      </a:r>
+                      <a:endParaRPr lang="en-ID" sz="1400" b="0" i="0" u="none" strike="noStrike">
+                        <a:solidFill>
+                          <a:srgbClr val="000000"/>
+                        </a:solidFill>
+                        <a:effectLst/>
+                        <a:latin typeface="Calibri" panose="020F0502020204030204" pitchFamily="34" charset="0"/>
+                      </a:endParaRPr>
+                    </a:p>
+                  </a:txBody>
+                  <a:tcPr marL="7620" marR="7620" marT="7620" marB="0" anchor="b">
+                    <a:lnL w="12700" cap="flat" cmpd="sng" algn="ctr">
+                      <a:solidFill>
+                        <a:schemeClr val="tx1"/>
+                      </a:solidFill>
+                      <a:prstDash val="solid"/>
+                      <a:round/>
+                      <a:headEnd type="none" w="med" len="med"/>
+                      <a:tailEnd type="none" w="med" len="med"/>
+                    </a:lnL>
+                    <a:lnR w="12700" cap="flat" cmpd="sng" algn="ctr">
+                      <a:solidFill>
+                        <a:schemeClr val="tx1"/>
+                      </a:solidFill>
+                      <a:prstDash val="solid"/>
+                      <a:round/>
+                      <a:headEnd type="none" w="med" len="med"/>
+                      <a:tailEnd type="none" w="med" len="med"/>
+                    </a:lnR>
+                    <a:lnT w="12700" cap="flat" cmpd="sng" algn="ctr">
+                      <a:solidFill>
+                        <a:schemeClr val="tx1"/>
+                      </a:solidFill>
+                      <a:prstDash val="solid"/>
+                      <a:round/>
+                      <a:headEnd type="none" w="med" len="med"/>
+                      <a:tailEnd type="none" w="med" len="med"/>
+                    </a:lnT>
+                    <a:lnB w="12700" cap="flat" cmpd="sng" algn="ctr">
+                      <a:solidFill>
+                        <a:schemeClr val="tx1"/>
+                      </a:solidFill>
+                      <a:prstDash val="solid"/>
+                      <a:round/>
+                      <a:headEnd type="none" w="med" len="med"/>
+                      <a:tailEnd type="none" w="med" len="med"/>
+                    </a:lnB>
+                    <a:solidFill>
+                      <a:schemeClr val="bg1"/>
+                    </a:solidFill>
+                  </a:tcPr>
+                </a:tc>
+                <a:extLst>
+                  <a:ext uri="{0D108BD9-81ED-4DB2-BD59-A6C34878D82A}">
+                    <a16:rowId xmlns:a16="http://schemas.microsoft.com/office/drawing/2014/main" val="2760506834"/>
+                  </a:ext>
+                </a:extLst>
+              </a:tr>
+              <a:tr h="182880">
+                <a:tc>
+                  <a:txBody>
+                    <a:bodyPr/>
+                    <a:lstStyle/>
+                    <a:p>
+                      <a:pPr algn="l" fontAlgn="b"/>
+                      <a:r>
+                        <a:rPr lang="en-ID" sz="1400" u="none" strike="noStrike">
+                          <a:effectLst/>
+                        </a:rPr>
+                        <a:t>Cambodia</a:t>
+                      </a:r>
+                      <a:endParaRPr lang="en-ID" sz="1400" b="0" i="0" u="none" strike="noStrike">
+                        <a:solidFill>
+                          <a:srgbClr val="000000"/>
+                        </a:solidFill>
+                        <a:effectLst/>
+                        <a:latin typeface="Calibri" panose="020F0502020204030204" pitchFamily="34" charset="0"/>
+                      </a:endParaRPr>
+                    </a:p>
+                  </a:txBody>
+                  <a:tcPr marL="7620" marR="7620" marT="7620" marB="0" anchor="b">
+                    <a:lnL w="12700" cap="flat" cmpd="sng" algn="ctr">
+                      <a:solidFill>
+                        <a:schemeClr val="tx1"/>
+                      </a:solidFill>
+                      <a:prstDash val="solid"/>
+                      <a:round/>
+                      <a:headEnd type="none" w="med" len="med"/>
+                      <a:tailEnd type="none" w="med" len="med"/>
+                    </a:lnL>
+                    <a:lnR w="12700" cap="flat" cmpd="sng" algn="ctr">
+                      <a:solidFill>
+                        <a:schemeClr val="tx1"/>
+                      </a:solidFill>
+                      <a:prstDash val="solid"/>
+                      <a:round/>
+                      <a:headEnd type="none" w="med" len="med"/>
+                      <a:tailEnd type="none" w="med" len="med"/>
+                    </a:lnR>
+                    <a:lnT w="12700" cap="flat" cmpd="sng" algn="ctr">
+                      <a:solidFill>
+                        <a:schemeClr val="tx1"/>
+                      </a:solidFill>
+                      <a:prstDash val="solid"/>
+                      <a:round/>
+                      <a:headEnd type="none" w="med" len="med"/>
+                      <a:tailEnd type="none" w="med" len="med"/>
+                    </a:lnT>
+                    <a:lnB w="12700" cap="flat" cmpd="sng" algn="ctr">
+                      <a:solidFill>
+                        <a:schemeClr val="tx1"/>
+                      </a:solidFill>
+                      <a:prstDash val="solid"/>
+                      <a:round/>
+                      <a:headEnd type="none" w="med" len="med"/>
+                      <a:tailEnd type="none" w="med" len="med"/>
+                    </a:lnB>
+                    <a:solidFill>
+                      <a:schemeClr val="bg1"/>
+                    </a:solidFill>
+                  </a:tcPr>
+                </a:tc>
+                <a:tc>
+                  <a:txBody>
+                    <a:bodyPr/>
+                    <a:lstStyle/>
+                    <a:p>
+                      <a:pPr algn="l" fontAlgn="b"/>
+                      <a:r>
+                        <a:rPr lang="en-ID" sz="1400" u="none" strike="noStrike">
+                          <a:effectLst/>
+                        </a:rPr>
+                        <a:t>Lower middle income</a:t>
+                      </a:r>
+                      <a:endParaRPr lang="en-ID" sz="1400" b="0" i="0" u="none" strike="noStrike">
+                        <a:solidFill>
+                          <a:srgbClr val="000000"/>
+                        </a:solidFill>
+                        <a:effectLst/>
+                        <a:latin typeface="Calibri" panose="020F0502020204030204" pitchFamily="34" charset="0"/>
+                      </a:endParaRPr>
+                    </a:p>
+                  </a:txBody>
+                  <a:tcPr marL="7620" marR="7620" marT="7620" marB="0" anchor="b">
+                    <a:lnL w="12700" cap="flat" cmpd="sng" algn="ctr">
+                      <a:solidFill>
+                        <a:schemeClr val="tx1"/>
+                      </a:solidFill>
+                      <a:prstDash val="solid"/>
+                      <a:round/>
+                      <a:headEnd type="none" w="med" len="med"/>
+                      <a:tailEnd type="none" w="med" len="med"/>
+                    </a:lnL>
+                    <a:lnR w="12700" cap="flat" cmpd="sng" algn="ctr">
+                      <a:solidFill>
+                        <a:schemeClr val="tx1"/>
+                      </a:solidFill>
+                      <a:prstDash val="solid"/>
+                      <a:round/>
+                      <a:headEnd type="none" w="med" len="med"/>
+                      <a:tailEnd type="none" w="med" len="med"/>
+                    </a:lnR>
+                    <a:lnT w="12700" cap="flat" cmpd="sng" algn="ctr">
+                      <a:solidFill>
+                        <a:schemeClr val="tx1"/>
+                      </a:solidFill>
+                      <a:prstDash val="solid"/>
+                      <a:round/>
+                      <a:headEnd type="none" w="med" len="med"/>
+                      <a:tailEnd type="none" w="med" len="med"/>
+                    </a:lnT>
+                    <a:lnB w="12700" cap="flat" cmpd="sng" algn="ctr">
+                      <a:solidFill>
+                        <a:schemeClr val="tx1"/>
+                      </a:solidFill>
+                      <a:prstDash val="solid"/>
+                      <a:round/>
+                      <a:headEnd type="none" w="med" len="med"/>
+                      <a:tailEnd type="none" w="med" len="med"/>
+                    </a:lnB>
+                    <a:solidFill>
+                      <a:schemeClr val="bg1"/>
+                    </a:solidFill>
+                  </a:tcPr>
+                </a:tc>
+                <a:extLst>
+                  <a:ext uri="{0D108BD9-81ED-4DB2-BD59-A6C34878D82A}">
+                    <a16:rowId xmlns:a16="http://schemas.microsoft.com/office/drawing/2014/main" val="1700031910"/>
+                  </a:ext>
+                </a:extLst>
+              </a:tr>
+              <a:tr h="182880">
+                <a:tc>
+                  <a:txBody>
+                    <a:bodyPr/>
+                    <a:lstStyle/>
+                    <a:p>
+                      <a:pPr algn="l" fontAlgn="b"/>
+                      <a:r>
+                        <a:rPr lang="en-ID" sz="1400" u="none" strike="noStrike">
+                          <a:effectLst/>
+                        </a:rPr>
+                        <a:t>Laos</a:t>
+                      </a:r>
+                      <a:endParaRPr lang="en-ID" sz="1400" b="0" i="0" u="none" strike="noStrike">
+                        <a:solidFill>
+                          <a:srgbClr val="000000"/>
+                        </a:solidFill>
+                        <a:effectLst/>
+                        <a:latin typeface="Calibri" panose="020F0502020204030204" pitchFamily="34" charset="0"/>
+                      </a:endParaRPr>
+                    </a:p>
+                  </a:txBody>
+                  <a:tcPr marL="7620" marR="7620" marT="7620" marB="0" anchor="b">
+                    <a:lnL w="12700" cap="flat" cmpd="sng" algn="ctr">
+                      <a:solidFill>
+                        <a:schemeClr val="tx1"/>
+                      </a:solidFill>
+                      <a:prstDash val="solid"/>
+                      <a:round/>
+                      <a:headEnd type="none" w="med" len="med"/>
+                      <a:tailEnd type="none" w="med" len="med"/>
+                    </a:lnL>
+                    <a:lnR w="12700" cap="flat" cmpd="sng" algn="ctr">
+                      <a:solidFill>
+                        <a:schemeClr val="tx1"/>
+                      </a:solidFill>
+                      <a:prstDash val="solid"/>
+                      <a:round/>
+                      <a:headEnd type="none" w="med" len="med"/>
+                      <a:tailEnd type="none" w="med" len="med"/>
+                    </a:lnR>
+                    <a:lnT w="12700" cap="flat" cmpd="sng" algn="ctr">
+                      <a:solidFill>
+                        <a:schemeClr val="tx1"/>
+                      </a:solidFill>
+                      <a:prstDash val="solid"/>
+                      <a:round/>
+                      <a:headEnd type="none" w="med" len="med"/>
+                      <a:tailEnd type="none" w="med" len="med"/>
+                    </a:lnT>
+                    <a:lnB w="12700" cap="flat" cmpd="sng" algn="ctr">
+                      <a:solidFill>
+                        <a:schemeClr val="tx1"/>
+                      </a:solidFill>
+                      <a:prstDash val="solid"/>
+                      <a:round/>
+                      <a:headEnd type="none" w="med" len="med"/>
+                      <a:tailEnd type="none" w="med" len="med"/>
+                    </a:lnB>
+                    <a:solidFill>
+                      <a:schemeClr val="bg1"/>
+                    </a:solidFill>
+                  </a:tcPr>
+                </a:tc>
+                <a:tc>
+                  <a:txBody>
+                    <a:bodyPr/>
+                    <a:lstStyle/>
+                    <a:p>
+                      <a:pPr algn="l" fontAlgn="b"/>
+                      <a:r>
+                        <a:rPr lang="en-ID" sz="1400" u="none" strike="noStrike">
+                          <a:effectLst/>
+                        </a:rPr>
+                        <a:t>Lower middle income</a:t>
+                      </a:r>
+                      <a:endParaRPr lang="en-ID" sz="1400" b="0" i="0" u="none" strike="noStrike">
+                        <a:solidFill>
+                          <a:srgbClr val="000000"/>
+                        </a:solidFill>
+                        <a:effectLst/>
+                        <a:latin typeface="Calibri" panose="020F0502020204030204" pitchFamily="34" charset="0"/>
+                      </a:endParaRPr>
+                    </a:p>
+                  </a:txBody>
+                  <a:tcPr marL="7620" marR="7620" marT="7620" marB="0" anchor="b">
+                    <a:lnL w="12700" cap="flat" cmpd="sng" algn="ctr">
+                      <a:solidFill>
+                        <a:schemeClr val="tx1"/>
+                      </a:solidFill>
+                      <a:prstDash val="solid"/>
+                      <a:round/>
+                      <a:headEnd type="none" w="med" len="med"/>
+                      <a:tailEnd type="none" w="med" len="med"/>
+                    </a:lnL>
+                    <a:lnR w="12700" cap="flat" cmpd="sng" algn="ctr">
+                      <a:solidFill>
+                        <a:schemeClr val="tx1"/>
+                      </a:solidFill>
+                      <a:prstDash val="solid"/>
+                      <a:round/>
+                      <a:headEnd type="none" w="med" len="med"/>
+                      <a:tailEnd type="none" w="med" len="med"/>
+                    </a:lnR>
+                    <a:lnT w="12700" cap="flat" cmpd="sng" algn="ctr">
+                      <a:solidFill>
+                        <a:schemeClr val="tx1"/>
+                      </a:solidFill>
+                      <a:prstDash val="solid"/>
+                      <a:round/>
+                      <a:headEnd type="none" w="med" len="med"/>
+                      <a:tailEnd type="none" w="med" len="med"/>
+                    </a:lnT>
+                    <a:lnB w="12700" cap="flat" cmpd="sng" algn="ctr">
+                      <a:solidFill>
+                        <a:schemeClr val="tx1"/>
+                      </a:solidFill>
+                      <a:prstDash val="solid"/>
+                      <a:round/>
+                      <a:headEnd type="none" w="med" len="med"/>
+                      <a:tailEnd type="none" w="med" len="med"/>
+                    </a:lnB>
+                    <a:solidFill>
+                      <a:schemeClr val="bg1"/>
+                    </a:solidFill>
+                  </a:tcPr>
+                </a:tc>
+                <a:extLst>
+                  <a:ext uri="{0D108BD9-81ED-4DB2-BD59-A6C34878D82A}">
+                    <a16:rowId xmlns:a16="http://schemas.microsoft.com/office/drawing/2014/main" val="4077975655"/>
+                  </a:ext>
+                </a:extLst>
+              </a:tr>
+              <a:tr h="182880">
+                <a:tc>
+                  <a:txBody>
+                    <a:bodyPr/>
+                    <a:lstStyle/>
+                    <a:p>
+                      <a:pPr algn="l" fontAlgn="b"/>
+                      <a:r>
+                        <a:rPr lang="en-ID" sz="1400" u="none" strike="noStrike">
+                          <a:effectLst/>
+                        </a:rPr>
+                        <a:t>Myanmar</a:t>
+                      </a:r>
+                      <a:endParaRPr lang="en-ID" sz="1400" b="0" i="0" u="none" strike="noStrike">
+                        <a:solidFill>
+                          <a:srgbClr val="000000"/>
+                        </a:solidFill>
+                        <a:effectLst/>
+                        <a:latin typeface="Calibri" panose="020F0502020204030204" pitchFamily="34" charset="0"/>
+                      </a:endParaRPr>
+                    </a:p>
+                  </a:txBody>
+                  <a:tcPr marL="7620" marR="7620" marT="7620" marB="0" anchor="b">
+                    <a:lnL w="12700" cap="flat" cmpd="sng" algn="ctr">
+                      <a:solidFill>
+                        <a:schemeClr val="tx1"/>
+                      </a:solidFill>
+                      <a:prstDash val="solid"/>
+                      <a:round/>
+                      <a:headEnd type="none" w="med" len="med"/>
+                      <a:tailEnd type="none" w="med" len="med"/>
+                    </a:lnL>
+                    <a:lnR w="12700" cap="flat" cmpd="sng" algn="ctr">
+                      <a:solidFill>
+                        <a:schemeClr val="tx1"/>
+                      </a:solidFill>
+                      <a:prstDash val="solid"/>
+                      <a:round/>
+                      <a:headEnd type="none" w="med" len="med"/>
+                      <a:tailEnd type="none" w="med" len="med"/>
+                    </a:lnR>
+                    <a:lnT w="12700" cap="flat" cmpd="sng" algn="ctr">
+                      <a:solidFill>
+                        <a:schemeClr val="tx1"/>
+                      </a:solidFill>
+                      <a:prstDash val="solid"/>
+                      <a:round/>
+                      <a:headEnd type="none" w="med" len="med"/>
+                      <a:tailEnd type="none" w="med" len="med"/>
+                    </a:lnT>
+                    <a:lnB w="12700" cap="flat" cmpd="sng" algn="ctr">
+                      <a:solidFill>
+                        <a:schemeClr val="tx1"/>
+                      </a:solidFill>
+                      <a:prstDash val="solid"/>
+                      <a:round/>
+                      <a:headEnd type="none" w="med" len="med"/>
+                      <a:tailEnd type="none" w="med" len="med"/>
+                    </a:lnB>
+                    <a:solidFill>
+                      <a:schemeClr val="bg1"/>
+                    </a:solidFill>
+                  </a:tcPr>
+                </a:tc>
+                <a:tc>
+                  <a:txBody>
+                    <a:bodyPr/>
+                    <a:lstStyle/>
+                    <a:p>
+                      <a:pPr algn="l" fontAlgn="b"/>
+                      <a:r>
+                        <a:rPr lang="en-ID" sz="1400" u="none" strike="noStrike">
+                          <a:effectLst/>
+                        </a:rPr>
+                        <a:t>Lower middle income</a:t>
+                      </a:r>
+                      <a:endParaRPr lang="en-ID" sz="1400" b="0" i="0" u="none" strike="noStrike">
+                        <a:solidFill>
+                          <a:srgbClr val="000000"/>
+                        </a:solidFill>
+                        <a:effectLst/>
+                        <a:latin typeface="Calibri" panose="020F0502020204030204" pitchFamily="34" charset="0"/>
+                      </a:endParaRPr>
+                    </a:p>
+                  </a:txBody>
+                  <a:tcPr marL="7620" marR="7620" marT="7620" marB="0" anchor="b">
+                    <a:lnL w="12700" cap="flat" cmpd="sng" algn="ctr">
+                      <a:solidFill>
+                        <a:schemeClr val="tx1"/>
+                      </a:solidFill>
+                      <a:prstDash val="solid"/>
+                      <a:round/>
+                      <a:headEnd type="none" w="med" len="med"/>
+                      <a:tailEnd type="none" w="med" len="med"/>
+                    </a:lnL>
+                    <a:lnR w="12700" cap="flat" cmpd="sng" algn="ctr">
+                      <a:solidFill>
+                        <a:schemeClr val="tx1"/>
+                      </a:solidFill>
+                      <a:prstDash val="solid"/>
+                      <a:round/>
+                      <a:headEnd type="none" w="med" len="med"/>
+                      <a:tailEnd type="none" w="med" len="med"/>
+                    </a:lnR>
+                    <a:lnT w="12700" cap="flat" cmpd="sng" algn="ctr">
+                      <a:solidFill>
+                        <a:schemeClr val="tx1"/>
+                      </a:solidFill>
+                      <a:prstDash val="solid"/>
+                      <a:round/>
+                      <a:headEnd type="none" w="med" len="med"/>
+                      <a:tailEnd type="none" w="med" len="med"/>
+                    </a:lnT>
+                    <a:lnB w="12700" cap="flat" cmpd="sng" algn="ctr">
+                      <a:solidFill>
+                        <a:schemeClr val="tx1"/>
+                      </a:solidFill>
+                      <a:prstDash val="solid"/>
+                      <a:round/>
+                      <a:headEnd type="none" w="med" len="med"/>
+                      <a:tailEnd type="none" w="med" len="med"/>
+                    </a:lnB>
+                    <a:solidFill>
+                      <a:schemeClr val="bg1"/>
+                    </a:solidFill>
+                  </a:tcPr>
+                </a:tc>
+                <a:extLst>
+                  <a:ext uri="{0D108BD9-81ED-4DB2-BD59-A6C34878D82A}">
+                    <a16:rowId xmlns:a16="http://schemas.microsoft.com/office/drawing/2014/main" val="3242264793"/>
+                  </a:ext>
+                </a:extLst>
+              </a:tr>
+              <a:tr h="182880">
+                <a:tc>
+                  <a:txBody>
+                    <a:bodyPr/>
+                    <a:lstStyle/>
+                    <a:p>
+                      <a:pPr algn="l" fontAlgn="b"/>
+                      <a:r>
+                        <a:rPr lang="en-ID" sz="1400" u="none" strike="noStrike">
+                          <a:effectLst/>
+                        </a:rPr>
+                        <a:t>Malaysia</a:t>
+                      </a:r>
+                      <a:endParaRPr lang="en-ID" sz="1400" b="0" i="0" u="none" strike="noStrike">
+                        <a:solidFill>
+                          <a:srgbClr val="000000"/>
+                        </a:solidFill>
+                        <a:effectLst/>
+                        <a:latin typeface="Calibri" panose="020F0502020204030204" pitchFamily="34" charset="0"/>
+                      </a:endParaRPr>
+                    </a:p>
+                  </a:txBody>
+                  <a:tcPr marL="7620" marR="7620" marT="7620" marB="0" anchor="b">
+                    <a:lnL w="12700" cap="flat" cmpd="sng" algn="ctr">
+                      <a:solidFill>
+                        <a:schemeClr val="tx1"/>
+                      </a:solidFill>
+                      <a:prstDash val="solid"/>
+                      <a:round/>
+                      <a:headEnd type="none" w="med" len="med"/>
+                      <a:tailEnd type="none" w="med" len="med"/>
+                    </a:lnL>
+                    <a:lnR w="12700" cap="flat" cmpd="sng" algn="ctr">
+                      <a:solidFill>
+                        <a:schemeClr val="tx1"/>
+                      </a:solidFill>
+                      <a:prstDash val="solid"/>
+                      <a:round/>
+                      <a:headEnd type="none" w="med" len="med"/>
+                      <a:tailEnd type="none" w="med" len="med"/>
+                    </a:lnR>
+                    <a:lnT w="12700" cap="flat" cmpd="sng" algn="ctr">
+                      <a:solidFill>
+                        <a:schemeClr val="tx1"/>
+                      </a:solidFill>
+                      <a:prstDash val="solid"/>
+                      <a:round/>
+                      <a:headEnd type="none" w="med" len="med"/>
+                      <a:tailEnd type="none" w="med" len="med"/>
+                    </a:lnT>
+                    <a:lnB w="12700" cap="flat" cmpd="sng" algn="ctr">
+                      <a:solidFill>
+                        <a:schemeClr val="tx1"/>
+                      </a:solidFill>
+                      <a:prstDash val="solid"/>
+                      <a:round/>
+                      <a:headEnd type="none" w="med" len="med"/>
+                      <a:tailEnd type="none" w="med" len="med"/>
+                    </a:lnB>
+                    <a:solidFill>
+                      <a:schemeClr val="accent5">
+                        <a:lumMod val="20000"/>
+                        <a:lumOff val="80000"/>
+                      </a:schemeClr>
+                    </a:solidFill>
+                  </a:tcPr>
+                </a:tc>
+                <a:tc>
+                  <a:txBody>
+                    <a:bodyPr/>
+                    <a:lstStyle/>
+                    <a:p>
+                      <a:pPr algn="l" fontAlgn="b"/>
+                      <a:r>
+                        <a:rPr lang="en-ID" sz="1400" u="none" strike="noStrike">
+                          <a:effectLst/>
+                        </a:rPr>
+                        <a:t>Upper middle income</a:t>
+                      </a:r>
+                      <a:endParaRPr lang="en-ID" sz="1400" b="0" i="0" u="none" strike="noStrike">
+                        <a:solidFill>
+                          <a:srgbClr val="000000"/>
+                        </a:solidFill>
+                        <a:effectLst/>
+                        <a:latin typeface="Calibri" panose="020F0502020204030204" pitchFamily="34" charset="0"/>
+                      </a:endParaRPr>
+                    </a:p>
+                  </a:txBody>
+                  <a:tcPr marL="7620" marR="7620" marT="7620" marB="0" anchor="b">
+                    <a:lnL w="12700" cap="flat" cmpd="sng" algn="ctr">
+                      <a:solidFill>
+                        <a:schemeClr val="tx1"/>
+                      </a:solidFill>
+                      <a:prstDash val="solid"/>
+                      <a:round/>
+                      <a:headEnd type="none" w="med" len="med"/>
+                      <a:tailEnd type="none" w="med" len="med"/>
+                    </a:lnL>
+                    <a:lnR w="12700" cap="flat" cmpd="sng" algn="ctr">
+                      <a:solidFill>
+                        <a:schemeClr val="tx1"/>
+                      </a:solidFill>
+                      <a:prstDash val="solid"/>
+                      <a:round/>
+                      <a:headEnd type="none" w="med" len="med"/>
+                      <a:tailEnd type="none" w="med" len="med"/>
+                    </a:lnR>
+                    <a:lnT w="12700" cap="flat" cmpd="sng" algn="ctr">
+                      <a:solidFill>
+                        <a:schemeClr val="tx1"/>
+                      </a:solidFill>
+                      <a:prstDash val="solid"/>
+                      <a:round/>
+                      <a:headEnd type="none" w="med" len="med"/>
+                      <a:tailEnd type="none" w="med" len="med"/>
+                    </a:lnT>
+                    <a:lnB w="12700" cap="flat" cmpd="sng" algn="ctr">
+                      <a:solidFill>
+                        <a:schemeClr val="tx1"/>
+                      </a:solidFill>
+                      <a:prstDash val="solid"/>
+                      <a:round/>
+                      <a:headEnd type="none" w="med" len="med"/>
+                      <a:tailEnd type="none" w="med" len="med"/>
+                    </a:lnB>
+                    <a:solidFill>
+                      <a:schemeClr val="accent5">
+                        <a:lumMod val="20000"/>
+                        <a:lumOff val="80000"/>
+                      </a:schemeClr>
+                    </a:solidFill>
+                  </a:tcPr>
+                </a:tc>
+                <a:extLst>
+                  <a:ext uri="{0D108BD9-81ED-4DB2-BD59-A6C34878D82A}">
+                    <a16:rowId xmlns:a16="http://schemas.microsoft.com/office/drawing/2014/main" val="2138931422"/>
+                  </a:ext>
+                </a:extLst>
+              </a:tr>
+              <a:tr h="182880">
+                <a:tc>
+                  <a:txBody>
+                    <a:bodyPr/>
+                    <a:lstStyle/>
+                    <a:p>
+                      <a:pPr algn="l" fontAlgn="b"/>
+                      <a:r>
+                        <a:rPr lang="en-ID" sz="1400" u="none" strike="noStrike">
+                          <a:effectLst/>
+                        </a:rPr>
+                        <a:t>Philippines</a:t>
+                      </a:r>
+                      <a:endParaRPr lang="en-ID" sz="1400" b="0" i="0" u="none" strike="noStrike">
+                        <a:solidFill>
+                          <a:srgbClr val="000000"/>
+                        </a:solidFill>
+                        <a:effectLst/>
+                        <a:latin typeface="Calibri" panose="020F0502020204030204" pitchFamily="34" charset="0"/>
+                      </a:endParaRPr>
+                    </a:p>
+                  </a:txBody>
+                  <a:tcPr marL="7620" marR="7620" marT="7620" marB="0" anchor="b">
+                    <a:lnL w="12700" cap="flat" cmpd="sng" algn="ctr">
+                      <a:solidFill>
+                        <a:schemeClr val="tx1"/>
+                      </a:solidFill>
+                      <a:prstDash val="solid"/>
+                      <a:round/>
+                      <a:headEnd type="none" w="med" len="med"/>
+                      <a:tailEnd type="none" w="med" len="med"/>
+                    </a:lnL>
+                    <a:lnR w="12700" cap="flat" cmpd="sng" algn="ctr">
+                      <a:solidFill>
+                        <a:schemeClr val="tx1"/>
+                      </a:solidFill>
+                      <a:prstDash val="solid"/>
+                      <a:round/>
+                      <a:headEnd type="none" w="med" len="med"/>
+                      <a:tailEnd type="none" w="med" len="med"/>
+                    </a:lnR>
+                    <a:lnT w="12700" cap="flat" cmpd="sng" algn="ctr">
+                      <a:solidFill>
+                        <a:schemeClr val="tx1"/>
+                      </a:solidFill>
+                      <a:prstDash val="solid"/>
+                      <a:round/>
+                      <a:headEnd type="none" w="med" len="med"/>
+                      <a:tailEnd type="none" w="med" len="med"/>
+                    </a:lnT>
+                    <a:lnB w="12700" cap="flat" cmpd="sng" algn="ctr">
+                      <a:solidFill>
+                        <a:schemeClr val="tx1"/>
+                      </a:solidFill>
+                      <a:prstDash val="solid"/>
+                      <a:round/>
+                      <a:headEnd type="none" w="med" len="med"/>
+                      <a:tailEnd type="none" w="med" len="med"/>
+                    </a:lnB>
+                    <a:solidFill>
+                      <a:schemeClr val="bg1"/>
+                    </a:solidFill>
+                  </a:tcPr>
+                </a:tc>
+                <a:tc>
+                  <a:txBody>
+                    <a:bodyPr/>
+                    <a:lstStyle/>
+                    <a:p>
+                      <a:pPr algn="l" fontAlgn="b"/>
+                      <a:r>
+                        <a:rPr lang="en-ID" sz="1400" u="none" strike="noStrike">
+                          <a:effectLst/>
+                        </a:rPr>
+                        <a:t>Lower middle income</a:t>
+                      </a:r>
+                      <a:endParaRPr lang="en-ID" sz="1400" b="0" i="0" u="none" strike="noStrike">
+                        <a:solidFill>
+                          <a:srgbClr val="000000"/>
+                        </a:solidFill>
+                        <a:effectLst/>
+                        <a:latin typeface="Calibri" panose="020F0502020204030204" pitchFamily="34" charset="0"/>
+                      </a:endParaRPr>
+                    </a:p>
+                  </a:txBody>
+                  <a:tcPr marL="7620" marR="7620" marT="7620" marB="0" anchor="b">
+                    <a:lnL w="12700" cap="flat" cmpd="sng" algn="ctr">
+                      <a:solidFill>
+                        <a:schemeClr val="tx1"/>
+                      </a:solidFill>
+                      <a:prstDash val="solid"/>
+                      <a:round/>
+                      <a:headEnd type="none" w="med" len="med"/>
+                      <a:tailEnd type="none" w="med" len="med"/>
+                    </a:lnL>
+                    <a:lnR w="12700" cap="flat" cmpd="sng" algn="ctr">
+                      <a:solidFill>
+                        <a:schemeClr val="tx1"/>
+                      </a:solidFill>
+                      <a:prstDash val="solid"/>
+                      <a:round/>
+                      <a:headEnd type="none" w="med" len="med"/>
+                      <a:tailEnd type="none" w="med" len="med"/>
+                    </a:lnR>
+                    <a:lnT w="12700" cap="flat" cmpd="sng" algn="ctr">
+                      <a:solidFill>
+                        <a:schemeClr val="tx1"/>
+                      </a:solidFill>
+                      <a:prstDash val="solid"/>
+                      <a:round/>
+                      <a:headEnd type="none" w="med" len="med"/>
+                      <a:tailEnd type="none" w="med" len="med"/>
+                    </a:lnT>
+                    <a:lnB w="12700" cap="flat" cmpd="sng" algn="ctr">
+                      <a:solidFill>
+                        <a:schemeClr val="tx1"/>
+                      </a:solidFill>
+                      <a:prstDash val="solid"/>
+                      <a:round/>
+                      <a:headEnd type="none" w="med" len="med"/>
+                      <a:tailEnd type="none" w="med" len="med"/>
+                    </a:lnB>
+                    <a:solidFill>
+                      <a:schemeClr val="bg1"/>
+                    </a:solidFill>
+                  </a:tcPr>
+                </a:tc>
+                <a:extLst>
+                  <a:ext uri="{0D108BD9-81ED-4DB2-BD59-A6C34878D82A}">
+                    <a16:rowId xmlns:a16="http://schemas.microsoft.com/office/drawing/2014/main" val="4003872036"/>
+                  </a:ext>
+                </a:extLst>
+              </a:tr>
+              <a:tr h="182880">
+                <a:tc>
+                  <a:txBody>
+                    <a:bodyPr/>
+                    <a:lstStyle/>
+                    <a:p>
+                      <a:pPr algn="l" fontAlgn="b"/>
+                      <a:r>
+                        <a:rPr lang="en-ID" sz="1400" u="none" strike="noStrike">
+                          <a:effectLst/>
+                        </a:rPr>
+                        <a:t>Singapore</a:t>
+                      </a:r>
+                      <a:endParaRPr lang="en-ID" sz="1400" b="0" i="0" u="none" strike="noStrike">
+                        <a:solidFill>
+                          <a:srgbClr val="000000"/>
+                        </a:solidFill>
+                        <a:effectLst/>
+                        <a:latin typeface="Calibri" panose="020F0502020204030204" pitchFamily="34" charset="0"/>
+                      </a:endParaRPr>
+                    </a:p>
+                  </a:txBody>
+                  <a:tcPr marL="7620" marR="7620" marT="7620" marB="0" anchor="b">
+                    <a:lnL w="12700" cap="flat" cmpd="sng" algn="ctr">
+                      <a:solidFill>
+                        <a:schemeClr val="tx1"/>
+                      </a:solidFill>
+                      <a:prstDash val="solid"/>
+                      <a:round/>
+                      <a:headEnd type="none" w="med" len="med"/>
+                      <a:tailEnd type="none" w="med" len="med"/>
+                    </a:lnL>
+                    <a:lnR w="12700" cap="flat" cmpd="sng" algn="ctr">
+                      <a:solidFill>
+                        <a:schemeClr val="tx1"/>
+                      </a:solidFill>
+                      <a:prstDash val="solid"/>
+                      <a:round/>
+                      <a:headEnd type="none" w="med" len="med"/>
+                      <a:tailEnd type="none" w="med" len="med"/>
+                    </a:lnR>
+                    <a:lnT w="12700" cap="flat" cmpd="sng" algn="ctr">
+                      <a:solidFill>
+                        <a:schemeClr val="tx1"/>
+                      </a:solidFill>
+                      <a:prstDash val="solid"/>
+                      <a:round/>
+                      <a:headEnd type="none" w="med" len="med"/>
+                      <a:tailEnd type="none" w="med" len="med"/>
+                    </a:lnT>
+                    <a:lnB w="12700" cap="flat" cmpd="sng" algn="ctr">
+                      <a:solidFill>
+                        <a:schemeClr val="tx1"/>
+                      </a:solidFill>
+                      <a:prstDash val="solid"/>
+                      <a:round/>
+                      <a:headEnd type="none" w="med" len="med"/>
+                      <a:tailEnd type="none" w="med" len="med"/>
+                    </a:lnB>
+                    <a:solidFill>
+                      <a:schemeClr val="accent5">
+                        <a:lumMod val="40000"/>
+                        <a:lumOff val="60000"/>
+                      </a:schemeClr>
+                    </a:solidFill>
+                  </a:tcPr>
+                </a:tc>
+                <a:tc>
+                  <a:txBody>
+                    <a:bodyPr/>
+                    <a:lstStyle/>
+                    <a:p>
+                      <a:pPr algn="l" fontAlgn="b"/>
+                      <a:r>
+                        <a:rPr lang="en-ID" sz="1400" u="none" strike="noStrike">
+                          <a:effectLst/>
+                        </a:rPr>
+                        <a:t>High income</a:t>
+                      </a:r>
+                      <a:endParaRPr lang="en-ID" sz="1400" b="0" i="0" u="none" strike="noStrike">
+                        <a:solidFill>
+                          <a:srgbClr val="000000"/>
+                        </a:solidFill>
+                        <a:effectLst/>
+                        <a:latin typeface="Calibri" panose="020F0502020204030204" pitchFamily="34" charset="0"/>
+                      </a:endParaRPr>
+                    </a:p>
+                  </a:txBody>
+                  <a:tcPr marL="7620" marR="7620" marT="7620" marB="0" anchor="b">
+                    <a:lnL w="12700" cap="flat" cmpd="sng" algn="ctr">
+                      <a:solidFill>
+                        <a:schemeClr val="tx1"/>
+                      </a:solidFill>
+                      <a:prstDash val="solid"/>
+                      <a:round/>
+                      <a:headEnd type="none" w="med" len="med"/>
+                      <a:tailEnd type="none" w="med" len="med"/>
+                    </a:lnL>
+                    <a:lnR w="12700" cap="flat" cmpd="sng" algn="ctr">
+                      <a:solidFill>
+                        <a:schemeClr val="tx1"/>
+                      </a:solidFill>
+                      <a:prstDash val="solid"/>
+                      <a:round/>
+                      <a:headEnd type="none" w="med" len="med"/>
+                      <a:tailEnd type="none" w="med" len="med"/>
+                    </a:lnR>
+                    <a:lnT w="12700" cap="flat" cmpd="sng" algn="ctr">
+                      <a:solidFill>
+                        <a:schemeClr val="tx1"/>
+                      </a:solidFill>
+                      <a:prstDash val="solid"/>
+                      <a:round/>
+                      <a:headEnd type="none" w="med" len="med"/>
+                      <a:tailEnd type="none" w="med" len="med"/>
+                    </a:lnT>
+                    <a:lnB w="12700" cap="flat" cmpd="sng" algn="ctr">
+                      <a:solidFill>
+                        <a:schemeClr val="tx1"/>
+                      </a:solidFill>
+                      <a:prstDash val="solid"/>
+                      <a:round/>
+                      <a:headEnd type="none" w="med" len="med"/>
+                      <a:tailEnd type="none" w="med" len="med"/>
+                    </a:lnB>
+                    <a:solidFill>
+                      <a:schemeClr val="accent5">
+                        <a:lumMod val="40000"/>
+                        <a:lumOff val="60000"/>
+                      </a:schemeClr>
+                    </a:solidFill>
+                  </a:tcPr>
+                </a:tc>
+                <a:extLst>
+                  <a:ext uri="{0D108BD9-81ED-4DB2-BD59-A6C34878D82A}">
+                    <a16:rowId xmlns:a16="http://schemas.microsoft.com/office/drawing/2014/main" val="2020420142"/>
+                  </a:ext>
+                </a:extLst>
+              </a:tr>
+              <a:tr h="182880">
+                <a:tc>
+                  <a:txBody>
+                    <a:bodyPr/>
+                    <a:lstStyle/>
+                    <a:p>
+                      <a:pPr algn="l" fontAlgn="b"/>
+                      <a:r>
+                        <a:rPr lang="en-ID" sz="1400" u="none" strike="noStrike">
+                          <a:effectLst/>
+                        </a:rPr>
+                        <a:t>Thailand</a:t>
+                      </a:r>
+                      <a:endParaRPr lang="en-ID" sz="1400" b="0" i="0" u="none" strike="noStrike">
+                        <a:solidFill>
+                          <a:srgbClr val="000000"/>
+                        </a:solidFill>
+                        <a:effectLst/>
+                        <a:latin typeface="Calibri" panose="020F0502020204030204" pitchFamily="34" charset="0"/>
+                      </a:endParaRPr>
+                    </a:p>
+                  </a:txBody>
+                  <a:tcPr marL="7620" marR="7620" marT="7620" marB="0" anchor="b">
+                    <a:lnL w="12700" cap="flat" cmpd="sng" algn="ctr">
+                      <a:solidFill>
+                        <a:schemeClr val="tx1"/>
+                      </a:solidFill>
+                      <a:prstDash val="solid"/>
+                      <a:round/>
+                      <a:headEnd type="none" w="med" len="med"/>
+                      <a:tailEnd type="none" w="med" len="med"/>
+                    </a:lnL>
+                    <a:lnR w="12700" cap="flat" cmpd="sng" algn="ctr">
+                      <a:solidFill>
+                        <a:schemeClr val="tx1"/>
+                      </a:solidFill>
+                      <a:prstDash val="solid"/>
+                      <a:round/>
+                      <a:headEnd type="none" w="med" len="med"/>
+                      <a:tailEnd type="none" w="med" len="med"/>
+                    </a:lnR>
+                    <a:lnT w="12700" cap="flat" cmpd="sng" algn="ctr">
+                      <a:solidFill>
+                        <a:schemeClr val="tx1"/>
+                      </a:solidFill>
+                      <a:prstDash val="solid"/>
+                      <a:round/>
+                      <a:headEnd type="none" w="med" len="med"/>
+                      <a:tailEnd type="none" w="med" len="med"/>
+                    </a:lnT>
+                    <a:lnB w="12700" cap="flat" cmpd="sng" algn="ctr">
+                      <a:solidFill>
+                        <a:schemeClr val="tx1"/>
+                      </a:solidFill>
+                      <a:prstDash val="solid"/>
+                      <a:round/>
+                      <a:headEnd type="none" w="med" len="med"/>
+                      <a:tailEnd type="none" w="med" len="med"/>
+                    </a:lnB>
+                    <a:solidFill>
+                      <a:schemeClr val="accent5">
+                        <a:lumMod val="20000"/>
+                        <a:lumOff val="80000"/>
+                      </a:schemeClr>
+                    </a:solidFill>
+                  </a:tcPr>
+                </a:tc>
+                <a:tc>
+                  <a:txBody>
+                    <a:bodyPr/>
+                    <a:lstStyle/>
+                    <a:p>
+                      <a:pPr algn="l" fontAlgn="b"/>
+                      <a:r>
+                        <a:rPr lang="en-ID" sz="1400" u="none" strike="noStrike">
+                          <a:effectLst/>
+                        </a:rPr>
+                        <a:t>Upper middle income</a:t>
+                      </a:r>
+                      <a:endParaRPr lang="en-ID" sz="1400" b="0" i="0" u="none" strike="noStrike">
+                        <a:solidFill>
+                          <a:srgbClr val="000000"/>
+                        </a:solidFill>
+                        <a:effectLst/>
+                        <a:latin typeface="Calibri" panose="020F0502020204030204" pitchFamily="34" charset="0"/>
+                      </a:endParaRPr>
+                    </a:p>
+                  </a:txBody>
+                  <a:tcPr marL="7620" marR="7620" marT="7620" marB="0" anchor="b">
+                    <a:lnL w="12700" cap="flat" cmpd="sng" algn="ctr">
+                      <a:solidFill>
+                        <a:schemeClr val="tx1"/>
+                      </a:solidFill>
+                      <a:prstDash val="solid"/>
+                      <a:round/>
+                      <a:headEnd type="none" w="med" len="med"/>
+                      <a:tailEnd type="none" w="med" len="med"/>
+                    </a:lnL>
+                    <a:lnR w="12700" cap="flat" cmpd="sng" algn="ctr">
+                      <a:solidFill>
+                        <a:schemeClr val="tx1"/>
+                      </a:solidFill>
+                      <a:prstDash val="solid"/>
+                      <a:round/>
+                      <a:headEnd type="none" w="med" len="med"/>
+                      <a:tailEnd type="none" w="med" len="med"/>
+                    </a:lnR>
+                    <a:lnT w="12700" cap="flat" cmpd="sng" algn="ctr">
+                      <a:solidFill>
+                        <a:schemeClr val="tx1"/>
+                      </a:solidFill>
+                      <a:prstDash val="solid"/>
+                      <a:round/>
+                      <a:headEnd type="none" w="med" len="med"/>
+                      <a:tailEnd type="none" w="med" len="med"/>
+                    </a:lnT>
+                    <a:lnB w="12700" cap="flat" cmpd="sng" algn="ctr">
+                      <a:solidFill>
+                        <a:schemeClr val="tx1"/>
+                      </a:solidFill>
+                      <a:prstDash val="solid"/>
+                      <a:round/>
+                      <a:headEnd type="none" w="med" len="med"/>
+                      <a:tailEnd type="none" w="med" len="med"/>
+                    </a:lnB>
+                    <a:solidFill>
+                      <a:schemeClr val="accent5">
+                        <a:lumMod val="20000"/>
+                        <a:lumOff val="80000"/>
+                      </a:schemeClr>
+                    </a:solidFill>
+                  </a:tcPr>
+                </a:tc>
+                <a:extLst>
+                  <a:ext uri="{0D108BD9-81ED-4DB2-BD59-A6C34878D82A}">
+                    <a16:rowId xmlns:a16="http://schemas.microsoft.com/office/drawing/2014/main" val="232381073"/>
+                  </a:ext>
+                </a:extLst>
+              </a:tr>
+              <a:tr h="182880">
+                <a:tc>
+                  <a:txBody>
+                    <a:bodyPr/>
+                    <a:lstStyle/>
+                    <a:p>
+                      <a:pPr algn="l" fontAlgn="b"/>
+                      <a:r>
+                        <a:rPr lang="en-ID" sz="1400" u="none" strike="noStrike">
+                          <a:effectLst/>
+                        </a:rPr>
+                        <a:t>Vietnam</a:t>
+                      </a:r>
+                      <a:endParaRPr lang="en-ID" sz="1400" b="0" i="0" u="none" strike="noStrike">
+                        <a:solidFill>
+                          <a:srgbClr val="000000"/>
+                        </a:solidFill>
+                        <a:effectLst/>
+                        <a:latin typeface="Calibri" panose="020F0502020204030204" pitchFamily="34" charset="0"/>
+                      </a:endParaRPr>
+                    </a:p>
+                  </a:txBody>
+                  <a:tcPr marL="7620" marR="7620" marT="7620" marB="0" anchor="b">
+                    <a:lnL w="12700" cap="flat" cmpd="sng" algn="ctr">
+                      <a:solidFill>
+                        <a:schemeClr val="tx1"/>
+                      </a:solidFill>
+                      <a:prstDash val="solid"/>
+                      <a:round/>
+                      <a:headEnd type="none" w="med" len="med"/>
+                      <a:tailEnd type="none" w="med" len="med"/>
+                    </a:lnL>
+                    <a:lnR w="12700" cap="flat" cmpd="sng" algn="ctr">
+                      <a:solidFill>
+                        <a:schemeClr val="tx1"/>
+                      </a:solidFill>
+                      <a:prstDash val="solid"/>
+                      <a:round/>
+                      <a:headEnd type="none" w="med" len="med"/>
+                      <a:tailEnd type="none" w="med" len="med"/>
+                    </a:lnR>
+                    <a:lnT w="12700" cap="flat" cmpd="sng" algn="ctr">
+                      <a:solidFill>
+                        <a:schemeClr val="tx1"/>
+                      </a:solidFill>
+                      <a:prstDash val="solid"/>
+                      <a:round/>
+                      <a:headEnd type="none" w="med" len="med"/>
+                      <a:tailEnd type="none" w="med" len="med"/>
+                    </a:lnT>
+                    <a:lnB w="12700" cap="flat" cmpd="sng" algn="ctr">
+                      <a:solidFill>
+                        <a:schemeClr val="tx1"/>
+                      </a:solidFill>
+                      <a:prstDash val="solid"/>
+                      <a:round/>
+                      <a:headEnd type="none" w="med" len="med"/>
+                      <a:tailEnd type="none" w="med" len="med"/>
+                    </a:lnB>
+                    <a:solidFill>
+                      <a:schemeClr val="bg1"/>
+                    </a:solidFill>
+                  </a:tcPr>
+                </a:tc>
+                <a:tc>
+                  <a:txBody>
+                    <a:bodyPr/>
+                    <a:lstStyle/>
+                    <a:p>
+                      <a:pPr algn="l" fontAlgn="b"/>
+                      <a:r>
+                        <a:rPr lang="en-ID" sz="1400" u="none" strike="noStrike">
+                          <a:effectLst/>
+                        </a:rPr>
+                        <a:t>Lower middle income</a:t>
+                      </a:r>
+                      <a:endParaRPr lang="en-ID" sz="1400" b="0" i="0" u="none" strike="noStrike">
+                        <a:solidFill>
+                          <a:srgbClr val="000000"/>
+                        </a:solidFill>
+                        <a:effectLst/>
+                        <a:latin typeface="Calibri" panose="020F0502020204030204" pitchFamily="34" charset="0"/>
+                      </a:endParaRPr>
+                    </a:p>
+                  </a:txBody>
+                  <a:tcPr marL="7620" marR="7620" marT="7620" marB="0" anchor="b">
+                    <a:lnL w="12700" cap="flat" cmpd="sng" algn="ctr">
+                      <a:solidFill>
+                        <a:schemeClr val="tx1"/>
+                      </a:solidFill>
+                      <a:prstDash val="solid"/>
+                      <a:round/>
+                      <a:headEnd type="none" w="med" len="med"/>
+                      <a:tailEnd type="none" w="med" len="med"/>
+                    </a:lnL>
+                    <a:lnR w="12700" cap="flat" cmpd="sng" algn="ctr">
+                      <a:solidFill>
+                        <a:schemeClr val="tx1"/>
+                      </a:solidFill>
+                      <a:prstDash val="solid"/>
+                      <a:round/>
+                      <a:headEnd type="none" w="med" len="med"/>
+                      <a:tailEnd type="none" w="med" len="med"/>
+                    </a:lnR>
+                    <a:lnT w="12700" cap="flat" cmpd="sng" algn="ctr">
+                      <a:solidFill>
+                        <a:schemeClr val="tx1"/>
+                      </a:solidFill>
+                      <a:prstDash val="solid"/>
+                      <a:round/>
+                      <a:headEnd type="none" w="med" len="med"/>
+                      <a:tailEnd type="none" w="med" len="med"/>
+                    </a:lnT>
+                    <a:lnB w="12700" cap="flat" cmpd="sng" algn="ctr">
+                      <a:solidFill>
+                        <a:schemeClr val="tx1"/>
+                      </a:solidFill>
+                      <a:prstDash val="solid"/>
+                      <a:round/>
+                      <a:headEnd type="none" w="med" len="med"/>
+                      <a:tailEnd type="none" w="med" len="med"/>
+                    </a:lnB>
+                    <a:solidFill>
+                      <a:schemeClr val="bg1"/>
+                    </a:solidFill>
+                  </a:tcPr>
+                </a:tc>
+                <a:extLst>
+                  <a:ext uri="{0D108BD9-81ED-4DB2-BD59-A6C34878D82A}">
+                    <a16:rowId xmlns:a16="http://schemas.microsoft.com/office/drawing/2014/main" val="3001136808"/>
+                  </a:ext>
+                </a:extLst>
+              </a:tr>
+            </a:tbl>
           </a:graphicData>
         </a:graphic>
       </p:graphicFrame>
-      <p:graphicFrame>
-        <p:nvGraphicFramePr>
-          <p:cNvPr id="9" name="Chart 8">
-            <a:extLst>
-              <a:ext uri="{FF2B5EF4-FFF2-40B4-BE49-F238E27FC236}">
-                <a16:creationId xmlns:a16="http://schemas.microsoft.com/office/drawing/2014/main" id="{03E10238-AC9A-49FF-B0B9-0B8AB0C539BF}"/>
-              </a:ext>
-            </a:extLst>
-          </p:cNvPr>
-          <p:cNvGraphicFramePr>
-            <a:graphicFrameLocks/>
-          </p:cNvGraphicFramePr>
-          <p:nvPr>
-            <p:extLst>
-              <p:ext uri="{D42A27DB-BD31-4B8C-83A1-F6EECF244321}">
-                <p14:modId xmlns:p14="http://schemas.microsoft.com/office/powerpoint/2010/main" val="2027035674"/>
-              </p:ext>
-            </p:extLst>
-          </p:nvPr>
-        </p:nvGraphicFramePr>
-        <p:xfrm>
-          <a:off x="6080760" y="4002933"/>
-          <a:ext cx="4922520" cy="2743200"/>
-        </p:xfrm>
-        <a:graphic>
-          <a:graphicData uri="http://schemas.openxmlformats.org/drawingml/2006/chart">
-            <c:chart xmlns:c="http://schemas.openxmlformats.org/drawingml/2006/chart" xmlns:r="http://schemas.openxmlformats.org/officeDocument/2006/relationships" r:id="rId4"/>
-          </a:graphicData>
-        </a:graphic>
-      </p:graphicFrame>
-      <p:grpSp>
-        <p:nvGrpSpPr>
-          <p:cNvPr id="13" name="Group 12">
-            <a:extLst>
-              <a:ext uri="{FF2B5EF4-FFF2-40B4-BE49-F238E27FC236}">
-                <a16:creationId xmlns:a16="http://schemas.microsoft.com/office/drawing/2014/main" id="{0B8F7D50-E7D1-4C10-8EA9-515C5681C5EE}"/>
-              </a:ext>
-            </a:extLst>
-          </p:cNvPr>
-          <p:cNvGrpSpPr/>
-          <p:nvPr/>
-        </p:nvGrpSpPr>
-        <p:grpSpPr>
-          <a:xfrm>
-            <a:off x="6080760" y="1203917"/>
-            <a:ext cx="4922520" cy="2743200"/>
-            <a:chOff x="6080760" y="1203917"/>
-            <a:chExt cx="4922520" cy="2743200"/>
-          </a:xfrm>
-        </p:grpSpPr>
-        <p:graphicFrame>
-          <p:nvGraphicFramePr>
-            <p:cNvPr id="10" name="Chart 9">
-              <a:extLst>
-                <a:ext uri="{FF2B5EF4-FFF2-40B4-BE49-F238E27FC236}">
-                  <a16:creationId xmlns:a16="http://schemas.microsoft.com/office/drawing/2014/main" id="{33ADC2F8-E399-48AD-BF9E-5142FED6938B}"/>
-                </a:ext>
-              </a:extLst>
-            </p:cNvPr>
-            <p:cNvGraphicFramePr>
-              <a:graphicFrameLocks/>
-            </p:cNvGraphicFramePr>
-            <p:nvPr>
-              <p:extLst>
-                <p:ext uri="{D42A27DB-BD31-4B8C-83A1-F6EECF244321}">
-                  <p14:modId xmlns:p14="http://schemas.microsoft.com/office/powerpoint/2010/main" val="2813553969"/>
-                </p:ext>
-              </p:extLst>
-            </p:nvPr>
-          </p:nvGraphicFramePr>
-          <p:xfrm>
-            <a:off x="6080760" y="1203917"/>
-            <a:ext cx="4922520" cy="2743200"/>
-          </p:xfrm>
-          <a:graphic>
-            <a:graphicData uri="http://schemas.openxmlformats.org/drawingml/2006/chart">
-              <c:chart xmlns:c="http://schemas.openxmlformats.org/drawingml/2006/chart" xmlns:r="http://schemas.openxmlformats.org/officeDocument/2006/relationships" r:id="rId5"/>
-            </a:graphicData>
-          </a:graphic>
-        </p:graphicFrame>
-        <p:sp>
-          <p:nvSpPr>
-            <p:cNvPr id="12" name="TextBox 11">
-              <a:extLst>
-                <a:ext uri="{FF2B5EF4-FFF2-40B4-BE49-F238E27FC236}">
-                  <a16:creationId xmlns:a16="http://schemas.microsoft.com/office/drawing/2014/main" id="{432A9642-AE23-496B-8839-E2F6D03E7883}"/>
-                </a:ext>
-              </a:extLst>
-            </p:cNvPr>
-            <p:cNvSpPr txBox="1"/>
-            <p:nvPr/>
-          </p:nvSpPr>
-          <p:spPr>
-            <a:xfrm>
-              <a:off x="9649840" y="3565187"/>
-              <a:ext cx="802464" cy="307777"/>
-            </a:xfrm>
-            <a:prstGeom prst="rect">
-              <a:avLst/>
-            </a:prstGeom>
-            <a:noFill/>
-          </p:spPr>
-          <p:txBody>
-            <a:bodyPr wrap="none" rtlCol="0">
-              <a:spAutoFit/>
-            </a:bodyPr>
-            <a:lstStyle/>
-            <a:p>
-              <a:r>
-                <a:rPr lang="en-US" sz="1400"/>
-                <a:t>Vietnam</a:t>
-              </a:r>
-              <a:endParaRPr lang="en-ID" sz="1400"/>
-            </a:p>
-          </p:txBody>
-        </p:sp>
-      </p:grpSp>
     </p:spTree>
     <p:extLst>
       <p:ext uri="{BB962C8B-B14F-4D97-AF65-F5344CB8AC3E}">
-        <p14:creationId xmlns:p14="http://schemas.microsoft.com/office/powerpoint/2010/main" val="3838068971"/>
+        <p14:creationId xmlns:p14="http://schemas.microsoft.com/office/powerpoint/2010/main" val="1495374749"/>
       </p:ext>
     </p:extLst>
   </p:cSld>
@@ -18585,10 +23142,10 @@
       </p:grpSpPr>
       <p:pic>
         <p:nvPicPr>
-          <p:cNvPr id="9" name="Picture 8">
+          <p:cNvPr id="3" name="Picture 2">
             <a:extLst>
               <a:ext uri="{FF2B5EF4-FFF2-40B4-BE49-F238E27FC236}">
-                <a16:creationId xmlns:a16="http://schemas.microsoft.com/office/drawing/2014/main" id="{3615F1ED-B6B3-4066-BBAF-181E41F710B9}"/>
+                <a16:creationId xmlns:a16="http://schemas.microsoft.com/office/drawing/2014/main" id="{03652B08-CD6F-40EF-91B3-A9221164C7A9}"/>
               </a:ext>
             </a:extLst>
           </p:cNvPr>
@@ -18605,104 +23162,18 @@
         </p:blipFill>
         <p:spPr>
           <a:xfrm>
-            <a:off x="635277" y="1571188"/>
-            <a:ext cx="5352239" cy="4564172"/>
+            <a:off x="2028162" y="218255"/>
+            <a:ext cx="8135676" cy="4765708"/>
           </a:xfrm>
           <a:prstGeom prst="rect">
             <a:avLst/>
           </a:prstGeom>
         </p:spPr>
       </p:pic>
-      <p:pic>
-        <p:nvPicPr>
-          <p:cNvPr id="11" name="Picture 10">
-            <a:extLst>
-              <a:ext uri="{FF2B5EF4-FFF2-40B4-BE49-F238E27FC236}">
-                <a16:creationId xmlns:a16="http://schemas.microsoft.com/office/drawing/2014/main" id="{627317C2-B0DA-4243-AC2A-0ECDD04408DA}"/>
-              </a:ext>
-            </a:extLst>
-          </p:cNvPr>
-          <p:cNvPicPr>
-            <a:picLocks noChangeAspect="1"/>
-          </p:cNvPicPr>
-          <p:nvPr/>
-        </p:nvPicPr>
-        <p:blipFill>
-          <a:blip r:embed="rId3"/>
-          <a:stretch>
-            <a:fillRect/>
-          </a:stretch>
-        </p:blipFill>
-        <p:spPr>
-          <a:xfrm>
-            <a:off x="6096000" y="1571188"/>
-            <a:ext cx="5676232" cy="4564172"/>
-          </a:xfrm>
-          <a:prstGeom prst="rect">
-            <a:avLst/>
-          </a:prstGeom>
-        </p:spPr>
-      </p:pic>
-      <p:sp>
-        <p:nvSpPr>
-          <p:cNvPr id="14" name="Title 1">
-            <a:extLst>
-              <a:ext uri="{FF2B5EF4-FFF2-40B4-BE49-F238E27FC236}">
-                <a16:creationId xmlns:a16="http://schemas.microsoft.com/office/drawing/2014/main" id="{C4773BBB-9EB7-4E60-917A-C4DFB8126422}"/>
-              </a:ext>
-            </a:extLst>
-          </p:cNvPr>
-          <p:cNvSpPr txBox="1">
-            <a:spLocks/>
-          </p:cNvSpPr>
-          <p:nvPr/>
-        </p:nvSpPr>
-        <p:spPr>
-          <a:xfrm>
-            <a:off x="783958" y="342427"/>
-            <a:ext cx="10515600" cy="1325563"/>
-          </a:xfrm>
-          <a:prstGeom prst="rect">
-            <a:avLst/>
-          </a:prstGeom>
-        </p:spPr>
-        <p:txBody>
-          <a:bodyPr vert="horz" lIns="91440" tIns="45720" rIns="91440" bIns="45720" rtlCol="0" anchor="ctr">
-            <a:normAutofit/>
-          </a:bodyPr>
-          <a:lstStyle>
-            <a:lvl1pPr algn="l" defTabSz="914400" rtl="0" eaLnBrk="1" latinLnBrk="0" hangingPunct="1">
-              <a:lnSpc>
-                <a:spcPct val="90000"/>
-              </a:lnSpc>
-              <a:spcBef>
-                <a:spcPct val="0"/>
-              </a:spcBef>
-              <a:buNone/>
-              <a:defRPr sz="4400" kern="1200">
-                <a:solidFill>
-                  <a:schemeClr val="tx1"/>
-                </a:solidFill>
-                <a:latin typeface="+mj-lt"/>
-                <a:ea typeface="+mj-ea"/>
-                <a:cs typeface="+mj-cs"/>
-              </a:defRPr>
-            </a:lvl1pPr>
-          </a:lstStyle>
-          <a:p>
-            <a:pPr algn="ctr"/>
-            <a:r>
-              <a:rPr lang="en-US"/>
-              <a:t>2020 COVID on Phillipines and Vietnam</a:t>
-            </a:r>
-            <a:endParaRPr lang="en-ID"/>
-          </a:p>
-        </p:txBody>
-      </p:sp>
     </p:spTree>
     <p:extLst>
       <p:ext uri="{BB962C8B-B14F-4D97-AF65-F5344CB8AC3E}">
-        <p14:creationId xmlns:p14="http://schemas.microsoft.com/office/powerpoint/2010/main" val="397256904"/>
+        <p14:creationId xmlns:p14="http://schemas.microsoft.com/office/powerpoint/2010/main" val="4036930394"/>
       </p:ext>
     </p:extLst>
   </p:cSld>

--- a/Final_Report.pptx
+++ b/Final_Report.pptx
@@ -20,11 +20,13 @@
     <p:sldId id="267" r:id="rId14"/>
     <p:sldId id="282" r:id="rId15"/>
     <p:sldId id="268" r:id="rId16"/>
-    <p:sldId id="283" r:id="rId17"/>
-    <p:sldId id="269" r:id="rId18"/>
-    <p:sldId id="284" r:id="rId19"/>
-    <p:sldId id="276" r:id="rId20"/>
-    <p:sldId id="281" r:id="rId21"/>
+    <p:sldId id="285" r:id="rId17"/>
+    <p:sldId id="283" r:id="rId18"/>
+    <p:sldId id="269" r:id="rId19"/>
+    <p:sldId id="286" r:id="rId20"/>
+    <p:sldId id="284" r:id="rId21"/>
+    <p:sldId id="276" r:id="rId22"/>
+    <p:sldId id="281" r:id="rId23"/>
   </p:sldIdLst>
   <p:sldSz cx="12192000" cy="6858000"/>
   <p:notesSz cx="6858000" cy="9144000"/>
@@ -11549,7 +11551,7 @@
           <a:p>
             <a:fld id="{1317306F-2162-4CB2-8E68-07BC2E5B7AA3}" type="datetimeFigureOut">
               <a:rPr lang="en-ID" smtClean="0"/>
-              <a:t>04/06/2023</a:t>
+              <a:t>05/06/2023</a:t>
             </a:fld>
             <a:endParaRPr lang="en-ID"/>
           </a:p>
@@ -11749,7 +11751,7 @@
           <a:p>
             <a:fld id="{1317306F-2162-4CB2-8E68-07BC2E5B7AA3}" type="datetimeFigureOut">
               <a:rPr lang="en-ID" smtClean="0"/>
-              <a:t>04/06/2023</a:t>
+              <a:t>05/06/2023</a:t>
             </a:fld>
             <a:endParaRPr lang="en-ID"/>
           </a:p>
@@ -11959,7 +11961,7 @@
           <a:p>
             <a:fld id="{1317306F-2162-4CB2-8E68-07BC2E5B7AA3}" type="datetimeFigureOut">
               <a:rPr lang="en-ID" smtClean="0"/>
-              <a:t>04/06/2023</a:t>
+              <a:t>05/06/2023</a:t>
             </a:fld>
             <a:endParaRPr lang="en-ID"/>
           </a:p>
@@ -12159,7 +12161,7 @@
           <a:p>
             <a:fld id="{1317306F-2162-4CB2-8E68-07BC2E5B7AA3}" type="datetimeFigureOut">
               <a:rPr lang="en-ID" smtClean="0"/>
-              <a:t>04/06/2023</a:t>
+              <a:t>05/06/2023</a:t>
             </a:fld>
             <a:endParaRPr lang="en-ID"/>
           </a:p>
@@ -12435,7 +12437,7 @@
           <a:p>
             <a:fld id="{1317306F-2162-4CB2-8E68-07BC2E5B7AA3}" type="datetimeFigureOut">
               <a:rPr lang="en-ID" smtClean="0"/>
-              <a:t>04/06/2023</a:t>
+              <a:t>05/06/2023</a:t>
             </a:fld>
             <a:endParaRPr lang="en-ID"/>
           </a:p>
@@ -12703,7 +12705,7 @@
           <a:p>
             <a:fld id="{1317306F-2162-4CB2-8E68-07BC2E5B7AA3}" type="datetimeFigureOut">
               <a:rPr lang="en-ID" smtClean="0"/>
-              <a:t>04/06/2023</a:t>
+              <a:t>05/06/2023</a:t>
             </a:fld>
             <a:endParaRPr lang="en-ID"/>
           </a:p>
@@ -13118,7 +13120,7 @@
           <a:p>
             <a:fld id="{1317306F-2162-4CB2-8E68-07BC2E5B7AA3}" type="datetimeFigureOut">
               <a:rPr lang="en-ID" smtClean="0"/>
-              <a:t>04/06/2023</a:t>
+              <a:t>05/06/2023</a:t>
             </a:fld>
             <a:endParaRPr lang="en-ID"/>
           </a:p>
@@ -13260,7 +13262,7 @@
           <a:p>
             <a:fld id="{1317306F-2162-4CB2-8E68-07BC2E5B7AA3}" type="datetimeFigureOut">
               <a:rPr lang="en-ID" smtClean="0"/>
-              <a:t>04/06/2023</a:t>
+              <a:t>05/06/2023</a:t>
             </a:fld>
             <a:endParaRPr lang="en-ID"/>
           </a:p>
@@ -13373,7 +13375,7 @@
           <a:p>
             <a:fld id="{1317306F-2162-4CB2-8E68-07BC2E5B7AA3}" type="datetimeFigureOut">
               <a:rPr lang="en-ID" smtClean="0"/>
-              <a:t>04/06/2023</a:t>
+              <a:t>05/06/2023</a:t>
             </a:fld>
             <a:endParaRPr lang="en-ID"/>
           </a:p>
@@ -13686,7 +13688,7 @@
           <a:p>
             <a:fld id="{1317306F-2162-4CB2-8E68-07BC2E5B7AA3}" type="datetimeFigureOut">
               <a:rPr lang="en-ID" smtClean="0"/>
-              <a:t>04/06/2023</a:t>
+              <a:t>05/06/2023</a:t>
             </a:fld>
             <a:endParaRPr lang="en-ID"/>
           </a:p>
@@ -13975,7 +13977,7 @@
           <a:p>
             <a:fld id="{1317306F-2162-4CB2-8E68-07BC2E5B7AA3}" type="datetimeFigureOut">
               <a:rPr lang="en-ID" smtClean="0"/>
-              <a:t>04/06/2023</a:t>
+              <a:t>05/06/2023</a:t>
             </a:fld>
             <a:endParaRPr lang="en-ID"/>
           </a:p>
@@ -14218,7 +14220,7 @@
           <a:p>
             <a:fld id="{1317306F-2162-4CB2-8E68-07BC2E5B7AA3}" type="datetimeFigureOut">
               <a:rPr lang="en-ID" smtClean="0"/>
-              <a:t>04/06/2023</a:t>
+              <a:t>05/06/2023</a:t>
             </a:fld>
             <a:endParaRPr lang="en-ID"/>
           </a:p>
@@ -15417,7 +15419,7 @@
           <a:p>
             <a:r>
               <a:rPr lang="en-US"/>
-              <a:t>What happened on that month?</a:t>
+              <a:t>What happened on that year?</a:t>
             </a:r>
             <a:endParaRPr lang="en-ID"/>
           </a:p>
@@ -15697,6 +15699,118 @@
           <a:chExt cx="0" cy="0"/>
         </a:xfrm>
       </p:grpSpPr>
+      <p:pic>
+        <p:nvPicPr>
+          <p:cNvPr id="6" name="Picture 5">
+            <a:extLst>
+              <a:ext uri="{FF2B5EF4-FFF2-40B4-BE49-F238E27FC236}">
+                <a16:creationId xmlns:a16="http://schemas.microsoft.com/office/drawing/2014/main" id="{D47EC4FD-59F7-4573-BF95-9FEC804A4D25}"/>
+              </a:ext>
+            </a:extLst>
+          </p:cNvPr>
+          <p:cNvPicPr>
+            <a:picLocks noChangeAspect="1"/>
+          </p:cNvPicPr>
+          <p:nvPr/>
+        </p:nvPicPr>
+        <p:blipFill>
+          <a:blip r:embed="rId2"/>
+          <a:stretch>
+            <a:fillRect/>
+          </a:stretch>
+        </p:blipFill>
+        <p:spPr>
+          <a:xfrm>
+            <a:off x="619125" y="312197"/>
+            <a:ext cx="10953750" cy="3743325"/>
+          </a:xfrm>
+          <a:prstGeom prst="rect">
+            <a:avLst/>
+          </a:prstGeom>
+        </p:spPr>
+      </p:pic>
+      <p:sp>
+        <p:nvSpPr>
+          <p:cNvPr id="7" name="Rectangle 6">
+            <a:extLst>
+              <a:ext uri="{FF2B5EF4-FFF2-40B4-BE49-F238E27FC236}">
+                <a16:creationId xmlns:a16="http://schemas.microsoft.com/office/drawing/2014/main" id="{33C8AF28-CF98-4B51-9E6E-50D14E89800C}"/>
+              </a:ext>
+            </a:extLst>
+          </p:cNvPr>
+          <p:cNvSpPr/>
+          <p:nvPr/>
+        </p:nvSpPr>
+        <p:spPr>
+          <a:xfrm>
+            <a:off x="4513277" y="915798"/>
+            <a:ext cx="2357306" cy="2892804"/>
+          </a:xfrm>
+          <a:prstGeom prst="rect">
+            <a:avLst/>
+          </a:prstGeom>
+          <a:noFill/>
+          <a:ln>
+            <a:solidFill>
+              <a:srgbClr val="FF0000"/>
+            </a:solidFill>
+          </a:ln>
+        </p:spPr>
+        <p:style>
+          <a:lnRef idx="2">
+            <a:schemeClr val="accent1">
+              <a:shade val="50000"/>
+            </a:schemeClr>
+          </a:lnRef>
+          <a:fillRef idx="1">
+            <a:schemeClr val="accent1"/>
+          </a:fillRef>
+          <a:effectRef idx="0">
+            <a:schemeClr val="accent1"/>
+          </a:effectRef>
+          <a:fontRef idx="minor">
+            <a:schemeClr val="lt1"/>
+          </a:fontRef>
+        </p:style>
+        <p:txBody>
+          <a:bodyPr rtlCol="0" anchor="ctr"/>
+          <a:lstStyle/>
+          <a:p>
+            <a:pPr algn="ctr"/>
+            <a:endParaRPr lang="en-ID"/>
+          </a:p>
+        </p:txBody>
+      </p:sp>
+    </p:spTree>
+    <p:extLst>
+      <p:ext uri="{BB962C8B-B14F-4D97-AF65-F5344CB8AC3E}">
+        <p14:creationId xmlns:p14="http://schemas.microsoft.com/office/powerpoint/2010/main" val="1524862030"/>
+      </p:ext>
+    </p:extLst>
+  </p:cSld>
+  <p:clrMapOvr>
+    <a:masterClrMapping/>
+  </p:clrMapOvr>
+</p:sld>
+</file>
+
+<file path=ppt/slides/slide17.xml><?xml version="1.0" encoding="utf-8"?>
+<p:sld xmlns:a="http://schemas.openxmlformats.org/drawingml/2006/main" xmlns:r="http://schemas.openxmlformats.org/officeDocument/2006/relationships" xmlns:p="http://schemas.openxmlformats.org/presentationml/2006/main">
+  <p:cSld>
+    <p:spTree>
+      <p:nvGrpSpPr>
+        <p:cNvPr id="1" name=""/>
+        <p:cNvGrpSpPr/>
+        <p:nvPr/>
+      </p:nvGrpSpPr>
+      <p:grpSpPr>
+        <a:xfrm>
+          <a:off x="0" y="0"/>
+          <a:ext cx="0" cy="0"/>
+          <a:chOff x="0" y="0"/>
+          <a:chExt cx="0" cy="0"/>
+        </a:xfrm>
+      </p:grpSpPr>
       <p:sp>
         <p:nvSpPr>
           <p:cNvPr id="2" name="Title 1">
@@ -15720,7 +15834,7 @@
           <a:p>
             <a:r>
               <a:rPr lang="en-US"/>
-              <a:t>What happened on that month?</a:t>
+              <a:t>What happened on that year?</a:t>
             </a:r>
             <a:endParaRPr lang="en-ID"/>
           </a:p>
@@ -15728,26 +15842,187 @@
       </p:sp>
       <p:sp>
         <p:nvSpPr>
-          <p:cNvPr id="3" name="Content Placeholder 2">
+          <p:cNvPr id="7" name="TextBox 6">
             <a:extLst>
               <a:ext uri="{FF2B5EF4-FFF2-40B4-BE49-F238E27FC236}">
-                <a16:creationId xmlns:a16="http://schemas.microsoft.com/office/drawing/2014/main" id="{98F33FB2-D652-4B5F-A5CA-C3E438F1D8C1}"/>
+                <a16:creationId xmlns:a16="http://schemas.microsoft.com/office/drawing/2014/main" id="{F1F13A9B-33BA-4BBD-B52D-BBFD21947753}"/>
               </a:ext>
             </a:extLst>
           </p:cNvPr>
-          <p:cNvSpPr>
-            <a:spLocks noGrp="1"/>
-          </p:cNvSpPr>
-          <p:nvPr>
-            <p:ph idx="1"/>
-          </p:nvPr>
+          <p:cNvSpPr txBox="1"/>
+          <p:nvPr/>
         </p:nvSpPr>
-        <p:spPr/>
+        <p:spPr>
+          <a:xfrm>
+            <a:off x="525360" y="1828366"/>
+            <a:ext cx="11141279" cy="3970318"/>
+          </a:xfrm>
+          <a:prstGeom prst="rect">
+            <a:avLst/>
+          </a:prstGeom>
+          <a:noFill/>
+        </p:spPr>
         <p:txBody>
-          <a:bodyPr/>
+          <a:bodyPr wrap="square">
+            <a:spAutoFit/>
+          </a:bodyPr>
           <a:lstStyle/>
           <a:p>
-            <a:endParaRPr lang="en-ID"/>
+            <a:r>
+              <a:rPr lang="en-US" b="0" i="0">
+                <a:solidFill>
+                  <a:srgbClr val="202122"/>
+                </a:solidFill>
+                <a:effectLst/>
+                <a:latin typeface="Arial" panose="020B0604020202020204" pitchFamily="34" charset="0"/>
+              </a:rPr>
+              <a:t>Phillipine</a:t>
+            </a:r>
+          </a:p>
+          <a:p>
+            <a:pPr marL="285750" indent="-285750">
+              <a:buFont typeface="Arial" panose="020B0604020202020204" pitchFamily="34" charset="0"/>
+              <a:buChar char="•"/>
+            </a:pPr>
+            <a:r>
+              <a:rPr lang="en-US" b="0" i="0">
+                <a:solidFill>
+                  <a:srgbClr val="202122"/>
+                </a:solidFill>
+                <a:effectLst/>
+                <a:latin typeface="Arial" panose="020B0604020202020204" pitchFamily="34" charset="0"/>
+              </a:rPr>
+              <a:t>July 16 </a:t>
+            </a:r>
+          </a:p>
+          <a:p>
+            <a:r>
+              <a:rPr lang="en-US" b="0" i="0">
+                <a:solidFill>
+                  <a:srgbClr val="202122"/>
+                </a:solidFill>
+                <a:effectLst/>
+                <a:latin typeface="Arial" panose="020B0604020202020204" pitchFamily="34" charset="0"/>
+              </a:rPr>
+              <a:t>     The country detected 16 new cases of the highly-transmissible COVID-19 Delta variant,</a:t>
+            </a:r>
+          </a:p>
+          <a:p>
+            <a:endParaRPr lang="en-US" b="0" i="0">
+              <a:solidFill>
+                <a:srgbClr val="202122"/>
+              </a:solidFill>
+              <a:effectLst/>
+              <a:latin typeface="Arial" panose="020B0604020202020204" pitchFamily="34" charset="0"/>
+            </a:endParaRPr>
+          </a:p>
+          <a:p>
+            <a:pPr marL="285750" indent="-285750">
+              <a:buFont typeface="Arial" panose="020B0604020202020204" pitchFamily="34" charset="0"/>
+              <a:buChar char="•"/>
+            </a:pPr>
+            <a:r>
+              <a:rPr lang="en-US">
+                <a:solidFill>
+                  <a:srgbClr val="202122"/>
+                </a:solidFill>
+                <a:latin typeface="Arial" panose="020B0604020202020204" pitchFamily="34" charset="0"/>
+              </a:rPr>
+              <a:t>August 28 </a:t>
+            </a:r>
+          </a:p>
+          <a:p>
+            <a:r>
+              <a:rPr lang="en-US">
+                <a:solidFill>
+                  <a:srgbClr val="202122"/>
+                </a:solidFill>
+                <a:latin typeface="Arial" panose="020B0604020202020204" pitchFamily="34" charset="0"/>
+              </a:rPr>
+              <a:t>     WHO declared that the Delta variant is already the dominant variant of SARS-CoV-2 in the Philippines.</a:t>
+            </a:r>
+          </a:p>
+          <a:p>
+            <a:endParaRPr lang="en-US">
+              <a:solidFill>
+                <a:srgbClr val="202122"/>
+              </a:solidFill>
+              <a:latin typeface="Arial" panose="020B0604020202020204" pitchFamily="34" charset="0"/>
+            </a:endParaRPr>
+          </a:p>
+          <a:p>
+            <a:pPr marL="285750" indent="-285750">
+              <a:buFont typeface="Arial" panose="020B0604020202020204" pitchFamily="34" charset="0"/>
+              <a:buChar char="•"/>
+            </a:pPr>
+            <a:r>
+              <a:rPr lang="en-US">
+                <a:solidFill>
+                  <a:srgbClr val="202122"/>
+                </a:solidFill>
+                <a:latin typeface="Arial" panose="020B0604020202020204" pitchFamily="34" charset="0"/>
+              </a:rPr>
+              <a:t>October</a:t>
+            </a:r>
+          </a:p>
+          <a:p>
+            <a:r>
+              <a:rPr lang="en-US" b="0" i="0">
+                <a:solidFill>
+                  <a:srgbClr val="202122"/>
+                </a:solidFill>
+                <a:effectLst/>
+                <a:latin typeface="Arial" panose="020B0604020202020204" pitchFamily="34" charset="0"/>
+              </a:rPr>
+              <a:t>     The vaccination of minors under the Philippine national vaccination</a:t>
+            </a:r>
+          </a:p>
+          <a:p>
+            <a:endParaRPr lang="en-US">
+              <a:solidFill>
+                <a:srgbClr val="202122"/>
+              </a:solidFill>
+              <a:latin typeface="Arial" panose="020B0604020202020204" pitchFamily="34" charset="0"/>
+            </a:endParaRPr>
+          </a:p>
+          <a:p>
+            <a:r>
+              <a:rPr lang="en-US">
+                <a:solidFill>
+                  <a:srgbClr val="202122"/>
+                </a:solidFill>
+                <a:latin typeface="Arial" panose="020B0604020202020204" pitchFamily="34" charset="0"/>
+              </a:rPr>
+              <a:t>Vietnam</a:t>
+            </a:r>
+          </a:p>
+          <a:p>
+            <a:pPr marL="285750" indent="-285750">
+              <a:buFont typeface="Arial" panose="020B0604020202020204" pitchFamily="34" charset="0"/>
+              <a:buChar char="•"/>
+            </a:pPr>
+            <a:r>
+              <a:rPr lang="en-US">
+                <a:solidFill>
+                  <a:srgbClr val="202122"/>
+                </a:solidFill>
+                <a:latin typeface="Arial" panose="020B0604020202020204" pitchFamily="34" charset="0"/>
+              </a:rPr>
+              <a:t>August</a:t>
+            </a:r>
+          </a:p>
+          <a:p>
+            <a:r>
+              <a:rPr lang="en-US">
+                <a:latin typeface="Arial" panose="020B0604020202020204" pitchFamily="34" charset="0"/>
+                <a:cs typeface="Arial" panose="020B0604020202020204" pitchFamily="34" charset="0"/>
+              </a:rPr>
+              <a:t>     A main cause of the outbreak was a four-day holiday for Reunification Day and International Workers' Day, during which many vacation destinations were packed with travelers.</a:t>
+            </a:r>
+            <a:endParaRPr lang="en-ID">
+              <a:latin typeface="Arial" panose="020B0604020202020204" pitchFamily="34" charset="0"/>
+              <a:cs typeface="Arial" panose="020B0604020202020204" pitchFamily="34" charset="0"/>
+            </a:endParaRPr>
           </a:p>
         </p:txBody>
       </p:sp>
@@ -15764,7 +16039,7 @@
 </p:sld>
 </file>
 
-<file path=ppt/slides/slide17.xml><?xml version="1.0" encoding="utf-8"?>
+<file path=ppt/slides/slide18.xml><?xml version="1.0" encoding="utf-8"?>
 <p:sld xmlns:a="http://schemas.openxmlformats.org/drawingml/2006/main" xmlns:r="http://schemas.openxmlformats.org/officeDocument/2006/relationships" xmlns:p="http://schemas.openxmlformats.org/presentationml/2006/main">
   <p:cSld>
     <p:spTree>
@@ -15928,86 +16203,54 @@
           </a:p>
         </p:txBody>
       </p:sp>
-    </p:spTree>
-    <p:extLst>
-      <p:ext uri="{BB962C8B-B14F-4D97-AF65-F5344CB8AC3E}">
-        <p14:creationId xmlns:p14="http://schemas.microsoft.com/office/powerpoint/2010/main" val="3064653809"/>
-      </p:ext>
-    </p:extLst>
-  </p:cSld>
-  <p:clrMapOvr>
-    <a:masterClrMapping/>
-  </p:clrMapOvr>
-</p:sld>
-</file>
-
-<file path=ppt/slides/slide18.xml><?xml version="1.0" encoding="utf-8"?>
-<p:sld xmlns:a="http://schemas.openxmlformats.org/drawingml/2006/main" xmlns:r="http://schemas.openxmlformats.org/officeDocument/2006/relationships" xmlns:p="http://schemas.openxmlformats.org/presentationml/2006/main">
-  <p:cSld>
-    <p:spTree>
-      <p:nvGrpSpPr>
-        <p:cNvPr id="1" name=""/>
-        <p:cNvGrpSpPr/>
-        <p:nvPr/>
-      </p:nvGrpSpPr>
-      <p:grpSpPr>
-        <a:xfrm>
-          <a:off x="0" y="0"/>
-          <a:ext cx="0" cy="0"/>
-          <a:chOff x="0" y="0"/>
-          <a:chExt cx="0" cy="0"/>
-        </a:xfrm>
-      </p:grpSpPr>
       <p:sp>
         <p:nvSpPr>
-          <p:cNvPr id="2" name="Title 1">
+          <p:cNvPr id="7" name="Rectangle 6">
             <a:extLst>
               <a:ext uri="{FF2B5EF4-FFF2-40B4-BE49-F238E27FC236}">
-                <a16:creationId xmlns:a16="http://schemas.microsoft.com/office/drawing/2014/main" id="{481BFAB1-052E-45D6-87E6-AAE049313DF4}"/>
+                <a16:creationId xmlns:a16="http://schemas.microsoft.com/office/drawing/2014/main" id="{E5FB8440-3F25-43AC-B6D5-EB9AB75FA10C}"/>
               </a:ext>
             </a:extLst>
           </p:cNvPr>
-          <p:cNvSpPr>
-            <a:spLocks noGrp="1"/>
-          </p:cNvSpPr>
-          <p:nvPr>
-            <p:ph type="title"/>
-          </p:nvPr>
+          <p:cNvSpPr/>
+          <p:nvPr/>
         </p:nvSpPr>
-        <p:spPr/>
+        <p:spPr>
+          <a:xfrm>
+            <a:off x="7299121" y="4204282"/>
+            <a:ext cx="1267437" cy="1921080"/>
+          </a:xfrm>
+          <a:prstGeom prst="rect">
+            <a:avLst/>
+          </a:prstGeom>
+          <a:noFill/>
+          <a:ln>
+            <a:solidFill>
+              <a:srgbClr val="FF0000"/>
+            </a:solidFill>
+          </a:ln>
+        </p:spPr>
+        <p:style>
+          <a:lnRef idx="2">
+            <a:schemeClr val="accent1">
+              <a:shade val="50000"/>
+            </a:schemeClr>
+          </a:lnRef>
+          <a:fillRef idx="1">
+            <a:schemeClr val="accent1"/>
+          </a:fillRef>
+          <a:effectRef idx="0">
+            <a:schemeClr val="accent1"/>
+          </a:effectRef>
+          <a:fontRef idx="minor">
+            <a:schemeClr val="lt1"/>
+          </a:fontRef>
+        </p:style>
         <p:txBody>
-          <a:bodyPr/>
+          <a:bodyPr rtlCol="0" anchor="ctr"/>
           <a:lstStyle/>
           <a:p>
-            <a:r>
-              <a:rPr lang="en-US"/>
-              <a:t>What happened on that month?</a:t>
-            </a:r>
-            <a:endParaRPr lang="en-ID"/>
-          </a:p>
-        </p:txBody>
-      </p:sp>
-      <p:sp>
-        <p:nvSpPr>
-          <p:cNvPr id="3" name="Content Placeholder 2">
-            <a:extLst>
-              <a:ext uri="{FF2B5EF4-FFF2-40B4-BE49-F238E27FC236}">
-                <a16:creationId xmlns:a16="http://schemas.microsoft.com/office/drawing/2014/main" id="{4121D116-C64F-445E-B0F3-D30A6E328403}"/>
-              </a:ext>
-            </a:extLst>
-          </p:cNvPr>
-          <p:cNvSpPr>
-            <a:spLocks noGrp="1"/>
-          </p:cNvSpPr>
-          <p:nvPr>
-            <p:ph idx="1"/>
-          </p:nvPr>
-        </p:nvSpPr>
-        <p:spPr/>
-        <p:txBody>
-          <a:bodyPr/>
-          <a:lstStyle/>
-          <a:p>
+            <a:pPr algn="ctr"/>
             <a:endParaRPr lang="en-ID"/>
           </a:p>
         </p:txBody>
@@ -16015,7 +16258,7 @@
     </p:spTree>
     <p:extLst>
       <p:ext uri="{BB962C8B-B14F-4D97-AF65-F5344CB8AC3E}">
-        <p14:creationId xmlns:p14="http://schemas.microsoft.com/office/powerpoint/2010/main" val="3757590915"/>
+        <p14:creationId xmlns:p14="http://schemas.microsoft.com/office/powerpoint/2010/main" val="3064653809"/>
       </p:ext>
     </p:extLst>
   </p:cSld>
@@ -16042,57 +16285,84 @@
           <a:chExt cx="0" cy="0"/>
         </a:xfrm>
       </p:grpSpPr>
-      <p:sp>
-        <p:nvSpPr>
-          <p:cNvPr id="2" name="Title 1">
+      <p:pic>
+        <p:nvPicPr>
+          <p:cNvPr id="5" name="Picture 4">
             <a:extLst>
               <a:ext uri="{FF2B5EF4-FFF2-40B4-BE49-F238E27FC236}">
-                <a16:creationId xmlns:a16="http://schemas.microsoft.com/office/drawing/2014/main" id="{78C77D1E-A763-4D21-B356-592C5303282D}"/>
+                <a16:creationId xmlns:a16="http://schemas.microsoft.com/office/drawing/2014/main" id="{75BBD02A-898C-4C1C-9E71-66C8AFCEA09E}"/>
               </a:ext>
             </a:extLst>
           </p:cNvPr>
-          <p:cNvSpPr>
-            <a:spLocks noGrp="1"/>
-          </p:cNvSpPr>
-          <p:nvPr>
-            <p:ph type="title"/>
-          </p:nvPr>
+          <p:cNvPicPr>
+            <a:picLocks noChangeAspect="1"/>
+          </p:cNvPicPr>
+          <p:nvPr/>
+        </p:nvPicPr>
+        <p:blipFill>
+          <a:blip r:embed="rId2"/>
+          <a:stretch>
+            <a:fillRect/>
+          </a:stretch>
+        </p:blipFill>
+        <p:spPr>
+          <a:xfrm>
+            <a:off x="638175" y="377592"/>
+            <a:ext cx="10915650" cy="4324350"/>
+          </a:xfrm>
+          <a:prstGeom prst="rect">
+            <a:avLst/>
+          </a:prstGeom>
+        </p:spPr>
+      </p:pic>
+      <p:sp>
+        <p:nvSpPr>
+          <p:cNvPr id="6" name="Rectangle 5">
+            <a:extLst>
+              <a:ext uri="{FF2B5EF4-FFF2-40B4-BE49-F238E27FC236}">
+                <a16:creationId xmlns:a16="http://schemas.microsoft.com/office/drawing/2014/main" id="{D7B18EC2-BAC2-4EF3-A78C-427C82A24291}"/>
+              </a:ext>
+            </a:extLst>
+          </p:cNvPr>
+          <p:cNvSpPr/>
+          <p:nvPr/>
         </p:nvSpPr>
-        <p:spPr/>
+        <p:spPr>
+          <a:xfrm>
+            <a:off x="1468772" y="957742"/>
+            <a:ext cx="2834780" cy="3513590"/>
+          </a:xfrm>
+          <a:prstGeom prst="rect">
+            <a:avLst/>
+          </a:prstGeom>
+          <a:noFill/>
+          <a:ln>
+            <a:solidFill>
+              <a:srgbClr val="FF0000"/>
+            </a:solidFill>
+          </a:ln>
+        </p:spPr>
+        <p:style>
+          <a:lnRef idx="2">
+            <a:schemeClr val="accent1">
+              <a:shade val="50000"/>
+            </a:schemeClr>
+          </a:lnRef>
+          <a:fillRef idx="1">
+            <a:schemeClr val="accent1"/>
+          </a:fillRef>
+          <a:effectRef idx="0">
+            <a:schemeClr val="accent1"/>
+          </a:effectRef>
+          <a:fontRef idx="minor">
+            <a:schemeClr val="lt1"/>
+          </a:fontRef>
+        </p:style>
         <p:txBody>
-          <a:bodyPr/>
+          <a:bodyPr rtlCol="0" anchor="ctr"/>
           <a:lstStyle/>
           <a:p>
             <a:pPr algn="ctr"/>
-            <a:r>
-              <a:rPr lang="en-US"/>
-              <a:t>Conclusion</a:t>
-            </a:r>
-            <a:endParaRPr lang="en-ID"/>
-          </a:p>
-        </p:txBody>
-      </p:sp>
-      <p:sp>
-        <p:nvSpPr>
-          <p:cNvPr id="3" name="Content Placeholder 2">
-            <a:extLst>
-              <a:ext uri="{FF2B5EF4-FFF2-40B4-BE49-F238E27FC236}">
-                <a16:creationId xmlns:a16="http://schemas.microsoft.com/office/drawing/2014/main" id="{172B35EC-4E84-49F2-9786-243C80803D27}"/>
-              </a:ext>
-            </a:extLst>
-          </p:cNvPr>
-          <p:cNvSpPr>
-            <a:spLocks noGrp="1"/>
-          </p:cNvSpPr>
-          <p:nvPr>
-            <p:ph idx="1"/>
-          </p:nvPr>
-        </p:nvSpPr>
-        <p:spPr/>
-        <p:txBody>
-          <a:bodyPr/>
-          <a:lstStyle/>
-          <a:p>
             <a:endParaRPr lang="en-ID"/>
           </a:p>
         </p:txBody>
@@ -16100,7 +16370,7 @@
     </p:spTree>
     <p:extLst>
       <p:ext uri="{BB962C8B-B14F-4D97-AF65-F5344CB8AC3E}">
-        <p14:creationId xmlns:p14="http://schemas.microsoft.com/office/powerpoint/2010/main" val="571181124"/>
+        <p14:creationId xmlns:p14="http://schemas.microsoft.com/office/powerpoint/2010/main" val="614274357"/>
       </p:ext>
     </p:extLst>
   </p:cSld>
@@ -16196,6 +16466,175 @@
 </file>
 
 <file path=ppt/slides/slide20.xml><?xml version="1.0" encoding="utf-8"?>
+<p:sld xmlns:a="http://schemas.openxmlformats.org/drawingml/2006/main" xmlns:r="http://schemas.openxmlformats.org/officeDocument/2006/relationships" xmlns:p="http://schemas.openxmlformats.org/presentationml/2006/main">
+  <p:cSld>
+    <p:spTree>
+      <p:nvGrpSpPr>
+        <p:cNvPr id="1" name=""/>
+        <p:cNvGrpSpPr/>
+        <p:nvPr/>
+      </p:nvGrpSpPr>
+      <p:grpSpPr>
+        <a:xfrm>
+          <a:off x="0" y="0"/>
+          <a:ext cx="0" cy="0"/>
+          <a:chOff x="0" y="0"/>
+          <a:chExt cx="0" cy="0"/>
+        </a:xfrm>
+      </p:grpSpPr>
+      <p:sp>
+        <p:nvSpPr>
+          <p:cNvPr id="2" name="Title 1">
+            <a:extLst>
+              <a:ext uri="{FF2B5EF4-FFF2-40B4-BE49-F238E27FC236}">
+                <a16:creationId xmlns:a16="http://schemas.microsoft.com/office/drawing/2014/main" id="{481BFAB1-052E-45D6-87E6-AAE049313DF4}"/>
+              </a:ext>
+            </a:extLst>
+          </p:cNvPr>
+          <p:cNvSpPr>
+            <a:spLocks noGrp="1"/>
+          </p:cNvSpPr>
+          <p:nvPr>
+            <p:ph type="title"/>
+          </p:nvPr>
+        </p:nvSpPr>
+        <p:spPr/>
+        <p:txBody>
+          <a:bodyPr/>
+          <a:lstStyle/>
+          <a:p>
+            <a:r>
+              <a:rPr lang="en-US"/>
+              <a:t>What happened on that year?</a:t>
+            </a:r>
+            <a:endParaRPr lang="en-ID"/>
+          </a:p>
+        </p:txBody>
+      </p:sp>
+      <p:sp>
+        <p:nvSpPr>
+          <p:cNvPr id="3" name="Content Placeholder 2">
+            <a:extLst>
+              <a:ext uri="{FF2B5EF4-FFF2-40B4-BE49-F238E27FC236}">
+                <a16:creationId xmlns:a16="http://schemas.microsoft.com/office/drawing/2014/main" id="{4121D116-C64F-445E-B0F3-D30A6E328403}"/>
+              </a:ext>
+            </a:extLst>
+          </p:cNvPr>
+          <p:cNvSpPr>
+            <a:spLocks noGrp="1"/>
+          </p:cNvSpPr>
+          <p:nvPr>
+            <p:ph idx="1"/>
+          </p:nvPr>
+        </p:nvSpPr>
+        <p:spPr/>
+        <p:txBody>
+          <a:bodyPr/>
+          <a:lstStyle/>
+          <a:p>
+            <a:endParaRPr lang="en-ID"/>
+          </a:p>
+        </p:txBody>
+      </p:sp>
+    </p:spTree>
+    <p:extLst>
+      <p:ext uri="{BB962C8B-B14F-4D97-AF65-F5344CB8AC3E}">
+        <p14:creationId xmlns:p14="http://schemas.microsoft.com/office/powerpoint/2010/main" val="3757590915"/>
+      </p:ext>
+    </p:extLst>
+  </p:cSld>
+  <p:clrMapOvr>
+    <a:masterClrMapping/>
+  </p:clrMapOvr>
+</p:sld>
+</file>
+
+<file path=ppt/slides/slide21.xml><?xml version="1.0" encoding="utf-8"?>
+<p:sld xmlns:a="http://schemas.openxmlformats.org/drawingml/2006/main" xmlns:r="http://schemas.openxmlformats.org/officeDocument/2006/relationships" xmlns:p="http://schemas.openxmlformats.org/presentationml/2006/main">
+  <p:cSld>
+    <p:spTree>
+      <p:nvGrpSpPr>
+        <p:cNvPr id="1" name=""/>
+        <p:cNvGrpSpPr/>
+        <p:nvPr/>
+      </p:nvGrpSpPr>
+      <p:grpSpPr>
+        <a:xfrm>
+          <a:off x="0" y="0"/>
+          <a:ext cx="0" cy="0"/>
+          <a:chOff x="0" y="0"/>
+          <a:chExt cx="0" cy="0"/>
+        </a:xfrm>
+      </p:grpSpPr>
+      <p:sp>
+        <p:nvSpPr>
+          <p:cNvPr id="2" name="Title 1">
+            <a:extLst>
+              <a:ext uri="{FF2B5EF4-FFF2-40B4-BE49-F238E27FC236}">
+                <a16:creationId xmlns:a16="http://schemas.microsoft.com/office/drawing/2014/main" id="{78C77D1E-A763-4D21-B356-592C5303282D}"/>
+              </a:ext>
+            </a:extLst>
+          </p:cNvPr>
+          <p:cNvSpPr>
+            <a:spLocks noGrp="1"/>
+          </p:cNvSpPr>
+          <p:nvPr>
+            <p:ph type="title"/>
+          </p:nvPr>
+        </p:nvSpPr>
+        <p:spPr/>
+        <p:txBody>
+          <a:bodyPr/>
+          <a:lstStyle/>
+          <a:p>
+            <a:pPr algn="ctr"/>
+            <a:r>
+              <a:rPr lang="en-US"/>
+              <a:t>Conclusion</a:t>
+            </a:r>
+            <a:endParaRPr lang="en-ID"/>
+          </a:p>
+        </p:txBody>
+      </p:sp>
+      <p:sp>
+        <p:nvSpPr>
+          <p:cNvPr id="3" name="Content Placeholder 2">
+            <a:extLst>
+              <a:ext uri="{FF2B5EF4-FFF2-40B4-BE49-F238E27FC236}">
+                <a16:creationId xmlns:a16="http://schemas.microsoft.com/office/drawing/2014/main" id="{172B35EC-4E84-49F2-9786-243C80803D27}"/>
+              </a:ext>
+            </a:extLst>
+          </p:cNvPr>
+          <p:cNvSpPr>
+            <a:spLocks noGrp="1"/>
+          </p:cNvSpPr>
+          <p:nvPr>
+            <p:ph idx="1"/>
+          </p:nvPr>
+        </p:nvSpPr>
+        <p:spPr/>
+        <p:txBody>
+          <a:bodyPr/>
+          <a:lstStyle/>
+          <a:p>
+            <a:endParaRPr lang="en-ID"/>
+          </a:p>
+        </p:txBody>
+      </p:sp>
+    </p:spTree>
+    <p:extLst>
+      <p:ext uri="{BB962C8B-B14F-4D97-AF65-F5344CB8AC3E}">
+        <p14:creationId xmlns:p14="http://schemas.microsoft.com/office/powerpoint/2010/main" val="571181124"/>
+      </p:ext>
+    </p:extLst>
+  </p:cSld>
+  <p:clrMapOvr>
+    <a:masterClrMapping/>
+  </p:clrMapOvr>
+</p:sld>
+</file>
+
+<file path=ppt/slides/slide22.xml><?xml version="1.0" encoding="utf-8"?>
 <p:sld xmlns:a="http://schemas.openxmlformats.org/drawingml/2006/main" xmlns:r="http://schemas.openxmlformats.org/officeDocument/2006/relationships" xmlns:p="http://schemas.openxmlformats.org/presentationml/2006/main">
   <p:cSld>
     <p:spTree>
@@ -18051,7 +18490,7 @@
         </p:blipFill>
         <p:spPr>
           <a:xfrm>
-            <a:off x="2396655" y="316623"/>
+            <a:off x="853081" y="1498673"/>
             <a:ext cx="7398690" cy="3860654"/>
           </a:xfrm>
           <a:prstGeom prst="rect">
@@ -18074,13 +18513,13 @@
           <p:nvPr>
             <p:extLst>
               <p:ext uri="{D42A27DB-BD31-4B8C-83A1-F6EECF244321}">
-                <p14:modId xmlns:p14="http://schemas.microsoft.com/office/powerpoint/2010/main" val="4174415312"/>
+                <p14:modId xmlns:p14="http://schemas.microsoft.com/office/powerpoint/2010/main" val="1702215321"/>
               </p:ext>
             </p:extLst>
           </p:nvPr>
         </p:nvGraphicFramePr>
         <p:xfrm>
-          <a:off x="4384646" y="4177277"/>
+          <a:off x="8545586" y="2382033"/>
           <a:ext cx="3422708" cy="2430780"/>
         </p:xfrm>
         <a:graphic>
@@ -19646,7 +20085,7 @@
         </p:nvGrpSpPr>
         <p:grpSpPr>
           <a:xfrm>
-            <a:off x="2032932" y="536895"/>
+            <a:off x="346745" y="1832510"/>
             <a:ext cx="7583996" cy="3814983"/>
             <a:chOff x="1037378" y="241095"/>
             <a:chExt cx="9799731" cy="4515462"/>
@@ -19925,13 +20364,13 @@
           <p:nvPr>
             <p:extLst>
               <p:ext uri="{D42A27DB-BD31-4B8C-83A1-F6EECF244321}">
-                <p14:modId xmlns:p14="http://schemas.microsoft.com/office/powerpoint/2010/main" val="3486127372"/>
+                <p14:modId xmlns:p14="http://schemas.microsoft.com/office/powerpoint/2010/main" val="1497200298"/>
               </p:ext>
             </p:extLst>
           </p:nvPr>
         </p:nvGraphicFramePr>
         <p:xfrm>
-          <a:off x="4054572" y="4143275"/>
+          <a:off x="8576238" y="2524612"/>
           <a:ext cx="3422708" cy="2430780"/>
         </p:xfrm>
         <a:graphic>
@@ -21559,7 +21998,7 @@
         </p:blipFill>
         <p:spPr>
           <a:xfrm>
-            <a:off x="1971675" y="100667"/>
+            <a:off x="199064" y="1368051"/>
             <a:ext cx="8248650" cy="4248150"/>
           </a:xfrm>
           <a:prstGeom prst="rect">
@@ -21582,13 +22021,13 @@
           <p:nvPr>
             <p:extLst>
               <p:ext uri="{D42A27DB-BD31-4B8C-83A1-F6EECF244321}">
-                <p14:modId xmlns:p14="http://schemas.microsoft.com/office/powerpoint/2010/main" val="160951430"/>
+                <p14:modId xmlns:p14="http://schemas.microsoft.com/office/powerpoint/2010/main" val="4285878405"/>
               </p:ext>
             </p:extLst>
           </p:nvPr>
         </p:nvGraphicFramePr>
         <p:xfrm>
-          <a:off x="4236441" y="4248150"/>
+          <a:off x="8447714" y="2276736"/>
           <a:ext cx="3422708" cy="2430780"/>
         </p:xfrm>
         <a:graphic>
@@ -23162,7 +23601,7 @@
         </p:blipFill>
         <p:spPr>
           <a:xfrm>
-            <a:off x="2028162" y="218255"/>
+            <a:off x="2028162" y="696427"/>
             <a:ext cx="8135676" cy="4765708"/>
           </a:xfrm>
           <a:prstGeom prst="rect">

--- a/Final_Report.pptx
+++ b/Final_Report.pptx
@@ -6,7 +6,7 @@
   </p:sldMasterIdLst>
   <p:sldIdLst>
     <p:sldId id="256" r:id="rId2"/>
-    <p:sldId id="280" r:id="rId3"/>
+    <p:sldId id="290" r:id="rId3"/>
     <p:sldId id="258" r:id="rId4"/>
     <p:sldId id="261" r:id="rId5"/>
     <p:sldId id="257" r:id="rId6"/>
@@ -24,9 +24,11 @@
     <p:sldId id="269" r:id="rId18"/>
     <p:sldId id="286" r:id="rId19"/>
     <p:sldId id="284" r:id="rId20"/>
-    <p:sldId id="287" r:id="rId21"/>
-    <p:sldId id="276" r:id="rId22"/>
-    <p:sldId id="281" r:id="rId23"/>
+    <p:sldId id="289" r:id="rId21"/>
+    <p:sldId id="287" r:id="rId22"/>
+    <p:sldId id="288" r:id="rId23"/>
+    <p:sldId id="276" r:id="rId24"/>
+    <p:sldId id="281" r:id="rId25"/>
   </p:sldIdLst>
   <p:sldSz cx="12192000" cy="6858000"/>
   <p:notesSz cx="6858000" cy="9144000"/>
@@ -19179,8 +19181,8 @@
         </p:blipFill>
         <p:spPr>
           <a:xfrm>
-            <a:off x="1969290" y="310092"/>
-            <a:ext cx="9581888" cy="3274506"/>
+            <a:off x="492240" y="1456507"/>
+            <a:ext cx="10924713" cy="3733402"/>
           </a:xfrm>
           <a:prstGeom prst="rect">
             <a:avLst/>
@@ -19201,90 +19203,8 @@
         </p:nvSpPr>
         <p:spPr>
           <a:xfrm>
-            <a:off x="5315823" y="848686"/>
-            <a:ext cx="1560352" cy="2515299"/>
-          </a:xfrm>
-          <a:prstGeom prst="rect">
-            <a:avLst/>
-          </a:prstGeom>
-          <a:noFill/>
-          <a:ln w="19050">
-            <a:solidFill>
-              <a:srgbClr val="FF0000"/>
-            </a:solidFill>
-          </a:ln>
-        </p:spPr>
-        <p:style>
-          <a:lnRef idx="2">
-            <a:schemeClr val="accent1">
-              <a:shade val="50000"/>
-            </a:schemeClr>
-          </a:lnRef>
-          <a:fillRef idx="1">
-            <a:schemeClr val="accent1"/>
-          </a:fillRef>
-          <a:effectRef idx="0">
-            <a:schemeClr val="accent1"/>
-          </a:effectRef>
-          <a:fontRef idx="minor">
-            <a:schemeClr val="lt1"/>
-          </a:fontRef>
-        </p:style>
-        <p:txBody>
-          <a:bodyPr rtlCol="0" anchor="ctr"/>
-          <a:lstStyle/>
-          <a:p>
-            <a:pPr algn="ctr"/>
-            <a:endParaRPr lang="en-ID"/>
-          </a:p>
-        </p:txBody>
-      </p:sp>
-      <p:pic>
-        <p:nvPicPr>
-          <p:cNvPr id="3" name="Picture 2">
-            <a:extLst>
-              <a:ext uri="{FF2B5EF4-FFF2-40B4-BE49-F238E27FC236}">
-                <a16:creationId xmlns:a16="http://schemas.microsoft.com/office/drawing/2014/main" id="{F90E9D33-B75E-434F-A440-E1DE566DB57D}"/>
-              </a:ext>
-            </a:extLst>
-          </p:cNvPr>
-          <p:cNvPicPr>
-            <a:picLocks noChangeAspect="1"/>
-          </p:cNvPicPr>
-          <p:nvPr/>
-        </p:nvPicPr>
-        <p:blipFill>
-          <a:blip r:embed="rId3"/>
-          <a:stretch>
-            <a:fillRect/>
-          </a:stretch>
-        </p:blipFill>
-        <p:spPr>
-          <a:xfrm>
-            <a:off x="65528" y="3779376"/>
-            <a:ext cx="12060943" cy="2663384"/>
-          </a:xfrm>
-          <a:prstGeom prst="rect">
-            <a:avLst/>
-          </a:prstGeom>
-        </p:spPr>
-      </p:pic>
-      <p:sp>
-        <p:nvSpPr>
-          <p:cNvPr id="8" name="Rectangle 7">
-            <a:extLst>
-              <a:ext uri="{FF2B5EF4-FFF2-40B4-BE49-F238E27FC236}">
-                <a16:creationId xmlns:a16="http://schemas.microsoft.com/office/drawing/2014/main" id="{C97B328B-1699-472A-A283-7FEA9274EE8E}"/>
-              </a:ext>
-            </a:extLst>
-          </p:cNvPr>
-          <p:cNvSpPr/>
-          <p:nvPr/>
-        </p:nvSpPr>
-        <p:spPr>
-          <a:xfrm>
-            <a:off x="9241160" y="4168933"/>
-            <a:ext cx="1308946" cy="1955822"/>
+            <a:off x="4962927" y="2072081"/>
+            <a:ext cx="1779023" cy="2894202"/>
           </a:xfrm>
           <a:prstGeom prst="rect">
             <a:avLst/>
@@ -19879,7 +19799,7 @@
         </p:blipFill>
         <p:spPr>
           <a:xfrm>
-            <a:off x="638175" y="377592"/>
+            <a:off x="638175" y="1442994"/>
             <a:ext cx="10915650" cy="4324350"/>
           </a:xfrm>
           <a:prstGeom prst="rect">
@@ -19901,7 +19821,7 @@
         </p:nvSpPr>
         <p:spPr>
           <a:xfrm>
-            <a:off x="1468772" y="957742"/>
+            <a:off x="1468772" y="2023144"/>
             <a:ext cx="2834780" cy="3513590"/>
           </a:xfrm>
           <a:prstGeom prst="rect">
@@ -20249,19 +20169,99 @@
             <p:ph idx="1"/>
           </p:nvPr>
         </p:nvSpPr>
-        <p:spPr/>
+        <p:spPr>
+          <a:xfrm>
+            <a:off x="838200" y="2362520"/>
+            <a:ext cx="10515600" cy="4351338"/>
+          </a:xfrm>
+        </p:spPr>
         <p:txBody>
           <a:bodyPr/>
           <a:lstStyle/>
           <a:p>
-            <a:endParaRPr lang="en-ID"/>
+            <a:pPr marL="0" indent="0">
+              <a:buNone/>
+            </a:pPr>
+            <a:r>
+              <a:rPr lang="en-US"/>
+              <a:t>The most important aspect of handling the pandemic situation that vietnam used is:</a:t>
+            </a:r>
+          </a:p>
+        </p:txBody>
+      </p:sp>
+      <p:sp>
+        <p:nvSpPr>
+          <p:cNvPr id="5" name="TextBox 4">
+            <a:extLst>
+              <a:ext uri="{FF2B5EF4-FFF2-40B4-BE49-F238E27FC236}">
+                <a16:creationId xmlns:a16="http://schemas.microsoft.com/office/drawing/2014/main" id="{A4B41137-1B9F-498C-B4B8-D4FDEA7B0DFE}"/>
+              </a:ext>
+            </a:extLst>
+          </p:cNvPr>
+          <p:cNvSpPr txBox="1"/>
+          <p:nvPr/>
+        </p:nvSpPr>
+        <p:spPr>
+          <a:xfrm>
+            <a:off x="1545559" y="3541900"/>
+            <a:ext cx="6094378" cy="1569660"/>
+          </a:xfrm>
+          <a:prstGeom prst="rect">
+            <a:avLst/>
+          </a:prstGeom>
+          <a:noFill/>
+        </p:spPr>
+        <p:txBody>
+          <a:bodyPr wrap="square">
+            <a:spAutoFit/>
+          </a:bodyPr>
+          <a:lstStyle/>
+          <a:p>
+            <a:pPr marL="285750" indent="-285750">
+              <a:buFont typeface="Arial" panose="020B0604020202020204" pitchFamily="34" charset="0"/>
+              <a:buChar char="•"/>
+            </a:pPr>
+            <a:r>
+              <a:rPr lang="en-US" sz="2400"/>
+              <a:t>Early Action</a:t>
+            </a:r>
+          </a:p>
+          <a:p>
+            <a:pPr marL="285750" indent="-285750">
+              <a:buFont typeface="Arial" panose="020B0604020202020204" pitchFamily="34" charset="0"/>
+              <a:buChar char="•"/>
+            </a:pPr>
+            <a:r>
+              <a:rPr lang="en-US" sz="2400"/>
+              <a:t>Strong Society</a:t>
+            </a:r>
+          </a:p>
+          <a:p>
+            <a:pPr marL="285750" indent="-285750">
+              <a:buFont typeface="Arial" panose="020B0604020202020204" pitchFamily="34" charset="0"/>
+              <a:buChar char="•"/>
+            </a:pPr>
+            <a:r>
+              <a:rPr lang="en-US" sz="2400"/>
+              <a:t>Clear Communication</a:t>
+            </a:r>
+          </a:p>
+          <a:p>
+            <a:pPr marL="285750" indent="-285750">
+              <a:buFont typeface="Arial" panose="020B0604020202020204" pitchFamily="34" charset="0"/>
+              <a:buChar char="•"/>
+            </a:pPr>
+            <a:r>
+              <a:rPr lang="en-US" sz="2400"/>
+              <a:t>Contact Tracing</a:t>
+            </a:r>
           </a:p>
         </p:txBody>
       </p:sp>
     </p:spTree>
     <p:extLst>
       <p:ext uri="{BB962C8B-B14F-4D97-AF65-F5344CB8AC3E}">
-        <p14:creationId xmlns:p14="http://schemas.microsoft.com/office/powerpoint/2010/main" val="57022281"/>
+        <p14:creationId xmlns:p14="http://schemas.microsoft.com/office/powerpoint/2010/main" val="1651805481"/>
       </p:ext>
     </p:extLst>
   </p:cSld>
@@ -20312,7 +20312,7 @@
             <a:pPr algn="ctr"/>
             <a:r>
               <a:rPr lang="en-US"/>
-              <a:t>Government respond to COVID 19</a:t>
+              <a:t>What makes Vietnam different?</a:t>
             </a:r>
             <a:endParaRPr lang="en-ID"/>
           </a:p>
@@ -20320,10 +20320,10 @@
       </p:sp>
       <p:sp>
         <p:nvSpPr>
-          <p:cNvPr id="3" name="Content Placeholder 2">
+          <p:cNvPr id="5" name="Content Placeholder 4">
             <a:extLst>
               <a:ext uri="{FF2B5EF4-FFF2-40B4-BE49-F238E27FC236}">
-                <a16:creationId xmlns:a16="http://schemas.microsoft.com/office/drawing/2014/main" id="{CE1B972F-B2E2-4187-B315-9F12C6879E90}"/>
+                <a16:creationId xmlns:a16="http://schemas.microsoft.com/office/drawing/2014/main" id="{CF32F61E-9A73-4958-A347-E5005373D8F1}"/>
               </a:ext>
             </a:extLst>
           </p:cNvPr>
@@ -20339,7 +20339,403 @@
           <a:bodyPr/>
           <a:lstStyle/>
           <a:p>
+            <a:r>
+              <a:rPr lang="en-US"/>
+              <a:t>Fast Act</a:t>
+            </a:r>
             <a:endParaRPr lang="en-ID"/>
+          </a:p>
+        </p:txBody>
+      </p:sp>
+      <p:sp>
+        <p:nvSpPr>
+          <p:cNvPr id="6" name="TextBox 5">
+            <a:extLst>
+              <a:ext uri="{FF2B5EF4-FFF2-40B4-BE49-F238E27FC236}">
+                <a16:creationId xmlns:a16="http://schemas.microsoft.com/office/drawing/2014/main" id="{B66A3520-1063-477F-9363-515F2CA617C3}"/>
+              </a:ext>
+            </a:extLst>
+          </p:cNvPr>
+          <p:cNvSpPr txBox="1"/>
+          <p:nvPr/>
+        </p:nvSpPr>
+        <p:spPr>
+          <a:xfrm>
+            <a:off x="1081481" y="2396209"/>
+            <a:ext cx="10777756" cy="3658374"/>
+          </a:xfrm>
+          <a:prstGeom prst="rect">
+            <a:avLst/>
+          </a:prstGeom>
+          <a:noFill/>
+        </p:spPr>
+        <p:txBody>
+          <a:bodyPr wrap="square">
+            <a:spAutoFit/>
+          </a:bodyPr>
+          <a:lstStyle/>
+          <a:p>
+            <a:pPr>
+              <a:lnSpc>
+                <a:spcPct val="107000"/>
+              </a:lnSpc>
+              <a:spcAft>
+                <a:spcPts val="800"/>
+              </a:spcAft>
+            </a:pPr>
+            <a:r>
+              <a:rPr lang="en-ID" sz="1800">
+                <a:effectLst/>
+                <a:latin typeface="Calibri" panose="020F0502020204030204" pitchFamily="34" charset="0"/>
+                <a:ea typeface="Calibri" panose="020F0502020204030204" pitchFamily="34" charset="0"/>
+                <a:cs typeface="Times New Roman" panose="02020603050405020304" pitchFamily="18" charset="0"/>
+              </a:rPr>
+              <a:t>January</a:t>
+            </a:r>
+          </a:p>
+          <a:p>
+            <a:pPr marL="285750" indent="-285750">
+              <a:lnSpc>
+                <a:spcPct val="107000"/>
+              </a:lnSpc>
+              <a:spcAft>
+                <a:spcPts val="800"/>
+              </a:spcAft>
+              <a:buFont typeface="Arial" panose="020B0604020202020204" pitchFamily="34" charset="0"/>
+              <a:buChar char="•"/>
+            </a:pPr>
+            <a:r>
+              <a:rPr lang="en-ID">
+                <a:latin typeface="Calibri" panose="020F0502020204030204" pitchFamily="34" charset="0"/>
+                <a:ea typeface="Calibri" panose="020F0502020204030204" pitchFamily="34" charset="0"/>
+                <a:cs typeface="Times New Roman" panose="02020603050405020304" pitchFamily="18" charset="0"/>
+              </a:rPr>
+              <a:t>First risk assesment</a:t>
+            </a:r>
+            <a:endParaRPr lang="en-ID" sz="1800">
+              <a:effectLst/>
+              <a:latin typeface="Calibri" panose="020F0502020204030204" pitchFamily="34" charset="0"/>
+              <a:ea typeface="Calibri" panose="020F0502020204030204" pitchFamily="34" charset="0"/>
+              <a:cs typeface="Times New Roman" panose="02020603050405020304" pitchFamily="18" charset="0"/>
+            </a:endParaRPr>
+          </a:p>
+          <a:p>
+            <a:pPr marL="285750" indent="-285750">
+              <a:lnSpc>
+                <a:spcPct val="107000"/>
+              </a:lnSpc>
+              <a:spcAft>
+                <a:spcPts val="800"/>
+              </a:spcAft>
+              <a:buFont typeface="Arial" panose="020B0604020202020204" pitchFamily="34" charset="0"/>
+              <a:buChar char="•"/>
+            </a:pPr>
+            <a:r>
+              <a:rPr lang="en-ID" sz="1800">
+                <a:effectLst/>
+                <a:latin typeface="Calibri" panose="020F0502020204030204" pitchFamily="34" charset="0"/>
+                <a:ea typeface="Calibri" panose="020F0502020204030204" pitchFamily="34" charset="0"/>
+                <a:cs typeface="Times New Roman" panose="02020603050405020304" pitchFamily="18" charset="0"/>
+              </a:rPr>
+              <a:t>Vietnam tightened control at the Vietnam-China border.</a:t>
+            </a:r>
+          </a:p>
+          <a:p>
+            <a:pPr marL="285750" indent="-285750">
+              <a:lnSpc>
+                <a:spcPct val="107000"/>
+              </a:lnSpc>
+              <a:spcAft>
+                <a:spcPts val="800"/>
+              </a:spcAft>
+              <a:buFont typeface="Arial" panose="020B0604020202020204" pitchFamily="34" charset="0"/>
+              <a:buChar char="•"/>
+            </a:pPr>
+            <a:r>
+              <a:rPr lang="en-ID" sz="1800">
+                <a:effectLst/>
+                <a:latin typeface="Calibri" panose="020F0502020204030204" pitchFamily="34" charset="0"/>
+                <a:ea typeface="Calibri" panose="020F0502020204030204" pitchFamily="34" charset="0"/>
+                <a:cs typeface="Times New Roman" panose="02020603050405020304" pitchFamily="18" charset="0"/>
+              </a:rPr>
+              <a:t>Regional COVID-19 prevention task forces were establishedpersonal protective equipment was stockpiled</a:t>
+            </a:r>
+          </a:p>
+          <a:p>
+            <a:pPr marL="285750" indent="-285750">
+              <a:lnSpc>
+                <a:spcPct val="107000"/>
+              </a:lnSpc>
+              <a:spcAft>
+                <a:spcPts val="800"/>
+              </a:spcAft>
+              <a:buFont typeface="Arial" panose="020B0604020202020204" pitchFamily="34" charset="0"/>
+              <a:buChar char="•"/>
+            </a:pPr>
+            <a:r>
+              <a:rPr lang="en-ID" sz="1800">
+                <a:effectLst/>
+                <a:latin typeface="Calibri" panose="020F0502020204030204" pitchFamily="34" charset="0"/>
+                <a:ea typeface="Calibri" panose="020F0502020204030204" pitchFamily="34" charset="0"/>
+                <a:cs typeface="Times New Roman" panose="02020603050405020304" pitchFamily="18" charset="0"/>
+              </a:rPr>
+              <a:t>personal protective equipment was stockpiled</a:t>
+            </a:r>
+          </a:p>
+          <a:p>
+            <a:pPr marL="285750" indent="-285750">
+              <a:lnSpc>
+                <a:spcPct val="107000"/>
+              </a:lnSpc>
+              <a:spcAft>
+                <a:spcPts val="800"/>
+              </a:spcAft>
+              <a:buFont typeface="Arial" panose="020B0604020202020204" pitchFamily="34" charset="0"/>
+              <a:buChar char="•"/>
+            </a:pPr>
+            <a:r>
+              <a:rPr lang="en-ID" sz="1800">
+                <a:effectLst/>
+                <a:latin typeface="Calibri" panose="020F0502020204030204" pitchFamily="34" charset="0"/>
+                <a:ea typeface="Calibri" panose="020F0502020204030204" pitchFamily="34" charset="0"/>
+                <a:cs typeface="Times New Roman" panose="02020603050405020304" pitchFamily="18" charset="0"/>
+              </a:rPr>
+              <a:t>Vietnam confirmed its first case. Shortly afterward, Vietnam's response by issuing an urgent document to ministries, provinces, and broadcasting agencies addressing the dangerousness of the virus and the need for measures to prevent local transmission</a:t>
+            </a:r>
+          </a:p>
+          <a:p>
+            <a:pPr marL="285750" indent="-285750">
+              <a:lnSpc>
+                <a:spcPct val="107000"/>
+              </a:lnSpc>
+              <a:spcAft>
+                <a:spcPts val="800"/>
+              </a:spcAft>
+              <a:buFont typeface="Arial" panose="020B0604020202020204" pitchFamily="34" charset="0"/>
+              <a:buChar char="•"/>
+            </a:pPr>
+            <a:r>
+              <a:rPr lang="en-ID">
+                <a:latin typeface="Calibri" panose="020F0502020204030204" pitchFamily="34" charset="0"/>
+                <a:ea typeface="Calibri" panose="020F0502020204030204" pitchFamily="34" charset="0"/>
+                <a:cs typeface="Times New Roman" panose="02020603050405020304" pitchFamily="18" charset="0"/>
+              </a:rPr>
+              <a:t>J</a:t>
+            </a:r>
+            <a:r>
+              <a:rPr lang="en-ID" sz="1800">
+                <a:effectLst/>
+                <a:latin typeface="Calibri" panose="020F0502020204030204" pitchFamily="34" charset="0"/>
+                <a:ea typeface="Calibri" panose="020F0502020204030204" pitchFamily="34" charset="0"/>
+                <a:cs typeface="Times New Roman" panose="02020603050405020304" pitchFamily="18" charset="0"/>
+              </a:rPr>
+              <a:t>ust one day after the first cases, the Civil Aviation Administration of Vietnam ordered the cancellation of all flights from and to Wuhan.</a:t>
+            </a:r>
+          </a:p>
+        </p:txBody>
+      </p:sp>
+    </p:spTree>
+    <p:extLst>
+      <p:ext uri="{BB962C8B-B14F-4D97-AF65-F5344CB8AC3E}">
+        <p14:creationId xmlns:p14="http://schemas.microsoft.com/office/powerpoint/2010/main" val="1690963036"/>
+      </p:ext>
+    </p:extLst>
+  </p:cSld>
+  <p:clrMapOvr>
+    <a:masterClrMapping/>
+  </p:clrMapOvr>
+</p:sld>
+</file>
+
+<file path=ppt/slides/slide21.xml><?xml version="1.0" encoding="utf-8"?>
+<p:sld xmlns:a="http://schemas.openxmlformats.org/drawingml/2006/main" xmlns:r="http://schemas.openxmlformats.org/officeDocument/2006/relationships" xmlns:p="http://schemas.openxmlformats.org/presentationml/2006/main">
+  <p:cSld>
+    <p:spTree>
+      <p:nvGrpSpPr>
+        <p:cNvPr id="1" name=""/>
+        <p:cNvGrpSpPr/>
+        <p:nvPr/>
+      </p:nvGrpSpPr>
+      <p:grpSpPr>
+        <a:xfrm>
+          <a:off x="0" y="0"/>
+          <a:ext cx="0" cy="0"/>
+          <a:chOff x="0" y="0"/>
+          <a:chExt cx="0" cy="0"/>
+        </a:xfrm>
+      </p:grpSpPr>
+      <p:sp>
+        <p:nvSpPr>
+          <p:cNvPr id="2" name="Title 1">
+            <a:extLst>
+              <a:ext uri="{FF2B5EF4-FFF2-40B4-BE49-F238E27FC236}">
+                <a16:creationId xmlns:a16="http://schemas.microsoft.com/office/drawing/2014/main" id="{03C4045D-4563-4667-933C-9B8F9F3CA25B}"/>
+              </a:ext>
+            </a:extLst>
+          </p:cNvPr>
+          <p:cNvSpPr>
+            <a:spLocks noGrp="1"/>
+          </p:cNvSpPr>
+          <p:nvPr>
+            <p:ph type="title"/>
+          </p:nvPr>
+        </p:nvSpPr>
+        <p:spPr/>
+        <p:txBody>
+          <a:bodyPr/>
+          <a:lstStyle/>
+          <a:p>
+            <a:pPr algn="ctr"/>
+            <a:r>
+              <a:rPr lang="en-US"/>
+              <a:t>What makes Vietnam different?</a:t>
+            </a:r>
+            <a:endParaRPr lang="en-ID"/>
+          </a:p>
+        </p:txBody>
+      </p:sp>
+      <p:sp>
+        <p:nvSpPr>
+          <p:cNvPr id="5" name="Content Placeholder 4">
+            <a:extLst>
+              <a:ext uri="{FF2B5EF4-FFF2-40B4-BE49-F238E27FC236}">
+                <a16:creationId xmlns:a16="http://schemas.microsoft.com/office/drawing/2014/main" id="{CF32F61E-9A73-4958-A347-E5005373D8F1}"/>
+              </a:ext>
+            </a:extLst>
+          </p:cNvPr>
+          <p:cNvSpPr>
+            <a:spLocks noGrp="1"/>
+          </p:cNvSpPr>
+          <p:nvPr>
+            <p:ph idx="1"/>
+          </p:nvPr>
+        </p:nvSpPr>
+        <p:spPr/>
+        <p:txBody>
+          <a:bodyPr/>
+          <a:lstStyle/>
+          <a:p>
+            <a:r>
+              <a:rPr lang="en-US"/>
+              <a:t>Contact Tracing</a:t>
+            </a:r>
+            <a:endParaRPr lang="en-ID"/>
+          </a:p>
+        </p:txBody>
+      </p:sp>
+      <p:sp>
+        <p:nvSpPr>
+          <p:cNvPr id="8" name="TextBox 7">
+            <a:extLst>
+              <a:ext uri="{FF2B5EF4-FFF2-40B4-BE49-F238E27FC236}">
+                <a16:creationId xmlns:a16="http://schemas.microsoft.com/office/drawing/2014/main" id="{FE9C74DA-AD69-4347-909F-0A9C78EE22CB}"/>
+              </a:ext>
+            </a:extLst>
+          </p:cNvPr>
+          <p:cNvSpPr txBox="1"/>
+          <p:nvPr/>
+        </p:nvSpPr>
+        <p:spPr>
+          <a:xfrm>
+            <a:off x="838200" y="2416848"/>
+            <a:ext cx="10939943" cy="1200329"/>
+          </a:xfrm>
+          <a:prstGeom prst="rect">
+            <a:avLst/>
+          </a:prstGeom>
+          <a:noFill/>
+        </p:spPr>
+        <p:txBody>
+          <a:bodyPr wrap="square">
+            <a:spAutoFit/>
+          </a:bodyPr>
+          <a:lstStyle/>
+          <a:p>
+            <a:r>
+              <a:rPr lang="en-ID" sz="2400">
+                <a:effectLst/>
+                <a:latin typeface="Calibri" panose="020F0502020204030204" pitchFamily="34" charset="0"/>
+                <a:ea typeface="Calibri" panose="020F0502020204030204" pitchFamily="34" charset="0"/>
+                <a:cs typeface="Times New Roman" panose="02020603050405020304" pitchFamily="18" charset="0"/>
+              </a:rPr>
+              <a:t>Bluezone App</a:t>
+            </a:r>
+          </a:p>
+          <a:p>
+            <a:r>
+              <a:rPr lang="en-ID" sz="2400">
+                <a:latin typeface="Calibri" panose="020F0502020204030204" pitchFamily="34" charset="0"/>
+                <a:cs typeface="Times New Roman" panose="02020603050405020304" pitchFamily="18" charset="0"/>
+              </a:rPr>
+              <a:t>	</a:t>
+            </a:r>
+            <a:r>
+              <a:rPr lang="en-ID" sz="2400">
+                <a:effectLst/>
+                <a:latin typeface="Calibri" panose="020F0502020204030204" pitchFamily="34" charset="0"/>
+                <a:ea typeface="Calibri" panose="020F0502020204030204" pitchFamily="34" charset="0"/>
+                <a:cs typeface="Times New Roman" panose="02020603050405020304" pitchFamily="18" charset="0"/>
+              </a:rPr>
+              <a:t> application that uses Bluetooth low energy positioning technology to detect people in close contact with infected people via smartphones quickly, and accurately.</a:t>
+            </a:r>
+            <a:endParaRPr lang="en-ID" sz="2400"/>
+          </a:p>
+        </p:txBody>
+      </p:sp>
+      <p:sp>
+        <p:nvSpPr>
+          <p:cNvPr id="9" name="TextBox 8">
+            <a:extLst>
+              <a:ext uri="{FF2B5EF4-FFF2-40B4-BE49-F238E27FC236}">
+                <a16:creationId xmlns:a16="http://schemas.microsoft.com/office/drawing/2014/main" id="{03E0B5F2-9E18-4AD0-88CE-29327E7A4EB3}"/>
+              </a:ext>
+            </a:extLst>
+          </p:cNvPr>
+          <p:cNvSpPr txBox="1"/>
+          <p:nvPr/>
+        </p:nvSpPr>
+        <p:spPr>
+          <a:xfrm>
+            <a:off x="838199" y="3852763"/>
+            <a:ext cx="10939943" cy="1200329"/>
+          </a:xfrm>
+          <a:prstGeom prst="rect">
+            <a:avLst/>
+          </a:prstGeom>
+          <a:noFill/>
+        </p:spPr>
+        <p:txBody>
+          <a:bodyPr wrap="square">
+            <a:spAutoFit/>
+          </a:bodyPr>
+          <a:lstStyle/>
+          <a:p>
+            <a:r>
+              <a:rPr lang="en-ID" sz="2400">
+                <a:effectLst/>
+                <a:latin typeface="Calibri" panose="020F0502020204030204" pitchFamily="34" charset="0"/>
+                <a:ea typeface="Calibri" panose="020F0502020204030204" pitchFamily="34" charset="0"/>
+                <a:cs typeface="Times New Roman" panose="02020603050405020304" pitchFamily="18" charset="0"/>
+              </a:rPr>
+              <a:t>5 Level of Contact</a:t>
+            </a:r>
+          </a:p>
+          <a:p>
+            <a:r>
+              <a:rPr lang="en-ID" sz="2400">
+                <a:latin typeface="Calibri" panose="020F0502020204030204" pitchFamily="34" charset="0"/>
+                <a:cs typeface="Times New Roman" panose="02020603050405020304" pitchFamily="18" charset="0"/>
+              </a:rPr>
+              <a:t>	</a:t>
+            </a:r>
+            <a:r>
+              <a:rPr lang="en-US" sz="2400">
+                <a:latin typeface="Calibri" panose="020F0502020204030204" pitchFamily="34" charset="0"/>
+                <a:cs typeface="Times New Roman" panose="02020603050405020304" pitchFamily="18" charset="0"/>
+              </a:rPr>
+              <a:t>the infected person until the branchment of the contacted person up to 5 people.</a:t>
+            </a:r>
+            <a:endParaRPr lang="en-ID" sz="2400"/>
           </a:p>
         </p:txBody>
       </p:sp>
@@ -20356,7 +20752,182 @@
 </p:sld>
 </file>
 
-<file path=ppt/slides/slide21.xml><?xml version="1.0" encoding="utf-8"?>
+<file path=ppt/slides/slide22.xml><?xml version="1.0" encoding="utf-8"?>
+<p:sld xmlns:a="http://schemas.openxmlformats.org/drawingml/2006/main" xmlns:r="http://schemas.openxmlformats.org/officeDocument/2006/relationships" xmlns:p="http://schemas.openxmlformats.org/presentationml/2006/main">
+  <p:cSld>
+    <p:spTree>
+      <p:nvGrpSpPr>
+        <p:cNvPr id="1" name=""/>
+        <p:cNvGrpSpPr/>
+        <p:nvPr/>
+      </p:nvGrpSpPr>
+      <p:grpSpPr>
+        <a:xfrm>
+          <a:off x="0" y="0"/>
+          <a:ext cx="0" cy="0"/>
+          <a:chOff x="0" y="0"/>
+          <a:chExt cx="0" cy="0"/>
+        </a:xfrm>
+      </p:grpSpPr>
+      <p:sp>
+        <p:nvSpPr>
+          <p:cNvPr id="2" name="Title 1">
+            <a:extLst>
+              <a:ext uri="{FF2B5EF4-FFF2-40B4-BE49-F238E27FC236}">
+                <a16:creationId xmlns:a16="http://schemas.microsoft.com/office/drawing/2014/main" id="{03C4045D-4563-4667-933C-9B8F9F3CA25B}"/>
+              </a:ext>
+            </a:extLst>
+          </p:cNvPr>
+          <p:cNvSpPr>
+            <a:spLocks noGrp="1"/>
+          </p:cNvSpPr>
+          <p:nvPr>
+            <p:ph type="title"/>
+          </p:nvPr>
+        </p:nvSpPr>
+        <p:spPr>
+          <a:xfrm>
+            <a:off x="838200" y="238294"/>
+            <a:ext cx="10515600" cy="1325563"/>
+          </a:xfrm>
+        </p:spPr>
+        <p:txBody>
+          <a:bodyPr/>
+          <a:lstStyle/>
+          <a:p>
+            <a:pPr algn="ctr"/>
+            <a:r>
+              <a:rPr lang="en-US"/>
+              <a:t>What makes Vietnam different?</a:t>
+            </a:r>
+            <a:endParaRPr lang="en-ID"/>
+          </a:p>
+        </p:txBody>
+      </p:sp>
+      <p:sp>
+        <p:nvSpPr>
+          <p:cNvPr id="5" name="Content Placeholder 4">
+            <a:extLst>
+              <a:ext uri="{FF2B5EF4-FFF2-40B4-BE49-F238E27FC236}">
+                <a16:creationId xmlns:a16="http://schemas.microsoft.com/office/drawing/2014/main" id="{CF32F61E-9A73-4958-A347-E5005373D8F1}"/>
+              </a:ext>
+            </a:extLst>
+          </p:cNvPr>
+          <p:cNvSpPr>
+            <a:spLocks noGrp="1"/>
+          </p:cNvSpPr>
+          <p:nvPr>
+            <p:ph idx="1"/>
+          </p:nvPr>
+        </p:nvSpPr>
+        <p:spPr>
+          <a:xfrm>
+            <a:off x="838200" y="1323353"/>
+            <a:ext cx="10515600" cy="4351338"/>
+          </a:xfrm>
+        </p:spPr>
+        <p:txBody>
+          <a:bodyPr/>
+          <a:lstStyle/>
+          <a:p>
+            <a:r>
+              <a:rPr lang="en-US"/>
+              <a:t>High on incentive</a:t>
+            </a:r>
+            <a:endParaRPr lang="en-ID"/>
+          </a:p>
+        </p:txBody>
+      </p:sp>
+      <p:pic>
+        <p:nvPicPr>
+          <p:cNvPr id="4" name="Picture 3" descr="A picture containing text, screenshot, font, number&#10;&#10;Description automatically generated">
+            <a:extLst>
+              <a:ext uri="{FF2B5EF4-FFF2-40B4-BE49-F238E27FC236}">
+                <a16:creationId xmlns:a16="http://schemas.microsoft.com/office/drawing/2014/main" id="{3D24029B-D676-431E-857B-410D6B0BB401}"/>
+              </a:ext>
+            </a:extLst>
+          </p:cNvPr>
+          <p:cNvPicPr/>
+          <p:nvPr/>
+        </p:nvPicPr>
+        <p:blipFill>
+          <a:blip r:embed="rId2"/>
+          <a:stretch>
+            <a:fillRect/>
+          </a:stretch>
+        </p:blipFill>
+        <p:spPr>
+          <a:xfrm>
+            <a:off x="2290399" y="1887039"/>
+            <a:ext cx="7611202" cy="4469954"/>
+          </a:xfrm>
+          <a:prstGeom prst="rect">
+            <a:avLst/>
+          </a:prstGeom>
+        </p:spPr>
+      </p:pic>
+      <p:sp>
+        <p:nvSpPr>
+          <p:cNvPr id="6" name="TextBox 5">
+            <a:extLst>
+              <a:ext uri="{FF2B5EF4-FFF2-40B4-BE49-F238E27FC236}">
+                <a16:creationId xmlns:a16="http://schemas.microsoft.com/office/drawing/2014/main" id="{767515E2-D401-42C4-BE9D-167971F00F57}"/>
+              </a:ext>
+            </a:extLst>
+          </p:cNvPr>
+          <p:cNvSpPr txBox="1"/>
+          <p:nvPr/>
+        </p:nvSpPr>
+        <p:spPr>
+          <a:xfrm>
+            <a:off x="2401348" y="6492875"/>
+            <a:ext cx="9938857" cy="375552"/>
+          </a:xfrm>
+          <a:prstGeom prst="rect">
+            <a:avLst/>
+          </a:prstGeom>
+          <a:noFill/>
+        </p:spPr>
+        <p:txBody>
+          <a:bodyPr wrap="square">
+            <a:spAutoFit/>
+          </a:bodyPr>
+          <a:lstStyle/>
+          <a:p>
+            <a:pPr>
+              <a:lnSpc>
+                <a:spcPct val="107000"/>
+              </a:lnSpc>
+              <a:spcAft>
+                <a:spcPts val="800"/>
+              </a:spcAft>
+            </a:pPr>
+            <a:r>
+              <a:rPr lang="en-ID" sz="1800">
+                <a:effectLst/>
+                <a:latin typeface="Calibri" panose="020F0502020204030204" pitchFamily="34" charset="0"/>
+                <a:ea typeface="Calibri" panose="020F0502020204030204" pitchFamily="34" charset="0"/>
+                <a:cs typeface="Times New Roman" panose="02020603050405020304" pitchFamily="18" charset="0"/>
+              </a:rPr>
+              <a:t>UN ASSESSMENT OF THE SOCIAL AND ECONOMIC IMPACT OF COVID-19 IN VIET NAM (September 2020)</a:t>
+            </a:r>
+          </a:p>
+        </p:txBody>
+      </p:sp>
+    </p:spTree>
+    <p:extLst>
+      <p:ext uri="{BB962C8B-B14F-4D97-AF65-F5344CB8AC3E}">
+        <p14:creationId xmlns:p14="http://schemas.microsoft.com/office/powerpoint/2010/main" val="3896482735"/>
+      </p:ext>
+    </p:extLst>
+  </p:cSld>
+  <p:clrMapOvr>
+    <a:masterClrMapping/>
+  </p:clrMapOvr>
+</p:sld>
+</file>
+
+<file path=ppt/slides/slide23.xml><?xml version="1.0" encoding="utf-8"?>
 <p:sld xmlns:a="http://schemas.openxmlformats.org/drawingml/2006/main" xmlns:r="http://schemas.openxmlformats.org/officeDocument/2006/relationships" xmlns:p="http://schemas.openxmlformats.org/presentationml/2006/main">
   <p:cSld>
     <p:spTree>
@@ -20419,12 +20990,92 @@
             <p:ph idx="1"/>
           </p:nvPr>
         </p:nvSpPr>
-        <p:spPr/>
+        <p:spPr>
+          <a:xfrm>
+            <a:off x="838200" y="2362520"/>
+            <a:ext cx="10515600" cy="4351338"/>
+          </a:xfrm>
+        </p:spPr>
         <p:txBody>
           <a:bodyPr/>
           <a:lstStyle/>
           <a:p>
-            <a:endParaRPr lang="en-ID"/>
+            <a:pPr marL="0" indent="0">
+              <a:buNone/>
+            </a:pPr>
+            <a:r>
+              <a:rPr lang="en-US"/>
+              <a:t>The most important aspect of handling the pandemic situation that vietnam used is:</a:t>
+            </a:r>
+          </a:p>
+        </p:txBody>
+      </p:sp>
+      <p:sp>
+        <p:nvSpPr>
+          <p:cNvPr id="5" name="TextBox 4">
+            <a:extLst>
+              <a:ext uri="{FF2B5EF4-FFF2-40B4-BE49-F238E27FC236}">
+                <a16:creationId xmlns:a16="http://schemas.microsoft.com/office/drawing/2014/main" id="{A4B41137-1B9F-498C-B4B8-D4FDEA7B0DFE}"/>
+              </a:ext>
+            </a:extLst>
+          </p:cNvPr>
+          <p:cNvSpPr txBox="1"/>
+          <p:nvPr/>
+        </p:nvSpPr>
+        <p:spPr>
+          <a:xfrm>
+            <a:off x="1545559" y="3541900"/>
+            <a:ext cx="6094378" cy="1569660"/>
+          </a:xfrm>
+          <a:prstGeom prst="rect">
+            <a:avLst/>
+          </a:prstGeom>
+          <a:noFill/>
+        </p:spPr>
+        <p:txBody>
+          <a:bodyPr wrap="square">
+            <a:spAutoFit/>
+          </a:bodyPr>
+          <a:lstStyle/>
+          <a:p>
+            <a:pPr marL="285750" indent="-285750">
+              <a:buFont typeface="Arial" panose="020B0604020202020204" pitchFamily="34" charset="0"/>
+              <a:buChar char="•"/>
+            </a:pPr>
+            <a:r>
+              <a:rPr lang="en-US" sz="2400"/>
+              <a:t>Early Action</a:t>
+            </a:r>
+          </a:p>
+          <a:p>
+            <a:pPr marL="285750" indent="-285750">
+              <a:buFont typeface="Arial" panose="020B0604020202020204" pitchFamily="34" charset="0"/>
+              <a:buChar char="•"/>
+            </a:pPr>
+            <a:r>
+              <a:rPr lang="en-US" sz="2400"/>
+              <a:t>Strong Society</a:t>
+            </a:r>
+          </a:p>
+          <a:p>
+            <a:pPr marL="285750" indent="-285750">
+              <a:buFont typeface="Arial" panose="020B0604020202020204" pitchFamily="34" charset="0"/>
+              <a:buChar char="•"/>
+            </a:pPr>
+            <a:r>
+              <a:rPr lang="en-US" sz="2400"/>
+              <a:t>Clear Communication</a:t>
+            </a:r>
+          </a:p>
+          <a:p>
+            <a:pPr marL="285750" indent="-285750">
+              <a:buFont typeface="Arial" panose="020B0604020202020204" pitchFamily="34" charset="0"/>
+              <a:buChar char="•"/>
+            </a:pPr>
+            <a:r>
+              <a:rPr lang="en-US" sz="2400"/>
+              <a:t>Contact Tracing</a:t>
+            </a:r>
           </a:p>
         </p:txBody>
       </p:sp>
@@ -20441,7 +21092,7 @@
 </p:sld>
 </file>
 
-<file path=ppt/slides/slide22.xml><?xml version="1.0" encoding="utf-8"?>
+<file path=ppt/slides/slide24.xml><?xml version="1.0" encoding="utf-8"?>
 <p:sld xmlns:a="http://schemas.openxmlformats.org/drawingml/2006/main" xmlns:r="http://schemas.openxmlformats.org/officeDocument/2006/relationships" xmlns:p="http://schemas.openxmlformats.org/presentationml/2006/main">
   <p:cSld>
     <p:spTree>
@@ -20501,7 +21152,7 @@
         </p:nvSpPr>
         <p:spPr>
           <a:xfrm>
-            <a:off x="838200" y="3300490"/>
+            <a:off x="1660321" y="3300490"/>
             <a:ext cx="4044193" cy="1046440"/>
           </a:xfrm>
           <a:prstGeom prst="rect">
@@ -20580,7 +21231,7 @@
         </p:nvSpPr>
         <p:spPr>
           <a:xfrm>
-            <a:off x="838200" y="4668283"/>
+            <a:off x="1660321" y="4668283"/>
             <a:ext cx="3935136" cy="1046440"/>
           </a:xfrm>
           <a:prstGeom prst="rect">
@@ -20648,7 +21299,7 @@
         </p:nvSpPr>
         <p:spPr>
           <a:xfrm>
-            <a:off x="838200" y="1690688"/>
+            <a:off x="1660321" y="1690688"/>
             <a:ext cx="9488648" cy="1077218"/>
           </a:xfrm>
           <a:prstGeom prst="rect">
